--- a/Arquitetura.pptx
+++ b/Arquitetura.pptx
@@ -16399,14 +16399,14 @@
         <p:spPr>
           <a:xfrm>
             <a:off x="2058959" y="4229100"/>
-            <a:ext cx="0" cy="297180"/>
+            <a:ext cx="0" cy="325754"/>
           </a:xfrm>
           <a:prstGeom prst="line">
             <a:avLst/>
           </a:prstGeom>
           <a:ln w="6350">
             <a:solidFill>
-              <a:schemeClr val="accent5"/>
+              <a:srgbClr val="FF0000"/>
             </a:solidFill>
           </a:ln>
         </p:spPr>
@@ -16433,8 +16433,8 @@
         </p:nvCxnSpPr>
         <p:spPr>
           <a:xfrm flipV="1">
-            <a:off x="1881316" y="4503420"/>
-            <a:ext cx="8113741" cy="34290"/>
+            <a:off x="2058959" y="4503420"/>
+            <a:ext cx="7936098" cy="51434"/>
           </a:xfrm>
           <a:prstGeom prst="straightConnector1">
             <a:avLst/>
@@ -16535,63 +16535,6 @@
           </a:fontRef>
         </p:style>
       </p:cxnSp>
-      <p:sp>
-        <p:nvSpPr>
-          <p:cNvPr id="50" name="Rectangle 49"/>
-          <p:cNvSpPr/>
-          <p:nvPr/>
-        </p:nvSpPr>
-        <p:spPr bwMode="gray">
-          <a:xfrm>
-            <a:off x="1881316" y="4377690"/>
-            <a:ext cx="177642" cy="240030"/>
-          </a:xfrm>
-          <a:prstGeom prst="rect">
-            <a:avLst/>
-          </a:prstGeom>
-          <a:solidFill>
-            <a:schemeClr val="bg1"/>
-          </a:solidFill>
-          <a:ln w="6350" algn="ctr">
-            <a:noFill/>
-            <a:miter lim="800000"/>
-            <a:headEnd/>
-            <a:tailEnd/>
-          </a:ln>
-        </p:spPr>
-        <p:txBody>
-          <a:bodyPr lIns="90000" tIns="72000" rIns="90000" bIns="72000" rtlCol="0" anchor="ctr"/>
-          <a:lstStyle/>
-          <a:p>
-            <a:pPr marR="0" algn="ctr" defTabSz="914400" eaLnBrk="1" fontAlgn="base" latinLnBrk="0" hangingPunct="1">
-              <a:lnSpc>
-                <a:spcPct val="100000"/>
-              </a:lnSpc>
-              <a:spcBef>
-                <a:spcPct val="50000"/>
-              </a:spcBef>
-              <a:spcAft>
-                <a:spcPct val="0"/>
-              </a:spcAft>
-              <a:buClr>
-                <a:srgbClr val="F0AB00"/>
-              </a:buClr>
-              <a:buSzPct val="80000"/>
-              <a:tabLst/>
-            </a:pPr>
-            <a:endParaRPr kumimoji="0" lang="pt-BR" sz="2000" b="0" i="0" u="none" strike="noStrike" kern="0" cap="none" spc="0" normalizeH="0" baseline="0" noProof="1">
-              <a:ln>
-                <a:noFill/>
-              </a:ln>
-              <a:effectLst/>
-              <a:uLnTx/>
-              <a:uFillTx/>
-              <a:ea typeface="Arial Unicode MS" pitchFamily="34" charset="-128"/>
-              <a:cs typeface="Arial Unicode MS" pitchFamily="34" charset="-128"/>
-            </a:endParaRPr>
-          </a:p>
-        </p:txBody>
-      </p:sp>
       <p:cxnSp>
         <p:nvCxnSpPr>
           <p:cNvPr id="52" name="Straight Connector 51"/>
@@ -17279,6 +17222,68 @@
           </a:p>
         </p:txBody>
       </p:sp>
+      <p:sp>
+        <p:nvSpPr>
+          <p:cNvPr id="43" name="Rounded Rectangle 42"/>
+          <p:cNvSpPr/>
+          <p:nvPr/>
+        </p:nvSpPr>
+        <p:spPr bwMode="gray">
+          <a:xfrm>
+            <a:off x="2021161" y="2528278"/>
+            <a:ext cx="1143000" cy="240030"/>
+          </a:xfrm>
+          <a:prstGeom prst="roundRect">
+            <a:avLst/>
+          </a:prstGeom>
+          <a:solidFill>
+            <a:schemeClr val="accent5">
+              <a:alpha val="80000"/>
+            </a:schemeClr>
+          </a:solidFill>
+          <a:ln w="6350" algn="ctr">
+            <a:noFill/>
+            <a:miter lim="800000"/>
+            <a:headEnd/>
+            <a:tailEnd/>
+          </a:ln>
+        </p:spPr>
+        <p:txBody>
+          <a:bodyPr lIns="90000" tIns="72000" rIns="90000" bIns="72000" rtlCol="0" anchor="ctr"/>
+          <a:lstStyle/>
+          <a:p>
+            <a:pPr marR="0" algn="ctr" defTabSz="914400" eaLnBrk="1" fontAlgn="base" latinLnBrk="0" hangingPunct="1">
+              <a:lnSpc>
+                <a:spcPct val="100000"/>
+              </a:lnSpc>
+              <a:spcBef>
+                <a:spcPct val="50000"/>
+              </a:spcBef>
+              <a:spcAft>
+                <a:spcPct val="0"/>
+              </a:spcAft>
+              <a:buClr>
+                <a:srgbClr val="F0AB00"/>
+              </a:buClr>
+              <a:buSzPct val="80000"/>
+              <a:tabLst/>
+            </a:pPr>
+            <a:r>
+              <a:rPr kumimoji="0" lang="pt-BR" sz="1400" b="0" i="0" u="none" strike="noStrike" kern="0" cap="none" spc="0" normalizeH="0" baseline="0" noProof="1">
+                <a:ln>
+                  <a:noFill/>
+                </a:ln>
+                <a:effectLst/>
+                <a:uLnTx/>
+                <a:uFillTx/>
+                <a:ea typeface="Arial Unicode MS" pitchFamily="34" charset="-128"/>
+                <a:cs typeface="Arial Unicode MS" pitchFamily="34" charset="-128"/>
+              </a:rPr>
+              <a:t>Docker</a:t>
+            </a:r>
+          </a:p>
+        </p:txBody>
+      </p:sp>
     </p:spTree>
     <p:extLst>
       <p:ext uri="{BB962C8B-B14F-4D97-AF65-F5344CB8AC3E}">
@@ -17440,7 +17445,7 @@
         </p:nvSpPr>
         <p:spPr>
           <a:xfrm>
-            <a:off x="1714500" y="4901736"/>
+            <a:off x="1714500" y="4010196"/>
             <a:ext cx="2208938" cy="215444"/>
           </a:xfrm>
           <a:prstGeom prst="rect">
@@ -17484,7 +17489,7 @@
         </p:nvSpPr>
         <p:spPr bwMode="gray">
           <a:xfrm>
-            <a:off x="4213944" y="4808914"/>
+            <a:off x="4213944" y="3917374"/>
             <a:ext cx="411480" cy="390698"/>
           </a:xfrm>
           <a:prstGeom prst="ellipse">
@@ -17557,7 +17562,7 @@
         </p:nvSpPr>
         <p:spPr>
           <a:xfrm>
-            <a:off x="4739140" y="4896541"/>
+            <a:off x="4739140" y="4005001"/>
             <a:ext cx="2358018" cy="215444"/>
           </a:xfrm>
           <a:prstGeom prst="rect">
@@ -17601,8 +17606,8 @@
         </p:nvSpPr>
         <p:spPr bwMode="gray">
           <a:xfrm>
-            <a:off x="693353" y="1497330"/>
-            <a:ext cx="2438467" cy="2823210"/>
+            <a:off x="693353" y="1728439"/>
+            <a:ext cx="2438467" cy="1977598"/>
           </a:xfrm>
           <a:prstGeom prst="roundRect">
             <a:avLst/>
@@ -17640,19 +17645,79 @@
               <a:buSzPct val="80000"/>
               <a:tabLst/>
             </a:pPr>
-            <a:r>
-              <a:rPr kumimoji="0" lang="pt-BR" sz="2000" b="0" i="0" u="none" strike="noStrike" kern="0" cap="none" spc="0" normalizeH="0" baseline="0" noProof="1">
-                <a:ln>
-                  <a:noFill/>
-                </a:ln>
-                <a:effectLst/>
-                <a:uLnTx/>
-                <a:uFillTx/>
+            <a:endParaRPr kumimoji="0" lang="pt-BR" sz="1400" b="0" i="0" u="none" strike="noStrike" kern="0" cap="none" spc="0" normalizeH="0" baseline="0" noProof="1">
+              <a:ln>
+                <a:noFill/>
+              </a:ln>
+              <a:effectLst/>
+              <a:uLnTx/>
+              <a:uFillTx/>
+              <a:ea typeface="Arial Unicode MS" pitchFamily="34" charset="-128"/>
+              <a:cs typeface="Arial Unicode MS" pitchFamily="34" charset="-128"/>
+            </a:endParaRPr>
+          </a:p>
+          <a:p>
+            <a:pPr marR="0" algn="ctr" defTabSz="914400" eaLnBrk="1" fontAlgn="base" latinLnBrk="0" hangingPunct="1">
+              <a:lnSpc>
+                <a:spcPct val="100000"/>
+              </a:lnSpc>
+              <a:spcBef>
+                <a:spcPct val="50000"/>
+              </a:spcBef>
+              <a:spcAft>
+                <a:spcPct val="0"/>
+              </a:spcAft>
+              <a:buClr>
+                <a:srgbClr val="F0AB00"/>
+              </a:buClr>
+              <a:buSzPct val="80000"/>
+              <a:tabLst/>
+            </a:pPr>
+            <a:endParaRPr kumimoji="0" lang="pt-BR" sz="1400" b="0" i="0" u="none" strike="noStrike" kern="0" cap="none" spc="0" normalizeH="0" baseline="0" noProof="1">
+              <a:ln>
+                <a:noFill/>
+              </a:ln>
+              <a:effectLst/>
+              <a:uLnTx/>
+              <a:uFillTx/>
+              <a:ea typeface="Arial Unicode MS" pitchFamily="34" charset="-128"/>
+              <a:cs typeface="Arial Unicode MS" pitchFamily="34" charset="-128"/>
+            </a:endParaRPr>
+          </a:p>
+          <a:p>
+            <a:pPr marR="0" algn="ctr" defTabSz="914400" eaLnBrk="1" fontAlgn="base" latinLnBrk="0" hangingPunct="1">
+              <a:lnSpc>
+                <a:spcPct val="100000"/>
+              </a:lnSpc>
+              <a:spcBef>
+                <a:spcPct val="50000"/>
+              </a:spcBef>
+              <a:spcAft>
+                <a:spcPct val="0"/>
+              </a:spcAft>
+              <a:buClr>
+                <a:srgbClr val="F0AB00"/>
+              </a:buClr>
+              <a:buSzPct val="80000"/>
+              <a:tabLst/>
+            </a:pPr>
+            <a:r>
+              <a:rPr lang="pt-BR" sz="2000" kern="0" noProof="1">
                 <a:ea typeface="Arial Unicode MS" pitchFamily="34" charset="-128"/>
                 <a:cs typeface="Arial Unicode MS" pitchFamily="34" charset="-128"/>
               </a:rPr>
-              <a:t>Host</a:t>
-            </a:r>
+              <a:t>Nó</a:t>
+            </a:r>
+            <a:endParaRPr kumimoji="0" lang="pt-BR" sz="2000" b="0" i="0" u="none" strike="noStrike" kern="0" cap="none" spc="0" normalizeH="0" baseline="0" noProof="1">
+              <a:ln>
+                <a:noFill/>
+              </a:ln>
+              <a:effectLst/>
+              <a:uLnTx/>
+              <a:uFillTx/>
+              <a:ea typeface="Arial Unicode MS" pitchFamily="34" charset="-128"/>
+              <a:cs typeface="Arial Unicode MS" pitchFamily="34" charset="-128"/>
+            </a:endParaRPr>
           </a:p>
           <a:p>
             <a:pPr marR="0" algn="ctr" defTabSz="914400" eaLnBrk="1" fontAlgn="base" latinLnBrk="0" hangingPunct="1">
@@ -17792,8 +17857,8 @@
         </p:nvSpPr>
         <p:spPr bwMode="gray">
           <a:xfrm>
-            <a:off x="791290" y="2028103"/>
-            <a:ext cx="1012051" cy="2145786"/>
+            <a:off x="791290" y="2085251"/>
+            <a:ext cx="1012051" cy="1505442"/>
           </a:xfrm>
           <a:prstGeom prst="roundRect">
             <a:avLst/>
@@ -17811,6 +17876,50 @@
         <p:txBody>
           <a:bodyPr lIns="90000" tIns="72000" rIns="90000" bIns="72000" rtlCol="0" anchor="ctr"/>
           <a:lstStyle/>
+          <a:p>
+            <a:pPr marR="0" algn="ctr" defTabSz="914400" eaLnBrk="1" fontAlgn="base" latinLnBrk="0" hangingPunct="1">
+              <a:lnSpc>
+                <a:spcPct val="100000"/>
+              </a:lnSpc>
+              <a:spcBef>
+                <a:spcPct val="50000"/>
+              </a:spcBef>
+              <a:spcAft>
+                <a:spcPct val="0"/>
+              </a:spcAft>
+              <a:buClr>
+                <a:srgbClr val="F0AB00"/>
+              </a:buClr>
+              <a:buSzPct val="80000"/>
+              <a:tabLst/>
+            </a:pPr>
+            <a:endParaRPr lang="pt-BR" sz="1800" kern="0" noProof="1">
+              <a:ea typeface="Arial Unicode MS" pitchFamily="34" charset="-128"/>
+              <a:cs typeface="Arial Unicode MS" pitchFamily="34" charset="-128"/>
+            </a:endParaRPr>
+          </a:p>
+          <a:p>
+            <a:pPr marR="0" algn="ctr" defTabSz="914400" eaLnBrk="1" fontAlgn="base" latinLnBrk="0" hangingPunct="1">
+              <a:lnSpc>
+                <a:spcPct val="100000"/>
+              </a:lnSpc>
+              <a:spcBef>
+                <a:spcPct val="50000"/>
+              </a:spcBef>
+              <a:spcAft>
+                <a:spcPct val="0"/>
+              </a:spcAft>
+              <a:buClr>
+                <a:srgbClr val="F0AB00"/>
+              </a:buClr>
+              <a:buSzPct val="80000"/>
+              <a:tabLst/>
+            </a:pPr>
+            <a:endParaRPr lang="pt-BR" sz="1800" kern="0" noProof="1">
+              <a:ea typeface="Arial Unicode MS" pitchFamily="34" charset="-128"/>
+              <a:cs typeface="Arial Unicode MS" pitchFamily="34" charset="-128"/>
+            </a:endParaRPr>
+          </a:p>
           <a:p>
             <a:pPr marR="0" algn="ctr" defTabSz="914400" eaLnBrk="1" fontAlgn="base" latinLnBrk="0" hangingPunct="1">
               <a:lnSpc>
@@ -17952,76 +18061,7 @@
         </p:nvSpPr>
         <p:spPr bwMode="gray">
           <a:xfrm>
-            <a:off x="906850" y="2698684"/>
-            <a:ext cx="720000" cy="720000"/>
-          </a:xfrm>
-          <a:prstGeom prst="rect">
-            <a:avLst/>
-          </a:prstGeom>
-          <a:ln>
-            <a:headEnd/>
-            <a:tailEnd/>
-          </a:ln>
-        </p:spPr>
-        <p:style>
-          <a:lnRef idx="2">
-            <a:schemeClr val="dk1"/>
-          </a:lnRef>
-          <a:fillRef idx="1">
-            <a:schemeClr val="lt1"/>
-          </a:fillRef>
-          <a:effectRef idx="0">
-            <a:schemeClr val="dk1"/>
-          </a:effectRef>
-          <a:fontRef idx="minor">
-            <a:schemeClr val="dk1"/>
-          </a:fontRef>
-        </p:style>
-        <p:txBody>
-          <a:bodyPr lIns="90000" tIns="72000" rIns="90000" bIns="72000" rtlCol="0" anchor="ctr"/>
-          <a:lstStyle/>
-          <a:p>
-            <a:pPr marR="0" algn="ctr" defTabSz="914400" eaLnBrk="1" fontAlgn="base" latinLnBrk="0" hangingPunct="1">
-              <a:lnSpc>
-                <a:spcPct val="100000"/>
-              </a:lnSpc>
-              <a:spcBef>
-                <a:spcPct val="50000"/>
-              </a:spcBef>
-              <a:spcAft>
-                <a:spcPct val="0"/>
-              </a:spcAft>
-              <a:buClr>
-                <a:srgbClr val="F0AB00"/>
-              </a:buClr>
-              <a:buSzPct val="80000"/>
-              <a:tabLst/>
-            </a:pPr>
-            <a:r>
-              <a:rPr kumimoji="0" lang="pt-BR" sz="2000" b="0" i="0" u="none" strike="noStrike" kern="0" cap="none" spc="0" normalizeH="0" baseline="0" noProof="0" dirty="0">
-                <a:ln>
-                  <a:noFill/>
-                </a:ln>
-                <a:effectLst/>
-                <a:uLnTx/>
-                <a:uFillTx/>
-                <a:ea typeface="Arial Unicode MS" pitchFamily="34" charset="-128"/>
-                <a:cs typeface="Arial Unicode MS" pitchFamily="34" charset="-128"/>
-              </a:rPr>
-              <a:t>V</a:t>
-            </a:r>
-          </a:p>
-        </p:txBody>
-      </p:sp>
-      <p:sp>
-        <p:nvSpPr>
-          <p:cNvPr id="47" name="Rectangle 46"/>
-          <p:cNvSpPr/>
-          <p:nvPr/>
-        </p:nvSpPr>
-        <p:spPr bwMode="gray">
-          <a:xfrm>
-            <a:off x="1239233" y="4808914"/>
+            <a:off x="1099410" y="2642073"/>
             <a:ext cx="396000" cy="396000"/>
           </a:xfrm>
           <a:prstGeom prst="rect">
@@ -18084,14 +18124,83 @@
       </p:sp>
       <p:sp>
         <p:nvSpPr>
+          <p:cNvPr id="47" name="Rectangle 46"/>
+          <p:cNvSpPr/>
+          <p:nvPr/>
+        </p:nvSpPr>
+        <p:spPr bwMode="gray">
+          <a:xfrm>
+            <a:off x="1239233" y="3917374"/>
+            <a:ext cx="396000" cy="396000"/>
+          </a:xfrm>
+          <a:prstGeom prst="rect">
+            <a:avLst/>
+          </a:prstGeom>
+          <a:ln>
+            <a:headEnd/>
+            <a:tailEnd/>
+          </a:ln>
+        </p:spPr>
+        <p:style>
+          <a:lnRef idx="2">
+            <a:schemeClr val="dk1"/>
+          </a:lnRef>
+          <a:fillRef idx="1">
+            <a:schemeClr val="lt1"/>
+          </a:fillRef>
+          <a:effectRef idx="0">
+            <a:schemeClr val="dk1"/>
+          </a:effectRef>
+          <a:fontRef idx="minor">
+            <a:schemeClr val="dk1"/>
+          </a:fontRef>
+        </p:style>
+        <p:txBody>
+          <a:bodyPr lIns="90000" tIns="72000" rIns="90000" bIns="72000" rtlCol="0" anchor="ctr"/>
+          <a:lstStyle/>
+          <a:p>
+            <a:pPr marR="0" algn="ctr" defTabSz="914400" eaLnBrk="1" fontAlgn="base" latinLnBrk="0" hangingPunct="1">
+              <a:lnSpc>
+                <a:spcPct val="100000"/>
+              </a:lnSpc>
+              <a:spcBef>
+                <a:spcPct val="50000"/>
+              </a:spcBef>
+              <a:spcAft>
+                <a:spcPct val="0"/>
+              </a:spcAft>
+              <a:buClr>
+                <a:srgbClr val="F0AB00"/>
+              </a:buClr>
+              <a:buSzPct val="80000"/>
+              <a:tabLst/>
+            </a:pPr>
+            <a:r>
+              <a:rPr kumimoji="0" lang="pt-BR" sz="2000" b="0" i="0" u="none" strike="noStrike" kern="0" cap="none" spc="0" normalizeH="0" baseline="0" noProof="0" dirty="0">
+                <a:ln>
+                  <a:noFill/>
+                </a:ln>
+                <a:effectLst/>
+                <a:uLnTx/>
+                <a:uFillTx/>
+                <a:ea typeface="Arial Unicode MS" pitchFamily="34" charset="-128"/>
+                <a:cs typeface="Arial Unicode MS" pitchFamily="34" charset="-128"/>
+              </a:rPr>
+              <a:t>V</a:t>
+            </a:r>
+          </a:p>
+        </p:txBody>
+      </p:sp>
+      <p:sp>
+        <p:nvSpPr>
           <p:cNvPr id="48" name="Rounded Rectangle 47"/>
           <p:cNvSpPr/>
           <p:nvPr/>
         </p:nvSpPr>
         <p:spPr bwMode="gray">
           <a:xfrm>
-            <a:off x="1917675" y="1990949"/>
-            <a:ext cx="1073835" cy="2145786"/>
+            <a:off x="1917675" y="2085251"/>
+            <a:ext cx="1073835" cy="1526627"/>
           </a:xfrm>
           <a:prstGeom prst="roundRect">
             <a:avLst/>
@@ -18126,8 +18235,52 @@
               <a:buSzPct val="80000"/>
               <a:tabLst/>
             </a:pPr>
-            <a:r>
-              <a:rPr lang="pt-BR" sz="2000" kern="0" noProof="1">
+            <a:endParaRPr lang="pt-BR" sz="1800" kern="0" noProof="1">
+              <a:ea typeface="Arial Unicode MS" pitchFamily="34" charset="-128"/>
+              <a:cs typeface="Arial Unicode MS" pitchFamily="34" charset="-128"/>
+            </a:endParaRPr>
+          </a:p>
+          <a:p>
+            <a:pPr marR="0" algn="ctr" defTabSz="914400" eaLnBrk="1" fontAlgn="base" latinLnBrk="0" hangingPunct="1">
+              <a:lnSpc>
+                <a:spcPct val="100000"/>
+              </a:lnSpc>
+              <a:spcBef>
+                <a:spcPct val="50000"/>
+              </a:spcBef>
+              <a:spcAft>
+                <a:spcPct val="0"/>
+              </a:spcAft>
+              <a:buClr>
+                <a:srgbClr val="F0AB00"/>
+              </a:buClr>
+              <a:buSzPct val="80000"/>
+              <a:tabLst/>
+            </a:pPr>
+            <a:endParaRPr lang="pt-BR" sz="1800" kern="0" noProof="1">
+              <a:ea typeface="Arial Unicode MS" pitchFamily="34" charset="-128"/>
+              <a:cs typeface="Arial Unicode MS" pitchFamily="34" charset="-128"/>
+            </a:endParaRPr>
+          </a:p>
+          <a:p>
+            <a:pPr marR="0" algn="ctr" defTabSz="914400" eaLnBrk="1" fontAlgn="base" latinLnBrk="0" hangingPunct="1">
+              <a:lnSpc>
+                <a:spcPct val="100000"/>
+              </a:lnSpc>
+              <a:spcBef>
+                <a:spcPct val="50000"/>
+              </a:spcBef>
+              <a:spcAft>
+                <a:spcPct val="0"/>
+              </a:spcAft>
+              <a:buClr>
+                <a:srgbClr val="F0AB00"/>
+              </a:buClr>
+              <a:buSzPct val="80000"/>
+              <a:tabLst/>
+            </a:pPr>
+            <a:r>
+              <a:rPr lang="pt-BR" sz="1800" kern="0" noProof="1">
                 <a:ea typeface="Arial Unicode MS" pitchFamily="34" charset="-128"/>
                 <a:cs typeface="Arial Unicode MS" pitchFamily="34" charset="-128"/>
               </a:rPr>
@@ -18250,8 +18403,8 @@
         </p:nvSpPr>
         <p:spPr bwMode="gray">
           <a:xfrm>
-            <a:off x="3431177" y="1497330"/>
-            <a:ext cx="2438467" cy="2823210"/>
+            <a:off x="3431177" y="1728438"/>
+            <a:ext cx="2438467" cy="1977599"/>
           </a:xfrm>
           <a:prstGeom prst="roundRect">
             <a:avLst/>
@@ -18289,6 +18442,62 @@
               <a:buSzPct val="80000"/>
               <a:tabLst/>
             </a:pPr>
+            <a:endParaRPr kumimoji="0" lang="pt-BR" sz="1400" b="0" i="0" u="none" strike="noStrike" kern="0" cap="none" spc="0" normalizeH="0" baseline="0" noProof="1">
+              <a:ln>
+                <a:noFill/>
+              </a:ln>
+              <a:effectLst/>
+              <a:uLnTx/>
+              <a:uFillTx/>
+              <a:ea typeface="Arial Unicode MS" pitchFamily="34" charset="-128"/>
+              <a:cs typeface="Arial Unicode MS" pitchFamily="34" charset="-128"/>
+            </a:endParaRPr>
+          </a:p>
+          <a:p>
+            <a:pPr marR="0" algn="ctr" defTabSz="914400" eaLnBrk="1" fontAlgn="base" latinLnBrk="0" hangingPunct="1">
+              <a:lnSpc>
+                <a:spcPct val="100000"/>
+              </a:lnSpc>
+              <a:spcBef>
+                <a:spcPct val="50000"/>
+              </a:spcBef>
+              <a:spcAft>
+                <a:spcPct val="0"/>
+              </a:spcAft>
+              <a:buClr>
+                <a:srgbClr val="F0AB00"/>
+              </a:buClr>
+              <a:buSzPct val="80000"/>
+              <a:tabLst/>
+            </a:pPr>
+            <a:endParaRPr kumimoji="0" lang="pt-BR" sz="1400" b="0" i="0" u="none" strike="noStrike" kern="0" cap="none" spc="0" normalizeH="0" baseline="0" noProof="1">
+              <a:ln>
+                <a:noFill/>
+              </a:ln>
+              <a:effectLst/>
+              <a:uLnTx/>
+              <a:uFillTx/>
+              <a:ea typeface="Arial Unicode MS" pitchFamily="34" charset="-128"/>
+              <a:cs typeface="Arial Unicode MS" pitchFamily="34" charset="-128"/>
+            </a:endParaRPr>
+          </a:p>
+          <a:p>
+            <a:pPr marR="0" algn="ctr" defTabSz="914400" eaLnBrk="1" fontAlgn="base" latinLnBrk="0" hangingPunct="1">
+              <a:lnSpc>
+                <a:spcPct val="100000"/>
+              </a:lnSpc>
+              <a:spcBef>
+                <a:spcPct val="50000"/>
+              </a:spcBef>
+              <a:spcAft>
+                <a:spcPct val="0"/>
+              </a:spcAft>
+              <a:buClr>
+                <a:srgbClr val="F0AB00"/>
+              </a:buClr>
+              <a:buSzPct val="80000"/>
+              <a:tabLst/>
+            </a:pPr>
             <a:r>
               <a:rPr kumimoji="0" lang="pt-BR" sz="2000" b="0" i="0" u="none" strike="noStrike" kern="0" cap="none" spc="0" normalizeH="0" baseline="0" noProof="1">
                 <a:ln>
@@ -18300,7 +18509,7 @@
                 <a:ea typeface="Arial Unicode MS" pitchFamily="34" charset="-128"/>
                 <a:cs typeface="Arial Unicode MS" pitchFamily="34" charset="-128"/>
               </a:rPr>
-              <a:t>Host</a:t>
+              <a:t>Nó</a:t>
             </a:r>
           </a:p>
           <a:p>
@@ -18441,8 +18650,8 @@
         </p:nvSpPr>
         <p:spPr bwMode="gray">
           <a:xfrm>
-            <a:off x="3529114" y="2028103"/>
-            <a:ext cx="1012051" cy="2145786"/>
+            <a:off x="3529114" y="2085252"/>
+            <a:ext cx="1012051" cy="1526627"/>
           </a:xfrm>
           <a:prstGeom prst="roundRect">
             <a:avLst/>
@@ -18460,6 +18669,50 @@
         <p:txBody>
           <a:bodyPr lIns="90000" tIns="72000" rIns="90000" bIns="72000" rtlCol="0" anchor="ctr"/>
           <a:lstStyle/>
+          <a:p>
+            <a:pPr marR="0" algn="ctr" defTabSz="914400" eaLnBrk="1" fontAlgn="base" latinLnBrk="0" hangingPunct="1">
+              <a:lnSpc>
+                <a:spcPct val="100000"/>
+              </a:lnSpc>
+              <a:spcBef>
+                <a:spcPct val="50000"/>
+              </a:spcBef>
+              <a:spcAft>
+                <a:spcPct val="0"/>
+              </a:spcAft>
+              <a:buClr>
+                <a:srgbClr val="F0AB00"/>
+              </a:buClr>
+              <a:buSzPct val="80000"/>
+              <a:tabLst/>
+            </a:pPr>
+            <a:endParaRPr lang="pt-BR" sz="1800" kern="0" noProof="1">
+              <a:ea typeface="Arial Unicode MS" pitchFamily="34" charset="-128"/>
+              <a:cs typeface="Arial Unicode MS" pitchFamily="34" charset="-128"/>
+            </a:endParaRPr>
+          </a:p>
+          <a:p>
+            <a:pPr marR="0" algn="ctr" defTabSz="914400" eaLnBrk="1" fontAlgn="base" latinLnBrk="0" hangingPunct="1">
+              <a:lnSpc>
+                <a:spcPct val="100000"/>
+              </a:lnSpc>
+              <a:spcBef>
+                <a:spcPct val="50000"/>
+              </a:spcBef>
+              <a:spcAft>
+                <a:spcPct val="0"/>
+              </a:spcAft>
+              <a:buClr>
+                <a:srgbClr val="F0AB00"/>
+              </a:buClr>
+              <a:buSzPct val="80000"/>
+              <a:tabLst/>
+            </a:pPr>
+            <a:endParaRPr lang="pt-BR" sz="1800" kern="0" noProof="1">
+              <a:ea typeface="Arial Unicode MS" pitchFamily="34" charset="-128"/>
+              <a:cs typeface="Arial Unicode MS" pitchFamily="34" charset="-128"/>
+            </a:endParaRPr>
+          </a:p>
           <a:p>
             <a:pPr marR="0" algn="ctr" defTabSz="914400" eaLnBrk="1" fontAlgn="base" latinLnBrk="0" hangingPunct="1">
               <a:lnSpc>
@@ -18601,8 +18854,8 @@
         </p:nvSpPr>
         <p:spPr bwMode="gray">
           <a:xfrm>
-            <a:off x="4655499" y="1990949"/>
-            <a:ext cx="1073835" cy="2145786"/>
+            <a:off x="4655499" y="2085253"/>
+            <a:ext cx="1073835" cy="1505440"/>
           </a:xfrm>
           <a:prstGeom prst="roundRect">
             <a:avLst/>
@@ -18637,8 +18890,52 @@
               <a:buSzPct val="80000"/>
               <a:tabLst/>
             </a:pPr>
-            <a:r>
-              <a:rPr lang="pt-BR" sz="2000" kern="0" noProof="1">
+            <a:endParaRPr lang="pt-BR" sz="1800" kern="0" noProof="1">
+              <a:ea typeface="Arial Unicode MS" pitchFamily="34" charset="-128"/>
+              <a:cs typeface="Arial Unicode MS" pitchFamily="34" charset="-128"/>
+            </a:endParaRPr>
+          </a:p>
+          <a:p>
+            <a:pPr marR="0" algn="ctr" defTabSz="914400" eaLnBrk="1" fontAlgn="base" latinLnBrk="0" hangingPunct="1">
+              <a:lnSpc>
+                <a:spcPct val="100000"/>
+              </a:lnSpc>
+              <a:spcBef>
+                <a:spcPct val="50000"/>
+              </a:spcBef>
+              <a:spcAft>
+                <a:spcPct val="0"/>
+              </a:spcAft>
+              <a:buClr>
+                <a:srgbClr val="F0AB00"/>
+              </a:buClr>
+              <a:buSzPct val="80000"/>
+              <a:tabLst/>
+            </a:pPr>
+            <a:endParaRPr lang="pt-BR" sz="1800" kern="0" noProof="1">
+              <a:ea typeface="Arial Unicode MS" pitchFamily="34" charset="-128"/>
+              <a:cs typeface="Arial Unicode MS" pitchFamily="34" charset="-128"/>
+            </a:endParaRPr>
+          </a:p>
+          <a:p>
+            <a:pPr marR="0" algn="ctr" defTabSz="914400" eaLnBrk="1" fontAlgn="base" latinLnBrk="0" hangingPunct="1">
+              <a:lnSpc>
+                <a:spcPct val="100000"/>
+              </a:lnSpc>
+              <a:spcBef>
+                <a:spcPct val="50000"/>
+              </a:spcBef>
+              <a:spcAft>
+                <a:spcPct val="0"/>
+              </a:spcAft>
+              <a:buClr>
+                <a:srgbClr val="F0AB00"/>
+              </a:buClr>
+              <a:buSzPct val="80000"/>
+              <a:tabLst/>
+            </a:pPr>
+            <a:r>
+              <a:rPr lang="pt-BR" sz="1800" kern="0" noProof="1">
                 <a:ea typeface="Arial Unicode MS" pitchFamily="34" charset="-128"/>
                 <a:cs typeface="Arial Unicode MS" pitchFamily="34" charset="-128"/>
               </a:rPr>
@@ -18761,8 +19058,8 @@
         </p:nvSpPr>
         <p:spPr bwMode="gray">
           <a:xfrm>
-            <a:off x="6169001" y="1554480"/>
-            <a:ext cx="2438467" cy="2823210"/>
+            <a:off x="6169001" y="1728439"/>
+            <a:ext cx="2438467" cy="1977598"/>
           </a:xfrm>
           <a:prstGeom prst="roundRect">
             <a:avLst/>
@@ -18800,6 +19097,62 @@
               <a:buSzPct val="80000"/>
               <a:tabLst/>
             </a:pPr>
+            <a:endParaRPr kumimoji="0" lang="pt-BR" sz="1400" b="0" i="0" u="none" strike="noStrike" kern="0" cap="none" spc="0" normalizeH="0" baseline="0" noProof="1">
+              <a:ln>
+                <a:noFill/>
+              </a:ln>
+              <a:effectLst/>
+              <a:uLnTx/>
+              <a:uFillTx/>
+              <a:ea typeface="Arial Unicode MS" pitchFamily="34" charset="-128"/>
+              <a:cs typeface="Arial Unicode MS" pitchFamily="34" charset="-128"/>
+            </a:endParaRPr>
+          </a:p>
+          <a:p>
+            <a:pPr marR="0" algn="ctr" defTabSz="914400" eaLnBrk="1" fontAlgn="base" latinLnBrk="0" hangingPunct="1">
+              <a:lnSpc>
+                <a:spcPct val="100000"/>
+              </a:lnSpc>
+              <a:spcBef>
+                <a:spcPct val="50000"/>
+              </a:spcBef>
+              <a:spcAft>
+                <a:spcPct val="0"/>
+              </a:spcAft>
+              <a:buClr>
+                <a:srgbClr val="F0AB00"/>
+              </a:buClr>
+              <a:buSzPct val="80000"/>
+              <a:tabLst/>
+            </a:pPr>
+            <a:endParaRPr kumimoji="0" lang="pt-BR" sz="1400" b="0" i="0" u="none" strike="noStrike" kern="0" cap="none" spc="0" normalizeH="0" baseline="0" noProof="1">
+              <a:ln>
+                <a:noFill/>
+              </a:ln>
+              <a:effectLst/>
+              <a:uLnTx/>
+              <a:uFillTx/>
+              <a:ea typeface="Arial Unicode MS" pitchFamily="34" charset="-128"/>
+              <a:cs typeface="Arial Unicode MS" pitchFamily="34" charset="-128"/>
+            </a:endParaRPr>
+          </a:p>
+          <a:p>
+            <a:pPr marR="0" algn="ctr" defTabSz="914400" eaLnBrk="1" fontAlgn="base" latinLnBrk="0" hangingPunct="1">
+              <a:lnSpc>
+                <a:spcPct val="100000"/>
+              </a:lnSpc>
+              <a:spcBef>
+                <a:spcPct val="50000"/>
+              </a:spcBef>
+              <a:spcAft>
+                <a:spcPct val="0"/>
+              </a:spcAft>
+              <a:buClr>
+                <a:srgbClr val="F0AB00"/>
+              </a:buClr>
+              <a:buSzPct val="80000"/>
+              <a:tabLst/>
+            </a:pPr>
             <a:r>
               <a:rPr kumimoji="0" lang="pt-BR" sz="2000" b="0" i="0" u="none" strike="noStrike" kern="0" cap="none" spc="0" normalizeH="0" baseline="0" noProof="1">
                 <a:ln>
@@ -18811,7 +19164,7 @@
                 <a:ea typeface="Arial Unicode MS" pitchFamily="34" charset="-128"/>
                 <a:cs typeface="Arial Unicode MS" pitchFamily="34" charset="-128"/>
               </a:rPr>
-              <a:t>Host</a:t>
+              <a:t>Nó</a:t>
             </a:r>
           </a:p>
           <a:p>
@@ -18953,7 +19306,7 @@
         <p:spPr bwMode="gray">
           <a:xfrm>
             <a:off x="6266938" y="2085253"/>
-            <a:ext cx="1012051" cy="2145786"/>
+            <a:ext cx="1012051" cy="1505440"/>
           </a:xfrm>
           <a:prstGeom prst="roundRect">
             <a:avLst/>
@@ -18971,6 +19324,50 @@
         <p:txBody>
           <a:bodyPr lIns="90000" tIns="72000" rIns="90000" bIns="72000" rtlCol="0" anchor="ctr"/>
           <a:lstStyle/>
+          <a:p>
+            <a:pPr marR="0" algn="ctr" defTabSz="914400" eaLnBrk="1" fontAlgn="base" latinLnBrk="0" hangingPunct="1">
+              <a:lnSpc>
+                <a:spcPct val="100000"/>
+              </a:lnSpc>
+              <a:spcBef>
+                <a:spcPct val="50000"/>
+              </a:spcBef>
+              <a:spcAft>
+                <a:spcPct val="0"/>
+              </a:spcAft>
+              <a:buClr>
+                <a:srgbClr val="F0AB00"/>
+              </a:buClr>
+              <a:buSzPct val="80000"/>
+              <a:tabLst/>
+            </a:pPr>
+            <a:endParaRPr lang="pt-BR" sz="1800" kern="0" noProof="1">
+              <a:ea typeface="Arial Unicode MS" pitchFamily="34" charset="-128"/>
+              <a:cs typeface="Arial Unicode MS" pitchFamily="34" charset="-128"/>
+            </a:endParaRPr>
+          </a:p>
+          <a:p>
+            <a:pPr marR="0" algn="ctr" defTabSz="914400" eaLnBrk="1" fontAlgn="base" latinLnBrk="0" hangingPunct="1">
+              <a:lnSpc>
+                <a:spcPct val="100000"/>
+              </a:lnSpc>
+              <a:spcBef>
+                <a:spcPct val="50000"/>
+              </a:spcBef>
+              <a:spcAft>
+                <a:spcPct val="0"/>
+              </a:spcAft>
+              <a:buClr>
+                <a:srgbClr val="F0AB00"/>
+              </a:buClr>
+              <a:buSzPct val="80000"/>
+              <a:tabLst/>
+            </a:pPr>
+            <a:endParaRPr lang="pt-BR" sz="1800" kern="0" noProof="1">
+              <a:ea typeface="Arial Unicode MS" pitchFamily="34" charset="-128"/>
+              <a:cs typeface="Arial Unicode MS" pitchFamily="34" charset="-128"/>
+            </a:endParaRPr>
+          </a:p>
           <a:p>
             <a:pPr marR="0" algn="ctr" defTabSz="914400" eaLnBrk="1" fontAlgn="base" latinLnBrk="0" hangingPunct="1">
               <a:lnSpc>
@@ -19112,8 +19509,8 @@
         </p:nvSpPr>
         <p:spPr bwMode="gray">
           <a:xfrm>
-            <a:off x="7393323" y="2048099"/>
-            <a:ext cx="1073835" cy="2145786"/>
+            <a:off x="7393323" y="2085253"/>
+            <a:ext cx="1073835" cy="1505440"/>
           </a:xfrm>
           <a:prstGeom prst="roundRect">
             <a:avLst/>
@@ -19148,8 +19545,74 @@
               <a:buSzPct val="80000"/>
               <a:tabLst/>
             </a:pPr>
-            <a:r>
-              <a:rPr lang="pt-BR" sz="2000" kern="0" noProof="1">
+            <a:endParaRPr lang="pt-BR" sz="1800" kern="0" noProof="1">
+              <a:ea typeface="Arial Unicode MS" pitchFamily="34" charset="-128"/>
+              <a:cs typeface="Arial Unicode MS" pitchFamily="34" charset="-128"/>
+            </a:endParaRPr>
+          </a:p>
+          <a:p>
+            <a:pPr marR="0" algn="ctr" defTabSz="914400" eaLnBrk="1" fontAlgn="base" latinLnBrk="0" hangingPunct="1">
+              <a:lnSpc>
+                <a:spcPct val="100000"/>
+              </a:lnSpc>
+              <a:spcBef>
+                <a:spcPct val="50000"/>
+              </a:spcBef>
+              <a:spcAft>
+                <a:spcPct val="0"/>
+              </a:spcAft>
+              <a:buClr>
+                <a:srgbClr val="F0AB00"/>
+              </a:buClr>
+              <a:buSzPct val="80000"/>
+              <a:tabLst/>
+            </a:pPr>
+            <a:endParaRPr lang="pt-BR" sz="1800" kern="0" noProof="1">
+              <a:ea typeface="Arial Unicode MS" pitchFamily="34" charset="-128"/>
+              <a:cs typeface="Arial Unicode MS" pitchFamily="34" charset="-128"/>
+            </a:endParaRPr>
+          </a:p>
+          <a:p>
+            <a:pPr marR="0" algn="ctr" defTabSz="914400" eaLnBrk="1" fontAlgn="base" latinLnBrk="0" hangingPunct="1">
+              <a:lnSpc>
+                <a:spcPct val="100000"/>
+              </a:lnSpc>
+              <a:spcBef>
+                <a:spcPct val="50000"/>
+              </a:spcBef>
+              <a:spcAft>
+                <a:spcPct val="0"/>
+              </a:spcAft>
+              <a:buClr>
+                <a:srgbClr val="F0AB00"/>
+              </a:buClr>
+              <a:buSzPct val="80000"/>
+              <a:tabLst/>
+            </a:pPr>
+            <a:endParaRPr lang="pt-BR" sz="1800" kern="0" noProof="1">
+              <a:ea typeface="Arial Unicode MS" pitchFamily="34" charset="-128"/>
+              <a:cs typeface="Arial Unicode MS" pitchFamily="34" charset="-128"/>
+            </a:endParaRPr>
+          </a:p>
+          <a:p>
+            <a:pPr marR="0" algn="ctr" defTabSz="914400" eaLnBrk="1" fontAlgn="base" latinLnBrk="0" hangingPunct="1">
+              <a:lnSpc>
+                <a:spcPct val="100000"/>
+              </a:lnSpc>
+              <a:spcBef>
+                <a:spcPct val="50000"/>
+              </a:spcBef>
+              <a:spcAft>
+                <a:spcPct val="0"/>
+              </a:spcAft>
+              <a:buClr>
+                <a:srgbClr val="F0AB00"/>
+              </a:buClr>
+              <a:buSzPct val="80000"/>
+              <a:tabLst/>
+            </a:pPr>
+            <a:r>
+              <a:rPr lang="pt-BR" sz="1800" kern="0" noProof="1">
                 <a:ea typeface="Arial Unicode MS" pitchFamily="34" charset="-128"/>
                 <a:cs typeface="Arial Unicode MS" pitchFamily="34" charset="-128"/>
               </a:rPr>
@@ -19201,7 +19664,13 @@
               <a:buSzPct val="80000"/>
               <a:tabLst/>
             </a:pPr>
-            <a:endParaRPr lang="pt-BR" sz="2000" kern="0" noProof="1">
+            <a:endParaRPr kumimoji="0" lang="pt-BR" sz="2000" b="0" i="0" u="none" strike="noStrike" kern="0" cap="none" spc="0" normalizeH="0" baseline="0" noProof="1">
+              <a:ln>
+                <a:noFill/>
+              </a:ln>
+              <a:effectLst/>
+              <a:uLnTx/>
+              <a:uFillTx/>
               <a:ea typeface="Arial Unicode MS" pitchFamily="34" charset="-128"/>
               <a:cs typeface="Arial Unicode MS" pitchFamily="34" charset="-128"/>
             </a:endParaRPr>
@@ -19251,7 +19720,29 @@
               <a:buSzPct val="80000"/>
               <a:tabLst/>
             </a:pPr>
-            <a:endParaRPr kumimoji="0" lang="pt-BR" sz="2000" b="0" i="0" u="none" strike="noStrike" kern="0" cap="none" spc="0" normalizeH="0" baseline="0" noProof="1">
+            <a:endParaRPr lang="pt-BR" sz="2000" kern="0" noProof="1">
+              <a:ea typeface="Arial Unicode MS" pitchFamily="34" charset="-128"/>
+              <a:cs typeface="Arial Unicode MS" pitchFamily="34" charset="-128"/>
+            </a:endParaRPr>
+          </a:p>
+          <a:p>
+            <a:pPr marR="0" algn="ctr" defTabSz="914400" eaLnBrk="1" fontAlgn="base" latinLnBrk="0" hangingPunct="1">
+              <a:lnSpc>
+                <a:spcPct val="100000"/>
+              </a:lnSpc>
+              <a:spcBef>
+                <a:spcPct val="50000"/>
+              </a:spcBef>
+              <a:spcAft>
+                <a:spcPct val="0"/>
+              </a:spcAft>
+              <a:buClr>
+                <a:srgbClr val="F0AB00"/>
+              </a:buClr>
+              <a:buSzPct val="80000"/>
+              <a:tabLst/>
+            </a:pPr>
+            <a:endParaRPr kumimoji="0" lang="pt-BR" sz="1800" b="0" i="0" u="none" strike="noStrike" kern="0" cap="none" spc="0" normalizeH="0" baseline="0" noProof="1">
               <a:ln>
                 <a:noFill/>
               </a:ln>
@@ -19272,8 +19763,8 @@
         </p:nvSpPr>
         <p:spPr bwMode="gray">
           <a:xfrm>
-            <a:off x="8988095" y="1539421"/>
-            <a:ext cx="2438467" cy="2823210"/>
+            <a:off x="8988094" y="1728438"/>
+            <a:ext cx="2438467" cy="1977598"/>
           </a:xfrm>
           <a:prstGeom prst="roundRect">
             <a:avLst/>
@@ -19311,6 +19802,50 @@
               <a:buSzPct val="80000"/>
               <a:tabLst/>
             </a:pPr>
+            <a:endParaRPr lang="pt-BR" sz="1400" kern="0" noProof="1">
+              <a:ea typeface="Arial Unicode MS" pitchFamily="34" charset="-128"/>
+              <a:cs typeface="Arial Unicode MS" pitchFamily="34" charset="-128"/>
+            </a:endParaRPr>
+          </a:p>
+          <a:p>
+            <a:pPr marR="0" algn="ctr" defTabSz="914400" eaLnBrk="1" fontAlgn="base" latinLnBrk="0" hangingPunct="1">
+              <a:lnSpc>
+                <a:spcPct val="100000"/>
+              </a:lnSpc>
+              <a:spcBef>
+                <a:spcPct val="50000"/>
+              </a:spcBef>
+              <a:spcAft>
+                <a:spcPct val="0"/>
+              </a:spcAft>
+              <a:buClr>
+                <a:srgbClr val="F0AB00"/>
+              </a:buClr>
+              <a:buSzPct val="80000"/>
+              <a:tabLst/>
+            </a:pPr>
+            <a:endParaRPr lang="pt-BR" sz="1400" kern="0" noProof="1">
+              <a:ea typeface="Arial Unicode MS" pitchFamily="34" charset="-128"/>
+              <a:cs typeface="Arial Unicode MS" pitchFamily="34" charset="-128"/>
+            </a:endParaRPr>
+          </a:p>
+          <a:p>
+            <a:pPr marR="0" algn="ctr" defTabSz="914400" eaLnBrk="1" fontAlgn="base" latinLnBrk="0" hangingPunct="1">
+              <a:lnSpc>
+                <a:spcPct val="100000"/>
+              </a:lnSpc>
+              <a:spcBef>
+                <a:spcPct val="50000"/>
+              </a:spcBef>
+              <a:spcAft>
+                <a:spcPct val="0"/>
+              </a:spcAft>
+              <a:buClr>
+                <a:srgbClr val="F0AB00"/>
+              </a:buClr>
+              <a:buSzPct val="80000"/>
+              <a:tabLst/>
+            </a:pPr>
             <a:r>
               <a:rPr kumimoji="0" lang="pt-BR" sz="2000" b="0" i="0" u="none" strike="noStrike" kern="0" cap="none" spc="0" normalizeH="0" baseline="0" noProof="1">
                 <a:ln>
@@ -19322,7 +19857,7 @@
                 <a:ea typeface="Arial Unicode MS" pitchFamily="34" charset="-128"/>
                 <a:cs typeface="Arial Unicode MS" pitchFamily="34" charset="-128"/>
               </a:rPr>
-              <a:t>Host</a:t>
+              <a:t>Nó</a:t>
             </a:r>
           </a:p>
           <a:p>
@@ -19464,7 +19999,7 @@
         <p:spPr bwMode="gray">
           <a:xfrm>
             <a:off x="9086032" y="2070194"/>
-            <a:ext cx="1012051" cy="2145786"/>
+            <a:ext cx="1012051" cy="1520499"/>
           </a:xfrm>
           <a:prstGeom prst="roundRect">
             <a:avLst/>
@@ -19482,6 +20017,50 @@
         <p:txBody>
           <a:bodyPr lIns="90000" tIns="72000" rIns="90000" bIns="72000" rtlCol="0" anchor="ctr"/>
           <a:lstStyle/>
+          <a:p>
+            <a:pPr marR="0" algn="ctr" defTabSz="914400" eaLnBrk="1" fontAlgn="base" latinLnBrk="0" hangingPunct="1">
+              <a:lnSpc>
+                <a:spcPct val="100000"/>
+              </a:lnSpc>
+              <a:spcBef>
+                <a:spcPct val="50000"/>
+              </a:spcBef>
+              <a:spcAft>
+                <a:spcPct val="0"/>
+              </a:spcAft>
+              <a:buClr>
+                <a:srgbClr val="F0AB00"/>
+              </a:buClr>
+              <a:buSzPct val="80000"/>
+              <a:tabLst/>
+            </a:pPr>
+            <a:endParaRPr lang="pt-BR" sz="1800" kern="0" noProof="1">
+              <a:ea typeface="Arial Unicode MS" pitchFamily="34" charset="-128"/>
+              <a:cs typeface="Arial Unicode MS" pitchFamily="34" charset="-128"/>
+            </a:endParaRPr>
+          </a:p>
+          <a:p>
+            <a:pPr marR="0" algn="ctr" defTabSz="914400" eaLnBrk="1" fontAlgn="base" latinLnBrk="0" hangingPunct="1">
+              <a:lnSpc>
+                <a:spcPct val="100000"/>
+              </a:lnSpc>
+              <a:spcBef>
+                <a:spcPct val="50000"/>
+              </a:spcBef>
+              <a:spcAft>
+                <a:spcPct val="0"/>
+              </a:spcAft>
+              <a:buClr>
+                <a:srgbClr val="F0AB00"/>
+              </a:buClr>
+              <a:buSzPct val="80000"/>
+              <a:tabLst/>
+            </a:pPr>
+            <a:endParaRPr lang="pt-BR" sz="1800" kern="0" noProof="1">
+              <a:ea typeface="Arial Unicode MS" pitchFamily="34" charset="-128"/>
+              <a:cs typeface="Arial Unicode MS" pitchFamily="34" charset="-128"/>
+            </a:endParaRPr>
+          </a:p>
           <a:p>
             <a:pPr marR="0" algn="ctr" defTabSz="914400" eaLnBrk="1" fontAlgn="base" latinLnBrk="0" hangingPunct="1">
               <a:lnSpc>
@@ -19623,8 +20202,8 @@
         </p:nvSpPr>
         <p:spPr bwMode="gray">
           <a:xfrm>
-            <a:off x="10212417" y="2033040"/>
-            <a:ext cx="1073835" cy="2145786"/>
+            <a:off x="10212417" y="2085253"/>
+            <a:ext cx="1073835" cy="1505440"/>
           </a:xfrm>
           <a:prstGeom prst="roundRect">
             <a:avLst/>
@@ -19659,8 +20238,52 @@
               <a:buSzPct val="80000"/>
               <a:tabLst/>
             </a:pPr>
-            <a:r>
-              <a:rPr lang="pt-BR" sz="2000" kern="0" noProof="1">
+            <a:endParaRPr lang="pt-BR" sz="1800" kern="0" noProof="1">
+              <a:ea typeface="Arial Unicode MS" pitchFamily="34" charset="-128"/>
+              <a:cs typeface="Arial Unicode MS" pitchFamily="34" charset="-128"/>
+            </a:endParaRPr>
+          </a:p>
+          <a:p>
+            <a:pPr marR="0" algn="ctr" defTabSz="914400" eaLnBrk="1" fontAlgn="base" latinLnBrk="0" hangingPunct="1">
+              <a:lnSpc>
+                <a:spcPct val="100000"/>
+              </a:lnSpc>
+              <a:spcBef>
+                <a:spcPct val="50000"/>
+              </a:spcBef>
+              <a:spcAft>
+                <a:spcPct val="0"/>
+              </a:spcAft>
+              <a:buClr>
+                <a:srgbClr val="F0AB00"/>
+              </a:buClr>
+              <a:buSzPct val="80000"/>
+              <a:tabLst/>
+            </a:pPr>
+            <a:endParaRPr lang="pt-BR" sz="1800" kern="0" noProof="1">
+              <a:ea typeface="Arial Unicode MS" pitchFamily="34" charset="-128"/>
+              <a:cs typeface="Arial Unicode MS" pitchFamily="34" charset="-128"/>
+            </a:endParaRPr>
+          </a:p>
+          <a:p>
+            <a:pPr marR="0" algn="ctr" defTabSz="914400" eaLnBrk="1" fontAlgn="base" latinLnBrk="0" hangingPunct="1">
+              <a:lnSpc>
+                <a:spcPct val="100000"/>
+              </a:lnSpc>
+              <a:spcBef>
+                <a:spcPct val="50000"/>
+              </a:spcBef>
+              <a:spcAft>
+                <a:spcPct val="0"/>
+              </a:spcAft>
+              <a:buClr>
+                <a:srgbClr val="F0AB00"/>
+              </a:buClr>
+              <a:buSzPct val="80000"/>
+              <a:tabLst/>
+            </a:pPr>
+            <a:r>
+              <a:rPr lang="pt-BR" sz="1800" kern="0" noProof="1">
                 <a:ea typeface="Arial Unicode MS" pitchFamily="34" charset="-128"/>
                 <a:cs typeface="Arial Unicode MS" pitchFamily="34" charset="-128"/>
               </a:rPr>
@@ -19783,8 +20406,8 @@
         </p:nvSpPr>
         <p:spPr bwMode="gray">
           <a:xfrm>
-            <a:off x="2102424" y="2703842"/>
-            <a:ext cx="720000" cy="720000"/>
+            <a:off x="2251356" y="2647896"/>
+            <a:ext cx="396000" cy="396000"/>
           </a:xfrm>
           <a:prstGeom prst="rect">
             <a:avLst/>
@@ -19852,8 +20475,8 @@
         </p:nvSpPr>
         <p:spPr bwMode="gray">
           <a:xfrm>
-            <a:off x="3681955" y="2703842"/>
-            <a:ext cx="720000" cy="720000"/>
+            <a:off x="3829939" y="2634243"/>
+            <a:ext cx="410400" cy="392400"/>
           </a:xfrm>
           <a:prstGeom prst="ellipse">
             <a:avLst/>
@@ -19925,8 +20548,8 @@
         </p:nvSpPr>
         <p:spPr bwMode="gray">
           <a:xfrm>
-            <a:off x="4835537" y="2703842"/>
-            <a:ext cx="720000" cy="720000"/>
+            <a:off x="4984812" y="2647896"/>
+            <a:ext cx="410400" cy="392400"/>
           </a:xfrm>
           <a:prstGeom prst="ellipse">
             <a:avLst/>
@@ -19998,8 +20621,8 @@
         </p:nvSpPr>
         <p:spPr bwMode="gray">
           <a:xfrm>
-            <a:off x="6492817" y="2539020"/>
-            <a:ext cx="540000" cy="540000"/>
+            <a:off x="6575551" y="2561320"/>
+            <a:ext cx="410400" cy="392400"/>
           </a:xfrm>
           <a:prstGeom prst="ellipse">
             <a:avLst/>
@@ -20071,8 +20694,8 @@
         </p:nvSpPr>
         <p:spPr bwMode="gray">
           <a:xfrm>
-            <a:off x="6502963" y="3289258"/>
-            <a:ext cx="540000" cy="540000"/>
+            <a:off x="6567763" y="3097985"/>
+            <a:ext cx="410400" cy="392400"/>
           </a:xfrm>
           <a:prstGeom prst="ellipse">
             <a:avLst/>
@@ -20144,8 +20767,8 @@
         </p:nvSpPr>
         <p:spPr bwMode="gray">
           <a:xfrm>
-            <a:off x="7655067" y="2539020"/>
-            <a:ext cx="540000" cy="540000"/>
+            <a:off x="7723025" y="2561320"/>
+            <a:ext cx="410400" cy="392400"/>
           </a:xfrm>
           <a:prstGeom prst="ellipse">
             <a:avLst/>
@@ -20217,8 +20840,8 @@
         </p:nvSpPr>
         <p:spPr bwMode="gray">
           <a:xfrm>
-            <a:off x="7655067" y="3289258"/>
-            <a:ext cx="540000" cy="540000"/>
+            <a:off x="7723025" y="3097985"/>
+            <a:ext cx="410400" cy="392400"/>
           </a:xfrm>
           <a:prstGeom prst="ellipse">
             <a:avLst/>
@@ -20290,7 +20913,7 @@
         </p:nvSpPr>
         <p:spPr bwMode="gray">
           <a:xfrm>
-            <a:off x="9180577" y="2539020"/>
+            <a:off x="9180577" y="2561320"/>
             <a:ext cx="411480" cy="390698"/>
           </a:xfrm>
           <a:prstGeom prst="ellipse">
@@ -20363,7 +20986,7 @@
         </p:nvSpPr>
         <p:spPr bwMode="gray">
           <a:xfrm>
-            <a:off x="9633637" y="2539020"/>
+            <a:off x="9633637" y="2561320"/>
             <a:ext cx="411480" cy="390698"/>
           </a:xfrm>
           <a:prstGeom prst="ellipse">
@@ -20436,7 +21059,7 @@
         </p:nvSpPr>
         <p:spPr bwMode="gray">
           <a:xfrm>
-            <a:off x="9180577" y="3289258"/>
+            <a:off x="9180577" y="3099687"/>
             <a:ext cx="411480" cy="390698"/>
           </a:xfrm>
           <a:prstGeom prst="ellipse">
@@ -20509,7 +21132,7 @@
         </p:nvSpPr>
         <p:spPr bwMode="gray">
           <a:xfrm>
-            <a:off x="9636167" y="3298611"/>
+            <a:off x="9636167" y="3109040"/>
             <a:ext cx="411480" cy="390698"/>
           </a:xfrm>
           <a:prstGeom prst="ellipse">
@@ -20582,7 +21205,7 @@
         </p:nvSpPr>
         <p:spPr bwMode="gray">
           <a:xfrm>
-            <a:off x="10307118" y="2550450"/>
+            <a:off x="10320066" y="2561320"/>
             <a:ext cx="411480" cy="390698"/>
           </a:xfrm>
           <a:prstGeom prst="ellipse">
@@ -20655,7 +21278,7 @@
         </p:nvSpPr>
         <p:spPr bwMode="gray">
           <a:xfrm>
-            <a:off x="10760178" y="2550450"/>
+            <a:off x="10773126" y="2561320"/>
             <a:ext cx="411480" cy="390698"/>
           </a:xfrm>
           <a:prstGeom prst="ellipse">
@@ -20728,7 +21351,7 @@
         </p:nvSpPr>
         <p:spPr bwMode="gray">
           <a:xfrm>
-            <a:off x="10307118" y="3300688"/>
+            <a:off x="10304588" y="3099687"/>
             <a:ext cx="411480" cy="390698"/>
           </a:xfrm>
           <a:prstGeom prst="ellipse">
@@ -20801,7 +21424,7 @@
         </p:nvSpPr>
         <p:spPr bwMode="gray">
           <a:xfrm>
-            <a:off x="10762708" y="3310041"/>
+            <a:off x="10760178" y="3109040"/>
             <a:ext cx="411480" cy="390698"/>
           </a:xfrm>
           <a:prstGeom prst="ellipse">
@@ -20873,9 +21496,9 @@
           <p:nvPr/>
         </p:nvCxnSpPr>
         <p:spPr>
-          <a:xfrm>
-            <a:off x="3246154" y="868680"/>
-            <a:ext cx="11430" cy="3749040"/>
+          <a:xfrm flipH="1">
+            <a:off x="3246154" y="1542398"/>
+            <a:ext cx="11396" cy="2286859"/>
           </a:xfrm>
           <a:prstGeom prst="line">
             <a:avLst/>
@@ -20910,8 +21533,8 @@
         </p:nvCxnSpPr>
         <p:spPr>
           <a:xfrm>
-            <a:off x="6016770" y="841142"/>
-            <a:ext cx="11430" cy="3749040"/>
+            <a:off x="6013446" y="1542398"/>
+            <a:ext cx="1367" cy="2286859"/>
           </a:xfrm>
           <a:prstGeom prst="line">
             <a:avLst/>
@@ -20945,9 +21568,9 @@
           <p:nvPr/>
         </p:nvCxnSpPr>
         <p:spPr>
-          <a:xfrm>
-            <a:off x="8761656" y="841142"/>
-            <a:ext cx="11430" cy="3749040"/>
+          <a:xfrm flipH="1">
+            <a:off x="8768194" y="1542398"/>
+            <a:ext cx="2515" cy="2374976"/>
           </a:xfrm>
           <a:prstGeom prst="line">
             <a:avLst/>
@@ -20982,7 +21605,7 @@
         </p:nvSpPr>
         <p:spPr>
           <a:xfrm>
-            <a:off x="1463065" y="870456"/>
+            <a:off x="1463065" y="1400136"/>
             <a:ext cx="910506" cy="276999"/>
           </a:xfrm>
           <a:prstGeom prst="rect">
@@ -21026,7 +21649,7 @@
         </p:nvSpPr>
         <p:spPr>
           <a:xfrm>
-            <a:off x="4195157" y="874220"/>
+            <a:off x="4195157" y="1403900"/>
             <a:ext cx="910506" cy="276999"/>
           </a:xfrm>
           <a:prstGeom prst="rect">
@@ -21070,7 +21693,7 @@
         </p:nvSpPr>
         <p:spPr>
           <a:xfrm>
-            <a:off x="6932981" y="874219"/>
+            <a:off x="6932981" y="1403899"/>
             <a:ext cx="910506" cy="276999"/>
           </a:xfrm>
           <a:prstGeom prst="rect">
@@ -21114,7 +21737,7 @@
         </p:nvSpPr>
         <p:spPr>
           <a:xfrm>
-            <a:off x="9752075" y="862619"/>
+            <a:off x="9752075" y="1395109"/>
             <a:ext cx="910506" cy="276999"/>
           </a:xfrm>
           <a:prstGeom prst="rect">

--- a/Arquitetura.pptx
+++ b/Arquitetura.pptx
@@ -5,10 +5,10 @@
     <p:sldMasterId id="2147483738" r:id="rId1"/>
   </p:sldMasterIdLst>
   <p:notesMasterIdLst>
-    <p:notesMasterId r:id="rId26"/>
+    <p:notesMasterId r:id="rId27"/>
   </p:notesMasterIdLst>
   <p:handoutMasterIdLst>
-    <p:handoutMasterId r:id="rId27"/>
+    <p:handoutMasterId r:id="rId28"/>
   </p:handoutMasterIdLst>
   <p:sldIdLst>
     <p:sldId id="361" r:id="rId2"/>
@@ -29,19 +29,20 @@
     <p:sldId id="291" r:id="rId17"/>
     <p:sldId id="364" r:id="rId18"/>
     <p:sldId id="366" r:id="rId19"/>
-    <p:sldId id="367" r:id="rId20"/>
-    <p:sldId id="287" r:id="rId21"/>
-    <p:sldId id="365" r:id="rId22"/>
-    <p:sldId id="265" r:id="rId23"/>
-    <p:sldId id="339" r:id="rId24"/>
-    <p:sldId id="346" r:id="rId25"/>
+    <p:sldId id="368" r:id="rId20"/>
+    <p:sldId id="367" r:id="rId21"/>
+    <p:sldId id="287" r:id="rId22"/>
+    <p:sldId id="365" r:id="rId23"/>
+    <p:sldId id="265" r:id="rId24"/>
+    <p:sldId id="339" r:id="rId25"/>
+    <p:sldId id="346" r:id="rId26"/>
   </p:sldIdLst>
   <p:sldSz cx="12195175" cy="6859588"/>
   <p:notesSz cx="6797675" cy="9874250"/>
   <p:embeddedFontLst>
     <p:embeddedFont>
       <p:font typeface="Arial Unicode MS" panose="020B0604020202020204" pitchFamily="34" charset="-128"/>
-      <p:regular r:id="rId28"/>
+      <p:regular r:id="rId29"/>
     </p:embeddedFont>
   </p:embeddedFontLst>
   <p:defaultTextStyle>
@@ -6424,7 +6425,7 @@
             <a:fld id="{7D8C2C35-2B8A-446E-BEC0-FD36716C29AC}" type="slidenum">
               <a:rPr lang="en-US" smtClean="0"/>
               <a:pPr/>
-              <a:t>20</a:t>
+              <a:t>21</a:t>
             </a:fld>
             <a:endParaRPr lang="en-US" dirty="0"/>
           </a:p>
@@ -6509,7 +6510,7 @@
             <a:fld id="{7D8C2C35-2B8A-446E-BEC0-FD36716C29AC}" type="slidenum">
               <a:rPr lang="en-US" smtClean="0"/>
               <a:pPr/>
-              <a:t>21</a:t>
+              <a:t>22</a:t>
             </a:fld>
             <a:endParaRPr lang="en-US" dirty="0"/>
           </a:p>
@@ -6594,7 +6595,7 @@
             <a:fld id="{7D8C2C35-2B8A-446E-BEC0-FD36716C29AC}" type="slidenum">
               <a:rPr lang="en-US" smtClean="0"/>
               <a:pPr/>
-              <a:t>22</a:t>
+              <a:t>23</a:t>
             </a:fld>
             <a:endParaRPr lang="en-US" dirty="0"/>
           </a:p>
@@ -6679,7 +6680,7 @@
             <a:fld id="{7D8C2C35-2B8A-446E-BEC0-FD36716C29AC}" type="slidenum">
               <a:rPr lang="en-US" smtClean="0"/>
               <a:pPr/>
-              <a:t>23</a:t>
+              <a:t>24</a:t>
             </a:fld>
             <a:endParaRPr lang="en-US" dirty="0"/>
           </a:p>
@@ -6849,7 +6850,7 @@
             <a:fld id="{7D8C2C35-2B8A-446E-BEC0-FD36716C29AC}" type="slidenum">
               <a:rPr lang="en-US" smtClean="0"/>
               <a:pPr/>
-              <a:t>24</a:t>
+              <a:t>25</a:t>
             </a:fld>
             <a:endParaRPr lang="en-US" dirty="0"/>
           </a:p>
@@ -21803,53 +21804,82 @@
           <a:chExt cx="0" cy="0"/>
         </a:xfrm>
       </p:grpSpPr>
-      <p:sp>
-        <p:nvSpPr>
-          <p:cNvPr id="2" name="Title 1"/>
-          <p:cNvSpPr>
-            <a:spLocks noGrp="1"/>
-          </p:cNvSpPr>
-          <p:nvPr>
-            <p:ph type="ctrTitle"/>
-          </p:nvPr>
-        </p:nvSpPr>
-        <p:spPr/>
-        <p:txBody>
-          <a:bodyPr/>
-          <a:lstStyle/>
-          <a:p>
-            <a:endParaRPr lang="pt-BR"/>
-          </a:p>
-        </p:txBody>
-      </p:sp>
-      <p:graphicFrame>
-        <p:nvGraphicFramePr>
-          <p:cNvPr id="5" name="Chart 4"/>
-          <p:cNvGraphicFramePr>
-            <a:graphicFrameLocks/>
-          </p:cNvGraphicFramePr>
-          <p:nvPr>
-            <p:extLst>
-              <p:ext uri="{D42A27DB-BD31-4B8C-83A1-F6EECF244321}">
-                <p14:modId xmlns:p14="http://schemas.microsoft.com/office/powerpoint/2010/main" val="2424946109"/>
-              </p:ext>
-            </p:extLst>
-          </p:nvPr>
-        </p:nvGraphicFramePr>
-        <p:xfrm>
-          <a:off x="2697234" y="2981830"/>
-          <a:ext cx="6948488" cy="2743200"/>
-        </p:xfrm>
-        <a:graphic>
-          <a:graphicData uri="http://schemas.openxmlformats.org/drawingml/2006/chart">
-            <c:chart xmlns:c="http://schemas.openxmlformats.org/drawingml/2006/chart" xmlns:r="http://schemas.openxmlformats.org/officeDocument/2006/relationships" r:id="rId2"/>
-          </a:graphicData>
-        </a:graphic>
-      </p:graphicFrame>
+      <p:pic>
+        <p:nvPicPr>
+          <p:cNvPr id="4" name="Picture 3"/>
+          <p:cNvPicPr>
+            <a:picLocks noChangeAspect="1"/>
+          </p:cNvPicPr>
+          <p:nvPr/>
+        </p:nvPicPr>
+        <p:blipFill>
+          <a:blip r:embed="rId2"/>
+          <a:stretch>
+            <a:fillRect/>
+          </a:stretch>
+        </p:blipFill>
+        <p:spPr>
+          <a:xfrm>
+            <a:off x="3598152" y="292715"/>
+            <a:ext cx="4453027" cy="5336176"/>
+          </a:xfrm>
+          <a:prstGeom prst="rect">
+            <a:avLst/>
+          </a:prstGeom>
+        </p:spPr>
+      </p:pic>
+      <p:pic>
+        <p:nvPicPr>
+          <p:cNvPr id="5" name="Picture 4"/>
+          <p:cNvPicPr>
+            <a:picLocks noChangeAspect="1"/>
+          </p:cNvPicPr>
+          <p:nvPr/>
+        </p:nvPicPr>
+        <p:blipFill>
+          <a:blip r:embed="rId3"/>
+          <a:stretch>
+            <a:fillRect/>
+          </a:stretch>
+        </p:blipFill>
+        <p:spPr>
+          <a:xfrm>
+            <a:off x="2961479" y="5750742"/>
+            <a:ext cx="195390" cy="215160"/>
+          </a:xfrm>
+          <a:prstGeom prst="rect">
+            <a:avLst/>
+          </a:prstGeom>
+        </p:spPr>
+      </p:pic>
+      <p:pic>
+        <p:nvPicPr>
+          <p:cNvPr id="6" name="Picture 5"/>
+          <p:cNvPicPr>
+            <a:picLocks noChangeAspect="1"/>
+          </p:cNvPicPr>
+          <p:nvPr/>
+        </p:nvPicPr>
+        <p:blipFill>
+          <a:blip r:embed="rId4"/>
+          <a:stretch>
+            <a:fillRect/>
+          </a:stretch>
+        </p:blipFill>
+        <p:spPr>
+          <a:xfrm>
+            <a:off x="3906577" y="5750741"/>
+            <a:ext cx="198396" cy="215161"/>
+          </a:xfrm>
+          <a:prstGeom prst="rect">
+            <a:avLst/>
+          </a:prstGeom>
+        </p:spPr>
+      </p:pic>
     </p:spTree>
     <p:extLst>
       <p:ext uri="{BB962C8B-B14F-4D97-AF65-F5344CB8AC3E}">
-        <p14:creationId xmlns:p14="http://schemas.microsoft.com/office/powerpoint/2010/main" val="2424893439"/>
+        <p14:creationId xmlns:p14="http://schemas.microsoft.com/office/powerpoint/2010/main" val="1956713743"/>
       </p:ext>
     </p:extLst>
   </p:cSld>
@@ -22307,12 +22337,12 @@
       </p:grpSpPr>
       <p:sp>
         <p:nvSpPr>
-          <p:cNvPr id="24" name="Title 23"/>
+          <p:cNvPr id="2" name="Title 1"/>
           <p:cNvSpPr>
             <a:spLocks noGrp="1"/>
           </p:cNvSpPr>
           <p:nvPr>
-            <p:ph type="title"/>
+            <p:ph type="ctrTitle"/>
           </p:nvPr>
         </p:nvSpPr>
         <p:spPr/>
@@ -22320,286 +22350,44 @@
           <a:bodyPr/>
           <a:lstStyle/>
           <a:p>
-            <a:r>
-              <a:rPr lang="en-US" dirty="0"/>
-              <a:t>Insert page title </a:t>
-            </a:r>
-            <a:endParaRPr lang="en-US" b="0" dirty="0"/>
+            <a:endParaRPr lang="pt-BR"/>
           </a:p>
         </p:txBody>
       </p:sp>
-      <p:sp>
-        <p:nvSpPr>
-          <p:cNvPr id="3" name="Text Placeholder 2"/>
-          <p:cNvSpPr>
-            <a:spLocks noGrp="1"/>
-          </p:cNvSpPr>
+      <p:graphicFrame>
+        <p:nvGraphicFramePr>
+          <p:cNvPr id="5" name="Chart 4"/>
+          <p:cNvGraphicFramePr>
+            <a:graphicFrameLocks/>
+          </p:cNvGraphicFramePr>
           <p:nvPr>
-            <p:ph type="body" sz="quarter" idx="10"/>
+            <p:extLst>
+              <p:ext uri="{D42A27DB-BD31-4B8C-83A1-F6EECF244321}">
+                <p14:modId xmlns:p14="http://schemas.microsoft.com/office/powerpoint/2010/main" val="2424946109"/>
+              </p:ext>
+            </p:extLst>
           </p:nvPr>
-        </p:nvSpPr>
-        <p:spPr/>
-        <p:txBody>
-          <a:bodyPr/>
-          <a:lstStyle/>
-          <a:p>
-            <a:r>
-              <a:rPr lang="en-US" dirty="0"/>
-              <a:t>Headline here</a:t>
-            </a:r>
-          </a:p>
-          <a:p>
-            <a:pPr lvl="1"/>
-            <a:r>
-              <a:rPr lang="en-US" dirty="0" err="1"/>
-              <a:t>Lorem</a:t>
-            </a:r>
-            <a:r>
-              <a:rPr lang="en-US" dirty="0"/>
-              <a:t> </a:t>
-            </a:r>
-            <a:r>
-              <a:rPr lang="en-US" dirty="0" err="1"/>
-              <a:t>ipsum</a:t>
-            </a:r>
-            <a:r>
-              <a:rPr lang="en-US" dirty="0"/>
-              <a:t> dolor sit </a:t>
-            </a:r>
-            <a:r>
-              <a:rPr lang="en-US" dirty="0" err="1"/>
-              <a:t>amet</a:t>
-            </a:r>
-            <a:r>
-              <a:rPr lang="en-US" dirty="0"/>
-              <a:t>, </a:t>
-            </a:r>
-            <a:r>
-              <a:rPr lang="en-US" dirty="0" err="1"/>
-              <a:t>consectetur</a:t>
-            </a:r>
-            <a:r>
-              <a:rPr lang="en-US" dirty="0"/>
-              <a:t> </a:t>
-            </a:r>
-            <a:r>
-              <a:rPr lang="en-US" dirty="0" err="1"/>
-              <a:t>adipiscing</a:t>
-            </a:r>
-            <a:r>
-              <a:rPr lang="en-US" dirty="0"/>
-              <a:t> </a:t>
-            </a:r>
-            <a:r>
-              <a:rPr lang="en-US" dirty="0" err="1"/>
-              <a:t>elit</a:t>
-            </a:r>
-            <a:r>
-              <a:rPr lang="en-US" dirty="0"/>
-              <a:t>. Maecenas </a:t>
-            </a:r>
-            <a:r>
-              <a:rPr lang="en-US" dirty="0" err="1"/>
-              <a:t>pellentesque</a:t>
-            </a:r>
-            <a:r>
-              <a:rPr lang="en-US" dirty="0"/>
-              <a:t> </a:t>
-            </a:r>
-            <a:r>
-              <a:rPr lang="en-US" dirty="0" err="1"/>
-              <a:t>laoreet</a:t>
-            </a:r>
-            <a:r>
-              <a:rPr lang="en-US" dirty="0"/>
-              <a:t> </a:t>
-            </a:r>
-            <a:r>
-              <a:rPr lang="en-US" dirty="0" err="1"/>
-              <a:t>urna</a:t>
-            </a:r>
-            <a:r>
-              <a:rPr lang="en-US" dirty="0"/>
-              <a:t> </a:t>
-            </a:r>
-            <a:r>
-              <a:rPr lang="en-US" dirty="0" err="1"/>
-              <a:t>molestie</a:t>
-            </a:r>
-            <a:r>
-              <a:rPr lang="en-US" dirty="0"/>
-              <a:t> </a:t>
-            </a:r>
-            <a:r>
-              <a:rPr lang="en-US" dirty="0" err="1"/>
-              <a:t>placerat</a:t>
-            </a:r>
-            <a:r>
-              <a:rPr lang="en-US" dirty="0"/>
-              <a:t> </a:t>
-            </a:r>
-            <a:r>
-              <a:rPr lang="en-US" dirty="0" err="1"/>
-              <a:t>ipsum</a:t>
-            </a:r>
-            <a:r>
-              <a:rPr lang="en-US" dirty="0"/>
-              <a:t>.</a:t>
-            </a:r>
-          </a:p>
-        </p:txBody>
-      </p:sp>
-      <p:sp>
-        <p:nvSpPr>
-          <p:cNvPr id="4" name="Text Placeholder 3"/>
-          <p:cNvSpPr>
-            <a:spLocks noGrp="1"/>
-          </p:cNvSpPr>
-          <p:nvPr>
-            <p:ph type="body" sz="quarter" idx="14"/>
-          </p:nvPr>
-        </p:nvSpPr>
-        <p:spPr/>
-        <p:txBody>
-          <a:bodyPr/>
-          <a:lstStyle/>
-          <a:p>
-            <a:r>
-              <a:rPr lang="en-US" dirty="0"/>
-              <a:t>Headline here</a:t>
-            </a:r>
-          </a:p>
-          <a:p>
-            <a:pPr lvl="1"/>
-            <a:r>
-              <a:rPr lang="en-US" dirty="0" err="1"/>
-              <a:t>Lorem</a:t>
-            </a:r>
-            <a:r>
-              <a:rPr lang="en-US" dirty="0"/>
-              <a:t> </a:t>
-            </a:r>
-            <a:r>
-              <a:rPr lang="en-US" dirty="0" err="1"/>
-              <a:t>ipsum</a:t>
-            </a:r>
-            <a:r>
-              <a:rPr lang="en-US" dirty="0"/>
-              <a:t> dolor sit </a:t>
-            </a:r>
-            <a:r>
-              <a:rPr lang="en-US" dirty="0" err="1"/>
-              <a:t>amet</a:t>
-            </a:r>
-            <a:r>
-              <a:rPr lang="en-US" dirty="0"/>
-              <a:t>, </a:t>
-            </a:r>
-            <a:r>
-              <a:rPr lang="en-US" dirty="0" err="1"/>
-              <a:t>consectetur</a:t>
-            </a:r>
-            <a:r>
-              <a:rPr lang="en-US" dirty="0"/>
-              <a:t> </a:t>
-            </a:r>
-            <a:r>
-              <a:rPr lang="en-US" dirty="0" err="1"/>
-              <a:t>adipiscing</a:t>
-            </a:r>
-            <a:r>
-              <a:rPr lang="en-US" dirty="0"/>
-              <a:t> </a:t>
-            </a:r>
-            <a:r>
-              <a:rPr lang="en-US" dirty="0" err="1"/>
-              <a:t>elit</a:t>
-            </a:r>
-            <a:r>
-              <a:rPr lang="en-US" dirty="0"/>
-              <a:t>. Maecenas </a:t>
-            </a:r>
-            <a:r>
-              <a:rPr lang="en-US" dirty="0" err="1"/>
-              <a:t>pellentesque</a:t>
-            </a:r>
-            <a:r>
-              <a:rPr lang="en-US" dirty="0"/>
-              <a:t> </a:t>
-            </a:r>
-            <a:r>
-              <a:rPr lang="en-US" dirty="0" err="1"/>
-              <a:t>laoreet</a:t>
-            </a:r>
-            <a:r>
-              <a:rPr lang="en-US" dirty="0"/>
-              <a:t> </a:t>
-            </a:r>
-            <a:r>
-              <a:rPr lang="en-US" dirty="0" err="1"/>
-              <a:t>urna</a:t>
-            </a:r>
-            <a:r>
-              <a:rPr lang="en-US" dirty="0"/>
-              <a:t> </a:t>
-            </a:r>
-            <a:r>
-              <a:rPr lang="en-US" dirty="0" err="1"/>
-              <a:t>molestie</a:t>
-            </a:r>
-            <a:r>
-              <a:rPr lang="en-US" dirty="0"/>
-              <a:t> </a:t>
-            </a:r>
-            <a:r>
-              <a:rPr lang="en-US" dirty="0" err="1"/>
-              <a:t>placerat</a:t>
-            </a:r>
-            <a:r>
-              <a:rPr lang="en-US" dirty="0"/>
-              <a:t> </a:t>
-            </a:r>
-            <a:r>
-              <a:rPr lang="en-US" dirty="0" err="1"/>
-              <a:t>ipsum</a:t>
-            </a:r>
-            <a:r>
-              <a:rPr lang="en-US" dirty="0"/>
-              <a:t>.</a:t>
-            </a:r>
-          </a:p>
-        </p:txBody>
-      </p:sp>
-      <p:sp>
-        <p:nvSpPr>
-          <p:cNvPr id="7" name="Picture Placeholder 6"/>
-          <p:cNvSpPr>
-            <a:spLocks noGrp="1"/>
-          </p:cNvSpPr>
-          <p:nvPr>
-            <p:ph type="pic" sz="quarter" idx="15"/>
-          </p:nvPr>
-        </p:nvSpPr>
-        <p:spPr/>
-      </p:sp>
-      <p:sp>
-        <p:nvSpPr>
-          <p:cNvPr id="9" name="Picture Placeholder 8"/>
-          <p:cNvSpPr>
-            <a:spLocks noGrp="1"/>
-          </p:cNvSpPr>
-          <p:nvPr>
-            <p:ph type="pic" sz="quarter" idx="16"/>
-          </p:nvPr>
-        </p:nvSpPr>
-        <p:spPr/>
-      </p:sp>
+        </p:nvGraphicFramePr>
+        <p:xfrm>
+          <a:off x="2697234" y="2981830"/>
+          <a:ext cx="6948488" cy="2743200"/>
+        </p:xfrm>
+        <a:graphic>
+          <a:graphicData uri="http://schemas.openxmlformats.org/drawingml/2006/chart">
+            <c:chart xmlns:c="http://schemas.openxmlformats.org/drawingml/2006/chart" xmlns:r="http://schemas.openxmlformats.org/officeDocument/2006/relationships" r:id="rId2"/>
+          </a:graphicData>
+        </a:graphic>
+      </p:graphicFrame>
     </p:spTree>
+    <p:extLst>
+      <p:ext uri="{BB962C8B-B14F-4D97-AF65-F5344CB8AC3E}">
+        <p14:creationId xmlns:p14="http://schemas.microsoft.com/office/powerpoint/2010/main" val="2424893439"/>
+      </p:ext>
+    </p:extLst>
   </p:cSld>
   <p:clrMapOvr>
     <a:masterClrMapping/>
   </p:clrMapOvr>
-  <p:transition spd="med"/>
 </p:sld>
 </file>
 
@@ -22622,6 +22410,321 @@
       </p:grpSpPr>
       <p:sp>
         <p:nvSpPr>
+          <p:cNvPr id="24" name="Title 23"/>
+          <p:cNvSpPr>
+            <a:spLocks noGrp="1"/>
+          </p:cNvSpPr>
+          <p:nvPr>
+            <p:ph type="title"/>
+          </p:nvPr>
+        </p:nvSpPr>
+        <p:spPr/>
+        <p:txBody>
+          <a:bodyPr/>
+          <a:lstStyle/>
+          <a:p>
+            <a:r>
+              <a:rPr lang="en-US" dirty="0"/>
+              <a:t>Insert page title </a:t>
+            </a:r>
+            <a:endParaRPr lang="en-US" b="0" dirty="0"/>
+          </a:p>
+        </p:txBody>
+      </p:sp>
+      <p:sp>
+        <p:nvSpPr>
+          <p:cNvPr id="3" name="Text Placeholder 2"/>
+          <p:cNvSpPr>
+            <a:spLocks noGrp="1"/>
+          </p:cNvSpPr>
+          <p:nvPr>
+            <p:ph type="body" sz="quarter" idx="10"/>
+          </p:nvPr>
+        </p:nvSpPr>
+        <p:spPr/>
+        <p:txBody>
+          <a:bodyPr/>
+          <a:lstStyle/>
+          <a:p>
+            <a:r>
+              <a:rPr lang="en-US" dirty="0"/>
+              <a:t>Headline here</a:t>
+            </a:r>
+          </a:p>
+          <a:p>
+            <a:pPr lvl="1"/>
+            <a:r>
+              <a:rPr lang="en-US" dirty="0" err="1"/>
+              <a:t>Lorem</a:t>
+            </a:r>
+            <a:r>
+              <a:rPr lang="en-US" dirty="0"/>
+              <a:t> </a:t>
+            </a:r>
+            <a:r>
+              <a:rPr lang="en-US" dirty="0" err="1"/>
+              <a:t>ipsum</a:t>
+            </a:r>
+            <a:r>
+              <a:rPr lang="en-US" dirty="0"/>
+              <a:t> dolor sit </a:t>
+            </a:r>
+            <a:r>
+              <a:rPr lang="en-US" dirty="0" err="1"/>
+              <a:t>amet</a:t>
+            </a:r>
+            <a:r>
+              <a:rPr lang="en-US" dirty="0"/>
+              <a:t>, </a:t>
+            </a:r>
+            <a:r>
+              <a:rPr lang="en-US" dirty="0" err="1"/>
+              <a:t>consectetur</a:t>
+            </a:r>
+            <a:r>
+              <a:rPr lang="en-US" dirty="0"/>
+              <a:t> </a:t>
+            </a:r>
+            <a:r>
+              <a:rPr lang="en-US" dirty="0" err="1"/>
+              <a:t>adipiscing</a:t>
+            </a:r>
+            <a:r>
+              <a:rPr lang="en-US" dirty="0"/>
+              <a:t> </a:t>
+            </a:r>
+            <a:r>
+              <a:rPr lang="en-US" dirty="0" err="1"/>
+              <a:t>elit</a:t>
+            </a:r>
+            <a:r>
+              <a:rPr lang="en-US" dirty="0"/>
+              <a:t>. Maecenas </a:t>
+            </a:r>
+            <a:r>
+              <a:rPr lang="en-US" dirty="0" err="1"/>
+              <a:t>pellentesque</a:t>
+            </a:r>
+            <a:r>
+              <a:rPr lang="en-US" dirty="0"/>
+              <a:t> </a:t>
+            </a:r>
+            <a:r>
+              <a:rPr lang="en-US" dirty="0" err="1"/>
+              <a:t>laoreet</a:t>
+            </a:r>
+            <a:r>
+              <a:rPr lang="en-US" dirty="0"/>
+              <a:t> </a:t>
+            </a:r>
+            <a:r>
+              <a:rPr lang="en-US" dirty="0" err="1"/>
+              <a:t>urna</a:t>
+            </a:r>
+            <a:r>
+              <a:rPr lang="en-US" dirty="0"/>
+              <a:t> </a:t>
+            </a:r>
+            <a:r>
+              <a:rPr lang="en-US" dirty="0" err="1"/>
+              <a:t>molestie</a:t>
+            </a:r>
+            <a:r>
+              <a:rPr lang="en-US" dirty="0"/>
+              <a:t> </a:t>
+            </a:r>
+            <a:r>
+              <a:rPr lang="en-US" dirty="0" err="1"/>
+              <a:t>placerat</a:t>
+            </a:r>
+            <a:r>
+              <a:rPr lang="en-US" dirty="0"/>
+              <a:t> </a:t>
+            </a:r>
+            <a:r>
+              <a:rPr lang="en-US" dirty="0" err="1"/>
+              <a:t>ipsum</a:t>
+            </a:r>
+            <a:r>
+              <a:rPr lang="en-US" dirty="0"/>
+              <a:t>.</a:t>
+            </a:r>
+          </a:p>
+        </p:txBody>
+      </p:sp>
+      <p:sp>
+        <p:nvSpPr>
+          <p:cNvPr id="4" name="Text Placeholder 3"/>
+          <p:cNvSpPr>
+            <a:spLocks noGrp="1"/>
+          </p:cNvSpPr>
+          <p:nvPr>
+            <p:ph type="body" sz="quarter" idx="14"/>
+          </p:nvPr>
+        </p:nvSpPr>
+        <p:spPr/>
+        <p:txBody>
+          <a:bodyPr/>
+          <a:lstStyle/>
+          <a:p>
+            <a:r>
+              <a:rPr lang="en-US" dirty="0"/>
+              <a:t>Headline here</a:t>
+            </a:r>
+          </a:p>
+          <a:p>
+            <a:pPr lvl="1"/>
+            <a:r>
+              <a:rPr lang="en-US" dirty="0" err="1"/>
+              <a:t>Lorem</a:t>
+            </a:r>
+            <a:r>
+              <a:rPr lang="en-US" dirty="0"/>
+              <a:t> </a:t>
+            </a:r>
+            <a:r>
+              <a:rPr lang="en-US" dirty="0" err="1"/>
+              <a:t>ipsum</a:t>
+            </a:r>
+            <a:r>
+              <a:rPr lang="en-US" dirty="0"/>
+              <a:t> dolor sit </a:t>
+            </a:r>
+            <a:r>
+              <a:rPr lang="en-US" dirty="0" err="1"/>
+              <a:t>amet</a:t>
+            </a:r>
+            <a:r>
+              <a:rPr lang="en-US" dirty="0"/>
+              <a:t>, </a:t>
+            </a:r>
+            <a:r>
+              <a:rPr lang="en-US" dirty="0" err="1"/>
+              <a:t>consectetur</a:t>
+            </a:r>
+            <a:r>
+              <a:rPr lang="en-US" dirty="0"/>
+              <a:t> </a:t>
+            </a:r>
+            <a:r>
+              <a:rPr lang="en-US" dirty="0" err="1"/>
+              <a:t>adipiscing</a:t>
+            </a:r>
+            <a:r>
+              <a:rPr lang="en-US" dirty="0"/>
+              <a:t> </a:t>
+            </a:r>
+            <a:r>
+              <a:rPr lang="en-US" dirty="0" err="1"/>
+              <a:t>elit</a:t>
+            </a:r>
+            <a:r>
+              <a:rPr lang="en-US" dirty="0"/>
+              <a:t>. Maecenas </a:t>
+            </a:r>
+            <a:r>
+              <a:rPr lang="en-US" dirty="0" err="1"/>
+              <a:t>pellentesque</a:t>
+            </a:r>
+            <a:r>
+              <a:rPr lang="en-US" dirty="0"/>
+              <a:t> </a:t>
+            </a:r>
+            <a:r>
+              <a:rPr lang="en-US" dirty="0" err="1"/>
+              <a:t>laoreet</a:t>
+            </a:r>
+            <a:r>
+              <a:rPr lang="en-US" dirty="0"/>
+              <a:t> </a:t>
+            </a:r>
+            <a:r>
+              <a:rPr lang="en-US" dirty="0" err="1"/>
+              <a:t>urna</a:t>
+            </a:r>
+            <a:r>
+              <a:rPr lang="en-US" dirty="0"/>
+              <a:t> </a:t>
+            </a:r>
+            <a:r>
+              <a:rPr lang="en-US" dirty="0" err="1"/>
+              <a:t>molestie</a:t>
+            </a:r>
+            <a:r>
+              <a:rPr lang="en-US" dirty="0"/>
+              <a:t> </a:t>
+            </a:r>
+            <a:r>
+              <a:rPr lang="en-US" dirty="0" err="1"/>
+              <a:t>placerat</a:t>
+            </a:r>
+            <a:r>
+              <a:rPr lang="en-US" dirty="0"/>
+              <a:t> </a:t>
+            </a:r>
+            <a:r>
+              <a:rPr lang="en-US" dirty="0" err="1"/>
+              <a:t>ipsum</a:t>
+            </a:r>
+            <a:r>
+              <a:rPr lang="en-US" dirty="0"/>
+              <a:t>.</a:t>
+            </a:r>
+          </a:p>
+        </p:txBody>
+      </p:sp>
+      <p:sp>
+        <p:nvSpPr>
+          <p:cNvPr id="7" name="Picture Placeholder 6"/>
+          <p:cNvSpPr>
+            <a:spLocks noGrp="1"/>
+          </p:cNvSpPr>
+          <p:nvPr>
+            <p:ph type="pic" sz="quarter" idx="15"/>
+          </p:nvPr>
+        </p:nvSpPr>
+        <p:spPr/>
+      </p:sp>
+      <p:sp>
+        <p:nvSpPr>
+          <p:cNvPr id="9" name="Picture Placeholder 8"/>
+          <p:cNvSpPr>
+            <a:spLocks noGrp="1"/>
+          </p:cNvSpPr>
+          <p:nvPr>
+            <p:ph type="pic" sz="quarter" idx="16"/>
+          </p:nvPr>
+        </p:nvSpPr>
+        <p:spPr/>
+      </p:sp>
+    </p:spTree>
+  </p:cSld>
+  <p:clrMapOvr>
+    <a:masterClrMapping/>
+  </p:clrMapOvr>
+  <p:transition spd="med"/>
+</p:sld>
+</file>
+
+<file path=ppt/slides/slide22.xml><?xml version="1.0" encoding="utf-8"?>
+<p:sld xmlns:a="http://schemas.openxmlformats.org/drawingml/2006/main" xmlns:r="http://schemas.openxmlformats.org/officeDocument/2006/relationships" xmlns:p="http://schemas.openxmlformats.org/presentationml/2006/main">
+  <p:cSld>
+    <p:spTree>
+      <p:nvGrpSpPr>
+        <p:cNvPr id="1" name=""/>
+        <p:cNvGrpSpPr/>
+        <p:nvPr/>
+      </p:nvGrpSpPr>
+      <p:grpSpPr>
+        <a:xfrm>
+          <a:off x="0" y="0"/>
+          <a:ext cx="0" cy="0"/>
+          <a:chOff x="0" y="0"/>
+          <a:chExt cx="0" cy="0"/>
+        </a:xfrm>
+      </p:grpSpPr>
+      <p:sp>
+        <p:nvSpPr>
           <p:cNvPr id="5" name="Title 4"/>
           <p:cNvSpPr>
             <a:spLocks noGrp="1"/>
@@ -22731,7 +22834,7 @@
 </p:sld>
 </file>
 
-<file path=ppt/slides/slide22.xml><?xml version="1.0" encoding="utf-8"?>
+<file path=ppt/slides/slide23.xml><?xml version="1.0" encoding="utf-8"?>
 <p:sld xmlns:a="http://schemas.openxmlformats.org/drawingml/2006/main" xmlns:r="http://schemas.openxmlformats.org/officeDocument/2006/relationships" xmlns:p="http://schemas.openxmlformats.org/presentationml/2006/main" show="0">
   <p:cSld>
     <p:spTree>
@@ -22757,7 +22860,7 @@
 </p:sld>
 </file>
 
-<file path=ppt/slides/slide23.xml><?xml version="1.0" encoding="utf-8"?>
+<file path=ppt/slides/slide24.xml><?xml version="1.0" encoding="utf-8"?>
 <p:sld xmlns:a="http://schemas.openxmlformats.org/drawingml/2006/main" xmlns:r="http://schemas.openxmlformats.org/officeDocument/2006/relationships" xmlns:p="http://schemas.openxmlformats.org/presentationml/2006/main" show="0">
   <p:cSld>
     <p:spTree>
@@ -22783,7 +22886,7 @@
 </p:sld>
 </file>
 
-<file path=ppt/slides/slide24.xml><?xml version="1.0" encoding="utf-8"?>
+<file path=ppt/slides/slide25.xml><?xml version="1.0" encoding="utf-8"?>
 <p:sld xmlns:a="http://schemas.openxmlformats.org/drawingml/2006/main" xmlns:r="http://schemas.openxmlformats.org/officeDocument/2006/relationships" xmlns:p="http://schemas.openxmlformats.org/presentationml/2006/main" show="0">
   <p:cSld>
     <p:spTree>

--- a/Arquitetura.pptx
+++ b/Arquitetura.pptx
@@ -5,10 +5,10 @@
     <p:sldMasterId id="2147483738" r:id="rId1"/>
   </p:sldMasterIdLst>
   <p:notesMasterIdLst>
-    <p:notesMasterId r:id="rId27"/>
+    <p:notesMasterId r:id="rId28"/>
   </p:notesMasterIdLst>
   <p:handoutMasterIdLst>
-    <p:handoutMasterId r:id="rId28"/>
+    <p:handoutMasterId r:id="rId29"/>
   </p:handoutMasterIdLst>
   <p:sldIdLst>
     <p:sldId id="361" r:id="rId2"/>
@@ -29,20 +29,21 @@
     <p:sldId id="291" r:id="rId17"/>
     <p:sldId id="364" r:id="rId18"/>
     <p:sldId id="366" r:id="rId19"/>
-    <p:sldId id="368" r:id="rId20"/>
-    <p:sldId id="367" r:id="rId21"/>
-    <p:sldId id="287" r:id="rId22"/>
-    <p:sldId id="365" r:id="rId23"/>
-    <p:sldId id="265" r:id="rId24"/>
-    <p:sldId id="339" r:id="rId25"/>
-    <p:sldId id="346" r:id="rId26"/>
+    <p:sldId id="369" r:id="rId20"/>
+    <p:sldId id="368" r:id="rId21"/>
+    <p:sldId id="367" r:id="rId22"/>
+    <p:sldId id="287" r:id="rId23"/>
+    <p:sldId id="365" r:id="rId24"/>
+    <p:sldId id="265" r:id="rId25"/>
+    <p:sldId id="339" r:id="rId26"/>
+    <p:sldId id="346" r:id="rId27"/>
   </p:sldIdLst>
   <p:sldSz cx="12195175" cy="6859588"/>
   <p:notesSz cx="6797675" cy="9874250"/>
   <p:embeddedFontLst>
     <p:embeddedFont>
       <p:font typeface="Arial Unicode MS" panose="020B0604020202020204" pitchFamily="34" charset="-128"/>
-      <p:regular r:id="rId29"/>
+      <p:regular r:id="rId30"/>
     </p:embeddedFont>
   </p:embeddedFontLst>
   <p:defaultTextStyle>
@@ -6425,7 +6426,7 @@
             <a:fld id="{7D8C2C35-2B8A-446E-BEC0-FD36716C29AC}" type="slidenum">
               <a:rPr lang="en-US" smtClean="0"/>
               <a:pPr/>
-              <a:t>21</a:t>
+              <a:t>22</a:t>
             </a:fld>
             <a:endParaRPr lang="en-US" dirty="0"/>
           </a:p>
@@ -6510,7 +6511,7 @@
             <a:fld id="{7D8C2C35-2B8A-446E-BEC0-FD36716C29AC}" type="slidenum">
               <a:rPr lang="en-US" smtClean="0"/>
               <a:pPr/>
-              <a:t>22</a:t>
+              <a:t>23</a:t>
             </a:fld>
             <a:endParaRPr lang="en-US" dirty="0"/>
           </a:p>
@@ -6595,7 +6596,7 @@
             <a:fld id="{7D8C2C35-2B8A-446E-BEC0-FD36716C29AC}" type="slidenum">
               <a:rPr lang="en-US" smtClean="0"/>
               <a:pPr/>
-              <a:t>23</a:t>
+              <a:t>24</a:t>
             </a:fld>
             <a:endParaRPr lang="en-US" dirty="0"/>
           </a:p>
@@ -6680,7 +6681,7 @@
             <a:fld id="{7D8C2C35-2B8A-446E-BEC0-FD36716C29AC}" type="slidenum">
               <a:rPr lang="en-US" smtClean="0"/>
               <a:pPr/>
-              <a:t>24</a:t>
+              <a:t>25</a:t>
             </a:fld>
             <a:endParaRPr lang="en-US" dirty="0"/>
           </a:p>
@@ -6850,7 +6851,7 @@
             <a:fld id="{7D8C2C35-2B8A-446E-BEC0-FD36716C29AC}" type="slidenum">
               <a:rPr lang="en-US" smtClean="0"/>
               <a:pPr/>
-              <a:t>25</a:t>
+              <a:t>26</a:t>
             </a:fld>
             <a:endParaRPr lang="en-US" dirty="0"/>
           </a:p>
@@ -15104,40 +15105,208 @@
       </p:grpSpPr>
       <p:sp>
         <p:nvSpPr>
-          <p:cNvPr id="71" name="Rectangle 70"/>
+          <p:cNvPr id="5" name="Can 4"/>
           <p:cNvSpPr/>
           <p:nvPr/>
         </p:nvSpPr>
         <p:spPr bwMode="gray">
           <a:xfrm>
-            <a:off x="560070" y="662940"/>
-            <a:ext cx="9761220" cy="4812030"/>
+            <a:off x="3734494" y="2882096"/>
+            <a:ext cx="1191836" cy="1347004"/>
           </a:xfrm>
-          <a:prstGeom prst="rect">
+          <a:prstGeom prst="can">
             <a:avLst/>
           </a:prstGeom>
-          <a:ln>
+          <a:solidFill>
+            <a:schemeClr val="accent1">
+              <a:alpha val="40000"/>
+            </a:schemeClr>
+          </a:solidFill>
+          <a:ln w="6350" algn="ctr">
+            <a:noFill/>
+            <a:miter lim="800000"/>
             <a:headEnd/>
             <a:tailEnd/>
           </a:ln>
         </p:spPr>
-        <p:style>
-          <a:lnRef idx="2">
-            <a:schemeClr val="dk1"/>
-          </a:lnRef>
-          <a:fillRef idx="1">
-            <a:schemeClr val="lt1"/>
-          </a:fillRef>
-          <a:effectRef idx="0">
-            <a:schemeClr val="dk1"/>
-          </a:effectRef>
-          <a:fontRef idx="minor">
-            <a:schemeClr val="dk1"/>
-          </a:fontRef>
-        </p:style>
         <p:txBody>
           <a:bodyPr lIns="90000" tIns="72000" rIns="90000" bIns="72000" rtlCol="0" anchor="ctr"/>
           <a:lstStyle/>
+          <a:p>
+            <a:pPr marR="0" algn="ctr" defTabSz="914400" eaLnBrk="1" fontAlgn="base" latinLnBrk="0" hangingPunct="1">
+              <a:lnSpc>
+                <a:spcPct val="100000"/>
+              </a:lnSpc>
+              <a:spcBef>
+                <a:spcPct val="50000"/>
+              </a:spcBef>
+              <a:spcAft>
+                <a:spcPct val="0"/>
+              </a:spcAft>
+              <a:buClr>
+                <a:srgbClr val="F0AB00"/>
+              </a:buClr>
+              <a:buSzPct val="80000"/>
+              <a:tabLst/>
+            </a:pPr>
+            <a:r>
+              <a:rPr lang="pt-BR" sz="2000" kern="0" noProof="1">
+                <a:ea typeface="Arial Unicode MS" pitchFamily="34" charset="-128"/>
+                <a:cs typeface="Arial Unicode MS" pitchFamily="34" charset="-128"/>
+              </a:rPr>
+              <a:t>Base de dados</a:t>
+            </a:r>
+            <a:endParaRPr kumimoji="0" lang="pt-BR" sz="2000" b="0" i="0" u="none" strike="noStrike" kern="0" cap="none" spc="0" normalizeH="0" baseline="0" noProof="1">
+              <a:ln>
+                <a:noFill/>
+              </a:ln>
+              <a:effectLst/>
+              <a:uLnTx/>
+              <a:uFillTx/>
+              <a:ea typeface="Arial Unicode MS" pitchFamily="34" charset="-128"/>
+              <a:cs typeface="Arial Unicode MS" pitchFamily="34" charset="-128"/>
+            </a:endParaRPr>
+          </a:p>
+        </p:txBody>
+      </p:sp>
+      <p:sp>
+        <p:nvSpPr>
+          <p:cNvPr id="6" name="Rounded Rectangle 5"/>
+          <p:cNvSpPr/>
+          <p:nvPr/>
+        </p:nvSpPr>
+        <p:spPr bwMode="gray">
+          <a:xfrm>
+            <a:off x="1102214" y="1932494"/>
+            <a:ext cx="1913487" cy="553581"/>
+          </a:xfrm>
+          <a:prstGeom prst="roundRect">
+            <a:avLst/>
+          </a:prstGeom>
+          <a:solidFill>
+            <a:schemeClr val="tx2">
+              <a:alpha val="40000"/>
+            </a:schemeClr>
+          </a:solidFill>
+          <a:ln w="6350" algn="ctr">
+            <a:noFill/>
+            <a:miter lim="800000"/>
+            <a:headEnd/>
+            <a:tailEnd/>
+          </a:ln>
+        </p:spPr>
+        <p:txBody>
+          <a:bodyPr lIns="90000" tIns="72000" rIns="90000" bIns="72000" rtlCol="0" anchor="ctr"/>
+          <a:lstStyle/>
+          <a:p>
+            <a:pPr marR="0" algn="ctr" defTabSz="914400" eaLnBrk="1" fontAlgn="base" latinLnBrk="0" hangingPunct="1">
+              <a:lnSpc>
+                <a:spcPct val="100000"/>
+              </a:lnSpc>
+              <a:spcBef>
+                <a:spcPct val="50000"/>
+              </a:spcBef>
+              <a:spcAft>
+                <a:spcPct val="0"/>
+              </a:spcAft>
+              <a:buClr>
+                <a:srgbClr val="F0AB00"/>
+              </a:buClr>
+              <a:buSzPct val="80000"/>
+              <a:tabLst/>
+            </a:pPr>
+            <a:r>
+              <a:rPr kumimoji="0" lang="pt-BR" sz="2000" b="0" i="0" u="none" strike="noStrike" kern="0" cap="none" spc="0" normalizeH="0" baseline="0" noProof="1">
+                <a:ln>
+                  <a:noFill/>
+                </a:ln>
+                <a:effectLst/>
+                <a:uLnTx/>
+                <a:uFillTx/>
+                <a:ea typeface="Arial Unicode MS" pitchFamily="34" charset="-128"/>
+                <a:cs typeface="Arial Unicode MS" pitchFamily="34" charset="-128"/>
+              </a:rPr>
+              <a:t>Gerenciador AutoElastic</a:t>
+            </a:r>
+          </a:p>
+        </p:txBody>
+      </p:sp>
+      <p:sp>
+        <p:nvSpPr>
+          <p:cNvPr id="7" name="Rounded Rectangle 6"/>
+          <p:cNvSpPr/>
+          <p:nvPr/>
+        </p:nvSpPr>
+        <p:spPr bwMode="gray">
+          <a:xfrm>
+            <a:off x="768927" y="2764552"/>
+            <a:ext cx="2580063" cy="1464548"/>
+          </a:xfrm>
+          <a:prstGeom prst="roundRect">
+            <a:avLst/>
+          </a:prstGeom>
+          <a:solidFill>
+            <a:schemeClr val="bg2">
+              <a:alpha val="36000"/>
+            </a:schemeClr>
+          </a:solidFill>
+          <a:ln w="6350" algn="ctr">
+            <a:noFill/>
+            <a:miter lim="800000"/>
+            <a:headEnd/>
+            <a:tailEnd/>
+          </a:ln>
+        </p:spPr>
+        <p:txBody>
+          <a:bodyPr lIns="90000" tIns="72000" rIns="90000" bIns="72000" rtlCol="0" anchor="ctr"/>
+          <a:lstStyle/>
+          <a:p>
+            <a:pPr marR="0" algn="ctr" defTabSz="914400" eaLnBrk="1" fontAlgn="base" latinLnBrk="0" hangingPunct="1">
+              <a:lnSpc>
+                <a:spcPct val="100000"/>
+              </a:lnSpc>
+              <a:spcBef>
+                <a:spcPct val="50000"/>
+              </a:spcBef>
+              <a:spcAft>
+                <a:spcPct val="0"/>
+              </a:spcAft>
+              <a:buClr>
+                <a:srgbClr val="F0AB00"/>
+              </a:buClr>
+              <a:buSzPct val="80000"/>
+              <a:tabLst/>
+            </a:pPr>
+            <a:endParaRPr lang="pt-BR" sz="2000" kern="0" noProof="1">
+              <a:ea typeface="Arial Unicode MS" pitchFamily="34" charset="-128"/>
+              <a:cs typeface="Arial Unicode MS" pitchFamily="34" charset="-128"/>
+            </a:endParaRPr>
+          </a:p>
+          <a:p>
+            <a:pPr marR="0" algn="ctr" defTabSz="914400" eaLnBrk="1" fontAlgn="base" latinLnBrk="0" hangingPunct="1">
+              <a:lnSpc>
+                <a:spcPct val="100000"/>
+              </a:lnSpc>
+              <a:spcBef>
+                <a:spcPct val="50000"/>
+              </a:spcBef>
+              <a:spcAft>
+                <a:spcPct val="0"/>
+              </a:spcAft>
+              <a:buClr>
+                <a:srgbClr val="F0AB00"/>
+              </a:buClr>
+              <a:buSzPct val="80000"/>
+              <a:tabLst/>
+            </a:pPr>
+            <a:r>
+              <a:rPr lang="pt-BR" sz="2000" kern="0" noProof="1">
+                <a:ea typeface="Arial Unicode MS" pitchFamily="34" charset="-128"/>
+                <a:cs typeface="Arial Unicode MS" pitchFamily="34" charset="-128"/>
+              </a:rPr>
+              <a:t>Nó Frontend</a:t>
+            </a:r>
+          </a:p>
           <a:p>
             <a:pPr marR="0" algn="ctr" defTabSz="914400" eaLnBrk="1" fontAlgn="base" latinLnBrk="0" hangingPunct="1">
               <a:lnSpc>
@@ -15168,218 +15337,6 @@
           </a:p>
         </p:txBody>
       </p:sp>
-      <p:sp>
-        <p:nvSpPr>
-          <p:cNvPr id="5" name="Can 4"/>
-          <p:cNvSpPr/>
-          <p:nvPr/>
-        </p:nvSpPr>
-        <p:spPr bwMode="gray">
-          <a:xfrm>
-            <a:off x="3734494" y="2413808"/>
-            <a:ext cx="1191836" cy="1815292"/>
-          </a:xfrm>
-          <a:prstGeom prst="can">
-            <a:avLst/>
-          </a:prstGeom>
-          <a:solidFill>
-            <a:schemeClr val="accent1">
-              <a:alpha val="40000"/>
-            </a:schemeClr>
-          </a:solidFill>
-          <a:ln w="6350" algn="ctr">
-            <a:noFill/>
-            <a:miter lim="800000"/>
-            <a:headEnd/>
-            <a:tailEnd/>
-          </a:ln>
-        </p:spPr>
-        <p:txBody>
-          <a:bodyPr lIns="90000" tIns="72000" rIns="90000" bIns="72000" rtlCol="0" anchor="ctr"/>
-          <a:lstStyle/>
-          <a:p>
-            <a:pPr marR="0" algn="ctr" defTabSz="914400" eaLnBrk="1" fontAlgn="base" latinLnBrk="0" hangingPunct="1">
-              <a:lnSpc>
-                <a:spcPct val="100000"/>
-              </a:lnSpc>
-              <a:spcBef>
-                <a:spcPct val="50000"/>
-              </a:spcBef>
-              <a:spcAft>
-                <a:spcPct val="0"/>
-              </a:spcAft>
-              <a:buClr>
-                <a:srgbClr val="F0AB00"/>
-              </a:buClr>
-              <a:buSzPct val="80000"/>
-              <a:tabLst/>
-            </a:pPr>
-            <a:r>
-              <a:rPr lang="pt-BR" sz="2000" kern="0" noProof="1">
-                <a:ea typeface="Arial Unicode MS" pitchFamily="34" charset="-128"/>
-                <a:cs typeface="Arial Unicode MS" pitchFamily="34" charset="-128"/>
-              </a:rPr>
-              <a:t>Base de dados</a:t>
-            </a:r>
-            <a:endParaRPr kumimoji="0" lang="pt-BR" sz="2000" b="0" i="0" u="none" strike="noStrike" kern="0" cap="none" spc="0" normalizeH="0" baseline="0" noProof="1">
-              <a:ln>
-                <a:noFill/>
-              </a:ln>
-              <a:effectLst/>
-              <a:uLnTx/>
-              <a:uFillTx/>
-              <a:ea typeface="Arial Unicode MS" pitchFamily="34" charset="-128"/>
-              <a:cs typeface="Arial Unicode MS" pitchFamily="34" charset="-128"/>
-            </a:endParaRPr>
-          </a:p>
-        </p:txBody>
-      </p:sp>
-      <p:sp>
-        <p:nvSpPr>
-          <p:cNvPr id="6" name="Rounded Rectangle 5"/>
-          <p:cNvSpPr/>
-          <p:nvPr/>
-        </p:nvSpPr>
-        <p:spPr bwMode="gray">
-          <a:xfrm>
-            <a:off x="1104033" y="869718"/>
-            <a:ext cx="1913487" cy="959081"/>
-          </a:xfrm>
-          <a:prstGeom prst="roundRect">
-            <a:avLst/>
-          </a:prstGeom>
-          <a:solidFill>
-            <a:schemeClr val="tx2">
-              <a:alpha val="40000"/>
-            </a:schemeClr>
-          </a:solidFill>
-          <a:ln w="6350" algn="ctr">
-            <a:noFill/>
-            <a:miter lim="800000"/>
-            <a:headEnd/>
-            <a:tailEnd/>
-          </a:ln>
-        </p:spPr>
-        <p:txBody>
-          <a:bodyPr lIns="90000" tIns="72000" rIns="90000" bIns="72000" rtlCol="0" anchor="ctr"/>
-          <a:lstStyle/>
-          <a:p>
-            <a:pPr marR="0" algn="ctr" defTabSz="914400" eaLnBrk="1" fontAlgn="base" latinLnBrk="0" hangingPunct="1">
-              <a:lnSpc>
-                <a:spcPct val="100000"/>
-              </a:lnSpc>
-              <a:spcBef>
-                <a:spcPct val="50000"/>
-              </a:spcBef>
-              <a:spcAft>
-                <a:spcPct val="0"/>
-              </a:spcAft>
-              <a:buClr>
-                <a:srgbClr val="F0AB00"/>
-              </a:buClr>
-              <a:buSzPct val="80000"/>
-              <a:tabLst/>
-            </a:pPr>
-            <a:r>
-              <a:rPr kumimoji="0" lang="pt-BR" sz="2000" b="0" i="0" u="none" strike="noStrike" kern="0" cap="none" spc="0" normalizeH="0" baseline="0" noProof="1">
-                <a:ln>
-                  <a:noFill/>
-                </a:ln>
-                <a:effectLst/>
-                <a:uLnTx/>
-                <a:uFillTx/>
-                <a:ea typeface="Arial Unicode MS" pitchFamily="34" charset="-128"/>
-                <a:cs typeface="Arial Unicode MS" pitchFamily="34" charset="-128"/>
-              </a:rPr>
-              <a:t>Gerenciador AutoElastic</a:t>
-            </a:r>
-          </a:p>
-        </p:txBody>
-      </p:sp>
-      <p:sp>
-        <p:nvSpPr>
-          <p:cNvPr id="7" name="Rounded Rectangle 6"/>
-          <p:cNvSpPr/>
-          <p:nvPr/>
-        </p:nvSpPr>
-        <p:spPr bwMode="gray">
-          <a:xfrm>
-            <a:off x="768927" y="2413808"/>
-            <a:ext cx="2580063" cy="1815292"/>
-          </a:xfrm>
-          <a:prstGeom prst="roundRect">
-            <a:avLst/>
-          </a:prstGeom>
-          <a:solidFill>
-            <a:schemeClr val="bg2">
-              <a:alpha val="36000"/>
-            </a:schemeClr>
-          </a:solidFill>
-          <a:ln w="6350" algn="ctr">
-            <a:noFill/>
-            <a:miter lim="800000"/>
-            <a:headEnd/>
-            <a:tailEnd/>
-          </a:ln>
-        </p:spPr>
-        <p:txBody>
-          <a:bodyPr lIns="90000" tIns="72000" rIns="90000" bIns="72000" rtlCol="0" anchor="ctr"/>
-          <a:lstStyle/>
-          <a:p>
-            <a:pPr marR="0" algn="ctr" defTabSz="914400" eaLnBrk="1" fontAlgn="base" latinLnBrk="0" hangingPunct="1">
-              <a:lnSpc>
-                <a:spcPct val="100000"/>
-              </a:lnSpc>
-              <a:spcBef>
-                <a:spcPct val="50000"/>
-              </a:spcBef>
-              <a:spcAft>
-                <a:spcPct val="0"/>
-              </a:spcAft>
-              <a:buClr>
-                <a:srgbClr val="F0AB00"/>
-              </a:buClr>
-              <a:buSzPct val="80000"/>
-              <a:tabLst/>
-            </a:pPr>
-            <a:r>
-              <a:rPr lang="pt-BR" sz="2000" kern="0" noProof="1">
-                <a:ea typeface="Arial Unicode MS" pitchFamily="34" charset="-128"/>
-                <a:cs typeface="Arial Unicode MS" pitchFamily="34" charset="-128"/>
-              </a:rPr>
-              <a:t>Nó Frontend</a:t>
-            </a:r>
-          </a:p>
-          <a:p>
-            <a:pPr marR="0" algn="ctr" defTabSz="914400" eaLnBrk="1" fontAlgn="base" latinLnBrk="0" hangingPunct="1">
-              <a:lnSpc>
-                <a:spcPct val="100000"/>
-              </a:lnSpc>
-              <a:spcBef>
-                <a:spcPct val="50000"/>
-              </a:spcBef>
-              <a:spcAft>
-                <a:spcPct val="0"/>
-              </a:spcAft>
-              <a:buClr>
-                <a:srgbClr val="F0AB00"/>
-              </a:buClr>
-              <a:buSzPct val="80000"/>
-              <a:tabLst/>
-            </a:pPr>
-            <a:endParaRPr kumimoji="0" lang="pt-BR" sz="2000" b="0" i="0" u="none" strike="noStrike" kern="0" cap="none" spc="0" normalizeH="0" baseline="0" noProof="1">
-              <a:ln>
-                <a:noFill/>
-              </a:ln>
-              <a:effectLst/>
-              <a:uLnTx/>
-              <a:uFillTx/>
-              <a:ea typeface="Arial Unicode MS" pitchFamily="34" charset="-128"/>
-              <a:cs typeface="Arial Unicode MS" pitchFamily="34" charset="-128"/>
-            </a:endParaRPr>
-          </a:p>
-        </p:txBody>
-      </p:sp>
       <p:cxnSp>
         <p:nvCxnSpPr>
           <p:cNvPr id="9" name="Straight Arrow Connector 8"/>
@@ -15390,9 +15347,9 @@
           <p:nvPr/>
         </p:nvCxnSpPr>
         <p:spPr>
-          <a:xfrm flipH="1">
-            <a:off x="2058959" y="1828799"/>
-            <a:ext cx="1818" cy="585009"/>
+          <a:xfrm>
+            <a:off x="2058958" y="2486075"/>
+            <a:ext cx="1" cy="278477"/>
           </a:xfrm>
           <a:prstGeom prst="straightConnector1">
             <a:avLst/>
@@ -15427,8 +15384,8 @@
         </p:nvSpPr>
         <p:spPr bwMode="gray">
           <a:xfrm>
-            <a:off x="5451243" y="3270019"/>
-            <a:ext cx="1913487" cy="959081"/>
+            <a:off x="5451243" y="3472120"/>
+            <a:ext cx="1913487" cy="756980"/>
           </a:xfrm>
           <a:prstGeom prst="roundRect">
             <a:avLst/>
@@ -15465,6 +15422,28 @@
               <a:buSzPct val="80000"/>
               <a:tabLst/>
             </a:pPr>
+            <a:endParaRPr lang="pt-BR" sz="1000" kern="0" noProof="1">
+              <a:ea typeface="Arial Unicode MS" pitchFamily="34" charset="-128"/>
+              <a:cs typeface="Arial Unicode MS" pitchFamily="34" charset="-128"/>
+            </a:endParaRPr>
+          </a:p>
+          <a:p>
+            <a:pPr marR="0" algn="ctr" defTabSz="914400" eaLnBrk="1" fontAlgn="base" latinLnBrk="0" hangingPunct="1">
+              <a:lnSpc>
+                <a:spcPct val="100000"/>
+              </a:lnSpc>
+              <a:spcBef>
+                <a:spcPct val="50000"/>
+              </a:spcBef>
+              <a:spcAft>
+                <a:spcPct val="0"/>
+              </a:spcAft>
+              <a:buClr>
+                <a:srgbClr val="F0AB00"/>
+              </a:buClr>
+              <a:buSzPct val="80000"/>
+              <a:tabLst/>
+            </a:pPr>
             <a:r>
               <a:rPr kumimoji="0" lang="pt-BR" sz="2000" b="0" i="0" u="none" strike="noStrike" kern="0" cap="none" spc="0" normalizeH="0" baseline="0" noProof="1">
                 <a:ln>
@@ -15489,8 +15468,8 @@
         </p:nvSpPr>
         <p:spPr bwMode="gray">
           <a:xfrm>
-            <a:off x="7889643" y="3270018"/>
-            <a:ext cx="1913487" cy="959081"/>
+            <a:off x="7889643" y="3472120"/>
+            <a:ext cx="1913487" cy="756979"/>
           </a:xfrm>
           <a:prstGeom prst="roundRect">
             <a:avLst/>
@@ -15527,6 +15506,34 @@
               <a:buSzPct val="80000"/>
               <a:tabLst/>
             </a:pPr>
+            <a:endParaRPr kumimoji="0" lang="pt-BR" sz="1000" b="0" i="0" u="none" strike="noStrike" kern="0" cap="none" spc="0" normalizeH="0" baseline="0" noProof="1">
+              <a:ln>
+                <a:noFill/>
+              </a:ln>
+              <a:effectLst/>
+              <a:uLnTx/>
+              <a:uFillTx/>
+              <a:ea typeface="Arial Unicode MS" pitchFamily="34" charset="-128"/>
+              <a:cs typeface="Arial Unicode MS" pitchFamily="34" charset="-128"/>
+            </a:endParaRPr>
+          </a:p>
+          <a:p>
+            <a:pPr marR="0" algn="ctr" defTabSz="914400" eaLnBrk="1" fontAlgn="base" latinLnBrk="0" hangingPunct="1">
+              <a:lnSpc>
+                <a:spcPct val="100000"/>
+              </a:lnSpc>
+              <a:spcBef>
+                <a:spcPct val="50000"/>
+              </a:spcBef>
+              <a:spcAft>
+                <a:spcPct val="0"/>
+              </a:spcAft>
+              <a:buClr>
+                <a:srgbClr val="F0AB00"/>
+              </a:buClr>
+              <a:buSzPct val="80000"/>
+              <a:tabLst/>
+            </a:pPr>
             <a:r>
               <a:rPr kumimoji="0" lang="pt-BR" sz="2000" b="0" i="0" u="none" strike="noStrike" kern="0" cap="none" spc="0" normalizeH="0" baseline="0" noProof="1">
                 <a:ln>
@@ -15551,8 +15558,8 @@
         </p:nvSpPr>
         <p:spPr bwMode="gray">
           <a:xfrm>
-            <a:off x="6115050" y="3321454"/>
-            <a:ext cx="1143000" cy="240030"/>
+            <a:off x="5600096" y="3507098"/>
+            <a:ext cx="1671289" cy="240030"/>
           </a:xfrm>
           <a:prstGeom prst="roundRect">
             <a:avLst/>
@@ -15600,7 +15607,7 @@
                 <a:ea typeface="Arial Unicode MS" pitchFamily="34" charset="-128"/>
                 <a:cs typeface="Arial Unicode MS" pitchFamily="34" charset="-128"/>
               </a:rPr>
-              <a:t>Docker</a:t>
+              <a:t>Docker/Hipervisor</a:t>
             </a:r>
           </a:p>
         </p:txBody>
@@ -15613,8 +15620,8 @@
         </p:nvSpPr>
         <p:spPr bwMode="gray">
           <a:xfrm>
-            <a:off x="8553450" y="3321454"/>
-            <a:ext cx="1143000" cy="240030"/>
+            <a:off x="8034762" y="3507098"/>
+            <a:ext cx="1666224" cy="237781"/>
           </a:xfrm>
           <a:prstGeom prst="roundRect">
             <a:avLst/>
@@ -15662,7 +15669,7 @@
                 <a:ea typeface="Arial Unicode MS" pitchFamily="34" charset="-128"/>
                 <a:cs typeface="Arial Unicode MS" pitchFamily="34" charset="-128"/>
               </a:rPr>
-              <a:t>Docker</a:t>
+              <a:t>Docker/Hipervisor</a:t>
             </a:r>
           </a:p>
         </p:txBody>
@@ -15675,7 +15682,7 @@
         </p:nvSpPr>
         <p:spPr bwMode="gray">
           <a:xfrm>
-            <a:off x="5451243" y="2653838"/>
+            <a:off x="5451243" y="2885333"/>
             <a:ext cx="983847" cy="383943"/>
           </a:xfrm>
           <a:prstGeom prst="rect">
@@ -15731,7 +15738,7 @@
                 <a:ea typeface="Arial Unicode MS" pitchFamily="34" charset="-128"/>
                 <a:cs typeface="Arial Unicode MS" pitchFamily="34" charset="-128"/>
               </a:rPr>
-              <a:t>Container M</a:t>
+              <a:t>UPV M</a:t>
             </a:r>
           </a:p>
         </p:txBody>
@@ -15744,7 +15751,7 @@
         </p:nvSpPr>
         <p:spPr bwMode="gray">
           <a:xfrm>
-            <a:off x="6563763" y="2653837"/>
+            <a:off x="6563763" y="2885332"/>
             <a:ext cx="983847" cy="383943"/>
           </a:xfrm>
           <a:prstGeom prst="rect">
@@ -15800,7 +15807,7 @@
                 <a:ea typeface="Arial Unicode MS" pitchFamily="34" charset="-128"/>
                 <a:cs typeface="Arial Unicode MS" pitchFamily="34" charset="-128"/>
               </a:rPr>
-              <a:t>Container  </a:t>
+              <a:t>UPV  </a:t>
             </a:r>
             <a:r>
               <a:rPr lang="pt-BR" sz="1200" kern="0" noProof="1">
@@ -15830,7 +15837,7 @@
         </p:nvSpPr>
         <p:spPr bwMode="gray">
           <a:xfrm>
-            <a:off x="7709706" y="2648294"/>
+            <a:off x="7709706" y="2879789"/>
             <a:ext cx="983847" cy="383943"/>
           </a:xfrm>
           <a:prstGeom prst="rect">
@@ -15886,7 +15893,7 @@
                 <a:ea typeface="Arial Unicode MS" pitchFamily="34" charset="-128"/>
                 <a:cs typeface="Arial Unicode MS" pitchFamily="34" charset="-128"/>
               </a:rPr>
-              <a:t>Container  1</a:t>
+              <a:t>UPV  1</a:t>
             </a:r>
           </a:p>
         </p:txBody>
@@ -15899,7 +15906,7 @@
         </p:nvSpPr>
         <p:spPr bwMode="gray">
           <a:xfrm>
-            <a:off x="8822226" y="2648293"/>
+            <a:off x="8822226" y="2879788"/>
             <a:ext cx="983847" cy="383943"/>
           </a:xfrm>
           <a:prstGeom prst="rect">
@@ -15955,7 +15962,7 @@
                 <a:ea typeface="Arial Unicode MS" pitchFamily="34" charset="-128"/>
                 <a:cs typeface="Arial Unicode MS" pitchFamily="34" charset="-128"/>
               </a:rPr>
-              <a:t>Container m-1</a:t>
+              <a:t>UPV m-1</a:t>
             </a:r>
           </a:p>
         </p:txBody>
@@ -15968,7 +15975,7 @@
         </p:nvSpPr>
         <p:spPr bwMode="gray">
           <a:xfrm>
-            <a:off x="5732447" y="1828799"/>
+            <a:off x="5732447" y="2199193"/>
             <a:ext cx="411480" cy="390698"/>
           </a:xfrm>
           <a:prstGeom prst="ellipse">
@@ -16037,7 +16044,7 @@
         </p:nvSpPr>
         <p:spPr bwMode="gray">
           <a:xfrm>
-            <a:off x="6849946" y="1828799"/>
+            <a:off x="6849946" y="2199193"/>
             <a:ext cx="411480" cy="390698"/>
           </a:xfrm>
           <a:prstGeom prst="ellipse">
@@ -16106,7 +16113,7 @@
         </p:nvSpPr>
         <p:spPr bwMode="gray">
           <a:xfrm>
-            <a:off x="7995889" y="1828799"/>
+            <a:off x="7995889" y="2199193"/>
             <a:ext cx="411480" cy="390698"/>
           </a:xfrm>
           <a:prstGeom prst="ellipse">
@@ -16175,7 +16182,7 @@
         </p:nvSpPr>
         <p:spPr bwMode="gray">
           <a:xfrm>
-            <a:off x="9099318" y="1828799"/>
+            <a:off x="9099318" y="2199193"/>
             <a:ext cx="411480" cy="390698"/>
           </a:xfrm>
           <a:prstGeom prst="ellipse">
@@ -16247,8 +16254,8 @@
         </p:nvCxnSpPr>
         <p:spPr>
           <a:xfrm>
-            <a:off x="5938187" y="2219497"/>
-            <a:ext cx="4980" cy="434341"/>
+            <a:off x="5938187" y="2589891"/>
+            <a:ext cx="4980" cy="295442"/>
           </a:xfrm>
           <a:prstGeom prst="straightConnector1">
             <a:avLst/>
@@ -16283,8 +16290,8 @@
         </p:nvCxnSpPr>
         <p:spPr>
           <a:xfrm>
-            <a:off x="7055686" y="2219497"/>
-            <a:ext cx="1" cy="434340"/>
+            <a:off x="7055686" y="2589891"/>
+            <a:ext cx="1" cy="295441"/>
           </a:xfrm>
           <a:prstGeom prst="straightConnector1">
             <a:avLst/>
@@ -16322,8 +16329,8 @@
         </p:nvCxnSpPr>
         <p:spPr>
           <a:xfrm>
-            <a:off x="8201629" y="2219497"/>
-            <a:ext cx="1" cy="428797"/>
+            <a:off x="8201629" y="2589891"/>
+            <a:ext cx="1" cy="289898"/>
           </a:xfrm>
           <a:prstGeom prst="straightConnector1">
             <a:avLst/>
@@ -16361,8 +16368,8 @@
         </p:nvCxnSpPr>
         <p:spPr>
           <a:xfrm>
-            <a:off x="9305058" y="2219497"/>
-            <a:ext cx="9092" cy="428796"/>
+            <a:off x="9305058" y="2589891"/>
+            <a:ext cx="9092" cy="289897"/>
           </a:xfrm>
           <a:prstGeom prst="straightConnector1">
             <a:avLst/>
@@ -16581,7 +16588,7 @@
         </p:nvSpPr>
         <p:spPr bwMode="gray">
           <a:xfrm>
-            <a:off x="823544" y="3663920"/>
+            <a:off x="823544" y="3871149"/>
             <a:ext cx="1143000" cy="240030"/>
           </a:xfrm>
           <a:prstGeom prst="roundRect">
@@ -16643,7 +16650,7 @@
         </p:nvSpPr>
         <p:spPr bwMode="gray">
           <a:xfrm>
-            <a:off x="2021161" y="3663315"/>
+            <a:off x="2086267" y="3871149"/>
             <a:ext cx="1143000" cy="240030"/>
           </a:xfrm>
           <a:prstGeom prst="roundRect">
@@ -16705,7 +16712,7 @@
         </p:nvSpPr>
         <p:spPr bwMode="gray">
           <a:xfrm>
-            <a:off x="1189304" y="4814109"/>
+            <a:off x="1189304" y="4686785"/>
             <a:ext cx="411480" cy="390698"/>
           </a:xfrm>
           <a:prstGeom prst="ellipse">
@@ -16774,7 +16781,7 @@
         </p:nvSpPr>
         <p:spPr>
           <a:xfrm>
-            <a:off x="1714500" y="4901736"/>
+            <a:off x="1714500" y="4774412"/>
             <a:ext cx="2398092" cy="215444"/>
           </a:xfrm>
           <a:prstGeom prst="rect">
@@ -16818,7 +16825,7 @@
         </p:nvSpPr>
         <p:spPr bwMode="gray">
           <a:xfrm>
-            <a:off x="4213944" y="4808914"/>
+            <a:off x="4213944" y="4681590"/>
             <a:ext cx="411480" cy="390698"/>
           </a:xfrm>
           <a:prstGeom prst="ellipse">
@@ -16891,7 +16898,7 @@
         </p:nvSpPr>
         <p:spPr>
           <a:xfrm>
-            <a:off x="4739140" y="4896541"/>
+            <a:off x="4739140" y="4769217"/>
             <a:ext cx="2478243" cy="215444"/>
           </a:xfrm>
           <a:prstGeom prst="rect">
@@ -16982,8 +16989,8 @@
         </p:nvCxnSpPr>
         <p:spPr>
           <a:xfrm>
-            <a:off x="5943167" y="3037781"/>
-            <a:ext cx="743383" cy="283673"/>
+            <a:off x="5943167" y="3269276"/>
+            <a:ext cx="492574" cy="237822"/>
           </a:xfrm>
           <a:prstGeom prst="straightConnector1">
             <a:avLst/>
@@ -17021,8 +17028,8 @@
         </p:nvCxnSpPr>
         <p:spPr>
           <a:xfrm flipH="1">
-            <a:off x="6686550" y="3037780"/>
-            <a:ext cx="369137" cy="283674"/>
+            <a:off x="6435741" y="3269275"/>
+            <a:ext cx="619946" cy="237823"/>
           </a:xfrm>
           <a:prstGeom prst="straightConnector1">
             <a:avLst/>
@@ -17054,13 +17061,14 @@
           <p:cNvPr id="66" name="Straight Arrow Connector 65"/>
           <p:cNvCxnSpPr>
             <a:stCxn id="16" idx="2"/>
+            <a:endCxn id="13" idx="0"/>
           </p:cNvCxnSpPr>
           <p:nvPr/>
         </p:nvCxnSpPr>
         <p:spPr>
           <a:xfrm>
-            <a:off x="8201630" y="3032237"/>
-            <a:ext cx="897688" cy="289217"/>
+            <a:off x="8201630" y="3263732"/>
+            <a:ext cx="666244" cy="243366"/>
           </a:xfrm>
           <a:prstGeom prst="straightConnector1">
             <a:avLst/>
@@ -17098,8 +17106,8 @@
         </p:nvCxnSpPr>
         <p:spPr>
           <a:xfrm flipH="1">
-            <a:off x="9124950" y="3032236"/>
-            <a:ext cx="189200" cy="289218"/>
+            <a:off x="8867874" y="3263731"/>
+            <a:ext cx="446276" cy="243367"/>
           </a:xfrm>
           <a:prstGeom prst="straightConnector1">
             <a:avLst/>
@@ -17231,7 +17239,7 @@
         </p:nvSpPr>
         <p:spPr bwMode="gray">
           <a:xfrm>
-            <a:off x="2021161" y="2528278"/>
+            <a:off x="2058958" y="2840264"/>
             <a:ext cx="1143000" cy="240030"/>
           </a:xfrm>
           <a:prstGeom prst="roundRect">
@@ -17281,6 +17289,68 @@
                 <a:cs typeface="Arial Unicode MS" pitchFamily="34" charset="-128"/>
               </a:rPr>
               <a:t>Docker</a:t>
+            </a:r>
+          </a:p>
+        </p:txBody>
+      </p:sp>
+      <p:sp>
+        <p:nvSpPr>
+          <p:cNvPr id="48" name="Rounded Rectangle 42"/>
+          <p:cNvSpPr/>
+          <p:nvPr/>
+        </p:nvSpPr>
+        <p:spPr bwMode="gray">
+          <a:xfrm>
+            <a:off x="842443" y="2846092"/>
+            <a:ext cx="1143000" cy="240030"/>
+          </a:xfrm>
+          <a:prstGeom prst="roundRect">
+            <a:avLst/>
+          </a:prstGeom>
+          <a:solidFill>
+            <a:schemeClr val="accent5">
+              <a:alpha val="80000"/>
+            </a:schemeClr>
+          </a:solidFill>
+          <a:ln w="6350" algn="ctr">
+            <a:noFill/>
+            <a:miter lim="800000"/>
+            <a:headEnd/>
+            <a:tailEnd/>
+          </a:ln>
+        </p:spPr>
+        <p:txBody>
+          <a:bodyPr lIns="90000" tIns="72000" rIns="90000" bIns="72000" rtlCol="0" anchor="ctr"/>
+          <a:lstStyle/>
+          <a:p>
+            <a:pPr marR="0" algn="ctr" defTabSz="914400" eaLnBrk="1" fontAlgn="base" latinLnBrk="0" hangingPunct="1">
+              <a:lnSpc>
+                <a:spcPct val="100000"/>
+              </a:lnSpc>
+              <a:spcBef>
+                <a:spcPct val="50000"/>
+              </a:spcBef>
+              <a:spcAft>
+                <a:spcPct val="0"/>
+              </a:spcAft>
+              <a:buClr>
+                <a:srgbClr val="F0AB00"/>
+              </a:buClr>
+              <a:buSzPct val="80000"/>
+              <a:tabLst/>
+            </a:pPr>
+            <a:r>
+              <a:rPr kumimoji="0" lang="pt-BR" sz="1400" b="0" i="0" u="none" strike="noStrike" kern="0" cap="none" spc="0" normalizeH="0" baseline="0" noProof="1">
+                <a:ln>
+                  <a:noFill/>
+                </a:ln>
+                <a:effectLst/>
+                <a:uLnTx/>
+                <a:uFillTx/>
+                <a:ea typeface="Arial Unicode MS" pitchFamily="34" charset="-128"/>
+                <a:cs typeface="Arial Unicode MS" pitchFamily="34" charset="-128"/>
+              </a:rPr>
+              <a:t>Hipervisor</a:t>
             </a:r>
           </a:p>
         </p:txBody>
@@ -21804,82 +21874,2999 @@
           <a:chExt cx="0" cy="0"/>
         </a:xfrm>
       </p:grpSpPr>
-      <p:pic>
-        <p:nvPicPr>
-          <p:cNvPr id="4" name="Picture 3"/>
-          <p:cNvPicPr>
-            <a:picLocks noChangeAspect="1"/>
-          </p:cNvPicPr>
+      <p:sp>
+        <p:nvSpPr>
+          <p:cNvPr id="50" name="Rectangle 49"/>
+          <p:cNvSpPr/>
           <p:nvPr/>
-        </p:nvPicPr>
-        <p:blipFill>
-          <a:blip r:embed="rId2"/>
-          <a:stretch>
-            <a:fillRect/>
-          </a:stretch>
-        </p:blipFill>
-        <p:spPr>
+        </p:nvSpPr>
+        <p:spPr bwMode="gray">
           <a:xfrm>
-            <a:off x="3598152" y="292715"/>
-            <a:ext cx="4453027" cy="5336176"/>
+            <a:off x="1327642" y="3991796"/>
+            <a:ext cx="177642" cy="240030"/>
           </a:xfrm>
           <a:prstGeom prst="rect">
             <a:avLst/>
           </a:prstGeom>
+          <a:solidFill>
+            <a:schemeClr val="bg1"/>
+          </a:solidFill>
+          <a:ln w="6350" algn="ctr">
+            <a:noFill/>
+            <a:miter lim="800000"/>
+            <a:headEnd/>
+            <a:tailEnd/>
+          </a:ln>
         </p:spPr>
-      </p:pic>
-      <p:pic>
-        <p:nvPicPr>
-          <p:cNvPr id="5" name="Picture 4"/>
-          <p:cNvPicPr>
-            <a:picLocks noChangeAspect="1"/>
-          </p:cNvPicPr>
+        <p:txBody>
+          <a:bodyPr lIns="90000" tIns="72000" rIns="90000" bIns="72000" rtlCol="0" anchor="ctr"/>
+          <a:lstStyle/>
+          <a:p>
+            <a:pPr marR="0" algn="ctr" defTabSz="914400" eaLnBrk="1" fontAlgn="base" latinLnBrk="0" hangingPunct="1">
+              <a:lnSpc>
+                <a:spcPct val="100000"/>
+              </a:lnSpc>
+              <a:spcBef>
+                <a:spcPct val="50000"/>
+              </a:spcBef>
+              <a:spcAft>
+                <a:spcPct val="0"/>
+              </a:spcAft>
+              <a:buClr>
+                <a:srgbClr val="F0AB00"/>
+              </a:buClr>
+              <a:buSzPct val="80000"/>
+              <a:tabLst/>
+            </a:pPr>
+            <a:endParaRPr kumimoji="0" lang="pt-BR" sz="2000" b="0" i="0" u="none" strike="noStrike" kern="0" cap="none" spc="0" normalizeH="0" baseline="0" noProof="1">
+              <a:ln>
+                <a:noFill/>
+              </a:ln>
+              <a:effectLst/>
+              <a:uLnTx/>
+              <a:uFillTx/>
+              <a:ea typeface="Arial Unicode MS" pitchFamily="34" charset="-128"/>
+              <a:cs typeface="Arial Unicode MS" pitchFamily="34" charset="-128"/>
+            </a:endParaRPr>
+          </a:p>
+        </p:txBody>
+      </p:sp>
+      <p:sp>
+        <p:nvSpPr>
+          <p:cNvPr id="57" name="TextBox 56"/>
+          <p:cNvSpPr txBox="1"/>
           <p:nvPr/>
-        </p:nvPicPr>
-        <p:blipFill>
-          <a:blip r:embed="rId3"/>
-          <a:stretch>
-            <a:fillRect/>
-          </a:stretch>
-        </p:blipFill>
+        </p:nvSpPr>
         <p:spPr>
           <a:xfrm>
-            <a:off x="2961479" y="5750742"/>
-            <a:ext cx="195390" cy="215160"/>
+            <a:off x="1160826" y="3624302"/>
+            <a:ext cx="1889941" cy="184666"/>
           </a:xfrm>
           <a:prstGeom prst="rect">
             <a:avLst/>
           </a:prstGeom>
+          <a:noFill/>
         </p:spPr>
-      </p:pic>
-      <p:pic>
-        <p:nvPicPr>
-          <p:cNvPr id="6" name="Picture 5"/>
-          <p:cNvPicPr>
-            <a:picLocks noChangeAspect="1"/>
-          </p:cNvPicPr>
+        <p:txBody>
+          <a:bodyPr wrap="none" lIns="0" tIns="0" rIns="0" bIns="0" rtlCol="0">
+            <a:spAutoFit/>
+          </a:bodyPr>
+          <a:lstStyle/>
+          <a:p>
+            <a:pPr fontAlgn="base">
+              <a:spcBef>
+                <a:spcPts val="600"/>
+              </a:spcBef>
+              <a:spcAft>
+                <a:spcPct val="0"/>
+              </a:spcAft>
+              <a:buClr>
+                <a:srgbClr val="F0AB00"/>
+              </a:buClr>
+              <a:buSzPct val="80000"/>
+            </a:pPr>
+            <a:r>
+              <a:rPr lang="pt-BR" sz="1200" kern="0" noProof="1">
+                <a:ea typeface="Arial Unicode MS" pitchFamily="34" charset="-128"/>
+                <a:cs typeface="Arial Unicode MS" pitchFamily="34" charset="-128"/>
+              </a:rPr>
+              <a:t>Unidade de Máquina Virtual</a:t>
+            </a:r>
+          </a:p>
+        </p:txBody>
+      </p:sp>
+      <p:sp>
+        <p:nvSpPr>
+          <p:cNvPr id="59" name="TextBox 58"/>
+          <p:cNvSpPr txBox="1"/>
           <p:nvPr/>
-        </p:nvPicPr>
-        <p:blipFill>
-          <a:blip r:embed="rId4"/>
-          <a:stretch>
-            <a:fillRect/>
-          </a:stretch>
-        </p:blipFill>
+        </p:nvSpPr>
         <p:spPr>
           <a:xfrm>
-            <a:off x="3906577" y="5750741"/>
-            <a:ext cx="198396" cy="215161"/>
+            <a:off x="3778802" y="3624560"/>
+            <a:ext cx="1974900" cy="184666"/>
           </a:xfrm>
           <a:prstGeom prst="rect">
             <a:avLst/>
           </a:prstGeom>
+          <a:noFill/>
         </p:spPr>
-      </p:pic>
+        <p:txBody>
+          <a:bodyPr wrap="none" lIns="0" tIns="0" rIns="0" bIns="0" rtlCol="0">
+            <a:spAutoFit/>
+          </a:bodyPr>
+          <a:lstStyle/>
+          <a:p>
+            <a:pPr fontAlgn="base">
+              <a:spcBef>
+                <a:spcPts val="600"/>
+              </a:spcBef>
+              <a:spcAft>
+                <a:spcPct val="0"/>
+              </a:spcAft>
+              <a:buClr>
+                <a:srgbClr val="F0AB00"/>
+              </a:buClr>
+              <a:buSzPct val="80000"/>
+            </a:pPr>
+            <a:r>
+              <a:rPr lang="pt-BR" sz="1200" kern="0" noProof="1">
+                <a:ea typeface="Arial Unicode MS" pitchFamily="34" charset="-128"/>
+                <a:cs typeface="Arial Unicode MS" pitchFamily="34" charset="-128"/>
+              </a:rPr>
+              <a:t>Unidade de Container Rígido</a:t>
+            </a:r>
+          </a:p>
+        </p:txBody>
+      </p:sp>
+      <p:sp>
+        <p:nvSpPr>
+          <p:cNvPr id="44" name="Rounded Rectangle 43"/>
+          <p:cNvSpPr/>
+          <p:nvPr/>
+        </p:nvSpPr>
+        <p:spPr bwMode="gray">
+          <a:xfrm>
+            <a:off x="777243" y="1728439"/>
+            <a:ext cx="1187963" cy="1719436"/>
+          </a:xfrm>
+          <a:prstGeom prst="roundRect">
+            <a:avLst/>
+          </a:prstGeom>
+          <a:solidFill>
+            <a:schemeClr val="tx2">
+              <a:alpha val="40000"/>
+            </a:schemeClr>
+          </a:solidFill>
+          <a:ln w="6350" algn="ctr">
+            <a:noFill/>
+            <a:miter lim="800000"/>
+            <a:headEnd/>
+            <a:tailEnd/>
+          </a:ln>
+          <a:effectLst/>
+        </p:spPr>
+        <p:txBody>
+          <a:bodyPr lIns="90000" tIns="72000" rIns="90000" bIns="72000" rtlCol="0" anchor="ctr"/>
+          <a:lstStyle/>
+          <a:p>
+            <a:pPr marR="0" algn="ctr" defTabSz="914400" eaLnBrk="1" fontAlgn="base" latinLnBrk="0" hangingPunct="1">
+              <a:lnSpc>
+                <a:spcPct val="100000"/>
+              </a:lnSpc>
+              <a:spcBef>
+                <a:spcPct val="50000"/>
+              </a:spcBef>
+              <a:spcAft>
+                <a:spcPct val="0"/>
+              </a:spcAft>
+              <a:buClr>
+                <a:srgbClr val="F0AB00"/>
+              </a:buClr>
+              <a:buSzPct val="80000"/>
+              <a:tabLst/>
+            </a:pPr>
+            <a:endParaRPr kumimoji="0" lang="pt-BR" sz="1400" b="0" i="0" u="none" strike="noStrike" kern="0" cap="none" spc="0" normalizeH="0" baseline="0" noProof="1">
+              <a:ln>
+                <a:noFill/>
+              </a:ln>
+              <a:effectLst/>
+              <a:uLnTx/>
+              <a:uFillTx/>
+              <a:ea typeface="Arial Unicode MS" pitchFamily="34" charset="-128"/>
+              <a:cs typeface="Arial Unicode MS" pitchFamily="34" charset="-128"/>
+            </a:endParaRPr>
+          </a:p>
+          <a:p>
+            <a:pPr marR="0" algn="ctr" defTabSz="914400" eaLnBrk="1" fontAlgn="base" latinLnBrk="0" hangingPunct="1">
+              <a:lnSpc>
+                <a:spcPct val="100000"/>
+              </a:lnSpc>
+              <a:spcBef>
+                <a:spcPct val="50000"/>
+              </a:spcBef>
+              <a:spcAft>
+                <a:spcPct val="0"/>
+              </a:spcAft>
+              <a:buClr>
+                <a:srgbClr val="F0AB00"/>
+              </a:buClr>
+              <a:buSzPct val="80000"/>
+              <a:tabLst/>
+            </a:pPr>
+            <a:endParaRPr kumimoji="0" lang="pt-BR" sz="1400" b="0" i="0" u="none" strike="noStrike" kern="0" cap="none" spc="0" normalizeH="0" baseline="0" noProof="1">
+              <a:ln>
+                <a:noFill/>
+              </a:ln>
+              <a:effectLst/>
+              <a:uLnTx/>
+              <a:uFillTx/>
+              <a:ea typeface="Arial Unicode MS" pitchFamily="34" charset="-128"/>
+              <a:cs typeface="Arial Unicode MS" pitchFamily="34" charset="-128"/>
+            </a:endParaRPr>
+          </a:p>
+          <a:p>
+            <a:pPr marR="0" algn="ctr" defTabSz="914400" eaLnBrk="1" fontAlgn="base" latinLnBrk="0" hangingPunct="1">
+              <a:lnSpc>
+                <a:spcPct val="100000"/>
+              </a:lnSpc>
+              <a:spcBef>
+                <a:spcPct val="50000"/>
+              </a:spcBef>
+              <a:spcAft>
+                <a:spcPct val="0"/>
+              </a:spcAft>
+              <a:buClr>
+                <a:srgbClr val="F0AB00"/>
+              </a:buClr>
+              <a:buSzPct val="80000"/>
+              <a:tabLst/>
+            </a:pPr>
+            <a:endParaRPr lang="pt-BR" sz="2000" kern="0" noProof="1">
+              <a:ea typeface="Arial Unicode MS" pitchFamily="34" charset="-128"/>
+              <a:cs typeface="Arial Unicode MS" pitchFamily="34" charset="-128"/>
+            </a:endParaRPr>
+          </a:p>
+          <a:p>
+            <a:pPr marR="0" algn="ctr" defTabSz="914400" eaLnBrk="1" fontAlgn="base" latinLnBrk="0" hangingPunct="1">
+              <a:lnSpc>
+                <a:spcPct val="100000"/>
+              </a:lnSpc>
+              <a:spcBef>
+                <a:spcPct val="50000"/>
+              </a:spcBef>
+              <a:spcAft>
+                <a:spcPct val="0"/>
+              </a:spcAft>
+              <a:buClr>
+                <a:srgbClr val="F0AB00"/>
+              </a:buClr>
+              <a:buSzPct val="80000"/>
+              <a:tabLst/>
+            </a:pPr>
+            <a:r>
+              <a:rPr lang="pt-BR" sz="2000" kern="0" noProof="1">
+                <a:ea typeface="Arial Unicode MS" pitchFamily="34" charset="-128"/>
+                <a:cs typeface="Arial Unicode MS" pitchFamily="34" charset="-128"/>
+              </a:rPr>
+              <a:t>Nó</a:t>
+            </a:r>
+            <a:endParaRPr kumimoji="0" lang="pt-BR" sz="2000" b="0" i="0" u="none" strike="noStrike" kern="0" cap="none" spc="0" normalizeH="0" baseline="0" noProof="1">
+              <a:ln>
+                <a:noFill/>
+              </a:ln>
+              <a:effectLst/>
+              <a:uLnTx/>
+              <a:uFillTx/>
+              <a:ea typeface="Arial Unicode MS" pitchFamily="34" charset="-128"/>
+              <a:cs typeface="Arial Unicode MS" pitchFamily="34" charset="-128"/>
+            </a:endParaRPr>
+          </a:p>
+          <a:p>
+            <a:pPr marR="0" algn="ctr" defTabSz="914400" eaLnBrk="1" fontAlgn="base" latinLnBrk="0" hangingPunct="1">
+              <a:lnSpc>
+                <a:spcPct val="100000"/>
+              </a:lnSpc>
+              <a:spcBef>
+                <a:spcPct val="50000"/>
+              </a:spcBef>
+              <a:spcAft>
+                <a:spcPct val="0"/>
+              </a:spcAft>
+              <a:buClr>
+                <a:srgbClr val="F0AB00"/>
+              </a:buClr>
+              <a:buSzPct val="80000"/>
+              <a:tabLst/>
+            </a:pPr>
+            <a:endParaRPr lang="pt-BR" sz="2000" kern="0" noProof="1">
+              <a:ea typeface="Arial Unicode MS" pitchFamily="34" charset="-128"/>
+              <a:cs typeface="Arial Unicode MS" pitchFamily="34" charset="-128"/>
+            </a:endParaRPr>
+          </a:p>
+          <a:p>
+            <a:pPr marR="0" algn="ctr" defTabSz="914400" eaLnBrk="1" fontAlgn="base" latinLnBrk="0" hangingPunct="1">
+              <a:lnSpc>
+                <a:spcPct val="100000"/>
+              </a:lnSpc>
+              <a:spcBef>
+                <a:spcPct val="50000"/>
+              </a:spcBef>
+              <a:spcAft>
+                <a:spcPct val="0"/>
+              </a:spcAft>
+              <a:buClr>
+                <a:srgbClr val="F0AB00"/>
+              </a:buClr>
+              <a:buSzPct val="80000"/>
+              <a:tabLst/>
+            </a:pPr>
+            <a:endParaRPr kumimoji="0" lang="pt-BR" sz="2000" b="0" i="0" u="none" strike="noStrike" kern="0" cap="none" spc="0" normalizeH="0" baseline="0" noProof="1">
+              <a:ln>
+                <a:noFill/>
+              </a:ln>
+              <a:effectLst/>
+              <a:uLnTx/>
+              <a:uFillTx/>
+              <a:ea typeface="Arial Unicode MS" pitchFamily="34" charset="-128"/>
+              <a:cs typeface="Arial Unicode MS" pitchFamily="34" charset="-128"/>
+            </a:endParaRPr>
+          </a:p>
+          <a:p>
+            <a:pPr marR="0" algn="ctr" defTabSz="914400" eaLnBrk="1" fontAlgn="base" latinLnBrk="0" hangingPunct="1">
+              <a:lnSpc>
+                <a:spcPct val="100000"/>
+              </a:lnSpc>
+              <a:spcBef>
+                <a:spcPct val="50000"/>
+              </a:spcBef>
+              <a:spcAft>
+                <a:spcPct val="0"/>
+              </a:spcAft>
+              <a:buClr>
+                <a:srgbClr val="F0AB00"/>
+              </a:buClr>
+              <a:buSzPct val="80000"/>
+              <a:tabLst/>
+            </a:pPr>
+            <a:endParaRPr lang="pt-BR" sz="2000" kern="0" noProof="1">
+              <a:ea typeface="Arial Unicode MS" pitchFamily="34" charset="-128"/>
+              <a:cs typeface="Arial Unicode MS" pitchFamily="34" charset="-128"/>
+            </a:endParaRPr>
+          </a:p>
+          <a:p>
+            <a:pPr marR="0" algn="ctr" defTabSz="914400" eaLnBrk="1" fontAlgn="base" latinLnBrk="0" hangingPunct="1">
+              <a:lnSpc>
+                <a:spcPct val="100000"/>
+              </a:lnSpc>
+              <a:spcBef>
+                <a:spcPct val="50000"/>
+              </a:spcBef>
+              <a:spcAft>
+                <a:spcPct val="0"/>
+              </a:spcAft>
+              <a:buClr>
+                <a:srgbClr val="F0AB00"/>
+              </a:buClr>
+              <a:buSzPct val="80000"/>
+              <a:tabLst/>
+            </a:pPr>
+            <a:endParaRPr kumimoji="0" lang="pt-BR" sz="2000" b="0" i="0" u="none" strike="noStrike" kern="0" cap="none" spc="0" normalizeH="0" baseline="0" noProof="1">
+              <a:ln>
+                <a:noFill/>
+              </a:ln>
+              <a:effectLst/>
+              <a:uLnTx/>
+              <a:uFillTx/>
+              <a:ea typeface="Arial Unicode MS" pitchFamily="34" charset="-128"/>
+              <a:cs typeface="Arial Unicode MS" pitchFamily="34" charset="-128"/>
+            </a:endParaRPr>
+          </a:p>
+          <a:p>
+            <a:pPr marR="0" algn="ctr" defTabSz="914400" eaLnBrk="1" fontAlgn="base" latinLnBrk="0" hangingPunct="1">
+              <a:lnSpc>
+                <a:spcPct val="100000"/>
+              </a:lnSpc>
+              <a:spcBef>
+                <a:spcPct val="50000"/>
+              </a:spcBef>
+              <a:spcAft>
+                <a:spcPct val="0"/>
+              </a:spcAft>
+              <a:buClr>
+                <a:srgbClr val="F0AB00"/>
+              </a:buClr>
+              <a:buSzPct val="80000"/>
+              <a:tabLst/>
+            </a:pPr>
+            <a:endParaRPr kumimoji="0" lang="pt-BR" sz="2000" b="0" i="0" u="none" strike="noStrike" kern="0" cap="none" spc="0" normalizeH="0" baseline="0" noProof="1">
+              <a:ln>
+                <a:noFill/>
+              </a:ln>
+              <a:effectLst/>
+              <a:uLnTx/>
+              <a:uFillTx/>
+              <a:ea typeface="Arial Unicode MS" pitchFamily="34" charset="-128"/>
+              <a:cs typeface="Arial Unicode MS" pitchFamily="34" charset="-128"/>
+            </a:endParaRPr>
+          </a:p>
+        </p:txBody>
+      </p:sp>
+      <p:sp>
+        <p:nvSpPr>
+          <p:cNvPr id="3" name="Rectangle 2"/>
+          <p:cNvSpPr/>
+          <p:nvPr/>
+        </p:nvSpPr>
+        <p:spPr bwMode="gray">
+          <a:xfrm>
+            <a:off x="1183300" y="2642073"/>
+            <a:ext cx="396000" cy="396000"/>
+          </a:xfrm>
+          <a:prstGeom prst="rect">
+            <a:avLst/>
+          </a:prstGeom>
+          <a:ln>
+            <a:headEnd/>
+            <a:tailEnd/>
+          </a:ln>
+        </p:spPr>
+        <p:style>
+          <a:lnRef idx="2">
+            <a:schemeClr val="dk1"/>
+          </a:lnRef>
+          <a:fillRef idx="1">
+            <a:schemeClr val="lt1"/>
+          </a:fillRef>
+          <a:effectRef idx="0">
+            <a:schemeClr val="dk1"/>
+          </a:effectRef>
+          <a:fontRef idx="minor">
+            <a:schemeClr val="dk1"/>
+          </a:fontRef>
+        </p:style>
+        <p:txBody>
+          <a:bodyPr lIns="90000" tIns="72000" rIns="90000" bIns="72000" rtlCol="0" anchor="ctr"/>
+          <a:lstStyle/>
+          <a:p>
+            <a:pPr marR="0" algn="ctr" defTabSz="914400" eaLnBrk="1" fontAlgn="base" latinLnBrk="0" hangingPunct="1">
+              <a:lnSpc>
+                <a:spcPct val="100000"/>
+              </a:lnSpc>
+              <a:spcBef>
+                <a:spcPct val="50000"/>
+              </a:spcBef>
+              <a:spcAft>
+                <a:spcPct val="0"/>
+              </a:spcAft>
+              <a:buClr>
+                <a:srgbClr val="F0AB00"/>
+              </a:buClr>
+              <a:buSzPct val="80000"/>
+              <a:tabLst/>
+            </a:pPr>
+            <a:r>
+              <a:rPr kumimoji="0" lang="pt-BR" sz="2000" b="0" i="0" u="none" strike="noStrike" kern="0" cap="none" spc="0" normalizeH="0" baseline="0" noProof="0" dirty="0">
+                <a:ln>
+                  <a:noFill/>
+                </a:ln>
+                <a:effectLst/>
+                <a:uLnTx/>
+                <a:uFillTx/>
+                <a:ea typeface="Arial Unicode MS" pitchFamily="34" charset="-128"/>
+                <a:cs typeface="Arial Unicode MS" pitchFamily="34" charset="-128"/>
+              </a:rPr>
+              <a:t>V</a:t>
+            </a:r>
+          </a:p>
+        </p:txBody>
+      </p:sp>
+      <p:sp>
+        <p:nvSpPr>
+          <p:cNvPr id="47" name="Rectangle 46"/>
+          <p:cNvSpPr/>
+          <p:nvPr/>
+        </p:nvSpPr>
+        <p:spPr bwMode="gray">
+          <a:xfrm>
+            <a:off x="685559" y="3531480"/>
+            <a:ext cx="396000" cy="396000"/>
+          </a:xfrm>
+          <a:prstGeom prst="rect">
+            <a:avLst/>
+          </a:prstGeom>
+          <a:ln>
+            <a:headEnd/>
+            <a:tailEnd/>
+          </a:ln>
+        </p:spPr>
+        <p:style>
+          <a:lnRef idx="2">
+            <a:schemeClr val="dk1"/>
+          </a:lnRef>
+          <a:fillRef idx="1">
+            <a:schemeClr val="lt1"/>
+          </a:fillRef>
+          <a:effectRef idx="0">
+            <a:schemeClr val="dk1"/>
+          </a:effectRef>
+          <a:fontRef idx="minor">
+            <a:schemeClr val="dk1"/>
+          </a:fontRef>
+        </p:style>
+        <p:txBody>
+          <a:bodyPr lIns="90000" tIns="72000" rIns="90000" bIns="72000" rtlCol="0" anchor="ctr"/>
+          <a:lstStyle/>
+          <a:p>
+            <a:pPr marR="0" algn="ctr" defTabSz="914400" eaLnBrk="1" fontAlgn="base" latinLnBrk="0" hangingPunct="1">
+              <a:lnSpc>
+                <a:spcPct val="100000"/>
+              </a:lnSpc>
+              <a:spcBef>
+                <a:spcPct val="50000"/>
+              </a:spcBef>
+              <a:spcAft>
+                <a:spcPct val="0"/>
+              </a:spcAft>
+              <a:buClr>
+                <a:srgbClr val="F0AB00"/>
+              </a:buClr>
+              <a:buSzPct val="80000"/>
+              <a:tabLst/>
+            </a:pPr>
+            <a:r>
+              <a:rPr kumimoji="0" lang="pt-BR" sz="2000" b="0" i="0" u="none" strike="noStrike" kern="0" cap="none" spc="0" normalizeH="0" baseline="0" noProof="0" dirty="0">
+                <a:ln>
+                  <a:noFill/>
+                </a:ln>
+                <a:effectLst/>
+                <a:uLnTx/>
+                <a:uFillTx/>
+                <a:ea typeface="Arial Unicode MS" pitchFamily="34" charset="-128"/>
+                <a:cs typeface="Arial Unicode MS" pitchFamily="34" charset="-128"/>
+              </a:rPr>
+              <a:t>V</a:t>
+            </a:r>
+          </a:p>
+        </p:txBody>
+      </p:sp>
+      <p:cxnSp>
+        <p:nvCxnSpPr>
+          <p:cNvPr id="8" name="Straight Connector 7"/>
+          <p:cNvCxnSpPr/>
+          <p:nvPr/>
+        </p:nvCxnSpPr>
+        <p:spPr>
+          <a:xfrm flipH="1">
+            <a:off x="2122415" y="1613239"/>
+            <a:ext cx="16778" cy="1918526"/>
+          </a:xfrm>
+          <a:prstGeom prst="line">
+            <a:avLst/>
+          </a:prstGeom>
+          <a:ln w="6350">
+            <a:solidFill>
+              <a:schemeClr val="tx1"/>
+            </a:solidFill>
+            <a:prstDash val="dash"/>
+          </a:ln>
+        </p:spPr>
+        <p:style>
+          <a:lnRef idx="1">
+            <a:schemeClr val="accent1"/>
+          </a:lnRef>
+          <a:fillRef idx="0">
+            <a:schemeClr val="accent1"/>
+          </a:fillRef>
+          <a:effectRef idx="0">
+            <a:schemeClr val="accent1"/>
+          </a:effectRef>
+          <a:fontRef idx="minor">
+            <a:schemeClr val="tx1"/>
+          </a:fontRef>
+        </p:style>
+      </p:cxnSp>
+      <p:cxnSp>
+        <p:nvCxnSpPr>
+          <p:cNvPr id="133" name="Straight Connector 132"/>
+          <p:cNvCxnSpPr/>
+          <p:nvPr/>
+        </p:nvCxnSpPr>
+        <p:spPr>
+          <a:xfrm>
+            <a:off x="3573305" y="1600030"/>
+            <a:ext cx="17808" cy="1847845"/>
+          </a:xfrm>
+          <a:prstGeom prst="line">
+            <a:avLst/>
+          </a:prstGeom>
+          <a:ln w="6350">
+            <a:solidFill>
+              <a:schemeClr val="tx1"/>
+            </a:solidFill>
+            <a:prstDash val="dash"/>
+          </a:ln>
+        </p:spPr>
+        <p:style>
+          <a:lnRef idx="1">
+            <a:schemeClr val="accent1"/>
+          </a:lnRef>
+          <a:fillRef idx="0">
+            <a:schemeClr val="accent1"/>
+          </a:fillRef>
+          <a:effectRef idx="0">
+            <a:schemeClr val="accent1"/>
+          </a:effectRef>
+          <a:fontRef idx="minor">
+            <a:schemeClr val="tx1"/>
+          </a:fontRef>
+        </p:style>
+      </p:cxnSp>
+      <p:sp>
+        <p:nvSpPr>
+          <p:cNvPr id="19" name="TextBox 18"/>
+          <p:cNvSpPr txBox="1"/>
+          <p:nvPr/>
+        </p:nvSpPr>
+        <p:spPr>
+          <a:xfrm>
+            <a:off x="777902" y="1042448"/>
+            <a:ext cx="1320874" cy="630942"/>
+          </a:xfrm>
+          <a:prstGeom prst="rect">
+            <a:avLst/>
+          </a:prstGeom>
+          <a:noFill/>
+        </p:spPr>
+        <p:txBody>
+          <a:bodyPr wrap="none" lIns="0" tIns="0" rIns="0" bIns="0" rtlCol="0">
+            <a:spAutoFit/>
+          </a:bodyPr>
+          <a:lstStyle/>
+          <a:p>
+            <a:pPr fontAlgn="base">
+              <a:spcBef>
+                <a:spcPts val="600"/>
+              </a:spcBef>
+              <a:spcAft>
+                <a:spcPct val="0"/>
+              </a:spcAft>
+              <a:buClr>
+                <a:srgbClr val="F0AB00"/>
+              </a:buClr>
+              <a:buSzPct val="80000"/>
+            </a:pPr>
+            <a:r>
+              <a:rPr lang="pt-BR" sz="1800" kern="0" dirty="0">
+                <a:ea typeface="Arial Unicode MS" pitchFamily="34" charset="-128"/>
+                <a:cs typeface="Arial Unicode MS" pitchFamily="34" charset="-128"/>
+              </a:rPr>
+              <a:t>Base de </a:t>
+            </a:r>
+          </a:p>
+          <a:p>
+            <a:pPr fontAlgn="base">
+              <a:spcBef>
+                <a:spcPts val="600"/>
+              </a:spcBef>
+              <a:spcAft>
+                <a:spcPct val="0"/>
+              </a:spcAft>
+              <a:buClr>
+                <a:srgbClr val="F0AB00"/>
+              </a:buClr>
+              <a:buSzPct val="80000"/>
+            </a:pPr>
+            <a:r>
+              <a:rPr lang="pt-BR" sz="1800" kern="0" dirty="0">
+                <a:ea typeface="Arial Unicode MS" pitchFamily="34" charset="-128"/>
+                <a:cs typeface="Arial Unicode MS" pitchFamily="34" charset="-128"/>
+              </a:rPr>
+              <a:t>Comparação</a:t>
+            </a:r>
+          </a:p>
+        </p:txBody>
+      </p:sp>
+      <p:sp>
+        <p:nvSpPr>
+          <p:cNvPr id="137" name="TextBox 136"/>
+          <p:cNvSpPr txBox="1"/>
+          <p:nvPr/>
+        </p:nvSpPr>
+        <p:spPr>
+          <a:xfrm>
+            <a:off x="2319874" y="1336240"/>
+            <a:ext cx="1000274" cy="276999"/>
+          </a:xfrm>
+          <a:prstGeom prst="rect">
+            <a:avLst/>
+          </a:prstGeom>
+          <a:noFill/>
+        </p:spPr>
+        <p:txBody>
+          <a:bodyPr wrap="none" lIns="0" tIns="0" rIns="0" bIns="0" rtlCol="0">
+            <a:spAutoFit/>
+          </a:bodyPr>
+          <a:lstStyle/>
+          <a:p>
+            <a:pPr fontAlgn="base">
+              <a:spcBef>
+                <a:spcPts val="600"/>
+              </a:spcBef>
+              <a:spcAft>
+                <a:spcPct val="0"/>
+              </a:spcAft>
+              <a:buClr>
+                <a:srgbClr val="F0AB00"/>
+              </a:buClr>
+              <a:buSzPct val="80000"/>
+            </a:pPr>
+            <a:r>
+              <a:rPr lang="pt-BR" sz="1800" kern="0" dirty="0">
+                <a:ea typeface="Arial Unicode MS" pitchFamily="34" charset="-128"/>
+                <a:cs typeface="Arial Unicode MS" pitchFamily="34" charset="-128"/>
+              </a:rPr>
+              <a:t>Cenário 1</a:t>
+            </a:r>
+          </a:p>
+        </p:txBody>
+      </p:sp>
+      <p:sp>
+        <p:nvSpPr>
+          <p:cNvPr id="138" name="TextBox 137"/>
+          <p:cNvSpPr txBox="1"/>
+          <p:nvPr/>
+        </p:nvSpPr>
+        <p:spPr>
+          <a:xfrm>
+            <a:off x="6048827" y="2970540"/>
+            <a:ext cx="192360" cy="276999"/>
+          </a:xfrm>
+          <a:prstGeom prst="rect">
+            <a:avLst/>
+          </a:prstGeom>
+          <a:noFill/>
+        </p:spPr>
+        <p:txBody>
+          <a:bodyPr wrap="none" lIns="0" tIns="0" rIns="0" bIns="0" rtlCol="0">
+            <a:spAutoFit/>
+          </a:bodyPr>
+          <a:lstStyle/>
+          <a:p>
+            <a:pPr fontAlgn="base">
+              <a:spcBef>
+                <a:spcPts val="600"/>
+              </a:spcBef>
+              <a:spcAft>
+                <a:spcPct val="0"/>
+              </a:spcAft>
+              <a:buClr>
+                <a:srgbClr val="F0AB00"/>
+              </a:buClr>
+              <a:buSzPct val="80000"/>
+            </a:pPr>
+            <a:r>
+              <a:rPr lang="pt-BR" sz="1800" kern="0" dirty="0">
+                <a:ea typeface="Arial Unicode MS" pitchFamily="34" charset="-128"/>
+                <a:cs typeface="Arial Unicode MS" pitchFamily="34" charset="-128"/>
+              </a:rPr>
+              <a:t>...</a:t>
+            </a:r>
+          </a:p>
+        </p:txBody>
+      </p:sp>
+      <p:sp>
+        <p:nvSpPr>
+          <p:cNvPr id="43" name="Rounded Rectangle 43"/>
+          <p:cNvSpPr/>
+          <p:nvPr/>
+        </p:nvSpPr>
+        <p:spPr bwMode="gray">
+          <a:xfrm>
+            <a:off x="2248604" y="1739751"/>
+            <a:ext cx="1187963" cy="1708124"/>
+          </a:xfrm>
+          <a:prstGeom prst="roundRect">
+            <a:avLst/>
+          </a:prstGeom>
+          <a:solidFill>
+            <a:schemeClr val="tx2">
+              <a:alpha val="40000"/>
+            </a:schemeClr>
+          </a:solidFill>
+          <a:ln w="6350" algn="ctr">
+            <a:noFill/>
+            <a:miter lim="800000"/>
+            <a:headEnd/>
+            <a:tailEnd/>
+          </a:ln>
+          <a:effectLst/>
+        </p:spPr>
+        <p:txBody>
+          <a:bodyPr lIns="90000" tIns="72000" rIns="90000" bIns="72000" rtlCol="0" anchor="ctr"/>
+          <a:lstStyle/>
+          <a:p>
+            <a:pPr marR="0" algn="ctr" defTabSz="914400" eaLnBrk="1" fontAlgn="base" latinLnBrk="0" hangingPunct="1">
+              <a:lnSpc>
+                <a:spcPct val="100000"/>
+              </a:lnSpc>
+              <a:spcBef>
+                <a:spcPct val="50000"/>
+              </a:spcBef>
+              <a:spcAft>
+                <a:spcPct val="0"/>
+              </a:spcAft>
+              <a:buClr>
+                <a:srgbClr val="F0AB00"/>
+              </a:buClr>
+              <a:buSzPct val="80000"/>
+              <a:tabLst/>
+            </a:pPr>
+            <a:endParaRPr kumimoji="0" lang="pt-BR" sz="1400" b="0" i="0" u="none" strike="noStrike" kern="0" cap="none" spc="0" normalizeH="0" baseline="0" noProof="1">
+              <a:ln>
+                <a:noFill/>
+              </a:ln>
+              <a:effectLst/>
+              <a:uLnTx/>
+              <a:uFillTx/>
+              <a:ea typeface="Arial Unicode MS" pitchFamily="34" charset="-128"/>
+              <a:cs typeface="Arial Unicode MS" pitchFamily="34" charset="-128"/>
+            </a:endParaRPr>
+          </a:p>
+          <a:p>
+            <a:pPr marR="0" algn="ctr" defTabSz="914400" eaLnBrk="1" fontAlgn="base" latinLnBrk="0" hangingPunct="1">
+              <a:lnSpc>
+                <a:spcPct val="100000"/>
+              </a:lnSpc>
+              <a:spcBef>
+                <a:spcPct val="50000"/>
+              </a:spcBef>
+              <a:spcAft>
+                <a:spcPct val="0"/>
+              </a:spcAft>
+              <a:buClr>
+                <a:srgbClr val="F0AB00"/>
+              </a:buClr>
+              <a:buSzPct val="80000"/>
+              <a:tabLst/>
+            </a:pPr>
+            <a:endParaRPr kumimoji="0" lang="pt-BR" sz="1400" b="0" i="0" u="none" strike="noStrike" kern="0" cap="none" spc="0" normalizeH="0" baseline="0" noProof="1">
+              <a:ln>
+                <a:noFill/>
+              </a:ln>
+              <a:effectLst/>
+              <a:uLnTx/>
+              <a:uFillTx/>
+              <a:ea typeface="Arial Unicode MS" pitchFamily="34" charset="-128"/>
+              <a:cs typeface="Arial Unicode MS" pitchFamily="34" charset="-128"/>
+            </a:endParaRPr>
+          </a:p>
+          <a:p>
+            <a:pPr marR="0" algn="ctr" defTabSz="914400" eaLnBrk="1" fontAlgn="base" latinLnBrk="0" hangingPunct="1">
+              <a:lnSpc>
+                <a:spcPct val="100000"/>
+              </a:lnSpc>
+              <a:spcBef>
+                <a:spcPct val="50000"/>
+              </a:spcBef>
+              <a:spcAft>
+                <a:spcPct val="0"/>
+              </a:spcAft>
+              <a:buClr>
+                <a:srgbClr val="F0AB00"/>
+              </a:buClr>
+              <a:buSzPct val="80000"/>
+              <a:tabLst/>
+            </a:pPr>
+            <a:endParaRPr lang="pt-BR" sz="2000" kern="0" noProof="1">
+              <a:ea typeface="Arial Unicode MS" pitchFamily="34" charset="-128"/>
+              <a:cs typeface="Arial Unicode MS" pitchFamily="34" charset="-128"/>
+            </a:endParaRPr>
+          </a:p>
+          <a:p>
+            <a:pPr marR="0" algn="ctr" defTabSz="914400" eaLnBrk="1" fontAlgn="base" latinLnBrk="0" hangingPunct="1">
+              <a:lnSpc>
+                <a:spcPct val="100000"/>
+              </a:lnSpc>
+              <a:spcBef>
+                <a:spcPct val="50000"/>
+              </a:spcBef>
+              <a:spcAft>
+                <a:spcPct val="0"/>
+              </a:spcAft>
+              <a:buClr>
+                <a:srgbClr val="F0AB00"/>
+              </a:buClr>
+              <a:buSzPct val="80000"/>
+              <a:tabLst/>
+            </a:pPr>
+            <a:r>
+              <a:rPr lang="pt-BR" sz="2000" kern="0" noProof="1">
+                <a:ea typeface="Arial Unicode MS" pitchFamily="34" charset="-128"/>
+                <a:cs typeface="Arial Unicode MS" pitchFamily="34" charset="-128"/>
+              </a:rPr>
+              <a:t>Nó</a:t>
+            </a:r>
+            <a:endParaRPr kumimoji="0" lang="pt-BR" sz="2000" b="0" i="0" u="none" strike="noStrike" kern="0" cap="none" spc="0" normalizeH="0" baseline="0" noProof="1">
+              <a:ln>
+                <a:noFill/>
+              </a:ln>
+              <a:effectLst/>
+              <a:uLnTx/>
+              <a:uFillTx/>
+              <a:ea typeface="Arial Unicode MS" pitchFamily="34" charset="-128"/>
+              <a:cs typeface="Arial Unicode MS" pitchFamily="34" charset="-128"/>
+            </a:endParaRPr>
+          </a:p>
+          <a:p>
+            <a:pPr marR="0" algn="ctr" defTabSz="914400" eaLnBrk="1" fontAlgn="base" latinLnBrk="0" hangingPunct="1">
+              <a:lnSpc>
+                <a:spcPct val="100000"/>
+              </a:lnSpc>
+              <a:spcBef>
+                <a:spcPct val="50000"/>
+              </a:spcBef>
+              <a:spcAft>
+                <a:spcPct val="0"/>
+              </a:spcAft>
+              <a:buClr>
+                <a:srgbClr val="F0AB00"/>
+              </a:buClr>
+              <a:buSzPct val="80000"/>
+              <a:tabLst/>
+            </a:pPr>
+            <a:endParaRPr lang="pt-BR" sz="2000" kern="0" noProof="1">
+              <a:ea typeface="Arial Unicode MS" pitchFamily="34" charset="-128"/>
+              <a:cs typeface="Arial Unicode MS" pitchFamily="34" charset="-128"/>
+            </a:endParaRPr>
+          </a:p>
+          <a:p>
+            <a:pPr marR="0" algn="ctr" defTabSz="914400" eaLnBrk="1" fontAlgn="base" latinLnBrk="0" hangingPunct="1">
+              <a:lnSpc>
+                <a:spcPct val="100000"/>
+              </a:lnSpc>
+              <a:spcBef>
+                <a:spcPct val="50000"/>
+              </a:spcBef>
+              <a:spcAft>
+                <a:spcPct val="0"/>
+              </a:spcAft>
+              <a:buClr>
+                <a:srgbClr val="F0AB00"/>
+              </a:buClr>
+              <a:buSzPct val="80000"/>
+              <a:tabLst/>
+            </a:pPr>
+            <a:endParaRPr kumimoji="0" lang="pt-BR" sz="2000" b="0" i="0" u="none" strike="noStrike" kern="0" cap="none" spc="0" normalizeH="0" baseline="0" noProof="1">
+              <a:ln>
+                <a:noFill/>
+              </a:ln>
+              <a:effectLst/>
+              <a:uLnTx/>
+              <a:uFillTx/>
+              <a:ea typeface="Arial Unicode MS" pitchFamily="34" charset="-128"/>
+              <a:cs typeface="Arial Unicode MS" pitchFamily="34" charset="-128"/>
+            </a:endParaRPr>
+          </a:p>
+          <a:p>
+            <a:pPr marR="0" algn="ctr" defTabSz="914400" eaLnBrk="1" fontAlgn="base" latinLnBrk="0" hangingPunct="1">
+              <a:lnSpc>
+                <a:spcPct val="100000"/>
+              </a:lnSpc>
+              <a:spcBef>
+                <a:spcPct val="50000"/>
+              </a:spcBef>
+              <a:spcAft>
+                <a:spcPct val="0"/>
+              </a:spcAft>
+              <a:buClr>
+                <a:srgbClr val="F0AB00"/>
+              </a:buClr>
+              <a:buSzPct val="80000"/>
+              <a:tabLst/>
+            </a:pPr>
+            <a:endParaRPr lang="pt-BR" sz="2000" kern="0" noProof="1">
+              <a:ea typeface="Arial Unicode MS" pitchFamily="34" charset="-128"/>
+              <a:cs typeface="Arial Unicode MS" pitchFamily="34" charset="-128"/>
+            </a:endParaRPr>
+          </a:p>
+          <a:p>
+            <a:pPr marR="0" algn="ctr" defTabSz="914400" eaLnBrk="1" fontAlgn="base" latinLnBrk="0" hangingPunct="1">
+              <a:lnSpc>
+                <a:spcPct val="100000"/>
+              </a:lnSpc>
+              <a:spcBef>
+                <a:spcPct val="50000"/>
+              </a:spcBef>
+              <a:spcAft>
+                <a:spcPct val="0"/>
+              </a:spcAft>
+              <a:buClr>
+                <a:srgbClr val="F0AB00"/>
+              </a:buClr>
+              <a:buSzPct val="80000"/>
+              <a:tabLst/>
+            </a:pPr>
+            <a:endParaRPr kumimoji="0" lang="pt-BR" sz="2000" b="0" i="0" u="none" strike="noStrike" kern="0" cap="none" spc="0" normalizeH="0" baseline="0" noProof="1">
+              <a:ln>
+                <a:noFill/>
+              </a:ln>
+              <a:effectLst/>
+              <a:uLnTx/>
+              <a:uFillTx/>
+              <a:ea typeface="Arial Unicode MS" pitchFamily="34" charset="-128"/>
+              <a:cs typeface="Arial Unicode MS" pitchFamily="34" charset="-128"/>
+            </a:endParaRPr>
+          </a:p>
+          <a:p>
+            <a:pPr marR="0" algn="ctr" defTabSz="914400" eaLnBrk="1" fontAlgn="base" latinLnBrk="0" hangingPunct="1">
+              <a:lnSpc>
+                <a:spcPct val="100000"/>
+              </a:lnSpc>
+              <a:spcBef>
+                <a:spcPct val="50000"/>
+              </a:spcBef>
+              <a:spcAft>
+                <a:spcPct val="0"/>
+              </a:spcAft>
+              <a:buClr>
+                <a:srgbClr val="F0AB00"/>
+              </a:buClr>
+              <a:buSzPct val="80000"/>
+              <a:tabLst/>
+            </a:pPr>
+            <a:endParaRPr kumimoji="0" lang="pt-BR" sz="2000" b="0" i="0" u="none" strike="noStrike" kern="0" cap="none" spc="0" normalizeH="0" baseline="0" noProof="1">
+              <a:ln>
+                <a:noFill/>
+              </a:ln>
+              <a:effectLst/>
+              <a:uLnTx/>
+              <a:uFillTx/>
+              <a:ea typeface="Arial Unicode MS" pitchFamily="34" charset="-128"/>
+              <a:cs typeface="Arial Unicode MS" pitchFamily="34" charset="-128"/>
+            </a:endParaRPr>
+          </a:p>
+        </p:txBody>
+      </p:sp>
+      <p:sp>
+        <p:nvSpPr>
+          <p:cNvPr id="119" name="Oval 118"/>
+          <p:cNvSpPr/>
+          <p:nvPr/>
+        </p:nvSpPr>
+        <p:spPr bwMode="gray">
+          <a:xfrm>
+            <a:off x="2589676" y="2640242"/>
+            <a:ext cx="536388" cy="461854"/>
+          </a:xfrm>
+          <a:prstGeom prst="ellipse">
+            <a:avLst/>
+          </a:prstGeom>
+          <a:ln>
+            <a:headEnd/>
+            <a:tailEnd/>
+          </a:ln>
+        </p:spPr>
+        <p:style>
+          <a:lnRef idx="2">
+            <a:schemeClr val="dk1"/>
+          </a:lnRef>
+          <a:fillRef idx="1">
+            <a:schemeClr val="lt1"/>
+          </a:fillRef>
+          <a:effectRef idx="0">
+            <a:schemeClr val="dk1"/>
+          </a:effectRef>
+          <a:fontRef idx="minor">
+            <a:schemeClr val="dk1"/>
+          </a:fontRef>
+        </p:style>
+        <p:txBody>
+          <a:bodyPr lIns="90000" tIns="72000" rIns="90000" bIns="72000" rtlCol="0" anchor="ctr"/>
+          <a:lstStyle/>
+          <a:p>
+            <a:pPr marR="0" algn="ctr" defTabSz="914400" eaLnBrk="1" fontAlgn="base" latinLnBrk="0" hangingPunct="1">
+              <a:lnSpc>
+                <a:spcPct val="100000"/>
+              </a:lnSpc>
+              <a:spcBef>
+                <a:spcPct val="50000"/>
+              </a:spcBef>
+              <a:spcAft>
+                <a:spcPct val="0"/>
+              </a:spcAft>
+              <a:buClr>
+                <a:srgbClr val="F0AB00"/>
+              </a:buClr>
+              <a:buSzPct val="80000"/>
+              <a:tabLst/>
+            </a:pPr>
+            <a:r>
+              <a:rPr lang="pt-BR" sz="1000" kern="0" noProof="1">
+                <a:ea typeface="Arial Unicode MS" pitchFamily="34" charset="-128"/>
+                <a:cs typeface="Arial Unicode MS" pitchFamily="34" charset="-128"/>
+              </a:rPr>
+              <a:t>CR</a:t>
+            </a:r>
+            <a:endParaRPr kumimoji="0" lang="pt-BR" sz="1000" b="0" i="0" u="none" strike="noStrike" kern="0" cap="none" spc="0" normalizeH="0" baseline="0" noProof="1">
+              <a:ln>
+                <a:noFill/>
+              </a:ln>
+              <a:effectLst/>
+              <a:uLnTx/>
+              <a:uFillTx/>
+              <a:ea typeface="Arial Unicode MS" pitchFamily="34" charset="-128"/>
+              <a:cs typeface="Arial Unicode MS" pitchFamily="34" charset="-128"/>
+            </a:endParaRPr>
+          </a:p>
+        </p:txBody>
+      </p:sp>
+      <p:cxnSp>
+        <p:nvCxnSpPr>
+          <p:cNvPr id="53" name="Straight Connector 52"/>
+          <p:cNvCxnSpPr/>
+          <p:nvPr/>
+        </p:nvCxnSpPr>
+        <p:spPr>
+          <a:xfrm>
+            <a:off x="5032233" y="1602155"/>
+            <a:ext cx="17939" cy="1845720"/>
+          </a:xfrm>
+          <a:prstGeom prst="line">
+            <a:avLst/>
+          </a:prstGeom>
+          <a:ln w="6350">
+            <a:solidFill>
+              <a:schemeClr val="tx1"/>
+            </a:solidFill>
+            <a:prstDash val="dash"/>
+          </a:ln>
+        </p:spPr>
+        <p:style>
+          <a:lnRef idx="1">
+            <a:schemeClr val="accent1"/>
+          </a:lnRef>
+          <a:fillRef idx="0">
+            <a:schemeClr val="accent1"/>
+          </a:fillRef>
+          <a:effectRef idx="0">
+            <a:schemeClr val="accent1"/>
+          </a:effectRef>
+          <a:fontRef idx="minor">
+            <a:schemeClr val="tx1"/>
+          </a:fontRef>
+        </p:style>
+      </p:cxnSp>
+      <p:sp>
+        <p:nvSpPr>
+          <p:cNvPr id="54" name="TextBox 53"/>
+          <p:cNvSpPr txBox="1"/>
+          <p:nvPr/>
+        </p:nvSpPr>
+        <p:spPr>
+          <a:xfrm>
+            <a:off x="3778802" y="1338365"/>
+            <a:ext cx="1000274" cy="276999"/>
+          </a:xfrm>
+          <a:prstGeom prst="rect">
+            <a:avLst/>
+          </a:prstGeom>
+          <a:noFill/>
+        </p:spPr>
+        <p:txBody>
+          <a:bodyPr wrap="none" lIns="0" tIns="0" rIns="0" bIns="0" rtlCol="0">
+            <a:spAutoFit/>
+          </a:bodyPr>
+          <a:lstStyle/>
+          <a:p>
+            <a:pPr fontAlgn="base">
+              <a:spcBef>
+                <a:spcPts val="600"/>
+              </a:spcBef>
+              <a:spcAft>
+                <a:spcPct val="0"/>
+              </a:spcAft>
+              <a:buClr>
+                <a:srgbClr val="F0AB00"/>
+              </a:buClr>
+              <a:buSzPct val="80000"/>
+            </a:pPr>
+            <a:r>
+              <a:rPr lang="pt-BR" sz="1800" kern="0" dirty="0">
+                <a:ea typeface="Arial Unicode MS" pitchFamily="34" charset="-128"/>
+                <a:cs typeface="Arial Unicode MS" pitchFamily="34" charset="-128"/>
+              </a:rPr>
+              <a:t>Cenário 2</a:t>
+            </a:r>
+          </a:p>
+        </p:txBody>
+      </p:sp>
+      <p:sp>
+        <p:nvSpPr>
+          <p:cNvPr id="55" name="Rounded Rectangle 43"/>
+          <p:cNvSpPr/>
+          <p:nvPr/>
+        </p:nvSpPr>
+        <p:spPr bwMode="gray">
+          <a:xfrm>
+            <a:off x="3707532" y="1741876"/>
+            <a:ext cx="1187963" cy="1705999"/>
+          </a:xfrm>
+          <a:prstGeom prst="roundRect">
+            <a:avLst/>
+          </a:prstGeom>
+          <a:solidFill>
+            <a:schemeClr val="tx2">
+              <a:alpha val="40000"/>
+            </a:schemeClr>
+          </a:solidFill>
+          <a:ln w="6350" algn="ctr">
+            <a:noFill/>
+            <a:miter lim="800000"/>
+            <a:headEnd/>
+            <a:tailEnd/>
+          </a:ln>
+          <a:effectLst/>
+        </p:spPr>
+        <p:txBody>
+          <a:bodyPr lIns="90000" tIns="72000" rIns="90000" bIns="72000" rtlCol="0" anchor="ctr"/>
+          <a:lstStyle/>
+          <a:p>
+            <a:pPr marR="0" algn="ctr" defTabSz="914400" eaLnBrk="1" fontAlgn="base" latinLnBrk="0" hangingPunct="1">
+              <a:lnSpc>
+                <a:spcPct val="100000"/>
+              </a:lnSpc>
+              <a:spcBef>
+                <a:spcPct val="50000"/>
+              </a:spcBef>
+              <a:spcAft>
+                <a:spcPct val="0"/>
+              </a:spcAft>
+              <a:buClr>
+                <a:srgbClr val="F0AB00"/>
+              </a:buClr>
+              <a:buSzPct val="80000"/>
+              <a:tabLst/>
+            </a:pPr>
+            <a:endParaRPr kumimoji="0" lang="pt-BR" sz="1400" b="0" i="0" u="none" strike="noStrike" kern="0" cap="none" spc="0" normalizeH="0" baseline="0" noProof="1">
+              <a:ln>
+                <a:noFill/>
+              </a:ln>
+              <a:effectLst/>
+              <a:uLnTx/>
+              <a:uFillTx/>
+              <a:ea typeface="Arial Unicode MS" pitchFamily="34" charset="-128"/>
+              <a:cs typeface="Arial Unicode MS" pitchFamily="34" charset="-128"/>
+            </a:endParaRPr>
+          </a:p>
+          <a:p>
+            <a:pPr marR="0" algn="ctr" defTabSz="914400" eaLnBrk="1" fontAlgn="base" latinLnBrk="0" hangingPunct="1">
+              <a:lnSpc>
+                <a:spcPct val="100000"/>
+              </a:lnSpc>
+              <a:spcBef>
+                <a:spcPct val="50000"/>
+              </a:spcBef>
+              <a:spcAft>
+                <a:spcPct val="0"/>
+              </a:spcAft>
+              <a:buClr>
+                <a:srgbClr val="F0AB00"/>
+              </a:buClr>
+              <a:buSzPct val="80000"/>
+              <a:tabLst/>
+            </a:pPr>
+            <a:endParaRPr kumimoji="0" lang="pt-BR" sz="1400" b="0" i="0" u="none" strike="noStrike" kern="0" cap="none" spc="0" normalizeH="0" baseline="0" noProof="1">
+              <a:ln>
+                <a:noFill/>
+              </a:ln>
+              <a:effectLst/>
+              <a:uLnTx/>
+              <a:uFillTx/>
+              <a:ea typeface="Arial Unicode MS" pitchFamily="34" charset="-128"/>
+              <a:cs typeface="Arial Unicode MS" pitchFamily="34" charset="-128"/>
+            </a:endParaRPr>
+          </a:p>
+          <a:p>
+            <a:pPr marR="0" algn="ctr" defTabSz="914400" eaLnBrk="1" fontAlgn="base" latinLnBrk="0" hangingPunct="1">
+              <a:lnSpc>
+                <a:spcPct val="100000"/>
+              </a:lnSpc>
+              <a:spcBef>
+                <a:spcPct val="50000"/>
+              </a:spcBef>
+              <a:spcAft>
+                <a:spcPct val="0"/>
+              </a:spcAft>
+              <a:buClr>
+                <a:srgbClr val="F0AB00"/>
+              </a:buClr>
+              <a:buSzPct val="80000"/>
+              <a:tabLst/>
+            </a:pPr>
+            <a:endParaRPr lang="pt-BR" sz="2000" kern="0" noProof="1">
+              <a:ea typeface="Arial Unicode MS" pitchFamily="34" charset="-128"/>
+              <a:cs typeface="Arial Unicode MS" pitchFamily="34" charset="-128"/>
+            </a:endParaRPr>
+          </a:p>
+          <a:p>
+            <a:pPr marR="0" algn="ctr" defTabSz="914400" eaLnBrk="1" fontAlgn="base" latinLnBrk="0" hangingPunct="1">
+              <a:lnSpc>
+                <a:spcPct val="100000"/>
+              </a:lnSpc>
+              <a:spcBef>
+                <a:spcPct val="50000"/>
+              </a:spcBef>
+              <a:spcAft>
+                <a:spcPct val="0"/>
+              </a:spcAft>
+              <a:buClr>
+                <a:srgbClr val="F0AB00"/>
+              </a:buClr>
+              <a:buSzPct val="80000"/>
+              <a:tabLst/>
+            </a:pPr>
+            <a:r>
+              <a:rPr lang="pt-BR" sz="2000" kern="0" noProof="1">
+                <a:ea typeface="Arial Unicode MS" pitchFamily="34" charset="-128"/>
+                <a:cs typeface="Arial Unicode MS" pitchFamily="34" charset="-128"/>
+              </a:rPr>
+              <a:t>Nó</a:t>
+            </a:r>
+            <a:endParaRPr kumimoji="0" lang="pt-BR" sz="2000" b="0" i="0" u="none" strike="noStrike" kern="0" cap="none" spc="0" normalizeH="0" baseline="0" noProof="1">
+              <a:ln>
+                <a:noFill/>
+              </a:ln>
+              <a:effectLst/>
+              <a:uLnTx/>
+              <a:uFillTx/>
+              <a:ea typeface="Arial Unicode MS" pitchFamily="34" charset="-128"/>
+              <a:cs typeface="Arial Unicode MS" pitchFamily="34" charset="-128"/>
+            </a:endParaRPr>
+          </a:p>
+          <a:p>
+            <a:pPr marR="0" algn="ctr" defTabSz="914400" eaLnBrk="1" fontAlgn="base" latinLnBrk="0" hangingPunct="1">
+              <a:lnSpc>
+                <a:spcPct val="100000"/>
+              </a:lnSpc>
+              <a:spcBef>
+                <a:spcPct val="50000"/>
+              </a:spcBef>
+              <a:spcAft>
+                <a:spcPct val="0"/>
+              </a:spcAft>
+              <a:buClr>
+                <a:srgbClr val="F0AB00"/>
+              </a:buClr>
+              <a:buSzPct val="80000"/>
+              <a:tabLst/>
+            </a:pPr>
+            <a:endParaRPr lang="pt-BR" sz="2000" kern="0" noProof="1">
+              <a:ea typeface="Arial Unicode MS" pitchFamily="34" charset="-128"/>
+              <a:cs typeface="Arial Unicode MS" pitchFamily="34" charset="-128"/>
+            </a:endParaRPr>
+          </a:p>
+          <a:p>
+            <a:pPr marR="0" algn="ctr" defTabSz="914400" eaLnBrk="1" fontAlgn="base" latinLnBrk="0" hangingPunct="1">
+              <a:lnSpc>
+                <a:spcPct val="100000"/>
+              </a:lnSpc>
+              <a:spcBef>
+                <a:spcPct val="50000"/>
+              </a:spcBef>
+              <a:spcAft>
+                <a:spcPct val="0"/>
+              </a:spcAft>
+              <a:buClr>
+                <a:srgbClr val="F0AB00"/>
+              </a:buClr>
+              <a:buSzPct val="80000"/>
+              <a:tabLst/>
+            </a:pPr>
+            <a:endParaRPr kumimoji="0" lang="pt-BR" sz="2000" b="0" i="0" u="none" strike="noStrike" kern="0" cap="none" spc="0" normalizeH="0" baseline="0" noProof="1">
+              <a:ln>
+                <a:noFill/>
+              </a:ln>
+              <a:effectLst/>
+              <a:uLnTx/>
+              <a:uFillTx/>
+              <a:ea typeface="Arial Unicode MS" pitchFamily="34" charset="-128"/>
+              <a:cs typeface="Arial Unicode MS" pitchFamily="34" charset="-128"/>
+            </a:endParaRPr>
+          </a:p>
+          <a:p>
+            <a:pPr marR="0" algn="ctr" defTabSz="914400" eaLnBrk="1" fontAlgn="base" latinLnBrk="0" hangingPunct="1">
+              <a:lnSpc>
+                <a:spcPct val="100000"/>
+              </a:lnSpc>
+              <a:spcBef>
+                <a:spcPct val="50000"/>
+              </a:spcBef>
+              <a:spcAft>
+                <a:spcPct val="0"/>
+              </a:spcAft>
+              <a:buClr>
+                <a:srgbClr val="F0AB00"/>
+              </a:buClr>
+              <a:buSzPct val="80000"/>
+              <a:tabLst/>
+            </a:pPr>
+            <a:endParaRPr lang="pt-BR" sz="2000" kern="0" noProof="1">
+              <a:ea typeface="Arial Unicode MS" pitchFamily="34" charset="-128"/>
+              <a:cs typeface="Arial Unicode MS" pitchFamily="34" charset="-128"/>
+            </a:endParaRPr>
+          </a:p>
+          <a:p>
+            <a:pPr marR="0" algn="ctr" defTabSz="914400" eaLnBrk="1" fontAlgn="base" latinLnBrk="0" hangingPunct="1">
+              <a:lnSpc>
+                <a:spcPct val="100000"/>
+              </a:lnSpc>
+              <a:spcBef>
+                <a:spcPct val="50000"/>
+              </a:spcBef>
+              <a:spcAft>
+                <a:spcPct val="0"/>
+              </a:spcAft>
+              <a:buClr>
+                <a:srgbClr val="F0AB00"/>
+              </a:buClr>
+              <a:buSzPct val="80000"/>
+              <a:tabLst/>
+            </a:pPr>
+            <a:endParaRPr kumimoji="0" lang="pt-BR" sz="2000" b="0" i="0" u="none" strike="noStrike" kern="0" cap="none" spc="0" normalizeH="0" baseline="0" noProof="1">
+              <a:ln>
+                <a:noFill/>
+              </a:ln>
+              <a:effectLst/>
+              <a:uLnTx/>
+              <a:uFillTx/>
+              <a:ea typeface="Arial Unicode MS" pitchFamily="34" charset="-128"/>
+              <a:cs typeface="Arial Unicode MS" pitchFamily="34" charset="-128"/>
+            </a:endParaRPr>
+          </a:p>
+          <a:p>
+            <a:pPr marR="0" algn="ctr" defTabSz="914400" eaLnBrk="1" fontAlgn="base" latinLnBrk="0" hangingPunct="1">
+              <a:lnSpc>
+                <a:spcPct val="100000"/>
+              </a:lnSpc>
+              <a:spcBef>
+                <a:spcPct val="50000"/>
+              </a:spcBef>
+              <a:spcAft>
+                <a:spcPct val="0"/>
+              </a:spcAft>
+              <a:buClr>
+                <a:srgbClr val="F0AB00"/>
+              </a:buClr>
+              <a:buSzPct val="80000"/>
+              <a:tabLst/>
+            </a:pPr>
+            <a:endParaRPr kumimoji="0" lang="pt-BR" sz="2000" b="0" i="0" u="none" strike="noStrike" kern="0" cap="none" spc="0" normalizeH="0" baseline="0" noProof="1">
+              <a:ln>
+                <a:noFill/>
+              </a:ln>
+              <a:effectLst/>
+              <a:uLnTx/>
+              <a:uFillTx/>
+              <a:ea typeface="Arial Unicode MS" pitchFamily="34" charset="-128"/>
+              <a:cs typeface="Arial Unicode MS" pitchFamily="34" charset="-128"/>
+            </a:endParaRPr>
+          </a:p>
+        </p:txBody>
+      </p:sp>
+      <p:sp>
+        <p:nvSpPr>
+          <p:cNvPr id="61" name="TextBox 60"/>
+          <p:cNvSpPr txBox="1"/>
+          <p:nvPr/>
+        </p:nvSpPr>
+        <p:spPr>
+          <a:xfrm>
+            <a:off x="5855488" y="1336240"/>
+            <a:ext cx="1205458" cy="276999"/>
+          </a:xfrm>
+          <a:prstGeom prst="rect">
+            <a:avLst/>
+          </a:prstGeom>
+          <a:noFill/>
+        </p:spPr>
+        <p:txBody>
+          <a:bodyPr wrap="none" lIns="0" tIns="0" rIns="0" bIns="0" rtlCol="0">
+            <a:spAutoFit/>
+          </a:bodyPr>
+          <a:lstStyle/>
+          <a:p>
+            <a:pPr fontAlgn="base">
+              <a:spcBef>
+                <a:spcPts val="600"/>
+              </a:spcBef>
+              <a:spcAft>
+                <a:spcPct val="0"/>
+              </a:spcAft>
+              <a:buClr>
+                <a:srgbClr val="F0AB00"/>
+              </a:buClr>
+              <a:buSzPct val="80000"/>
+            </a:pPr>
+            <a:r>
+              <a:rPr lang="pt-BR" sz="1800" kern="0" dirty="0">
+                <a:ea typeface="Arial Unicode MS" pitchFamily="34" charset="-128"/>
+                <a:cs typeface="Arial Unicode MS" pitchFamily="34" charset="-128"/>
+              </a:rPr>
+              <a:t>Cenário </a:t>
+            </a:r>
+            <a:r>
+              <a:rPr lang="pt-BR" sz="1800" i="1" kern="0" dirty="0">
+                <a:ea typeface="Arial Unicode MS" pitchFamily="34" charset="-128"/>
+                <a:cs typeface="Arial Unicode MS" pitchFamily="34" charset="-128"/>
+              </a:rPr>
+              <a:t>n-1</a:t>
+            </a:r>
+          </a:p>
+        </p:txBody>
+      </p:sp>
+      <p:sp>
+        <p:nvSpPr>
+          <p:cNvPr id="62" name="Rounded Rectangle 43"/>
+          <p:cNvSpPr/>
+          <p:nvPr/>
+        </p:nvSpPr>
+        <p:spPr bwMode="gray">
+          <a:xfrm>
+            <a:off x="5784218" y="1739751"/>
+            <a:ext cx="1187963" cy="1708124"/>
+          </a:xfrm>
+          <a:prstGeom prst="roundRect">
+            <a:avLst/>
+          </a:prstGeom>
+          <a:solidFill>
+            <a:schemeClr val="tx2">
+              <a:alpha val="40000"/>
+            </a:schemeClr>
+          </a:solidFill>
+          <a:ln w="6350" algn="ctr">
+            <a:noFill/>
+            <a:miter lim="800000"/>
+            <a:headEnd/>
+            <a:tailEnd/>
+          </a:ln>
+          <a:effectLst/>
+        </p:spPr>
+        <p:txBody>
+          <a:bodyPr lIns="90000" tIns="72000" rIns="90000" bIns="72000" rtlCol="0" anchor="ctr"/>
+          <a:lstStyle/>
+          <a:p>
+            <a:pPr marR="0" algn="ctr" defTabSz="914400" eaLnBrk="1" fontAlgn="base" latinLnBrk="0" hangingPunct="1">
+              <a:lnSpc>
+                <a:spcPct val="100000"/>
+              </a:lnSpc>
+              <a:spcBef>
+                <a:spcPct val="50000"/>
+              </a:spcBef>
+              <a:spcAft>
+                <a:spcPct val="0"/>
+              </a:spcAft>
+              <a:buClr>
+                <a:srgbClr val="F0AB00"/>
+              </a:buClr>
+              <a:buSzPct val="80000"/>
+              <a:tabLst/>
+            </a:pPr>
+            <a:endParaRPr kumimoji="0" lang="pt-BR" sz="1400" b="0" i="0" u="none" strike="noStrike" kern="0" cap="none" spc="0" normalizeH="0" baseline="0" noProof="1">
+              <a:ln>
+                <a:noFill/>
+              </a:ln>
+              <a:effectLst/>
+              <a:uLnTx/>
+              <a:uFillTx/>
+              <a:ea typeface="Arial Unicode MS" pitchFamily="34" charset="-128"/>
+              <a:cs typeface="Arial Unicode MS" pitchFamily="34" charset="-128"/>
+            </a:endParaRPr>
+          </a:p>
+          <a:p>
+            <a:pPr marR="0" algn="ctr" defTabSz="914400" eaLnBrk="1" fontAlgn="base" latinLnBrk="0" hangingPunct="1">
+              <a:lnSpc>
+                <a:spcPct val="100000"/>
+              </a:lnSpc>
+              <a:spcBef>
+                <a:spcPct val="50000"/>
+              </a:spcBef>
+              <a:spcAft>
+                <a:spcPct val="0"/>
+              </a:spcAft>
+              <a:buClr>
+                <a:srgbClr val="F0AB00"/>
+              </a:buClr>
+              <a:buSzPct val="80000"/>
+              <a:tabLst/>
+            </a:pPr>
+            <a:endParaRPr kumimoji="0" lang="pt-BR" sz="1400" b="0" i="0" u="none" strike="noStrike" kern="0" cap="none" spc="0" normalizeH="0" baseline="0" noProof="1">
+              <a:ln>
+                <a:noFill/>
+              </a:ln>
+              <a:effectLst/>
+              <a:uLnTx/>
+              <a:uFillTx/>
+              <a:ea typeface="Arial Unicode MS" pitchFamily="34" charset="-128"/>
+              <a:cs typeface="Arial Unicode MS" pitchFamily="34" charset="-128"/>
+            </a:endParaRPr>
+          </a:p>
+          <a:p>
+            <a:pPr marR="0" algn="ctr" defTabSz="914400" eaLnBrk="1" fontAlgn="base" latinLnBrk="0" hangingPunct="1">
+              <a:lnSpc>
+                <a:spcPct val="100000"/>
+              </a:lnSpc>
+              <a:spcBef>
+                <a:spcPct val="50000"/>
+              </a:spcBef>
+              <a:spcAft>
+                <a:spcPct val="0"/>
+              </a:spcAft>
+              <a:buClr>
+                <a:srgbClr val="F0AB00"/>
+              </a:buClr>
+              <a:buSzPct val="80000"/>
+              <a:tabLst/>
+            </a:pPr>
+            <a:endParaRPr lang="pt-BR" sz="2000" kern="0" noProof="1">
+              <a:ea typeface="Arial Unicode MS" pitchFamily="34" charset="-128"/>
+              <a:cs typeface="Arial Unicode MS" pitchFamily="34" charset="-128"/>
+            </a:endParaRPr>
+          </a:p>
+          <a:p>
+            <a:pPr marR="0" algn="ctr" defTabSz="914400" eaLnBrk="1" fontAlgn="base" latinLnBrk="0" hangingPunct="1">
+              <a:lnSpc>
+                <a:spcPct val="100000"/>
+              </a:lnSpc>
+              <a:spcBef>
+                <a:spcPct val="50000"/>
+              </a:spcBef>
+              <a:spcAft>
+                <a:spcPct val="0"/>
+              </a:spcAft>
+              <a:buClr>
+                <a:srgbClr val="F0AB00"/>
+              </a:buClr>
+              <a:buSzPct val="80000"/>
+              <a:tabLst/>
+            </a:pPr>
+            <a:r>
+              <a:rPr lang="pt-BR" sz="2000" kern="0" noProof="1">
+                <a:ea typeface="Arial Unicode MS" pitchFamily="34" charset="-128"/>
+                <a:cs typeface="Arial Unicode MS" pitchFamily="34" charset="-128"/>
+              </a:rPr>
+              <a:t>Nó</a:t>
+            </a:r>
+            <a:endParaRPr kumimoji="0" lang="pt-BR" sz="2000" b="0" i="0" u="none" strike="noStrike" kern="0" cap="none" spc="0" normalizeH="0" baseline="0" noProof="1">
+              <a:ln>
+                <a:noFill/>
+              </a:ln>
+              <a:effectLst/>
+              <a:uLnTx/>
+              <a:uFillTx/>
+              <a:ea typeface="Arial Unicode MS" pitchFamily="34" charset="-128"/>
+              <a:cs typeface="Arial Unicode MS" pitchFamily="34" charset="-128"/>
+            </a:endParaRPr>
+          </a:p>
+          <a:p>
+            <a:pPr marR="0" algn="ctr" defTabSz="914400" eaLnBrk="1" fontAlgn="base" latinLnBrk="0" hangingPunct="1">
+              <a:lnSpc>
+                <a:spcPct val="100000"/>
+              </a:lnSpc>
+              <a:spcBef>
+                <a:spcPct val="50000"/>
+              </a:spcBef>
+              <a:spcAft>
+                <a:spcPct val="0"/>
+              </a:spcAft>
+              <a:buClr>
+                <a:srgbClr val="F0AB00"/>
+              </a:buClr>
+              <a:buSzPct val="80000"/>
+              <a:tabLst/>
+            </a:pPr>
+            <a:endParaRPr lang="pt-BR" sz="2000" kern="0" noProof="1">
+              <a:ea typeface="Arial Unicode MS" pitchFamily="34" charset="-128"/>
+              <a:cs typeface="Arial Unicode MS" pitchFamily="34" charset="-128"/>
+            </a:endParaRPr>
+          </a:p>
+          <a:p>
+            <a:pPr marR="0" algn="ctr" defTabSz="914400" eaLnBrk="1" fontAlgn="base" latinLnBrk="0" hangingPunct="1">
+              <a:lnSpc>
+                <a:spcPct val="100000"/>
+              </a:lnSpc>
+              <a:spcBef>
+                <a:spcPct val="50000"/>
+              </a:spcBef>
+              <a:spcAft>
+                <a:spcPct val="0"/>
+              </a:spcAft>
+              <a:buClr>
+                <a:srgbClr val="F0AB00"/>
+              </a:buClr>
+              <a:buSzPct val="80000"/>
+              <a:tabLst/>
+            </a:pPr>
+            <a:endParaRPr kumimoji="0" lang="pt-BR" sz="2000" b="0" i="0" u="none" strike="noStrike" kern="0" cap="none" spc="0" normalizeH="0" baseline="0" noProof="1">
+              <a:ln>
+                <a:noFill/>
+              </a:ln>
+              <a:effectLst/>
+              <a:uLnTx/>
+              <a:uFillTx/>
+              <a:ea typeface="Arial Unicode MS" pitchFamily="34" charset="-128"/>
+              <a:cs typeface="Arial Unicode MS" pitchFamily="34" charset="-128"/>
+            </a:endParaRPr>
+          </a:p>
+          <a:p>
+            <a:pPr marR="0" algn="ctr" defTabSz="914400" eaLnBrk="1" fontAlgn="base" latinLnBrk="0" hangingPunct="1">
+              <a:lnSpc>
+                <a:spcPct val="100000"/>
+              </a:lnSpc>
+              <a:spcBef>
+                <a:spcPct val="50000"/>
+              </a:spcBef>
+              <a:spcAft>
+                <a:spcPct val="0"/>
+              </a:spcAft>
+              <a:buClr>
+                <a:srgbClr val="F0AB00"/>
+              </a:buClr>
+              <a:buSzPct val="80000"/>
+              <a:tabLst/>
+            </a:pPr>
+            <a:endParaRPr lang="pt-BR" sz="2000" kern="0" noProof="1">
+              <a:ea typeface="Arial Unicode MS" pitchFamily="34" charset="-128"/>
+              <a:cs typeface="Arial Unicode MS" pitchFamily="34" charset="-128"/>
+            </a:endParaRPr>
+          </a:p>
+          <a:p>
+            <a:pPr marR="0" algn="ctr" defTabSz="914400" eaLnBrk="1" fontAlgn="base" latinLnBrk="0" hangingPunct="1">
+              <a:lnSpc>
+                <a:spcPct val="100000"/>
+              </a:lnSpc>
+              <a:spcBef>
+                <a:spcPct val="50000"/>
+              </a:spcBef>
+              <a:spcAft>
+                <a:spcPct val="0"/>
+              </a:spcAft>
+              <a:buClr>
+                <a:srgbClr val="F0AB00"/>
+              </a:buClr>
+              <a:buSzPct val="80000"/>
+              <a:tabLst/>
+            </a:pPr>
+            <a:endParaRPr kumimoji="0" lang="pt-BR" sz="2000" b="0" i="0" u="none" strike="noStrike" kern="0" cap="none" spc="0" normalizeH="0" baseline="0" noProof="1">
+              <a:ln>
+                <a:noFill/>
+              </a:ln>
+              <a:effectLst/>
+              <a:uLnTx/>
+              <a:uFillTx/>
+              <a:ea typeface="Arial Unicode MS" pitchFamily="34" charset="-128"/>
+              <a:cs typeface="Arial Unicode MS" pitchFamily="34" charset="-128"/>
+            </a:endParaRPr>
+          </a:p>
+          <a:p>
+            <a:pPr marR="0" algn="ctr" defTabSz="914400" eaLnBrk="1" fontAlgn="base" latinLnBrk="0" hangingPunct="1">
+              <a:lnSpc>
+                <a:spcPct val="100000"/>
+              </a:lnSpc>
+              <a:spcBef>
+                <a:spcPct val="50000"/>
+              </a:spcBef>
+              <a:spcAft>
+                <a:spcPct val="0"/>
+              </a:spcAft>
+              <a:buClr>
+                <a:srgbClr val="F0AB00"/>
+              </a:buClr>
+              <a:buSzPct val="80000"/>
+              <a:tabLst/>
+            </a:pPr>
+            <a:endParaRPr kumimoji="0" lang="pt-BR" sz="2000" b="0" i="0" u="none" strike="noStrike" kern="0" cap="none" spc="0" normalizeH="0" baseline="0" noProof="1">
+              <a:ln>
+                <a:noFill/>
+              </a:ln>
+              <a:effectLst/>
+              <a:uLnTx/>
+              <a:uFillTx/>
+              <a:ea typeface="Arial Unicode MS" pitchFamily="34" charset="-128"/>
+              <a:cs typeface="Arial Unicode MS" pitchFamily="34" charset="-128"/>
+            </a:endParaRPr>
+          </a:p>
+        </p:txBody>
+      </p:sp>
+      <p:cxnSp>
+        <p:nvCxnSpPr>
+          <p:cNvPr id="67" name="Straight Connector 66"/>
+          <p:cNvCxnSpPr/>
+          <p:nvPr/>
+        </p:nvCxnSpPr>
+        <p:spPr>
+          <a:xfrm>
+            <a:off x="5667734" y="1613239"/>
+            <a:ext cx="11613" cy="1834636"/>
+          </a:xfrm>
+          <a:prstGeom prst="line">
+            <a:avLst/>
+          </a:prstGeom>
+          <a:ln w="6350">
+            <a:solidFill>
+              <a:schemeClr val="tx1"/>
+            </a:solidFill>
+            <a:prstDash val="dash"/>
+          </a:ln>
+        </p:spPr>
+        <p:style>
+          <a:lnRef idx="1">
+            <a:schemeClr val="accent1"/>
+          </a:lnRef>
+          <a:fillRef idx="0">
+            <a:schemeClr val="accent1"/>
+          </a:fillRef>
+          <a:effectRef idx="0">
+            <a:schemeClr val="accent1"/>
+          </a:effectRef>
+          <a:fontRef idx="minor">
+            <a:schemeClr val="tx1"/>
+          </a:fontRef>
+        </p:style>
+      </p:cxnSp>
+      <p:sp>
+        <p:nvSpPr>
+          <p:cNvPr id="68" name="TextBox 67"/>
+          <p:cNvSpPr txBox="1"/>
+          <p:nvPr/>
+        </p:nvSpPr>
+        <p:spPr>
+          <a:xfrm>
+            <a:off x="5254487" y="1323031"/>
+            <a:ext cx="192360" cy="276999"/>
+          </a:xfrm>
+          <a:prstGeom prst="rect">
+            <a:avLst/>
+          </a:prstGeom>
+          <a:noFill/>
+        </p:spPr>
+        <p:txBody>
+          <a:bodyPr wrap="none" lIns="0" tIns="0" rIns="0" bIns="0" rtlCol="0">
+            <a:spAutoFit/>
+          </a:bodyPr>
+          <a:lstStyle/>
+          <a:p>
+            <a:pPr fontAlgn="base">
+              <a:spcBef>
+                <a:spcPts val="600"/>
+              </a:spcBef>
+              <a:spcAft>
+                <a:spcPct val="0"/>
+              </a:spcAft>
+              <a:buClr>
+                <a:srgbClr val="F0AB00"/>
+              </a:buClr>
+              <a:buSzPct val="80000"/>
+            </a:pPr>
+            <a:r>
+              <a:rPr lang="pt-BR" sz="1800" kern="0" dirty="0">
+                <a:ea typeface="Arial Unicode MS" pitchFamily="34" charset="-128"/>
+                <a:cs typeface="Arial Unicode MS" pitchFamily="34" charset="-128"/>
+              </a:rPr>
+              <a:t>...</a:t>
+            </a:r>
+          </a:p>
+        </p:txBody>
+      </p:sp>
+      <p:sp>
+        <p:nvSpPr>
+          <p:cNvPr id="29" name="TextBox 28"/>
+          <p:cNvSpPr txBox="1"/>
+          <p:nvPr/>
+        </p:nvSpPr>
+        <p:spPr>
+          <a:xfrm>
+            <a:off x="7534686" y="1329249"/>
+            <a:ext cx="1000274" cy="276999"/>
+          </a:xfrm>
+          <a:prstGeom prst="rect">
+            <a:avLst/>
+          </a:prstGeom>
+          <a:noFill/>
+        </p:spPr>
+        <p:txBody>
+          <a:bodyPr wrap="none" lIns="0" tIns="0" rIns="0" bIns="0" rtlCol="0">
+            <a:spAutoFit/>
+          </a:bodyPr>
+          <a:lstStyle/>
+          <a:p>
+            <a:pPr fontAlgn="base">
+              <a:spcBef>
+                <a:spcPts val="600"/>
+              </a:spcBef>
+              <a:spcAft>
+                <a:spcPct val="0"/>
+              </a:spcAft>
+              <a:buClr>
+                <a:srgbClr val="F0AB00"/>
+              </a:buClr>
+              <a:buSzPct val="80000"/>
+            </a:pPr>
+            <a:r>
+              <a:rPr lang="pt-BR" sz="1800" kern="0" dirty="0">
+                <a:ea typeface="Arial Unicode MS" pitchFamily="34" charset="-128"/>
+                <a:cs typeface="Arial Unicode MS" pitchFamily="34" charset="-128"/>
+              </a:rPr>
+              <a:t>Cenário </a:t>
+            </a:r>
+            <a:r>
+              <a:rPr lang="pt-BR" sz="1800" i="1" kern="0" dirty="0">
+                <a:ea typeface="Arial Unicode MS" pitchFamily="34" charset="-128"/>
+                <a:cs typeface="Arial Unicode MS" pitchFamily="34" charset="-128"/>
+              </a:rPr>
+              <a:t>n</a:t>
+            </a:r>
+          </a:p>
+        </p:txBody>
+      </p:sp>
+      <p:cxnSp>
+        <p:nvCxnSpPr>
+          <p:cNvPr id="34" name="Straight Connector 33"/>
+          <p:cNvCxnSpPr/>
+          <p:nvPr/>
+        </p:nvCxnSpPr>
+        <p:spPr>
+          <a:xfrm>
+            <a:off x="7145596" y="1606248"/>
+            <a:ext cx="18602" cy="1841627"/>
+          </a:xfrm>
+          <a:prstGeom prst="line">
+            <a:avLst/>
+          </a:prstGeom>
+          <a:ln w="6350">
+            <a:solidFill>
+              <a:schemeClr val="tx1"/>
+            </a:solidFill>
+            <a:prstDash val="dash"/>
+          </a:ln>
+        </p:spPr>
+        <p:style>
+          <a:lnRef idx="1">
+            <a:schemeClr val="accent1"/>
+          </a:lnRef>
+          <a:fillRef idx="0">
+            <a:schemeClr val="accent1"/>
+          </a:fillRef>
+          <a:effectRef idx="0">
+            <a:schemeClr val="accent1"/>
+          </a:effectRef>
+          <a:fontRef idx="minor">
+            <a:schemeClr val="tx1"/>
+          </a:fontRef>
+        </p:style>
+      </p:cxnSp>
+      <p:sp>
+        <p:nvSpPr>
+          <p:cNvPr id="35" name="Oval 34"/>
+          <p:cNvSpPr/>
+          <p:nvPr/>
+        </p:nvSpPr>
+        <p:spPr bwMode="gray">
+          <a:xfrm>
+            <a:off x="4007288" y="2609146"/>
+            <a:ext cx="536388" cy="461854"/>
+          </a:xfrm>
+          <a:prstGeom prst="ellipse">
+            <a:avLst/>
+          </a:prstGeom>
+          <a:ln>
+            <a:headEnd/>
+            <a:tailEnd/>
+          </a:ln>
+        </p:spPr>
+        <p:style>
+          <a:lnRef idx="2">
+            <a:schemeClr val="dk1"/>
+          </a:lnRef>
+          <a:fillRef idx="1">
+            <a:schemeClr val="lt1"/>
+          </a:fillRef>
+          <a:effectRef idx="0">
+            <a:schemeClr val="dk1"/>
+          </a:effectRef>
+          <a:fontRef idx="minor">
+            <a:schemeClr val="dk1"/>
+          </a:fontRef>
+        </p:style>
+        <p:txBody>
+          <a:bodyPr lIns="90000" tIns="72000" rIns="90000" bIns="72000" rtlCol="0" anchor="ctr"/>
+          <a:lstStyle/>
+          <a:p>
+            <a:pPr marR="0" algn="ctr" defTabSz="914400" eaLnBrk="1" fontAlgn="base" latinLnBrk="0" hangingPunct="1">
+              <a:lnSpc>
+                <a:spcPct val="100000"/>
+              </a:lnSpc>
+              <a:spcBef>
+                <a:spcPct val="50000"/>
+              </a:spcBef>
+              <a:spcAft>
+                <a:spcPct val="0"/>
+              </a:spcAft>
+              <a:buClr>
+                <a:srgbClr val="F0AB00"/>
+              </a:buClr>
+              <a:buSzPct val="80000"/>
+              <a:tabLst/>
+            </a:pPr>
+            <a:r>
+              <a:rPr lang="pt-BR" sz="1000" kern="0" noProof="1">
+                <a:ea typeface="Arial Unicode MS" pitchFamily="34" charset="-128"/>
+                <a:cs typeface="Arial Unicode MS" pitchFamily="34" charset="-128"/>
+              </a:rPr>
+              <a:t>CF</a:t>
+            </a:r>
+            <a:endParaRPr kumimoji="0" lang="pt-BR" sz="1000" b="0" i="0" u="none" strike="noStrike" kern="0" cap="none" spc="0" normalizeH="0" baseline="0" noProof="1">
+              <a:ln>
+                <a:noFill/>
+              </a:ln>
+              <a:effectLst/>
+              <a:uLnTx/>
+              <a:uFillTx/>
+              <a:ea typeface="Arial Unicode MS" pitchFamily="34" charset="-128"/>
+              <a:cs typeface="Arial Unicode MS" pitchFamily="34" charset="-128"/>
+            </a:endParaRPr>
+          </a:p>
+        </p:txBody>
+      </p:sp>
+      <p:sp>
+        <p:nvSpPr>
+          <p:cNvPr id="36" name="Oval 35"/>
+          <p:cNvSpPr/>
+          <p:nvPr/>
+        </p:nvSpPr>
+        <p:spPr bwMode="gray">
+          <a:xfrm>
+            <a:off x="5847579" y="2255519"/>
+            <a:ext cx="536388" cy="461854"/>
+          </a:xfrm>
+          <a:prstGeom prst="ellipse">
+            <a:avLst/>
+          </a:prstGeom>
+          <a:ln>
+            <a:headEnd/>
+            <a:tailEnd/>
+          </a:ln>
+        </p:spPr>
+        <p:style>
+          <a:lnRef idx="2">
+            <a:schemeClr val="dk1"/>
+          </a:lnRef>
+          <a:fillRef idx="1">
+            <a:schemeClr val="lt1"/>
+          </a:fillRef>
+          <a:effectRef idx="0">
+            <a:schemeClr val="dk1"/>
+          </a:effectRef>
+          <a:fontRef idx="minor">
+            <a:schemeClr val="dk1"/>
+          </a:fontRef>
+        </p:style>
+        <p:txBody>
+          <a:bodyPr lIns="90000" tIns="72000" rIns="90000" bIns="72000" rtlCol="0" anchor="ctr"/>
+          <a:lstStyle/>
+          <a:p>
+            <a:pPr marR="0" algn="ctr" defTabSz="914400" eaLnBrk="1" fontAlgn="base" latinLnBrk="0" hangingPunct="1">
+              <a:lnSpc>
+                <a:spcPct val="100000"/>
+              </a:lnSpc>
+              <a:spcBef>
+                <a:spcPct val="50000"/>
+              </a:spcBef>
+              <a:spcAft>
+                <a:spcPct val="0"/>
+              </a:spcAft>
+              <a:buClr>
+                <a:srgbClr val="F0AB00"/>
+              </a:buClr>
+              <a:buSzPct val="80000"/>
+              <a:tabLst/>
+            </a:pPr>
+            <a:r>
+              <a:rPr lang="pt-BR" sz="1000" kern="0" noProof="1">
+                <a:ea typeface="Arial Unicode MS" pitchFamily="34" charset="-128"/>
+                <a:cs typeface="Arial Unicode MS" pitchFamily="34" charset="-128"/>
+              </a:rPr>
+              <a:t>CR</a:t>
+            </a:r>
+            <a:endParaRPr kumimoji="0" lang="pt-BR" sz="1000" b="0" i="0" u="none" strike="noStrike" kern="0" cap="none" spc="0" normalizeH="0" baseline="0" noProof="1">
+              <a:ln>
+                <a:noFill/>
+              </a:ln>
+              <a:effectLst/>
+              <a:uLnTx/>
+              <a:uFillTx/>
+              <a:ea typeface="Arial Unicode MS" pitchFamily="34" charset="-128"/>
+              <a:cs typeface="Arial Unicode MS" pitchFamily="34" charset="-128"/>
+            </a:endParaRPr>
+          </a:p>
+        </p:txBody>
+      </p:sp>
+      <p:sp>
+        <p:nvSpPr>
+          <p:cNvPr id="38" name="Oval 37"/>
+          <p:cNvSpPr/>
+          <p:nvPr/>
+        </p:nvSpPr>
+        <p:spPr bwMode="gray">
+          <a:xfrm>
+            <a:off x="6398461" y="2249499"/>
+            <a:ext cx="536388" cy="461854"/>
+          </a:xfrm>
+          <a:prstGeom prst="ellipse">
+            <a:avLst/>
+          </a:prstGeom>
+          <a:ln>
+            <a:headEnd/>
+            <a:tailEnd/>
+          </a:ln>
+        </p:spPr>
+        <p:style>
+          <a:lnRef idx="2">
+            <a:schemeClr val="dk1"/>
+          </a:lnRef>
+          <a:fillRef idx="1">
+            <a:schemeClr val="lt1"/>
+          </a:fillRef>
+          <a:effectRef idx="0">
+            <a:schemeClr val="dk1"/>
+          </a:effectRef>
+          <a:fontRef idx="minor">
+            <a:schemeClr val="dk1"/>
+          </a:fontRef>
+        </p:style>
+        <p:txBody>
+          <a:bodyPr lIns="90000" tIns="72000" rIns="90000" bIns="72000" rtlCol="0" anchor="ctr"/>
+          <a:lstStyle/>
+          <a:p>
+            <a:pPr marR="0" algn="ctr" defTabSz="914400" eaLnBrk="1" fontAlgn="base" latinLnBrk="0" hangingPunct="1">
+              <a:lnSpc>
+                <a:spcPct val="100000"/>
+              </a:lnSpc>
+              <a:spcBef>
+                <a:spcPct val="50000"/>
+              </a:spcBef>
+              <a:spcAft>
+                <a:spcPct val="0"/>
+              </a:spcAft>
+              <a:buClr>
+                <a:srgbClr val="F0AB00"/>
+              </a:buClr>
+              <a:buSzPct val="80000"/>
+              <a:tabLst/>
+            </a:pPr>
+            <a:r>
+              <a:rPr lang="pt-BR" sz="1000" kern="0" noProof="1">
+                <a:ea typeface="Arial Unicode MS" pitchFamily="34" charset="-128"/>
+                <a:cs typeface="Arial Unicode MS" pitchFamily="34" charset="-128"/>
+              </a:rPr>
+              <a:t>CR</a:t>
+            </a:r>
+            <a:endParaRPr kumimoji="0" lang="pt-BR" sz="1000" b="0" i="0" u="none" strike="noStrike" kern="0" cap="none" spc="0" normalizeH="0" baseline="0" noProof="1">
+              <a:ln>
+                <a:noFill/>
+              </a:ln>
+              <a:effectLst/>
+              <a:uLnTx/>
+              <a:uFillTx/>
+              <a:ea typeface="Arial Unicode MS" pitchFamily="34" charset="-128"/>
+              <a:cs typeface="Arial Unicode MS" pitchFamily="34" charset="-128"/>
+            </a:endParaRPr>
+          </a:p>
+        </p:txBody>
+      </p:sp>
+      <p:sp>
+        <p:nvSpPr>
+          <p:cNvPr id="39" name="Oval 38"/>
+          <p:cNvSpPr/>
+          <p:nvPr/>
+        </p:nvSpPr>
+        <p:spPr bwMode="gray">
+          <a:xfrm>
+            <a:off x="6398461" y="2840323"/>
+            <a:ext cx="536388" cy="461854"/>
+          </a:xfrm>
+          <a:prstGeom prst="ellipse">
+            <a:avLst/>
+          </a:prstGeom>
+          <a:ln>
+            <a:headEnd/>
+            <a:tailEnd/>
+          </a:ln>
+        </p:spPr>
+        <p:style>
+          <a:lnRef idx="2">
+            <a:schemeClr val="dk1"/>
+          </a:lnRef>
+          <a:fillRef idx="1">
+            <a:schemeClr val="lt1"/>
+          </a:fillRef>
+          <a:effectRef idx="0">
+            <a:schemeClr val="dk1"/>
+          </a:effectRef>
+          <a:fontRef idx="minor">
+            <a:schemeClr val="dk1"/>
+          </a:fontRef>
+        </p:style>
+        <p:txBody>
+          <a:bodyPr lIns="90000" tIns="72000" rIns="90000" bIns="72000" rtlCol="0" anchor="ctr"/>
+          <a:lstStyle/>
+          <a:p>
+            <a:pPr marR="0" algn="ctr" defTabSz="914400" eaLnBrk="1" fontAlgn="base" latinLnBrk="0" hangingPunct="1">
+              <a:lnSpc>
+                <a:spcPct val="100000"/>
+              </a:lnSpc>
+              <a:spcBef>
+                <a:spcPct val="50000"/>
+              </a:spcBef>
+              <a:spcAft>
+                <a:spcPct val="0"/>
+              </a:spcAft>
+              <a:buClr>
+                <a:srgbClr val="F0AB00"/>
+              </a:buClr>
+              <a:buSzPct val="80000"/>
+              <a:tabLst/>
+            </a:pPr>
+            <a:r>
+              <a:rPr lang="pt-BR" sz="1000" kern="0" noProof="1">
+                <a:ea typeface="Arial Unicode MS" pitchFamily="34" charset="-128"/>
+                <a:cs typeface="Arial Unicode MS" pitchFamily="34" charset="-128"/>
+              </a:rPr>
+              <a:t>CR</a:t>
+            </a:r>
+            <a:endParaRPr kumimoji="0" lang="pt-BR" sz="1000" b="0" i="0" u="none" strike="noStrike" kern="0" cap="none" spc="0" normalizeH="0" baseline="0" noProof="1">
+              <a:ln>
+                <a:noFill/>
+              </a:ln>
+              <a:effectLst/>
+              <a:uLnTx/>
+              <a:uFillTx/>
+              <a:ea typeface="Arial Unicode MS" pitchFamily="34" charset="-128"/>
+              <a:cs typeface="Arial Unicode MS" pitchFamily="34" charset="-128"/>
+            </a:endParaRPr>
+          </a:p>
+        </p:txBody>
+      </p:sp>
+      <p:sp>
+        <p:nvSpPr>
+          <p:cNvPr id="40" name="TextBox 39"/>
+          <p:cNvSpPr txBox="1"/>
+          <p:nvPr/>
+        </p:nvSpPr>
+        <p:spPr>
+          <a:xfrm>
+            <a:off x="7611606" y="2959228"/>
+            <a:ext cx="192360" cy="276999"/>
+          </a:xfrm>
+          <a:prstGeom prst="rect">
+            <a:avLst/>
+          </a:prstGeom>
+          <a:noFill/>
+        </p:spPr>
+        <p:txBody>
+          <a:bodyPr wrap="none" lIns="0" tIns="0" rIns="0" bIns="0" rtlCol="0">
+            <a:spAutoFit/>
+          </a:bodyPr>
+          <a:lstStyle/>
+          <a:p>
+            <a:pPr fontAlgn="base">
+              <a:spcBef>
+                <a:spcPts val="600"/>
+              </a:spcBef>
+              <a:spcAft>
+                <a:spcPct val="0"/>
+              </a:spcAft>
+              <a:buClr>
+                <a:srgbClr val="F0AB00"/>
+              </a:buClr>
+              <a:buSzPct val="80000"/>
+            </a:pPr>
+            <a:r>
+              <a:rPr lang="pt-BR" sz="1800" kern="0" dirty="0">
+                <a:ea typeface="Arial Unicode MS" pitchFamily="34" charset="-128"/>
+                <a:cs typeface="Arial Unicode MS" pitchFamily="34" charset="-128"/>
+              </a:rPr>
+              <a:t>...</a:t>
+            </a:r>
+          </a:p>
+        </p:txBody>
+      </p:sp>
+      <p:sp>
+        <p:nvSpPr>
+          <p:cNvPr id="41" name="Rounded Rectangle 43"/>
+          <p:cNvSpPr/>
+          <p:nvPr/>
+        </p:nvSpPr>
+        <p:spPr bwMode="gray">
+          <a:xfrm>
+            <a:off x="7346997" y="1728439"/>
+            <a:ext cx="1187963" cy="1719436"/>
+          </a:xfrm>
+          <a:prstGeom prst="roundRect">
+            <a:avLst/>
+          </a:prstGeom>
+          <a:solidFill>
+            <a:schemeClr val="tx2">
+              <a:alpha val="40000"/>
+            </a:schemeClr>
+          </a:solidFill>
+          <a:ln w="6350" algn="ctr">
+            <a:noFill/>
+            <a:miter lim="800000"/>
+            <a:headEnd/>
+            <a:tailEnd/>
+          </a:ln>
+          <a:effectLst/>
+        </p:spPr>
+        <p:txBody>
+          <a:bodyPr lIns="90000" tIns="72000" rIns="90000" bIns="72000" rtlCol="0" anchor="ctr"/>
+          <a:lstStyle/>
+          <a:p>
+            <a:pPr marR="0" algn="ctr" defTabSz="914400" eaLnBrk="1" fontAlgn="base" latinLnBrk="0" hangingPunct="1">
+              <a:lnSpc>
+                <a:spcPct val="100000"/>
+              </a:lnSpc>
+              <a:spcBef>
+                <a:spcPct val="50000"/>
+              </a:spcBef>
+              <a:spcAft>
+                <a:spcPct val="0"/>
+              </a:spcAft>
+              <a:buClr>
+                <a:srgbClr val="F0AB00"/>
+              </a:buClr>
+              <a:buSzPct val="80000"/>
+              <a:tabLst/>
+            </a:pPr>
+            <a:endParaRPr kumimoji="0" lang="pt-BR" sz="1400" b="0" i="0" u="none" strike="noStrike" kern="0" cap="none" spc="0" normalizeH="0" baseline="0" noProof="1">
+              <a:ln>
+                <a:noFill/>
+              </a:ln>
+              <a:effectLst/>
+              <a:uLnTx/>
+              <a:uFillTx/>
+              <a:ea typeface="Arial Unicode MS" pitchFamily="34" charset="-128"/>
+              <a:cs typeface="Arial Unicode MS" pitchFamily="34" charset="-128"/>
+            </a:endParaRPr>
+          </a:p>
+          <a:p>
+            <a:pPr marR="0" algn="ctr" defTabSz="914400" eaLnBrk="1" fontAlgn="base" latinLnBrk="0" hangingPunct="1">
+              <a:lnSpc>
+                <a:spcPct val="100000"/>
+              </a:lnSpc>
+              <a:spcBef>
+                <a:spcPct val="50000"/>
+              </a:spcBef>
+              <a:spcAft>
+                <a:spcPct val="0"/>
+              </a:spcAft>
+              <a:buClr>
+                <a:srgbClr val="F0AB00"/>
+              </a:buClr>
+              <a:buSzPct val="80000"/>
+              <a:tabLst/>
+            </a:pPr>
+            <a:endParaRPr kumimoji="0" lang="pt-BR" sz="1400" b="0" i="0" u="none" strike="noStrike" kern="0" cap="none" spc="0" normalizeH="0" baseline="0" noProof="1">
+              <a:ln>
+                <a:noFill/>
+              </a:ln>
+              <a:effectLst/>
+              <a:uLnTx/>
+              <a:uFillTx/>
+              <a:ea typeface="Arial Unicode MS" pitchFamily="34" charset="-128"/>
+              <a:cs typeface="Arial Unicode MS" pitchFamily="34" charset="-128"/>
+            </a:endParaRPr>
+          </a:p>
+          <a:p>
+            <a:pPr marR="0" algn="ctr" defTabSz="914400" eaLnBrk="1" fontAlgn="base" latinLnBrk="0" hangingPunct="1">
+              <a:lnSpc>
+                <a:spcPct val="100000"/>
+              </a:lnSpc>
+              <a:spcBef>
+                <a:spcPct val="50000"/>
+              </a:spcBef>
+              <a:spcAft>
+                <a:spcPct val="0"/>
+              </a:spcAft>
+              <a:buClr>
+                <a:srgbClr val="F0AB00"/>
+              </a:buClr>
+              <a:buSzPct val="80000"/>
+              <a:tabLst/>
+            </a:pPr>
+            <a:endParaRPr lang="pt-BR" sz="2000" kern="0" noProof="1">
+              <a:ea typeface="Arial Unicode MS" pitchFamily="34" charset="-128"/>
+              <a:cs typeface="Arial Unicode MS" pitchFamily="34" charset="-128"/>
+            </a:endParaRPr>
+          </a:p>
+          <a:p>
+            <a:pPr marR="0" algn="ctr" defTabSz="914400" eaLnBrk="1" fontAlgn="base" latinLnBrk="0" hangingPunct="1">
+              <a:lnSpc>
+                <a:spcPct val="100000"/>
+              </a:lnSpc>
+              <a:spcBef>
+                <a:spcPct val="50000"/>
+              </a:spcBef>
+              <a:spcAft>
+                <a:spcPct val="0"/>
+              </a:spcAft>
+              <a:buClr>
+                <a:srgbClr val="F0AB00"/>
+              </a:buClr>
+              <a:buSzPct val="80000"/>
+              <a:tabLst/>
+            </a:pPr>
+            <a:r>
+              <a:rPr lang="pt-BR" sz="2000" kern="0" noProof="1">
+                <a:ea typeface="Arial Unicode MS" pitchFamily="34" charset="-128"/>
+                <a:cs typeface="Arial Unicode MS" pitchFamily="34" charset="-128"/>
+              </a:rPr>
+              <a:t>Nó</a:t>
+            </a:r>
+            <a:endParaRPr kumimoji="0" lang="pt-BR" sz="2000" b="0" i="0" u="none" strike="noStrike" kern="0" cap="none" spc="0" normalizeH="0" baseline="0" noProof="1">
+              <a:ln>
+                <a:noFill/>
+              </a:ln>
+              <a:effectLst/>
+              <a:uLnTx/>
+              <a:uFillTx/>
+              <a:ea typeface="Arial Unicode MS" pitchFamily="34" charset="-128"/>
+              <a:cs typeface="Arial Unicode MS" pitchFamily="34" charset="-128"/>
+            </a:endParaRPr>
+          </a:p>
+          <a:p>
+            <a:pPr marR="0" algn="ctr" defTabSz="914400" eaLnBrk="1" fontAlgn="base" latinLnBrk="0" hangingPunct="1">
+              <a:lnSpc>
+                <a:spcPct val="100000"/>
+              </a:lnSpc>
+              <a:spcBef>
+                <a:spcPct val="50000"/>
+              </a:spcBef>
+              <a:spcAft>
+                <a:spcPct val="0"/>
+              </a:spcAft>
+              <a:buClr>
+                <a:srgbClr val="F0AB00"/>
+              </a:buClr>
+              <a:buSzPct val="80000"/>
+              <a:tabLst/>
+            </a:pPr>
+            <a:endParaRPr lang="pt-BR" sz="2000" kern="0" noProof="1">
+              <a:ea typeface="Arial Unicode MS" pitchFamily="34" charset="-128"/>
+              <a:cs typeface="Arial Unicode MS" pitchFamily="34" charset="-128"/>
+            </a:endParaRPr>
+          </a:p>
+          <a:p>
+            <a:pPr marR="0" algn="ctr" defTabSz="914400" eaLnBrk="1" fontAlgn="base" latinLnBrk="0" hangingPunct="1">
+              <a:lnSpc>
+                <a:spcPct val="100000"/>
+              </a:lnSpc>
+              <a:spcBef>
+                <a:spcPct val="50000"/>
+              </a:spcBef>
+              <a:spcAft>
+                <a:spcPct val="0"/>
+              </a:spcAft>
+              <a:buClr>
+                <a:srgbClr val="F0AB00"/>
+              </a:buClr>
+              <a:buSzPct val="80000"/>
+              <a:tabLst/>
+            </a:pPr>
+            <a:endParaRPr kumimoji="0" lang="pt-BR" sz="2000" b="0" i="0" u="none" strike="noStrike" kern="0" cap="none" spc="0" normalizeH="0" baseline="0" noProof="1">
+              <a:ln>
+                <a:noFill/>
+              </a:ln>
+              <a:effectLst/>
+              <a:uLnTx/>
+              <a:uFillTx/>
+              <a:ea typeface="Arial Unicode MS" pitchFamily="34" charset="-128"/>
+              <a:cs typeface="Arial Unicode MS" pitchFamily="34" charset="-128"/>
+            </a:endParaRPr>
+          </a:p>
+          <a:p>
+            <a:pPr marR="0" algn="ctr" defTabSz="914400" eaLnBrk="1" fontAlgn="base" latinLnBrk="0" hangingPunct="1">
+              <a:lnSpc>
+                <a:spcPct val="100000"/>
+              </a:lnSpc>
+              <a:spcBef>
+                <a:spcPct val="50000"/>
+              </a:spcBef>
+              <a:spcAft>
+                <a:spcPct val="0"/>
+              </a:spcAft>
+              <a:buClr>
+                <a:srgbClr val="F0AB00"/>
+              </a:buClr>
+              <a:buSzPct val="80000"/>
+              <a:tabLst/>
+            </a:pPr>
+            <a:endParaRPr lang="pt-BR" sz="2000" kern="0" noProof="1">
+              <a:ea typeface="Arial Unicode MS" pitchFamily="34" charset="-128"/>
+              <a:cs typeface="Arial Unicode MS" pitchFamily="34" charset="-128"/>
+            </a:endParaRPr>
+          </a:p>
+          <a:p>
+            <a:pPr marR="0" algn="ctr" defTabSz="914400" eaLnBrk="1" fontAlgn="base" latinLnBrk="0" hangingPunct="1">
+              <a:lnSpc>
+                <a:spcPct val="100000"/>
+              </a:lnSpc>
+              <a:spcBef>
+                <a:spcPct val="50000"/>
+              </a:spcBef>
+              <a:spcAft>
+                <a:spcPct val="0"/>
+              </a:spcAft>
+              <a:buClr>
+                <a:srgbClr val="F0AB00"/>
+              </a:buClr>
+              <a:buSzPct val="80000"/>
+              <a:tabLst/>
+            </a:pPr>
+            <a:endParaRPr kumimoji="0" lang="pt-BR" sz="2000" b="0" i="0" u="none" strike="noStrike" kern="0" cap="none" spc="0" normalizeH="0" baseline="0" noProof="1">
+              <a:ln>
+                <a:noFill/>
+              </a:ln>
+              <a:effectLst/>
+              <a:uLnTx/>
+              <a:uFillTx/>
+              <a:ea typeface="Arial Unicode MS" pitchFamily="34" charset="-128"/>
+              <a:cs typeface="Arial Unicode MS" pitchFamily="34" charset="-128"/>
+            </a:endParaRPr>
+          </a:p>
+          <a:p>
+            <a:pPr marR="0" algn="ctr" defTabSz="914400" eaLnBrk="1" fontAlgn="base" latinLnBrk="0" hangingPunct="1">
+              <a:lnSpc>
+                <a:spcPct val="100000"/>
+              </a:lnSpc>
+              <a:spcBef>
+                <a:spcPct val="50000"/>
+              </a:spcBef>
+              <a:spcAft>
+                <a:spcPct val="0"/>
+              </a:spcAft>
+              <a:buClr>
+                <a:srgbClr val="F0AB00"/>
+              </a:buClr>
+              <a:buSzPct val="80000"/>
+              <a:tabLst/>
+            </a:pPr>
+            <a:endParaRPr kumimoji="0" lang="pt-BR" sz="2000" b="0" i="0" u="none" strike="noStrike" kern="0" cap="none" spc="0" normalizeH="0" baseline="0" noProof="1">
+              <a:ln>
+                <a:noFill/>
+              </a:ln>
+              <a:effectLst/>
+              <a:uLnTx/>
+              <a:uFillTx/>
+              <a:ea typeface="Arial Unicode MS" pitchFamily="34" charset="-128"/>
+              <a:cs typeface="Arial Unicode MS" pitchFamily="34" charset="-128"/>
+            </a:endParaRPr>
+          </a:p>
+        </p:txBody>
+      </p:sp>
+      <p:sp>
+        <p:nvSpPr>
+          <p:cNvPr id="42" name="Oval 41"/>
+          <p:cNvSpPr/>
+          <p:nvPr/>
+        </p:nvSpPr>
+        <p:spPr bwMode="gray">
+          <a:xfrm>
+            <a:off x="7410358" y="2244207"/>
+            <a:ext cx="536388" cy="461854"/>
+          </a:xfrm>
+          <a:prstGeom prst="ellipse">
+            <a:avLst/>
+          </a:prstGeom>
+          <a:ln>
+            <a:headEnd/>
+            <a:tailEnd/>
+          </a:ln>
+        </p:spPr>
+        <p:style>
+          <a:lnRef idx="2">
+            <a:schemeClr val="dk1"/>
+          </a:lnRef>
+          <a:fillRef idx="1">
+            <a:schemeClr val="lt1"/>
+          </a:fillRef>
+          <a:effectRef idx="0">
+            <a:schemeClr val="dk1"/>
+          </a:effectRef>
+          <a:fontRef idx="minor">
+            <a:schemeClr val="dk1"/>
+          </a:fontRef>
+        </p:style>
+        <p:txBody>
+          <a:bodyPr lIns="90000" tIns="72000" rIns="90000" bIns="72000" rtlCol="0" anchor="ctr"/>
+          <a:lstStyle/>
+          <a:p>
+            <a:pPr marR="0" algn="ctr" defTabSz="914400" eaLnBrk="1" fontAlgn="base" latinLnBrk="0" hangingPunct="1">
+              <a:lnSpc>
+                <a:spcPct val="100000"/>
+              </a:lnSpc>
+              <a:spcBef>
+                <a:spcPct val="50000"/>
+              </a:spcBef>
+              <a:spcAft>
+                <a:spcPct val="0"/>
+              </a:spcAft>
+              <a:buClr>
+                <a:srgbClr val="F0AB00"/>
+              </a:buClr>
+              <a:buSzPct val="80000"/>
+              <a:tabLst/>
+            </a:pPr>
+            <a:r>
+              <a:rPr lang="pt-BR" sz="1000" kern="0" noProof="1">
+                <a:ea typeface="Arial Unicode MS" pitchFamily="34" charset="-128"/>
+                <a:cs typeface="Arial Unicode MS" pitchFamily="34" charset="-128"/>
+              </a:rPr>
+              <a:t>CF</a:t>
+            </a:r>
+            <a:endParaRPr kumimoji="0" lang="pt-BR" sz="1000" b="0" i="0" u="none" strike="noStrike" kern="0" cap="none" spc="0" normalizeH="0" baseline="0" noProof="1">
+              <a:ln>
+                <a:noFill/>
+              </a:ln>
+              <a:effectLst/>
+              <a:uLnTx/>
+              <a:uFillTx/>
+              <a:ea typeface="Arial Unicode MS" pitchFamily="34" charset="-128"/>
+              <a:cs typeface="Arial Unicode MS" pitchFamily="34" charset="-128"/>
+            </a:endParaRPr>
+          </a:p>
+        </p:txBody>
+      </p:sp>
+      <p:sp>
+        <p:nvSpPr>
+          <p:cNvPr id="45" name="Oval 44"/>
+          <p:cNvSpPr/>
+          <p:nvPr/>
+        </p:nvSpPr>
+        <p:spPr bwMode="gray">
+          <a:xfrm>
+            <a:off x="7961240" y="2238187"/>
+            <a:ext cx="536388" cy="461854"/>
+          </a:xfrm>
+          <a:prstGeom prst="ellipse">
+            <a:avLst/>
+          </a:prstGeom>
+          <a:ln>
+            <a:headEnd/>
+            <a:tailEnd/>
+          </a:ln>
+        </p:spPr>
+        <p:style>
+          <a:lnRef idx="2">
+            <a:schemeClr val="dk1"/>
+          </a:lnRef>
+          <a:fillRef idx="1">
+            <a:schemeClr val="lt1"/>
+          </a:fillRef>
+          <a:effectRef idx="0">
+            <a:schemeClr val="dk1"/>
+          </a:effectRef>
+          <a:fontRef idx="minor">
+            <a:schemeClr val="dk1"/>
+          </a:fontRef>
+        </p:style>
+        <p:txBody>
+          <a:bodyPr lIns="90000" tIns="72000" rIns="90000" bIns="72000" rtlCol="0" anchor="ctr"/>
+          <a:lstStyle/>
+          <a:p>
+            <a:pPr marR="0" algn="ctr" defTabSz="914400" eaLnBrk="1" fontAlgn="base" latinLnBrk="0" hangingPunct="1">
+              <a:lnSpc>
+                <a:spcPct val="100000"/>
+              </a:lnSpc>
+              <a:spcBef>
+                <a:spcPct val="50000"/>
+              </a:spcBef>
+              <a:spcAft>
+                <a:spcPct val="0"/>
+              </a:spcAft>
+              <a:buClr>
+                <a:srgbClr val="F0AB00"/>
+              </a:buClr>
+              <a:buSzPct val="80000"/>
+              <a:tabLst/>
+            </a:pPr>
+            <a:r>
+              <a:rPr lang="pt-BR" sz="1000" kern="0" noProof="1">
+                <a:ea typeface="Arial Unicode MS" pitchFamily="34" charset="-128"/>
+                <a:cs typeface="Arial Unicode MS" pitchFamily="34" charset="-128"/>
+              </a:rPr>
+              <a:t>CF</a:t>
+            </a:r>
+            <a:endParaRPr kumimoji="0" lang="pt-BR" sz="1000" b="0" i="0" u="none" strike="noStrike" kern="0" cap="none" spc="0" normalizeH="0" baseline="0" noProof="1">
+              <a:ln>
+                <a:noFill/>
+              </a:ln>
+              <a:effectLst/>
+              <a:uLnTx/>
+              <a:uFillTx/>
+              <a:ea typeface="Arial Unicode MS" pitchFamily="34" charset="-128"/>
+              <a:cs typeface="Arial Unicode MS" pitchFamily="34" charset="-128"/>
+            </a:endParaRPr>
+          </a:p>
+        </p:txBody>
+      </p:sp>
+      <p:sp>
+        <p:nvSpPr>
+          <p:cNvPr id="46" name="Oval 45"/>
+          <p:cNvSpPr/>
+          <p:nvPr/>
+        </p:nvSpPr>
+        <p:spPr bwMode="gray">
+          <a:xfrm>
+            <a:off x="7961240" y="2829011"/>
+            <a:ext cx="536388" cy="461854"/>
+          </a:xfrm>
+          <a:prstGeom prst="ellipse">
+            <a:avLst/>
+          </a:prstGeom>
+          <a:ln>
+            <a:headEnd/>
+            <a:tailEnd/>
+          </a:ln>
+        </p:spPr>
+        <p:style>
+          <a:lnRef idx="2">
+            <a:schemeClr val="dk1"/>
+          </a:lnRef>
+          <a:fillRef idx="1">
+            <a:schemeClr val="lt1"/>
+          </a:fillRef>
+          <a:effectRef idx="0">
+            <a:schemeClr val="dk1"/>
+          </a:effectRef>
+          <a:fontRef idx="minor">
+            <a:schemeClr val="dk1"/>
+          </a:fontRef>
+        </p:style>
+        <p:txBody>
+          <a:bodyPr lIns="90000" tIns="72000" rIns="90000" bIns="72000" rtlCol="0" anchor="ctr"/>
+          <a:lstStyle/>
+          <a:p>
+            <a:pPr marR="0" algn="ctr" defTabSz="914400" eaLnBrk="1" fontAlgn="base" latinLnBrk="0" hangingPunct="1">
+              <a:lnSpc>
+                <a:spcPct val="100000"/>
+              </a:lnSpc>
+              <a:spcBef>
+                <a:spcPct val="50000"/>
+              </a:spcBef>
+              <a:spcAft>
+                <a:spcPct val="0"/>
+              </a:spcAft>
+              <a:buClr>
+                <a:srgbClr val="F0AB00"/>
+              </a:buClr>
+              <a:buSzPct val="80000"/>
+              <a:tabLst/>
+            </a:pPr>
+            <a:r>
+              <a:rPr lang="pt-BR" sz="1000" kern="0" noProof="1">
+                <a:ea typeface="Arial Unicode MS" pitchFamily="34" charset="-128"/>
+                <a:cs typeface="Arial Unicode MS" pitchFamily="34" charset="-128"/>
+              </a:rPr>
+              <a:t>CF</a:t>
+            </a:r>
+            <a:endParaRPr kumimoji="0" lang="pt-BR" sz="1000" b="0" i="0" u="none" strike="noStrike" kern="0" cap="none" spc="0" normalizeH="0" baseline="0" noProof="1">
+              <a:ln>
+                <a:noFill/>
+              </a:ln>
+              <a:effectLst/>
+              <a:uLnTx/>
+              <a:uFillTx/>
+              <a:ea typeface="Arial Unicode MS" pitchFamily="34" charset="-128"/>
+              <a:cs typeface="Arial Unicode MS" pitchFamily="34" charset="-128"/>
+            </a:endParaRPr>
+          </a:p>
+        </p:txBody>
+      </p:sp>
+      <p:sp>
+        <p:nvSpPr>
+          <p:cNvPr id="60" name="Oval 59"/>
+          <p:cNvSpPr/>
+          <p:nvPr/>
+        </p:nvSpPr>
+        <p:spPr bwMode="gray">
+          <a:xfrm>
+            <a:off x="3185281" y="3529942"/>
+            <a:ext cx="536388" cy="461854"/>
+          </a:xfrm>
+          <a:prstGeom prst="ellipse">
+            <a:avLst/>
+          </a:prstGeom>
+          <a:ln>
+            <a:headEnd/>
+            <a:tailEnd/>
+          </a:ln>
+        </p:spPr>
+        <p:style>
+          <a:lnRef idx="2">
+            <a:schemeClr val="dk1"/>
+          </a:lnRef>
+          <a:fillRef idx="1">
+            <a:schemeClr val="lt1"/>
+          </a:fillRef>
+          <a:effectRef idx="0">
+            <a:schemeClr val="dk1"/>
+          </a:effectRef>
+          <a:fontRef idx="minor">
+            <a:schemeClr val="dk1"/>
+          </a:fontRef>
+        </p:style>
+        <p:txBody>
+          <a:bodyPr lIns="90000" tIns="72000" rIns="90000" bIns="72000" rtlCol="0" anchor="ctr"/>
+          <a:lstStyle/>
+          <a:p>
+            <a:pPr marR="0" algn="ctr" defTabSz="914400" eaLnBrk="1" fontAlgn="base" latinLnBrk="0" hangingPunct="1">
+              <a:lnSpc>
+                <a:spcPct val="100000"/>
+              </a:lnSpc>
+              <a:spcBef>
+                <a:spcPct val="50000"/>
+              </a:spcBef>
+              <a:spcAft>
+                <a:spcPct val="0"/>
+              </a:spcAft>
+              <a:buClr>
+                <a:srgbClr val="F0AB00"/>
+              </a:buClr>
+              <a:buSzPct val="80000"/>
+              <a:tabLst/>
+            </a:pPr>
+            <a:r>
+              <a:rPr lang="pt-BR" sz="1000" kern="0" noProof="1">
+                <a:ea typeface="Arial Unicode MS" pitchFamily="34" charset="-128"/>
+                <a:cs typeface="Arial Unicode MS" pitchFamily="34" charset="-128"/>
+              </a:rPr>
+              <a:t>CR</a:t>
+            </a:r>
+            <a:endParaRPr kumimoji="0" lang="pt-BR" sz="1000" b="0" i="0" u="none" strike="noStrike" kern="0" cap="none" spc="0" normalizeH="0" baseline="0" noProof="1">
+              <a:ln>
+                <a:noFill/>
+              </a:ln>
+              <a:effectLst/>
+              <a:uLnTx/>
+              <a:uFillTx/>
+              <a:ea typeface="Arial Unicode MS" pitchFamily="34" charset="-128"/>
+              <a:cs typeface="Arial Unicode MS" pitchFamily="34" charset="-128"/>
+            </a:endParaRPr>
+          </a:p>
+        </p:txBody>
+      </p:sp>
+      <p:sp>
+        <p:nvSpPr>
+          <p:cNvPr id="69" name="TextBox 68"/>
+          <p:cNvSpPr txBox="1"/>
+          <p:nvPr/>
+        </p:nvSpPr>
+        <p:spPr>
+          <a:xfrm>
+            <a:off x="6605590" y="3624302"/>
+            <a:ext cx="1848263" cy="184666"/>
+          </a:xfrm>
+          <a:prstGeom prst="rect">
+            <a:avLst/>
+          </a:prstGeom>
+          <a:noFill/>
+        </p:spPr>
+        <p:txBody>
+          <a:bodyPr wrap="none" lIns="0" tIns="0" rIns="0" bIns="0" rtlCol="0">
+            <a:spAutoFit/>
+          </a:bodyPr>
+          <a:lstStyle/>
+          <a:p>
+            <a:pPr fontAlgn="base">
+              <a:spcBef>
+                <a:spcPts val="600"/>
+              </a:spcBef>
+              <a:spcAft>
+                <a:spcPct val="0"/>
+              </a:spcAft>
+              <a:buClr>
+                <a:srgbClr val="F0AB00"/>
+              </a:buClr>
+              <a:buSzPct val="80000"/>
+            </a:pPr>
+            <a:r>
+              <a:rPr lang="pt-BR" sz="1200" kern="0" noProof="1">
+                <a:ea typeface="Arial Unicode MS" pitchFamily="34" charset="-128"/>
+                <a:cs typeface="Arial Unicode MS" pitchFamily="34" charset="-128"/>
+              </a:rPr>
+              <a:t>Unidade Container Flexível</a:t>
+            </a:r>
+          </a:p>
+        </p:txBody>
+      </p:sp>
+      <p:sp>
+        <p:nvSpPr>
+          <p:cNvPr id="70" name="Oval 69"/>
+          <p:cNvSpPr/>
+          <p:nvPr/>
+        </p:nvSpPr>
+        <p:spPr bwMode="gray">
+          <a:xfrm>
+            <a:off x="5972993" y="3520189"/>
+            <a:ext cx="536388" cy="461854"/>
+          </a:xfrm>
+          <a:prstGeom prst="ellipse">
+            <a:avLst/>
+          </a:prstGeom>
+          <a:ln>
+            <a:headEnd/>
+            <a:tailEnd/>
+          </a:ln>
+        </p:spPr>
+        <p:style>
+          <a:lnRef idx="2">
+            <a:schemeClr val="dk1"/>
+          </a:lnRef>
+          <a:fillRef idx="1">
+            <a:schemeClr val="lt1"/>
+          </a:fillRef>
+          <a:effectRef idx="0">
+            <a:schemeClr val="dk1"/>
+          </a:effectRef>
+          <a:fontRef idx="minor">
+            <a:schemeClr val="dk1"/>
+          </a:fontRef>
+        </p:style>
+        <p:txBody>
+          <a:bodyPr lIns="90000" tIns="72000" rIns="90000" bIns="72000" rtlCol="0" anchor="ctr"/>
+          <a:lstStyle/>
+          <a:p>
+            <a:pPr marR="0" algn="ctr" defTabSz="914400" eaLnBrk="1" fontAlgn="base" latinLnBrk="0" hangingPunct="1">
+              <a:lnSpc>
+                <a:spcPct val="100000"/>
+              </a:lnSpc>
+              <a:spcBef>
+                <a:spcPct val="50000"/>
+              </a:spcBef>
+              <a:spcAft>
+                <a:spcPct val="0"/>
+              </a:spcAft>
+              <a:buClr>
+                <a:srgbClr val="F0AB00"/>
+              </a:buClr>
+              <a:buSzPct val="80000"/>
+              <a:tabLst/>
+            </a:pPr>
+            <a:r>
+              <a:rPr lang="pt-BR" sz="1000" kern="0" noProof="1">
+                <a:ea typeface="Arial Unicode MS" pitchFamily="34" charset="-128"/>
+                <a:cs typeface="Arial Unicode MS" pitchFamily="34" charset="-128"/>
+              </a:rPr>
+              <a:t>CF</a:t>
+            </a:r>
+            <a:endParaRPr kumimoji="0" lang="pt-BR" sz="1000" b="0" i="0" u="none" strike="noStrike" kern="0" cap="none" spc="0" normalizeH="0" baseline="0" noProof="1">
+              <a:ln>
+                <a:noFill/>
+              </a:ln>
+              <a:effectLst/>
+              <a:uLnTx/>
+              <a:uFillTx/>
+              <a:ea typeface="Arial Unicode MS" pitchFamily="34" charset="-128"/>
+              <a:cs typeface="Arial Unicode MS" pitchFamily="34" charset="-128"/>
+            </a:endParaRPr>
+          </a:p>
+        </p:txBody>
+      </p:sp>
     </p:spTree>
     <p:extLst>
       <p:ext uri="{BB962C8B-B14F-4D97-AF65-F5344CB8AC3E}">
-        <p14:creationId xmlns:p14="http://schemas.microsoft.com/office/powerpoint/2010/main" val="1956713743"/>
+        <p14:creationId xmlns:p14="http://schemas.microsoft.com/office/powerpoint/2010/main" val="2872235096"/>
       </p:ext>
     </p:extLst>
   </p:cSld>
@@ -22335,6 +25322,108 @@
           <a:chExt cx="0" cy="0"/>
         </a:xfrm>
       </p:grpSpPr>
+      <p:pic>
+        <p:nvPicPr>
+          <p:cNvPr id="4" name="Picture 3"/>
+          <p:cNvPicPr>
+            <a:picLocks noChangeAspect="1"/>
+          </p:cNvPicPr>
+          <p:nvPr/>
+        </p:nvPicPr>
+        <p:blipFill>
+          <a:blip r:embed="rId2"/>
+          <a:stretch>
+            <a:fillRect/>
+          </a:stretch>
+        </p:blipFill>
+        <p:spPr>
+          <a:xfrm>
+            <a:off x="3598152" y="292715"/>
+            <a:ext cx="4453027" cy="5336176"/>
+          </a:xfrm>
+          <a:prstGeom prst="rect">
+            <a:avLst/>
+          </a:prstGeom>
+        </p:spPr>
+      </p:pic>
+      <p:pic>
+        <p:nvPicPr>
+          <p:cNvPr id="5" name="Picture 4"/>
+          <p:cNvPicPr>
+            <a:picLocks noChangeAspect="1"/>
+          </p:cNvPicPr>
+          <p:nvPr/>
+        </p:nvPicPr>
+        <p:blipFill>
+          <a:blip r:embed="rId3"/>
+          <a:stretch>
+            <a:fillRect/>
+          </a:stretch>
+        </p:blipFill>
+        <p:spPr>
+          <a:xfrm>
+            <a:off x="2961479" y="5750742"/>
+            <a:ext cx="195390" cy="215160"/>
+          </a:xfrm>
+          <a:prstGeom prst="rect">
+            <a:avLst/>
+          </a:prstGeom>
+        </p:spPr>
+      </p:pic>
+      <p:pic>
+        <p:nvPicPr>
+          <p:cNvPr id="6" name="Picture 5"/>
+          <p:cNvPicPr>
+            <a:picLocks noChangeAspect="1"/>
+          </p:cNvPicPr>
+          <p:nvPr/>
+        </p:nvPicPr>
+        <p:blipFill>
+          <a:blip r:embed="rId4"/>
+          <a:stretch>
+            <a:fillRect/>
+          </a:stretch>
+        </p:blipFill>
+        <p:spPr>
+          <a:xfrm>
+            <a:off x="3906577" y="5750741"/>
+            <a:ext cx="198396" cy="215161"/>
+          </a:xfrm>
+          <a:prstGeom prst="rect">
+            <a:avLst/>
+          </a:prstGeom>
+        </p:spPr>
+      </p:pic>
+    </p:spTree>
+    <p:extLst>
+      <p:ext uri="{BB962C8B-B14F-4D97-AF65-F5344CB8AC3E}">
+        <p14:creationId xmlns:p14="http://schemas.microsoft.com/office/powerpoint/2010/main" val="1956713743"/>
+      </p:ext>
+    </p:extLst>
+  </p:cSld>
+  <p:clrMapOvr>
+    <a:masterClrMapping/>
+  </p:clrMapOvr>
+</p:sld>
+</file>
+
+<file path=ppt/slides/slide21.xml><?xml version="1.0" encoding="utf-8"?>
+<p:sld xmlns:a="http://schemas.openxmlformats.org/drawingml/2006/main" xmlns:r="http://schemas.openxmlformats.org/officeDocument/2006/relationships" xmlns:p="http://schemas.openxmlformats.org/presentationml/2006/main">
+  <p:cSld>
+    <p:spTree>
+      <p:nvGrpSpPr>
+        <p:cNvPr id="1" name=""/>
+        <p:cNvGrpSpPr/>
+        <p:nvPr/>
+      </p:nvGrpSpPr>
+      <p:grpSpPr>
+        <a:xfrm>
+          <a:off x="0" y="0"/>
+          <a:ext cx="0" cy="0"/>
+          <a:chOff x="0" y="0"/>
+          <a:chExt cx="0" cy="0"/>
+        </a:xfrm>
+      </p:grpSpPr>
       <p:sp>
         <p:nvSpPr>
           <p:cNvPr id="2" name="Title 1"/>
@@ -22391,7 +25480,7 @@
 </p:sld>
 </file>
 
-<file path=ppt/slides/slide21.xml><?xml version="1.0" encoding="utf-8"?>
+<file path=ppt/slides/slide22.xml><?xml version="1.0" encoding="utf-8"?>
 <p:sld xmlns:a="http://schemas.openxmlformats.org/drawingml/2006/main" xmlns:r="http://schemas.openxmlformats.org/officeDocument/2006/relationships" xmlns:p="http://schemas.openxmlformats.org/presentationml/2006/main">
   <p:cSld>
     <p:spTree>
@@ -22706,7 +25795,7 @@
 </p:sld>
 </file>
 
-<file path=ppt/slides/slide22.xml><?xml version="1.0" encoding="utf-8"?>
+<file path=ppt/slides/slide23.xml><?xml version="1.0" encoding="utf-8"?>
 <p:sld xmlns:a="http://schemas.openxmlformats.org/drawingml/2006/main" xmlns:r="http://schemas.openxmlformats.org/officeDocument/2006/relationships" xmlns:p="http://schemas.openxmlformats.org/presentationml/2006/main">
   <p:cSld>
     <p:spTree>
@@ -22834,7 +25923,7 @@
 </p:sld>
 </file>
 
-<file path=ppt/slides/slide23.xml><?xml version="1.0" encoding="utf-8"?>
+<file path=ppt/slides/slide24.xml><?xml version="1.0" encoding="utf-8"?>
 <p:sld xmlns:a="http://schemas.openxmlformats.org/drawingml/2006/main" xmlns:r="http://schemas.openxmlformats.org/officeDocument/2006/relationships" xmlns:p="http://schemas.openxmlformats.org/presentationml/2006/main" show="0">
   <p:cSld>
     <p:spTree>
@@ -22860,7 +25949,7 @@
 </p:sld>
 </file>
 
-<file path=ppt/slides/slide24.xml><?xml version="1.0" encoding="utf-8"?>
+<file path=ppt/slides/slide25.xml><?xml version="1.0" encoding="utf-8"?>
 <p:sld xmlns:a="http://schemas.openxmlformats.org/drawingml/2006/main" xmlns:r="http://schemas.openxmlformats.org/officeDocument/2006/relationships" xmlns:p="http://schemas.openxmlformats.org/presentationml/2006/main" show="0">
   <p:cSld>
     <p:spTree>
@@ -22886,7 +25975,7 @@
 </p:sld>
 </file>
 
-<file path=ppt/slides/slide25.xml><?xml version="1.0" encoding="utf-8"?>
+<file path=ppt/slides/slide26.xml><?xml version="1.0" encoding="utf-8"?>
 <p:sld xmlns:a="http://schemas.openxmlformats.org/drawingml/2006/main" xmlns:r="http://schemas.openxmlformats.org/officeDocument/2006/relationships" xmlns:p="http://schemas.openxmlformats.org/presentationml/2006/main" show="0">
   <p:cSld>
     <p:spTree>

--- a/Arquitetura.pptx
+++ b/Arquitetura.pptx
@@ -24755,7 +24755,7 @@
         <p:spPr>
           <a:xfrm>
             <a:off x="6605590" y="3624302"/>
-            <a:ext cx="1848263" cy="184666"/>
+            <a:ext cx="2061462" cy="184666"/>
           </a:xfrm>
           <a:prstGeom prst="rect">
             <a:avLst/>
@@ -24785,7 +24785,7 @@
                 <a:ea typeface="Arial Unicode MS" pitchFamily="34" charset="-128"/>
                 <a:cs typeface="Arial Unicode MS" pitchFamily="34" charset="-128"/>
               </a:rPr>
-              <a:t>Unidade Container Flexível</a:t>
+              <a:t>Unidade de Container Flexível</a:t>
             </a:r>
           </a:p>
         </p:txBody>

--- a/Arquitetura.pptx
+++ b/Arquitetura.pptx
@@ -5,10 +5,10 @@
     <p:sldMasterId id="2147483738" r:id="rId1"/>
   </p:sldMasterIdLst>
   <p:notesMasterIdLst>
-    <p:notesMasterId r:id="rId28"/>
+    <p:notesMasterId r:id="rId29"/>
   </p:notesMasterIdLst>
   <p:handoutMasterIdLst>
-    <p:handoutMasterId r:id="rId29"/>
+    <p:handoutMasterId r:id="rId30"/>
   </p:handoutMasterIdLst>
   <p:sldIdLst>
     <p:sldId id="361" r:id="rId2"/>
@@ -30,20 +30,21 @@
     <p:sldId id="364" r:id="rId18"/>
     <p:sldId id="366" r:id="rId19"/>
     <p:sldId id="369" r:id="rId20"/>
-    <p:sldId id="368" r:id="rId21"/>
-    <p:sldId id="367" r:id="rId22"/>
-    <p:sldId id="287" r:id="rId23"/>
-    <p:sldId id="365" r:id="rId24"/>
-    <p:sldId id="265" r:id="rId25"/>
-    <p:sldId id="339" r:id="rId26"/>
-    <p:sldId id="346" r:id="rId27"/>
+    <p:sldId id="370" r:id="rId21"/>
+    <p:sldId id="368" r:id="rId22"/>
+    <p:sldId id="367" r:id="rId23"/>
+    <p:sldId id="287" r:id="rId24"/>
+    <p:sldId id="365" r:id="rId25"/>
+    <p:sldId id="265" r:id="rId26"/>
+    <p:sldId id="339" r:id="rId27"/>
+    <p:sldId id="346" r:id="rId28"/>
   </p:sldIdLst>
   <p:sldSz cx="12195175" cy="6859588"/>
   <p:notesSz cx="6797675" cy="9874250"/>
   <p:embeddedFontLst>
     <p:embeddedFont>
       <p:font typeface="Arial Unicode MS" panose="020B0604020202020204" pitchFamily="34" charset="-128"/>
-      <p:regular r:id="rId30"/>
+      <p:regular r:id="rId31"/>
     </p:embeddedFont>
   </p:embeddedFontLst>
   <p:defaultTextStyle>
@@ -6426,7 +6427,7 @@
             <a:fld id="{7D8C2C35-2B8A-446E-BEC0-FD36716C29AC}" type="slidenum">
               <a:rPr lang="en-US" smtClean="0"/>
               <a:pPr/>
-              <a:t>22</a:t>
+              <a:t>23</a:t>
             </a:fld>
             <a:endParaRPr lang="en-US" dirty="0"/>
           </a:p>
@@ -6511,7 +6512,7 @@
             <a:fld id="{7D8C2C35-2B8A-446E-BEC0-FD36716C29AC}" type="slidenum">
               <a:rPr lang="en-US" smtClean="0"/>
               <a:pPr/>
-              <a:t>23</a:t>
+              <a:t>24</a:t>
             </a:fld>
             <a:endParaRPr lang="en-US" dirty="0"/>
           </a:p>
@@ -6596,7 +6597,7 @@
             <a:fld id="{7D8C2C35-2B8A-446E-BEC0-FD36716C29AC}" type="slidenum">
               <a:rPr lang="en-US" smtClean="0"/>
               <a:pPr/>
-              <a:t>24</a:t>
+              <a:t>25</a:t>
             </a:fld>
             <a:endParaRPr lang="en-US" dirty="0"/>
           </a:p>
@@ -6681,7 +6682,7 @@
             <a:fld id="{7D8C2C35-2B8A-446E-BEC0-FD36716C29AC}" type="slidenum">
               <a:rPr lang="en-US" smtClean="0"/>
               <a:pPr/>
-              <a:t>25</a:t>
+              <a:t>26</a:t>
             </a:fld>
             <a:endParaRPr lang="en-US" dirty="0"/>
           </a:p>
@@ -6851,7 +6852,7 @@
             <a:fld id="{7D8C2C35-2B8A-446E-BEC0-FD36716C29AC}" type="slidenum">
               <a:rPr lang="en-US" smtClean="0"/>
               <a:pPr/>
-              <a:t>26</a:t>
+              <a:t>27</a:t>
             </a:fld>
             <a:endParaRPr lang="en-US" dirty="0"/>
           </a:p>
@@ -22027,8 +22028,8 @@
         </p:nvSpPr>
         <p:spPr bwMode="gray">
           <a:xfrm>
-            <a:off x="777243" y="1728439"/>
-            <a:ext cx="1187963" cy="1719436"/>
+            <a:off x="777243" y="1928373"/>
+            <a:ext cx="1187963" cy="1373804"/>
           </a:xfrm>
           <a:prstGeom prst="roundRect">
             <a:avLst/>
@@ -22094,56 +22095,6 @@
               <a:buSzPct val="80000"/>
               <a:tabLst/>
             </a:pPr>
-            <a:endParaRPr kumimoji="0" lang="pt-BR" sz="1400" b="0" i="0" u="none" strike="noStrike" kern="0" cap="none" spc="0" normalizeH="0" baseline="0" noProof="1">
-              <a:ln>
-                <a:noFill/>
-              </a:ln>
-              <a:effectLst/>
-              <a:uLnTx/>
-              <a:uFillTx/>
-              <a:ea typeface="Arial Unicode MS" pitchFamily="34" charset="-128"/>
-              <a:cs typeface="Arial Unicode MS" pitchFamily="34" charset="-128"/>
-            </a:endParaRPr>
-          </a:p>
-          <a:p>
-            <a:pPr marR="0" algn="ctr" defTabSz="914400" eaLnBrk="1" fontAlgn="base" latinLnBrk="0" hangingPunct="1">
-              <a:lnSpc>
-                <a:spcPct val="100000"/>
-              </a:lnSpc>
-              <a:spcBef>
-                <a:spcPct val="50000"/>
-              </a:spcBef>
-              <a:spcAft>
-                <a:spcPct val="0"/>
-              </a:spcAft>
-              <a:buClr>
-                <a:srgbClr val="F0AB00"/>
-              </a:buClr>
-              <a:buSzPct val="80000"/>
-              <a:tabLst/>
-            </a:pPr>
-            <a:endParaRPr lang="pt-BR" sz="2000" kern="0" noProof="1">
-              <a:ea typeface="Arial Unicode MS" pitchFamily="34" charset="-128"/>
-              <a:cs typeface="Arial Unicode MS" pitchFamily="34" charset="-128"/>
-            </a:endParaRPr>
-          </a:p>
-          <a:p>
-            <a:pPr marR="0" algn="ctr" defTabSz="914400" eaLnBrk="1" fontAlgn="base" latinLnBrk="0" hangingPunct="1">
-              <a:lnSpc>
-                <a:spcPct val="100000"/>
-              </a:lnSpc>
-              <a:spcBef>
-                <a:spcPct val="50000"/>
-              </a:spcBef>
-              <a:spcAft>
-                <a:spcPct val="0"/>
-              </a:spcAft>
-              <a:buClr>
-                <a:srgbClr val="F0AB00"/>
-              </a:buClr>
-              <a:buSzPct val="80000"/>
-              <a:tabLst/>
-            </a:pPr>
             <a:r>
               <a:rPr lang="pt-BR" sz="2000" kern="0" noProof="1">
                 <a:ea typeface="Arial Unicode MS" pitchFamily="34" charset="-128"/>
@@ -22151,56 +22102,6 @@
               </a:rPr>
               <a:t>Nó</a:t>
             </a:r>
-            <a:endParaRPr kumimoji="0" lang="pt-BR" sz="2000" b="0" i="0" u="none" strike="noStrike" kern="0" cap="none" spc="0" normalizeH="0" baseline="0" noProof="1">
-              <a:ln>
-                <a:noFill/>
-              </a:ln>
-              <a:effectLst/>
-              <a:uLnTx/>
-              <a:uFillTx/>
-              <a:ea typeface="Arial Unicode MS" pitchFamily="34" charset="-128"/>
-              <a:cs typeface="Arial Unicode MS" pitchFamily="34" charset="-128"/>
-            </a:endParaRPr>
-          </a:p>
-          <a:p>
-            <a:pPr marR="0" algn="ctr" defTabSz="914400" eaLnBrk="1" fontAlgn="base" latinLnBrk="0" hangingPunct="1">
-              <a:lnSpc>
-                <a:spcPct val="100000"/>
-              </a:lnSpc>
-              <a:spcBef>
-                <a:spcPct val="50000"/>
-              </a:spcBef>
-              <a:spcAft>
-                <a:spcPct val="0"/>
-              </a:spcAft>
-              <a:buClr>
-                <a:srgbClr val="F0AB00"/>
-              </a:buClr>
-              <a:buSzPct val="80000"/>
-              <a:tabLst/>
-            </a:pPr>
-            <a:endParaRPr lang="pt-BR" sz="2000" kern="0" noProof="1">
-              <a:ea typeface="Arial Unicode MS" pitchFamily="34" charset="-128"/>
-              <a:cs typeface="Arial Unicode MS" pitchFamily="34" charset="-128"/>
-            </a:endParaRPr>
-          </a:p>
-          <a:p>
-            <a:pPr marR="0" algn="ctr" defTabSz="914400" eaLnBrk="1" fontAlgn="base" latinLnBrk="0" hangingPunct="1">
-              <a:lnSpc>
-                <a:spcPct val="100000"/>
-              </a:lnSpc>
-              <a:spcBef>
-                <a:spcPct val="50000"/>
-              </a:spcBef>
-              <a:spcAft>
-                <a:spcPct val="0"/>
-              </a:spcAft>
-              <a:buClr>
-                <a:srgbClr val="F0AB00"/>
-              </a:buClr>
-              <a:buSzPct val="80000"/>
-              <a:tabLst/>
-            </a:pPr>
             <a:endParaRPr kumimoji="0" lang="pt-BR" sz="2000" b="0" i="0" u="none" strike="noStrike" kern="0" cap="none" spc="0" normalizeH="0" baseline="0" noProof="1">
               <a:ln>
                 <a:noFill/>
@@ -22473,9 +22374,9 @@
           <p:nvPr/>
         </p:nvCxnSpPr>
         <p:spPr>
-          <a:xfrm>
-            <a:off x="3573305" y="1600030"/>
-            <a:ext cx="17808" cy="1847845"/>
+          <a:xfrm flipH="1">
+            <a:off x="3591115" y="1928373"/>
+            <a:ext cx="11546" cy="1519502"/>
           </a:xfrm>
           <a:prstGeom prst="line">
             <a:avLst/>
@@ -22510,8 +22411,8 @@
         </p:nvSpPr>
         <p:spPr>
           <a:xfrm>
-            <a:off x="777902" y="1042448"/>
-            <a:ext cx="1320874" cy="630942"/>
+            <a:off x="611220" y="1421166"/>
+            <a:ext cx="1612873" cy="430887"/>
           </a:xfrm>
           <a:prstGeom prst="rect">
             <a:avLst/>
@@ -22519,12 +22420,12 @@
           <a:noFill/>
         </p:spPr>
         <p:txBody>
-          <a:bodyPr wrap="none" lIns="0" tIns="0" rIns="0" bIns="0" rtlCol="0">
+          <a:bodyPr wrap="square" lIns="0" tIns="0" rIns="0" bIns="0" rtlCol="0">
             <a:spAutoFit/>
           </a:bodyPr>
           <a:lstStyle/>
           <a:p>
-            <a:pPr fontAlgn="base">
+            <a:pPr algn="ctr" fontAlgn="base">
               <a:spcBef>
                 <a:spcPts val="600"/>
               </a:spcBef>
@@ -22537,32 +22438,11 @@
               <a:buSzPct val="80000"/>
             </a:pPr>
             <a:r>
-              <a:rPr lang="pt-BR" sz="1800" kern="0" dirty="0">
+              <a:rPr lang="pt-BR" sz="1400" kern="0" dirty="0">
                 <a:ea typeface="Arial Unicode MS" pitchFamily="34" charset="-128"/>
                 <a:cs typeface="Arial Unicode MS" pitchFamily="34" charset="-128"/>
               </a:rPr>
-              <a:t>Base de </a:t>
-            </a:r>
-          </a:p>
-          <a:p>
-            <a:pPr fontAlgn="base">
-              <a:spcBef>
-                <a:spcPts val="600"/>
-              </a:spcBef>
-              <a:spcAft>
-                <a:spcPct val="0"/>
-              </a:spcAft>
-              <a:buClr>
-                <a:srgbClr val="F0AB00"/>
-              </a:buClr>
-              <a:buSzPct val="80000"/>
-            </a:pPr>
-            <a:r>
-              <a:rPr lang="pt-BR" sz="1800" kern="0" dirty="0">
-                <a:ea typeface="Arial Unicode MS" pitchFamily="34" charset="-128"/>
-                <a:cs typeface="Arial Unicode MS" pitchFamily="34" charset="-128"/>
-              </a:rPr>
-              <a:t>Comparação</a:t>
+              <a:t>Base de Comparação</a:t>
             </a:r>
           </a:p>
         </p:txBody>
@@ -22575,8 +22455,8 @@
         </p:nvSpPr>
         <p:spPr>
           <a:xfrm>
-            <a:off x="2319874" y="1336240"/>
-            <a:ext cx="1000274" cy="276999"/>
+            <a:off x="2202297" y="1426488"/>
+            <a:ext cx="1280576" cy="430887"/>
           </a:xfrm>
           <a:prstGeom prst="rect">
             <a:avLst/>
@@ -22584,12 +22464,12 @@
           <a:noFill/>
         </p:spPr>
         <p:txBody>
-          <a:bodyPr wrap="none" lIns="0" tIns="0" rIns="0" bIns="0" rtlCol="0">
+          <a:bodyPr wrap="square" lIns="0" tIns="0" rIns="0" bIns="0" rtlCol="0">
             <a:spAutoFit/>
           </a:bodyPr>
           <a:lstStyle/>
           <a:p>
-            <a:pPr fontAlgn="base">
+            <a:pPr algn="ctr" fontAlgn="base">
               <a:spcBef>
                 <a:spcPts val="600"/>
               </a:spcBef>
@@ -22602,11 +22482,18 @@
               <a:buSzPct val="80000"/>
             </a:pPr>
             <a:r>
-              <a:rPr lang="pt-BR" sz="1800" kern="0" dirty="0">
+              <a:rPr lang="pt-BR" sz="1400" kern="0" dirty="0">
                 <a:ea typeface="Arial Unicode MS" pitchFamily="34" charset="-128"/>
                 <a:cs typeface="Arial Unicode MS" pitchFamily="34" charset="-128"/>
               </a:rPr>
-              <a:t>Cenário 1</a:t>
+              <a:t>Cenário 1 </a:t>
+            </a:r>
+            <a:r>
+              <a:rPr lang="pt-BR" sz="1400" b="1" kern="0" dirty="0">
+                <a:ea typeface="Arial Unicode MS" pitchFamily="34" charset="-128"/>
+                <a:cs typeface="Arial Unicode MS" pitchFamily="34" charset="-128"/>
+              </a:rPr>
+              <a:t>Rígido</a:t>
             </a:r>
           </a:p>
         </p:txBody>
@@ -22663,8 +22550,8 @@
         </p:nvSpPr>
         <p:spPr bwMode="gray">
           <a:xfrm>
-            <a:off x="2248604" y="1739751"/>
-            <a:ext cx="1187963" cy="1708124"/>
+            <a:off x="2248604" y="1928373"/>
+            <a:ext cx="1187963" cy="1373804"/>
           </a:xfrm>
           <a:prstGeom prst="roundRect">
             <a:avLst/>
@@ -22730,56 +22617,6 @@
               <a:buSzPct val="80000"/>
               <a:tabLst/>
             </a:pPr>
-            <a:endParaRPr kumimoji="0" lang="pt-BR" sz="1400" b="0" i="0" u="none" strike="noStrike" kern="0" cap="none" spc="0" normalizeH="0" baseline="0" noProof="1">
-              <a:ln>
-                <a:noFill/>
-              </a:ln>
-              <a:effectLst/>
-              <a:uLnTx/>
-              <a:uFillTx/>
-              <a:ea typeface="Arial Unicode MS" pitchFamily="34" charset="-128"/>
-              <a:cs typeface="Arial Unicode MS" pitchFamily="34" charset="-128"/>
-            </a:endParaRPr>
-          </a:p>
-          <a:p>
-            <a:pPr marR="0" algn="ctr" defTabSz="914400" eaLnBrk="1" fontAlgn="base" latinLnBrk="0" hangingPunct="1">
-              <a:lnSpc>
-                <a:spcPct val="100000"/>
-              </a:lnSpc>
-              <a:spcBef>
-                <a:spcPct val="50000"/>
-              </a:spcBef>
-              <a:spcAft>
-                <a:spcPct val="0"/>
-              </a:spcAft>
-              <a:buClr>
-                <a:srgbClr val="F0AB00"/>
-              </a:buClr>
-              <a:buSzPct val="80000"/>
-              <a:tabLst/>
-            </a:pPr>
-            <a:endParaRPr lang="pt-BR" sz="2000" kern="0" noProof="1">
-              <a:ea typeface="Arial Unicode MS" pitchFamily="34" charset="-128"/>
-              <a:cs typeface="Arial Unicode MS" pitchFamily="34" charset="-128"/>
-            </a:endParaRPr>
-          </a:p>
-          <a:p>
-            <a:pPr marR="0" algn="ctr" defTabSz="914400" eaLnBrk="1" fontAlgn="base" latinLnBrk="0" hangingPunct="1">
-              <a:lnSpc>
-                <a:spcPct val="100000"/>
-              </a:lnSpc>
-              <a:spcBef>
-                <a:spcPct val="50000"/>
-              </a:spcBef>
-              <a:spcAft>
-                <a:spcPct val="0"/>
-              </a:spcAft>
-              <a:buClr>
-                <a:srgbClr val="F0AB00"/>
-              </a:buClr>
-              <a:buSzPct val="80000"/>
-              <a:tabLst/>
-            </a:pPr>
             <a:r>
               <a:rPr lang="pt-BR" sz="2000" kern="0" noProof="1">
                 <a:ea typeface="Arial Unicode MS" pitchFamily="34" charset="-128"/>
@@ -22787,56 +22624,6 @@
               </a:rPr>
               <a:t>Nó</a:t>
             </a:r>
-            <a:endParaRPr kumimoji="0" lang="pt-BR" sz="2000" b="0" i="0" u="none" strike="noStrike" kern="0" cap="none" spc="0" normalizeH="0" baseline="0" noProof="1">
-              <a:ln>
-                <a:noFill/>
-              </a:ln>
-              <a:effectLst/>
-              <a:uLnTx/>
-              <a:uFillTx/>
-              <a:ea typeface="Arial Unicode MS" pitchFamily="34" charset="-128"/>
-              <a:cs typeface="Arial Unicode MS" pitchFamily="34" charset="-128"/>
-            </a:endParaRPr>
-          </a:p>
-          <a:p>
-            <a:pPr marR="0" algn="ctr" defTabSz="914400" eaLnBrk="1" fontAlgn="base" latinLnBrk="0" hangingPunct="1">
-              <a:lnSpc>
-                <a:spcPct val="100000"/>
-              </a:lnSpc>
-              <a:spcBef>
-                <a:spcPct val="50000"/>
-              </a:spcBef>
-              <a:spcAft>
-                <a:spcPct val="0"/>
-              </a:spcAft>
-              <a:buClr>
-                <a:srgbClr val="F0AB00"/>
-              </a:buClr>
-              <a:buSzPct val="80000"/>
-              <a:tabLst/>
-            </a:pPr>
-            <a:endParaRPr lang="pt-BR" sz="2000" kern="0" noProof="1">
-              <a:ea typeface="Arial Unicode MS" pitchFamily="34" charset="-128"/>
-              <a:cs typeface="Arial Unicode MS" pitchFamily="34" charset="-128"/>
-            </a:endParaRPr>
-          </a:p>
-          <a:p>
-            <a:pPr marR="0" algn="ctr" defTabSz="914400" eaLnBrk="1" fontAlgn="base" latinLnBrk="0" hangingPunct="1">
-              <a:lnSpc>
-                <a:spcPct val="100000"/>
-              </a:lnSpc>
-              <a:spcBef>
-                <a:spcPct val="50000"/>
-              </a:spcBef>
-              <a:spcAft>
-                <a:spcPct val="0"/>
-              </a:spcAft>
-              <a:buClr>
-                <a:srgbClr val="F0AB00"/>
-              </a:buClr>
-              <a:buSzPct val="80000"/>
-              <a:tabLst/>
-            </a:pPr>
             <a:endParaRPr kumimoji="0" lang="pt-BR" sz="2000" b="0" i="0" u="none" strike="noStrike" kern="0" cap="none" spc="0" normalizeH="0" baseline="0" noProof="1">
               <a:ln>
                 <a:noFill/>
@@ -23039,58 +22826,14 @@
       </p:cxnSp>
       <p:sp>
         <p:nvSpPr>
-          <p:cNvPr id="54" name="TextBox 53"/>
-          <p:cNvSpPr txBox="1"/>
-          <p:nvPr/>
-        </p:nvSpPr>
-        <p:spPr>
-          <a:xfrm>
-            <a:off x="3778802" y="1338365"/>
-            <a:ext cx="1000274" cy="276999"/>
-          </a:xfrm>
-          <a:prstGeom prst="rect">
-            <a:avLst/>
-          </a:prstGeom>
-          <a:noFill/>
-        </p:spPr>
-        <p:txBody>
-          <a:bodyPr wrap="none" lIns="0" tIns="0" rIns="0" bIns="0" rtlCol="0">
-            <a:spAutoFit/>
-          </a:bodyPr>
-          <a:lstStyle/>
-          <a:p>
-            <a:pPr fontAlgn="base">
-              <a:spcBef>
-                <a:spcPts val="600"/>
-              </a:spcBef>
-              <a:spcAft>
-                <a:spcPct val="0"/>
-              </a:spcAft>
-              <a:buClr>
-                <a:srgbClr val="F0AB00"/>
-              </a:buClr>
-              <a:buSzPct val="80000"/>
-            </a:pPr>
-            <a:r>
-              <a:rPr lang="pt-BR" sz="1800" kern="0" dirty="0">
-                <a:ea typeface="Arial Unicode MS" pitchFamily="34" charset="-128"/>
-                <a:cs typeface="Arial Unicode MS" pitchFamily="34" charset="-128"/>
-              </a:rPr>
-              <a:t>Cenário 2</a:t>
-            </a:r>
-          </a:p>
-        </p:txBody>
-      </p:sp>
-      <p:sp>
-        <p:nvSpPr>
           <p:cNvPr id="55" name="Rounded Rectangle 43"/>
           <p:cNvSpPr/>
           <p:nvPr/>
         </p:nvSpPr>
         <p:spPr bwMode="gray">
           <a:xfrm>
-            <a:off x="3707532" y="1741876"/>
-            <a:ext cx="1187963" cy="1705999"/>
+            <a:off x="3707532" y="1928373"/>
+            <a:ext cx="1187963" cy="1373804"/>
           </a:xfrm>
           <a:prstGeom prst="roundRect">
             <a:avLst/>
@@ -23156,56 +22899,6 @@
               <a:buSzPct val="80000"/>
               <a:tabLst/>
             </a:pPr>
-            <a:endParaRPr kumimoji="0" lang="pt-BR" sz="1400" b="0" i="0" u="none" strike="noStrike" kern="0" cap="none" spc="0" normalizeH="0" baseline="0" noProof="1">
-              <a:ln>
-                <a:noFill/>
-              </a:ln>
-              <a:effectLst/>
-              <a:uLnTx/>
-              <a:uFillTx/>
-              <a:ea typeface="Arial Unicode MS" pitchFamily="34" charset="-128"/>
-              <a:cs typeface="Arial Unicode MS" pitchFamily="34" charset="-128"/>
-            </a:endParaRPr>
-          </a:p>
-          <a:p>
-            <a:pPr marR="0" algn="ctr" defTabSz="914400" eaLnBrk="1" fontAlgn="base" latinLnBrk="0" hangingPunct="1">
-              <a:lnSpc>
-                <a:spcPct val="100000"/>
-              </a:lnSpc>
-              <a:spcBef>
-                <a:spcPct val="50000"/>
-              </a:spcBef>
-              <a:spcAft>
-                <a:spcPct val="0"/>
-              </a:spcAft>
-              <a:buClr>
-                <a:srgbClr val="F0AB00"/>
-              </a:buClr>
-              <a:buSzPct val="80000"/>
-              <a:tabLst/>
-            </a:pPr>
-            <a:endParaRPr lang="pt-BR" sz="2000" kern="0" noProof="1">
-              <a:ea typeface="Arial Unicode MS" pitchFamily="34" charset="-128"/>
-              <a:cs typeface="Arial Unicode MS" pitchFamily="34" charset="-128"/>
-            </a:endParaRPr>
-          </a:p>
-          <a:p>
-            <a:pPr marR="0" algn="ctr" defTabSz="914400" eaLnBrk="1" fontAlgn="base" latinLnBrk="0" hangingPunct="1">
-              <a:lnSpc>
-                <a:spcPct val="100000"/>
-              </a:lnSpc>
-              <a:spcBef>
-                <a:spcPct val="50000"/>
-              </a:spcBef>
-              <a:spcAft>
-                <a:spcPct val="0"/>
-              </a:spcAft>
-              <a:buClr>
-                <a:srgbClr val="F0AB00"/>
-              </a:buClr>
-              <a:buSzPct val="80000"/>
-              <a:tabLst/>
-            </a:pPr>
             <a:r>
               <a:rPr lang="pt-BR" sz="2000" kern="0" noProof="1">
                 <a:ea typeface="Arial Unicode MS" pitchFamily="34" charset="-128"/>
@@ -23291,28 +22984,6 @@
               <a:buSzPct val="80000"/>
               <a:tabLst/>
             </a:pPr>
-            <a:endParaRPr lang="pt-BR" sz="2000" kern="0" noProof="1">
-              <a:ea typeface="Arial Unicode MS" pitchFamily="34" charset="-128"/>
-              <a:cs typeface="Arial Unicode MS" pitchFamily="34" charset="-128"/>
-            </a:endParaRPr>
-          </a:p>
-          <a:p>
-            <a:pPr marR="0" algn="ctr" defTabSz="914400" eaLnBrk="1" fontAlgn="base" latinLnBrk="0" hangingPunct="1">
-              <a:lnSpc>
-                <a:spcPct val="100000"/>
-              </a:lnSpc>
-              <a:spcBef>
-                <a:spcPct val="50000"/>
-              </a:spcBef>
-              <a:spcAft>
-                <a:spcPct val="0"/>
-              </a:spcAft>
-              <a:buClr>
-                <a:srgbClr val="F0AB00"/>
-              </a:buClr>
-              <a:buSzPct val="80000"/>
-              <a:tabLst/>
-            </a:pPr>
             <a:endParaRPr kumimoji="0" lang="pt-BR" sz="2000" b="0" i="0" u="none" strike="noStrike" kern="0" cap="none" spc="0" normalizeH="0" baseline="0" noProof="1">
               <a:ln>
                 <a:noFill/>
@@ -23324,34 +22995,6 @@
               <a:cs typeface="Arial Unicode MS" pitchFamily="34" charset="-128"/>
             </a:endParaRPr>
           </a:p>
-          <a:p>
-            <a:pPr marR="0" algn="ctr" defTabSz="914400" eaLnBrk="1" fontAlgn="base" latinLnBrk="0" hangingPunct="1">
-              <a:lnSpc>
-                <a:spcPct val="100000"/>
-              </a:lnSpc>
-              <a:spcBef>
-                <a:spcPct val="50000"/>
-              </a:spcBef>
-              <a:spcAft>
-                <a:spcPct val="0"/>
-              </a:spcAft>
-              <a:buClr>
-                <a:srgbClr val="F0AB00"/>
-              </a:buClr>
-              <a:buSzPct val="80000"/>
-              <a:tabLst/>
-            </a:pPr>
-            <a:endParaRPr kumimoji="0" lang="pt-BR" sz="2000" b="0" i="0" u="none" strike="noStrike" kern="0" cap="none" spc="0" normalizeH="0" baseline="0" noProof="1">
-              <a:ln>
-                <a:noFill/>
-              </a:ln>
-              <a:effectLst/>
-              <a:uLnTx/>
-              <a:uFillTx/>
-              <a:ea typeface="Arial Unicode MS" pitchFamily="34" charset="-128"/>
-              <a:cs typeface="Arial Unicode MS" pitchFamily="34" charset="-128"/>
-            </a:endParaRPr>
-          </a:p>
         </p:txBody>
       </p:sp>
       <p:sp>
@@ -23362,8 +23005,8 @@
         </p:nvSpPr>
         <p:spPr>
           <a:xfrm>
-            <a:off x="5855488" y="1336240"/>
-            <a:ext cx="1205458" cy="276999"/>
+            <a:off x="5977690" y="1426487"/>
+            <a:ext cx="855135" cy="430887"/>
           </a:xfrm>
           <a:prstGeom prst="rect">
             <a:avLst/>
@@ -23371,12 +23014,12 @@
           <a:noFill/>
         </p:spPr>
         <p:txBody>
-          <a:bodyPr wrap="none" lIns="0" tIns="0" rIns="0" bIns="0" rtlCol="0">
+          <a:bodyPr wrap="square" lIns="0" tIns="0" rIns="0" bIns="0" rtlCol="0">
             <a:spAutoFit/>
           </a:bodyPr>
           <a:lstStyle/>
           <a:p>
-            <a:pPr fontAlgn="base">
+            <a:pPr algn="ctr" fontAlgn="base">
               <a:spcBef>
                 <a:spcPts val="600"/>
               </a:spcBef>
@@ -23389,19 +23032,30 @@
               <a:buSzPct val="80000"/>
             </a:pPr>
             <a:r>
-              <a:rPr lang="pt-BR" sz="1800" kern="0" dirty="0">
+              <a:rPr lang="pt-BR" sz="1400" kern="0" dirty="0">
                 <a:ea typeface="Arial Unicode MS" pitchFamily="34" charset="-128"/>
                 <a:cs typeface="Arial Unicode MS" pitchFamily="34" charset="-128"/>
               </a:rPr>
               <a:t>Cenário </a:t>
             </a:r>
             <a:r>
-              <a:rPr lang="pt-BR" sz="1800" i="1" kern="0" dirty="0">
+              <a:rPr lang="pt-BR" sz="1400" i="1" kern="0" dirty="0">
                 <a:ea typeface="Arial Unicode MS" pitchFamily="34" charset="-128"/>
                 <a:cs typeface="Arial Unicode MS" pitchFamily="34" charset="-128"/>
               </a:rPr>
-              <a:t>n-1</a:t>
-            </a:r>
+              <a:t>n </a:t>
+            </a:r>
+            <a:r>
+              <a:rPr lang="pt-BR" sz="1400" b="1" kern="0" dirty="0">
+                <a:ea typeface="Arial Unicode MS" pitchFamily="34" charset="-128"/>
+                <a:cs typeface="Arial Unicode MS" pitchFamily="34" charset="-128"/>
+              </a:rPr>
+              <a:t>Rígido</a:t>
+            </a:r>
+            <a:endParaRPr lang="pt-BR" sz="1400" b="1" i="1" kern="0" dirty="0">
+              <a:ea typeface="Arial Unicode MS" pitchFamily="34" charset="-128"/>
+              <a:cs typeface="Arial Unicode MS" pitchFamily="34" charset="-128"/>
+            </a:endParaRPr>
           </a:p>
         </p:txBody>
       </p:sp>
@@ -23413,8 +23067,8 @@
         </p:nvSpPr>
         <p:spPr bwMode="gray">
           <a:xfrm>
-            <a:off x="5784218" y="1739751"/>
-            <a:ext cx="1187963" cy="1708124"/>
+            <a:off x="5784218" y="1928373"/>
+            <a:ext cx="1187963" cy="1373804"/>
           </a:xfrm>
           <a:prstGeom prst="roundRect">
             <a:avLst/>
@@ -23480,56 +23134,6 @@
               <a:buSzPct val="80000"/>
               <a:tabLst/>
             </a:pPr>
-            <a:endParaRPr kumimoji="0" lang="pt-BR" sz="1400" b="0" i="0" u="none" strike="noStrike" kern="0" cap="none" spc="0" normalizeH="0" baseline="0" noProof="1">
-              <a:ln>
-                <a:noFill/>
-              </a:ln>
-              <a:effectLst/>
-              <a:uLnTx/>
-              <a:uFillTx/>
-              <a:ea typeface="Arial Unicode MS" pitchFamily="34" charset="-128"/>
-              <a:cs typeface="Arial Unicode MS" pitchFamily="34" charset="-128"/>
-            </a:endParaRPr>
-          </a:p>
-          <a:p>
-            <a:pPr marR="0" algn="ctr" defTabSz="914400" eaLnBrk="1" fontAlgn="base" latinLnBrk="0" hangingPunct="1">
-              <a:lnSpc>
-                <a:spcPct val="100000"/>
-              </a:lnSpc>
-              <a:spcBef>
-                <a:spcPct val="50000"/>
-              </a:spcBef>
-              <a:spcAft>
-                <a:spcPct val="0"/>
-              </a:spcAft>
-              <a:buClr>
-                <a:srgbClr val="F0AB00"/>
-              </a:buClr>
-              <a:buSzPct val="80000"/>
-              <a:tabLst/>
-            </a:pPr>
-            <a:endParaRPr lang="pt-BR" sz="2000" kern="0" noProof="1">
-              <a:ea typeface="Arial Unicode MS" pitchFamily="34" charset="-128"/>
-              <a:cs typeface="Arial Unicode MS" pitchFamily="34" charset="-128"/>
-            </a:endParaRPr>
-          </a:p>
-          <a:p>
-            <a:pPr marR="0" algn="ctr" defTabSz="914400" eaLnBrk="1" fontAlgn="base" latinLnBrk="0" hangingPunct="1">
-              <a:lnSpc>
-                <a:spcPct val="100000"/>
-              </a:lnSpc>
-              <a:spcBef>
-                <a:spcPct val="50000"/>
-              </a:spcBef>
-              <a:spcAft>
-                <a:spcPct val="0"/>
-              </a:spcAft>
-              <a:buClr>
-                <a:srgbClr val="F0AB00"/>
-              </a:buClr>
-              <a:buSzPct val="80000"/>
-              <a:tabLst/>
-            </a:pPr>
             <a:r>
               <a:rPr lang="pt-BR" sz="2000" kern="0" noProof="1">
                 <a:ea typeface="Arial Unicode MS" pitchFamily="34" charset="-128"/>
@@ -23537,56 +23141,6 @@
               </a:rPr>
               <a:t>Nó</a:t>
             </a:r>
-            <a:endParaRPr kumimoji="0" lang="pt-BR" sz="2000" b="0" i="0" u="none" strike="noStrike" kern="0" cap="none" spc="0" normalizeH="0" baseline="0" noProof="1">
-              <a:ln>
-                <a:noFill/>
-              </a:ln>
-              <a:effectLst/>
-              <a:uLnTx/>
-              <a:uFillTx/>
-              <a:ea typeface="Arial Unicode MS" pitchFamily="34" charset="-128"/>
-              <a:cs typeface="Arial Unicode MS" pitchFamily="34" charset="-128"/>
-            </a:endParaRPr>
-          </a:p>
-          <a:p>
-            <a:pPr marR="0" algn="ctr" defTabSz="914400" eaLnBrk="1" fontAlgn="base" latinLnBrk="0" hangingPunct="1">
-              <a:lnSpc>
-                <a:spcPct val="100000"/>
-              </a:lnSpc>
-              <a:spcBef>
-                <a:spcPct val="50000"/>
-              </a:spcBef>
-              <a:spcAft>
-                <a:spcPct val="0"/>
-              </a:spcAft>
-              <a:buClr>
-                <a:srgbClr val="F0AB00"/>
-              </a:buClr>
-              <a:buSzPct val="80000"/>
-              <a:tabLst/>
-            </a:pPr>
-            <a:endParaRPr lang="pt-BR" sz="2000" kern="0" noProof="1">
-              <a:ea typeface="Arial Unicode MS" pitchFamily="34" charset="-128"/>
-              <a:cs typeface="Arial Unicode MS" pitchFamily="34" charset="-128"/>
-            </a:endParaRPr>
-          </a:p>
-          <a:p>
-            <a:pPr marR="0" algn="ctr" defTabSz="914400" eaLnBrk="1" fontAlgn="base" latinLnBrk="0" hangingPunct="1">
-              <a:lnSpc>
-                <a:spcPct val="100000"/>
-              </a:lnSpc>
-              <a:spcBef>
-                <a:spcPct val="50000"/>
-              </a:spcBef>
-              <a:spcAft>
-                <a:spcPct val="0"/>
-              </a:spcAft>
-              <a:buClr>
-                <a:srgbClr val="F0AB00"/>
-              </a:buClr>
-              <a:buSzPct val="80000"/>
-              <a:tabLst/>
-            </a:pPr>
             <a:endParaRPr kumimoji="0" lang="pt-BR" sz="2000" b="0" i="0" u="none" strike="noStrike" kern="0" cap="none" spc="0" normalizeH="0" baseline="0" noProof="1">
               <a:ln>
                 <a:noFill/>
@@ -23766,8 +23320,8 @@
         </p:nvSpPr>
         <p:spPr>
           <a:xfrm>
-            <a:off x="7534686" y="1329249"/>
-            <a:ext cx="1000274" cy="276999"/>
+            <a:off x="7373136" y="1421167"/>
+            <a:ext cx="1095761" cy="430887"/>
           </a:xfrm>
           <a:prstGeom prst="rect">
             <a:avLst/>
@@ -23775,12 +23329,12 @@
           <a:noFill/>
         </p:spPr>
         <p:txBody>
-          <a:bodyPr wrap="none" lIns="0" tIns="0" rIns="0" bIns="0" rtlCol="0">
+          <a:bodyPr wrap="square" lIns="0" tIns="0" rIns="0" bIns="0" rtlCol="0">
             <a:spAutoFit/>
           </a:bodyPr>
           <a:lstStyle/>
           <a:p>
-            <a:pPr fontAlgn="base">
+            <a:pPr algn="ctr" fontAlgn="base">
               <a:spcBef>
                 <a:spcPts val="600"/>
               </a:spcBef>
@@ -23793,19 +23347,30 @@
               <a:buSzPct val="80000"/>
             </a:pPr>
             <a:r>
-              <a:rPr lang="pt-BR" sz="1800" kern="0" dirty="0">
+              <a:rPr lang="pt-BR" sz="1400" kern="0" dirty="0">
                 <a:ea typeface="Arial Unicode MS" pitchFamily="34" charset="-128"/>
                 <a:cs typeface="Arial Unicode MS" pitchFamily="34" charset="-128"/>
               </a:rPr>
               <a:t>Cenário </a:t>
             </a:r>
             <a:r>
-              <a:rPr lang="pt-BR" sz="1800" i="1" kern="0" dirty="0">
+              <a:rPr lang="pt-BR" sz="1400" i="1" kern="0" dirty="0">
                 <a:ea typeface="Arial Unicode MS" pitchFamily="34" charset="-128"/>
                 <a:cs typeface="Arial Unicode MS" pitchFamily="34" charset="-128"/>
               </a:rPr>
-              <a:t>n</a:t>
-            </a:r>
+              <a:t>n </a:t>
+            </a:r>
+            <a:r>
+              <a:rPr lang="pt-BR" sz="1400" b="1" kern="0" dirty="0">
+                <a:ea typeface="Arial Unicode MS" pitchFamily="34" charset="-128"/>
+                <a:cs typeface="Arial Unicode MS" pitchFamily="34" charset="-128"/>
+              </a:rPr>
+              <a:t>Flexível</a:t>
+            </a:r>
+            <a:endParaRPr lang="pt-BR" sz="1400" b="1" i="1" kern="0" dirty="0">
+              <a:ea typeface="Arial Unicode MS" pitchFamily="34" charset="-128"/>
+              <a:cs typeface="Arial Unicode MS" pitchFamily="34" charset="-128"/>
+            </a:endParaRPr>
           </a:p>
         </p:txBody>
       </p:sp>
@@ -23817,8 +23382,8 @@
         </p:nvCxnSpPr>
         <p:spPr>
           <a:xfrm>
-            <a:off x="7145596" y="1606248"/>
-            <a:ext cx="18602" cy="1841627"/>
+            <a:off x="7150288" y="1928373"/>
+            <a:ext cx="13910" cy="1519502"/>
           </a:xfrm>
           <a:prstGeom prst="line">
             <a:avLst/>
@@ -23853,7 +23418,7 @@
         </p:nvSpPr>
         <p:spPr bwMode="gray">
           <a:xfrm>
-            <a:off x="4007288" y="2609146"/>
+            <a:off x="4033045" y="2609146"/>
             <a:ext cx="536388" cy="461854"/>
           </a:xfrm>
           <a:prstGeom prst="ellipse">
@@ -24072,7 +23637,7 @@
         </p:nvSpPr>
         <p:spPr bwMode="gray">
           <a:xfrm>
-            <a:off x="6398461" y="2840323"/>
+            <a:off x="6398461" y="2771825"/>
             <a:ext cx="536388" cy="461854"/>
           </a:xfrm>
           <a:prstGeom prst="ellipse">
@@ -24189,8 +23754,8 @@
         </p:nvSpPr>
         <p:spPr bwMode="gray">
           <a:xfrm>
-            <a:off x="7346997" y="1728439"/>
-            <a:ext cx="1187963" cy="1719436"/>
+            <a:off x="7346997" y="1928373"/>
+            <a:ext cx="1187963" cy="1373804"/>
           </a:xfrm>
           <a:prstGeom prst="roundRect">
             <a:avLst/>
@@ -24256,56 +23821,6 @@
               <a:buSzPct val="80000"/>
               <a:tabLst/>
             </a:pPr>
-            <a:endParaRPr kumimoji="0" lang="pt-BR" sz="1400" b="0" i="0" u="none" strike="noStrike" kern="0" cap="none" spc="0" normalizeH="0" baseline="0" noProof="1">
-              <a:ln>
-                <a:noFill/>
-              </a:ln>
-              <a:effectLst/>
-              <a:uLnTx/>
-              <a:uFillTx/>
-              <a:ea typeface="Arial Unicode MS" pitchFamily="34" charset="-128"/>
-              <a:cs typeface="Arial Unicode MS" pitchFamily="34" charset="-128"/>
-            </a:endParaRPr>
-          </a:p>
-          <a:p>
-            <a:pPr marR="0" algn="ctr" defTabSz="914400" eaLnBrk="1" fontAlgn="base" latinLnBrk="0" hangingPunct="1">
-              <a:lnSpc>
-                <a:spcPct val="100000"/>
-              </a:lnSpc>
-              <a:spcBef>
-                <a:spcPct val="50000"/>
-              </a:spcBef>
-              <a:spcAft>
-                <a:spcPct val="0"/>
-              </a:spcAft>
-              <a:buClr>
-                <a:srgbClr val="F0AB00"/>
-              </a:buClr>
-              <a:buSzPct val="80000"/>
-              <a:tabLst/>
-            </a:pPr>
-            <a:endParaRPr lang="pt-BR" sz="2000" kern="0" noProof="1">
-              <a:ea typeface="Arial Unicode MS" pitchFamily="34" charset="-128"/>
-              <a:cs typeface="Arial Unicode MS" pitchFamily="34" charset="-128"/>
-            </a:endParaRPr>
-          </a:p>
-          <a:p>
-            <a:pPr marR="0" algn="ctr" defTabSz="914400" eaLnBrk="1" fontAlgn="base" latinLnBrk="0" hangingPunct="1">
-              <a:lnSpc>
-                <a:spcPct val="100000"/>
-              </a:lnSpc>
-              <a:spcBef>
-                <a:spcPct val="50000"/>
-              </a:spcBef>
-              <a:spcAft>
-                <a:spcPct val="0"/>
-              </a:spcAft>
-              <a:buClr>
-                <a:srgbClr val="F0AB00"/>
-              </a:buClr>
-              <a:buSzPct val="80000"/>
-              <a:tabLst/>
-            </a:pPr>
             <a:r>
               <a:rPr lang="pt-BR" sz="2000" kern="0" noProof="1">
                 <a:ea typeface="Arial Unicode MS" pitchFamily="34" charset="-128"/>
@@ -24313,56 +23828,6 @@
               </a:rPr>
               <a:t>Nó</a:t>
             </a:r>
-            <a:endParaRPr kumimoji="0" lang="pt-BR" sz="2000" b="0" i="0" u="none" strike="noStrike" kern="0" cap="none" spc="0" normalizeH="0" baseline="0" noProof="1">
-              <a:ln>
-                <a:noFill/>
-              </a:ln>
-              <a:effectLst/>
-              <a:uLnTx/>
-              <a:uFillTx/>
-              <a:ea typeface="Arial Unicode MS" pitchFamily="34" charset="-128"/>
-              <a:cs typeface="Arial Unicode MS" pitchFamily="34" charset="-128"/>
-            </a:endParaRPr>
-          </a:p>
-          <a:p>
-            <a:pPr marR="0" algn="ctr" defTabSz="914400" eaLnBrk="1" fontAlgn="base" latinLnBrk="0" hangingPunct="1">
-              <a:lnSpc>
-                <a:spcPct val="100000"/>
-              </a:lnSpc>
-              <a:spcBef>
-                <a:spcPct val="50000"/>
-              </a:spcBef>
-              <a:spcAft>
-                <a:spcPct val="0"/>
-              </a:spcAft>
-              <a:buClr>
-                <a:srgbClr val="F0AB00"/>
-              </a:buClr>
-              <a:buSzPct val="80000"/>
-              <a:tabLst/>
-            </a:pPr>
-            <a:endParaRPr lang="pt-BR" sz="2000" kern="0" noProof="1">
-              <a:ea typeface="Arial Unicode MS" pitchFamily="34" charset="-128"/>
-              <a:cs typeface="Arial Unicode MS" pitchFamily="34" charset="-128"/>
-            </a:endParaRPr>
-          </a:p>
-          <a:p>
-            <a:pPr marR="0" algn="ctr" defTabSz="914400" eaLnBrk="1" fontAlgn="base" latinLnBrk="0" hangingPunct="1">
-              <a:lnSpc>
-                <a:spcPct val="100000"/>
-              </a:lnSpc>
-              <a:spcBef>
-                <a:spcPct val="50000"/>
-              </a:spcBef>
-              <a:spcAft>
-                <a:spcPct val="0"/>
-              </a:spcAft>
-              <a:buClr>
-                <a:srgbClr val="F0AB00"/>
-              </a:buClr>
-              <a:buSzPct val="80000"/>
-              <a:tabLst/>
-            </a:pPr>
             <a:endParaRPr kumimoji="0" lang="pt-BR" sz="2000" b="0" i="0" u="none" strike="noStrike" kern="0" cap="none" spc="0" normalizeH="0" baseline="0" noProof="1">
               <a:ln>
                 <a:noFill/>
@@ -24608,7 +24073,7 @@
         </p:nvSpPr>
         <p:spPr bwMode="gray">
           <a:xfrm>
-            <a:off x="7961240" y="2829011"/>
+            <a:off x="7961240" y="2770100"/>
             <a:ext cx="536388" cy="461854"/>
           </a:xfrm>
           <a:prstGeom prst="ellipse">
@@ -24860,6 +24325,57 @@
               <a:ea typeface="Arial Unicode MS" pitchFamily="34" charset="-128"/>
               <a:cs typeface="Arial Unicode MS" pitchFamily="34" charset="-128"/>
             </a:endParaRPr>
+          </a:p>
+        </p:txBody>
+      </p:sp>
+      <p:sp>
+        <p:nvSpPr>
+          <p:cNvPr id="37" name="TextBox 36"/>
+          <p:cNvSpPr txBox="1"/>
+          <p:nvPr/>
+        </p:nvSpPr>
+        <p:spPr>
+          <a:xfrm>
+            <a:off x="3658433" y="1426488"/>
+            <a:ext cx="1280576" cy="430887"/>
+          </a:xfrm>
+          <a:prstGeom prst="rect">
+            <a:avLst/>
+          </a:prstGeom>
+          <a:noFill/>
+        </p:spPr>
+        <p:txBody>
+          <a:bodyPr wrap="square" lIns="0" tIns="0" rIns="0" bIns="0" rtlCol="0">
+            <a:spAutoFit/>
+          </a:bodyPr>
+          <a:lstStyle/>
+          <a:p>
+            <a:pPr algn="ctr" fontAlgn="base">
+              <a:spcBef>
+                <a:spcPts val="600"/>
+              </a:spcBef>
+              <a:spcAft>
+                <a:spcPct val="0"/>
+              </a:spcAft>
+              <a:buClr>
+                <a:srgbClr val="F0AB00"/>
+              </a:buClr>
+              <a:buSzPct val="80000"/>
+            </a:pPr>
+            <a:r>
+              <a:rPr lang="pt-BR" sz="1400" kern="0" dirty="0">
+                <a:ea typeface="Arial Unicode MS" pitchFamily="34" charset="-128"/>
+                <a:cs typeface="Arial Unicode MS" pitchFamily="34" charset="-128"/>
+              </a:rPr>
+              <a:t>Cenário 1 </a:t>
+            </a:r>
+            <a:r>
+              <a:rPr lang="pt-BR" sz="1400" b="1" kern="0" dirty="0">
+                <a:ea typeface="Arial Unicode MS" pitchFamily="34" charset="-128"/>
+                <a:cs typeface="Arial Unicode MS" pitchFamily="34" charset="-128"/>
+              </a:rPr>
+              <a:t>Flexível</a:t>
+            </a:r>
           </a:p>
         </p:txBody>
       </p:sp>
@@ -25306,6 +24822,6420 @@
 </file>
 
 <file path=ppt/slides/slide20.xml><?xml version="1.0" encoding="utf-8"?>
+<p:sld xmlns:a="http://schemas.openxmlformats.org/drawingml/2006/main" xmlns:r="http://schemas.openxmlformats.org/officeDocument/2006/relationships" xmlns:p="http://schemas.openxmlformats.org/presentationml/2006/main">
+  <p:cSld>
+    <p:spTree>
+      <p:nvGrpSpPr>
+        <p:cNvPr id="1" name=""/>
+        <p:cNvGrpSpPr/>
+        <p:nvPr/>
+      </p:nvGrpSpPr>
+      <p:grpSpPr>
+        <a:xfrm>
+          <a:off x="0" y="0"/>
+          <a:ext cx="0" cy="0"/>
+          <a:chOff x="0" y="0"/>
+          <a:chExt cx="0" cy="0"/>
+        </a:xfrm>
+      </p:grpSpPr>
+      <p:sp>
+        <p:nvSpPr>
+          <p:cNvPr id="50" name="Rectangle 49"/>
+          <p:cNvSpPr/>
+          <p:nvPr/>
+        </p:nvSpPr>
+        <p:spPr bwMode="gray">
+          <a:xfrm>
+            <a:off x="1327642" y="6026832"/>
+            <a:ext cx="177642" cy="240030"/>
+          </a:xfrm>
+          <a:prstGeom prst="rect">
+            <a:avLst/>
+          </a:prstGeom>
+          <a:solidFill>
+            <a:schemeClr val="bg1"/>
+          </a:solidFill>
+          <a:ln w="6350" algn="ctr">
+            <a:noFill/>
+            <a:miter lim="800000"/>
+            <a:headEnd/>
+            <a:tailEnd/>
+          </a:ln>
+        </p:spPr>
+        <p:txBody>
+          <a:bodyPr lIns="90000" tIns="72000" rIns="90000" bIns="72000" rtlCol="0" anchor="ctr"/>
+          <a:lstStyle/>
+          <a:p>
+            <a:pPr marR="0" algn="ctr" defTabSz="914400" eaLnBrk="1" fontAlgn="base" latinLnBrk="0" hangingPunct="1">
+              <a:lnSpc>
+                <a:spcPct val="100000"/>
+              </a:lnSpc>
+              <a:spcBef>
+                <a:spcPct val="50000"/>
+              </a:spcBef>
+              <a:spcAft>
+                <a:spcPct val="0"/>
+              </a:spcAft>
+              <a:buClr>
+                <a:srgbClr val="F0AB00"/>
+              </a:buClr>
+              <a:buSzPct val="80000"/>
+              <a:tabLst/>
+            </a:pPr>
+            <a:endParaRPr kumimoji="0" lang="pt-BR" sz="2000" b="0" i="0" u="none" strike="noStrike" kern="0" cap="none" spc="0" normalizeH="0" baseline="0" noProof="1">
+              <a:ln>
+                <a:noFill/>
+              </a:ln>
+              <a:effectLst/>
+              <a:uLnTx/>
+              <a:uFillTx/>
+              <a:ea typeface="Arial Unicode MS" pitchFamily="34" charset="-128"/>
+              <a:cs typeface="Arial Unicode MS" pitchFamily="34" charset="-128"/>
+            </a:endParaRPr>
+          </a:p>
+        </p:txBody>
+      </p:sp>
+      <p:sp>
+        <p:nvSpPr>
+          <p:cNvPr id="57" name="TextBox 56"/>
+          <p:cNvSpPr txBox="1"/>
+          <p:nvPr/>
+        </p:nvSpPr>
+        <p:spPr>
+          <a:xfrm>
+            <a:off x="1160826" y="6240363"/>
+            <a:ext cx="1651093" cy="161583"/>
+          </a:xfrm>
+          <a:prstGeom prst="rect">
+            <a:avLst/>
+          </a:prstGeom>
+          <a:noFill/>
+        </p:spPr>
+        <p:txBody>
+          <a:bodyPr wrap="none" lIns="0" tIns="0" rIns="0" bIns="0" rtlCol="0">
+            <a:spAutoFit/>
+          </a:bodyPr>
+          <a:lstStyle/>
+          <a:p>
+            <a:pPr fontAlgn="base">
+              <a:spcBef>
+                <a:spcPts val="600"/>
+              </a:spcBef>
+              <a:spcAft>
+                <a:spcPct val="0"/>
+              </a:spcAft>
+              <a:buClr>
+                <a:srgbClr val="F0AB00"/>
+              </a:buClr>
+              <a:buSzPct val="80000"/>
+            </a:pPr>
+            <a:r>
+              <a:rPr lang="pt-BR" sz="1050" kern="0" noProof="1">
+                <a:ea typeface="Arial Unicode MS" pitchFamily="34" charset="-128"/>
+                <a:cs typeface="Arial Unicode MS" pitchFamily="34" charset="-128"/>
+              </a:rPr>
+              <a:t>Imagem de Máquina Virtual</a:t>
+            </a:r>
+          </a:p>
+        </p:txBody>
+      </p:sp>
+      <p:sp>
+        <p:nvSpPr>
+          <p:cNvPr id="59" name="TextBox 58"/>
+          <p:cNvSpPr txBox="1"/>
+          <p:nvPr/>
+        </p:nvSpPr>
+        <p:spPr>
+          <a:xfrm>
+            <a:off x="3498238" y="6240361"/>
+            <a:ext cx="1726435" cy="161583"/>
+          </a:xfrm>
+          <a:prstGeom prst="rect">
+            <a:avLst/>
+          </a:prstGeom>
+          <a:noFill/>
+        </p:spPr>
+        <p:txBody>
+          <a:bodyPr wrap="none" lIns="0" tIns="0" rIns="0" bIns="0" rtlCol="0">
+            <a:spAutoFit/>
+          </a:bodyPr>
+          <a:lstStyle/>
+          <a:p>
+            <a:pPr fontAlgn="base">
+              <a:spcBef>
+                <a:spcPts val="600"/>
+              </a:spcBef>
+              <a:spcAft>
+                <a:spcPct val="0"/>
+              </a:spcAft>
+              <a:buClr>
+                <a:srgbClr val="F0AB00"/>
+              </a:buClr>
+              <a:buSzPct val="80000"/>
+            </a:pPr>
+            <a:r>
+              <a:rPr lang="pt-BR" sz="1050" kern="0" noProof="1">
+                <a:ea typeface="Arial Unicode MS" pitchFamily="34" charset="-128"/>
+                <a:cs typeface="Arial Unicode MS" pitchFamily="34" charset="-128"/>
+              </a:rPr>
+              <a:t>Imagem de Container Rígido</a:t>
+            </a:r>
+          </a:p>
+        </p:txBody>
+      </p:sp>
+      <p:sp>
+        <p:nvSpPr>
+          <p:cNvPr id="44" name="Rounded Rectangle 43"/>
+          <p:cNvSpPr/>
+          <p:nvPr/>
+        </p:nvSpPr>
+        <p:spPr bwMode="gray">
+          <a:xfrm>
+            <a:off x="1082969" y="788239"/>
+            <a:ext cx="1019659" cy="1072414"/>
+          </a:xfrm>
+          <a:prstGeom prst="roundRect">
+            <a:avLst/>
+          </a:prstGeom>
+          <a:solidFill>
+            <a:schemeClr val="accent2">
+              <a:alpha val="40000"/>
+            </a:schemeClr>
+          </a:solidFill>
+          <a:ln w="6350" algn="ctr">
+            <a:noFill/>
+            <a:miter lim="800000"/>
+            <a:headEnd/>
+            <a:tailEnd/>
+          </a:ln>
+          <a:effectLst/>
+        </p:spPr>
+        <p:txBody>
+          <a:bodyPr lIns="90000" tIns="72000" rIns="90000" bIns="72000" rtlCol="0" anchor="ctr"/>
+          <a:lstStyle/>
+          <a:p>
+            <a:pPr marR="0" algn="ctr" defTabSz="914400" eaLnBrk="1" fontAlgn="base" latinLnBrk="0" hangingPunct="1">
+              <a:lnSpc>
+                <a:spcPct val="100000"/>
+              </a:lnSpc>
+              <a:spcBef>
+                <a:spcPct val="50000"/>
+              </a:spcBef>
+              <a:spcAft>
+                <a:spcPct val="0"/>
+              </a:spcAft>
+              <a:buClr>
+                <a:srgbClr val="F0AB00"/>
+              </a:buClr>
+              <a:buSzPct val="80000"/>
+              <a:tabLst/>
+            </a:pPr>
+            <a:endParaRPr kumimoji="0" lang="pt-BR" sz="1400" b="0" i="0" u="none" strike="noStrike" kern="0" cap="none" spc="0" normalizeH="0" baseline="0" noProof="1">
+              <a:ln>
+                <a:noFill/>
+              </a:ln>
+              <a:effectLst/>
+              <a:uLnTx/>
+              <a:uFillTx/>
+              <a:ea typeface="Arial Unicode MS" pitchFamily="34" charset="-128"/>
+              <a:cs typeface="Arial Unicode MS" pitchFamily="34" charset="-128"/>
+            </a:endParaRPr>
+          </a:p>
+          <a:p>
+            <a:pPr marR="0" algn="ctr" defTabSz="914400" eaLnBrk="1" fontAlgn="base" latinLnBrk="0" hangingPunct="1">
+              <a:lnSpc>
+                <a:spcPct val="100000"/>
+              </a:lnSpc>
+              <a:spcBef>
+                <a:spcPct val="50000"/>
+              </a:spcBef>
+              <a:spcAft>
+                <a:spcPct val="0"/>
+              </a:spcAft>
+              <a:buClr>
+                <a:srgbClr val="F0AB00"/>
+              </a:buClr>
+              <a:buSzPct val="80000"/>
+              <a:tabLst/>
+            </a:pPr>
+            <a:endParaRPr kumimoji="0" lang="pt-BR" sz="1400" b="0" i="0" u="none" strike="noStrike" kern="0" cap="none" spc="0" normalizeH="0" baseline="0" noProof="1">
+              <a:ln>
+                <a:noFill/>
+              </a:ln>
+              <a:effectLst/>
+              <a:uLnTx/>
+              <a:uFillTx/>
+              <a:ea typeface="Arial Unicode MS" pitchFamily="34" charset="-128"/>
+              <a:cs typeface="Arial Unicode MS" pitchFamily="34" charset="-128"/>
+            </a:endParaRPr>
+          </a:p>
+          <a:p>
+            <a:pPr marR="0" algn="ctr" defTabSz="914400" eaLnBrk="1" fontAlgn="base" latinLnBrk="0" hangingPunct="1">
+              <a:lnSpc>
+                <a:spcPct val="100000"/>
+              </a:lnSpc>
+              <a:spcBef>
+                <a:spcPct val="50000"/>
+              </a:spcBef>
+              <a:spcAft>
+                <a:spcPct val="0"/>
+              </a:spcAft>
+              <a:buClr>
+                <a:srgbClr val="F0AB00"/>
+              </a:buClr>
+              <a:buSzPct val="80000"/>
+              <a:tabLst/>
+            </a:pPr>
+            <a:endParaRPr lang="pt-BR" sz="2000" kern="0" noProof="1">
+              <a:ea typeface="Arial Unicode MS" pitchFamily="34" charset="-128"/>
+              <a:cs typeface="Arial Unicode MS" pitchFamily="34" charset="-128"/>
+            </a:endParaRPr>
+          </a:p>
+          <a:p>
+            <a:pPr marR="0" algn="ctr" defTabSz="914400" eaLnBrk="1" fontAlgn="base" latinLnBrk="0" hangingPunct="1">
+              <a:lnSpc>
+                <a:spcPct val="100000"/>
+              </a:lnSpc>
+              <a:spcBef>
+                <a:spcPct val="50000"/>
+              </a:spcBef>
+              <a:spcAft>
+                <a:spcPct val="0"/>
+              </a:spcAft>
+              <a:buClr>
+                <a:srgbClr val="F0AB00"/>
+              </a:buClr>
+              <a:buSzPct val="80000"/>
+              <a:tabLst/>
+            </a:pPr>
+            <a:endParaRPr lang="pt-BR" sz="1600" kern="0" noProof="1">
+              <a:ea typeface="Arial Unicode MS" pitchFamily="34" charset="-128"/>
+              <a:cs typeface="Arial Unicode MS" pitchFamily="34" charset="-128"/>
+            </a:endParaRPr>
+          </a:p>
+          <a:p>
+            <a:pPr marR="0" algn="ctr" defTabSz="914400" eaLnBrk="1" fontAlgn="base" latinLnBrk="0" hangingPunct="1">
+              <a:lnSpc>
+                <a:spcPct val="100000"/>
+              </a:lnSpc>
+              <a:spcBef>
+                <a:spcPct val="50000"/>
+              </a:spcBef>
+              <a:spcAft>
+                <a:spcPct val="0"/>
+              </a:spcAft>
+              <a:buClr>
+                <a:srgbClr val="F0AB00"/>
+              </a:buClr>
+              <a:buSzPct val="80000"/>
+              <a:tabLst/>
+            </a:pPr>
+            <a:endParaRPr lang="pt-BR" sz="1400" kern="0" noProof="1">
+              <a:ea typeface="Arial Unicode MS" pitchFamily="34" charset="-128"/>
+              <a:cs typeface="Arial Unicode MS" pitchFamily="34" charset="-128"/>
+            </a:endParaRPr>
+          </a:p>
+          <a:p>
+            <a:pPr marR="0" algn="ctr" defTabSz="914400" eaLnBrk="1" fontAlgn="base" latinLnBrk="0" hangingPunct="1">
+              <a:lnSpc>
+                <a:spcPct val="100000"/>
+              </a:lnSpc>
+              <a:spcBef>
+                <a:spcPct val="50000"/>
+              </a:spcBef>
+              <a:spcAft>
+                <a:spcPct val="0"/>
+              </a:spcAft>
+              <a:buClr>
+                <a:srgbClr val="F0AB00"/>
+              </a:buClr>
+              <a:buSzPct val="80000"/>
+              <a:tabLst/>
+            </a:pPr>
+            <a:r>
+              <a:rPr lang="pt-BR" sz="1400" kern="0" noProof="1">
+                <a:ea typeface="Arial Unicode MS" pitchFamily="34" charset="-128"/>
+                <a:cs typeface="Arial Unicode MS" pitchFamily="34" charset="-128"/>
+              </a:rPr>
+              <a:t>Template</a:t>
+            </a:r>
+          </a:p>
+          <a:p>
+            <a:pPr marR="0" algn="ctr" defTabSz="914400" eaLnBrk="1" fontAlgn="base" latinLnBrk="0" hangingPunct="1">
+              <a:lnSpc>
+                <a:spcPct val="100000"/>
+              </a:lnSpc>
+              <a:spcBef>
+                <a:spcPct val="50000"/>
+              </a:spcBef>
+              <a:spcAft>
+                <a:spcPct val="0"/>
+              </a:spcAft>
+              <a:buClr>
+                <a:srgbClr val="F0AB00"/>
+              </a:buClr>
+              <a:buSzPct val="80000"/>
+              <a:tabLst/>
+            </a:pPr>
+            <a:r>
+              <a:rPr kumimoji="0" lang="pt-BR" sz="1400" b="0" i="0" u="none" strike="noStrike" kern="0" cap="none" spc="0" normalizeH="0" baseline="0" noProof="1">
+                <a:ln>
+                  <a:noFill/>
+                </a:ln>
+                <a:effectLst/>
+                <a:uLnTx/>
+                <a:uFillTx/>
+                <a:ea typeface="Arial Unicode MS" pitchFamily="34" charset="-128"/>
+                <a:cs typeface="Arial Unicode MS" pitchFamily="34" charset="-128"/>
+              </a:rPr>
+              <a:t>VM</a:t>
+            </a:r>
+          </a:p>
+          <a:p>
+            <a:pPr marR="0" algn="ctr" defTabSz="914400" eaLnBrk="1" fontAlgn="base" latinLnBrk="0" hangingPunct="1">
+              <a:lnSpc>
+                <a:spcPct val="100000"/>
+              </a:lnSpc>
+              <a:spcBef>
+                <a:spcPct val="50000"/>
+              </a:spcBef>
+              <a:spcAft>
+                <a:spcPct val="0"/>
+              </a:spcAft>
+              <a:buClr>
+                <a:srgbClr val="F0AB00"/>
+              </a:buClr>
+              <a:buSzPct val="80000"/>
+              <a:tabLst/>
+            </a:pPr>
+            <a:endParaRPr lang="pt-BR" sz="2000" kern="0" noProof="1">
+              <a:ea typeface="Arial Unicode MS" pitchFamily="34" charset="-128"/>
+              <a:cs typeface="Arial Unicode MS" pitchFamily="34" charset="-128"/>
+            </a:endParaRPr>
+          </a:p>
+          <a:p>
+            <a:pPr marR="0" algn="ctr" defTabSz="914400" eaLnBrk="1" fontAlgn="base" latinLnBrk="0" hangingPunct="1">
+              <a:lnSpc>
+                <a:spcPct val="100000"/>
+              </a:lnSpc>
+              <a:spcBef>
+                <a:spcPct val="50000"/>
+              </a:spcBef>
+              <a:spcAft>
+                <a:spcPct val="0"/>
+              </a:spcAft>
+              <a:buClr>
+                <a:srgbClr val="F0AB00"/>
+              </a:buClr>
+              <a:buSzPct val="80000"/>
+              <a:tabLst/>
+            </a:pPr>
+            <a:endParaRPr kumimoji="0" lang="pt-BR" sz="2000" b="0" i="0" u="none" strike="noStrike" kern="0" cap="none" spc="0" normalizeH="0" baseline="0" noProof="1">
+              <a:ln>
+                <a:noFill/>
+              </a:ln>
+              <a:effectLst/>
+              <a:uLnTx/>
+              <a:uFillTx/>
+              <a:ea typeface="Arial Unicode MS" pitchFamily="34" charset="-128"/>
+              <a:cs typeface="Arial Unicode MS" pitchFamily="34" charset="-128"/>
+            </a:endParaRPr>
+          </a:p>
+          <a:p>
+            <a:pPr marR="0" algn="ctr" defTabSz="914400" eaLnBrk="1" fontAlgn="base" latinLnBrk="0" hangingPunct="1">
+              <a:lnSpc>
+                <a:spcPct val="100000"/>
+              </a:lnSpc>
+              <a:spcBef>
+                <a:spcPct val="50000"/>
+              </a:spcBef>
+              <a:spcAft>
+                <a:spcPct val="0"/>
+              </a:spcAft>
+              <a:buClr>
+                <a:srgbClr val="F0AB00"/>
+              </a:buClr>
+              <a:buSzPct val="80000"/>
+              <a:tabLst/>
+            </a:pPr>
+            <a:endParaRPr lang="pt-BR" sz="2000" kern="0" noProof="1">
+              <a:ea typeface="Arial Unicode MS" pitchFamily="34" charset="-128"/>
+              <a:cs typeface="Arial Unicode MS" pitchFamily="34" charset="-128"/>
+            </a:endParaRPr>
+          </a:p>
+          <a:p>
+            <a:pPr marR="0" algn="ctr" defTabSz="914400" eaLnBrk="1" fontAlgn="base" latinLnBrk="0" hangingPunct="1">
+              <a:lnSpc>
+                <a:spcPct val="100000"/>
+              </a:lnSpc>
+              <a:spcBef>
+                <a:spcPct val="50000"/>
+              </a:spcBef>
+              <a:spcAft>
+                <a:spcPct val="0"/>
+              </a:spcAft>
+              <a:buClr>
+                <a:srgbClr val="F0AB00"/>
+              </a:buClr>
+              <a:buSzPct val="80000"/>
+              <a:tabLst/>
+            </a:pPr>
+            <a:endParaRPr kumimoji="0" lang="pt-BR" sz="2000" b="0" i="0" u="none" strike="noStrike" kern="0" cap="none" spc="0" normalizeH="0" baseline="0" noProof="1">
+              <a:ln>
+                <a:noFill/>
+              </a:ln>
+              <a:effectLst/>
+              <a:uLnTx/>
+              <a:uFillTx/>
+              <a:ea typeface="Arial Unicode MS" pitchFamily="34" charset="-128"/>
+              <a:cs typeface="Arial Unicode MS" pitchFamily="34" charset="-128"/>
+            </a:endParaRPr>
+          </a:p>
+          <a:p>
+            <a:pPr marR="0" algn="ctr" defTabSz="914400" eaLnBrk="1" fontAlgn="base" latinLnBrk="0" hangingPunct="1">
+              <a:lnSpc>
+                <a:spcPct val="100000"/>
+              </a:lnSpc>
+              <a:spcBef>
+                <a:spcPct val="50000"/>
+              </a:spcBef>
+              <a:spcAft>
+                <a:spcPct val="0"/>
+              </a:spcAft>
+              <a:buClr>
+                <a:srgbClr val="F0AB00"/>
+              </a:buClr>
+              <a:buSzPct val="80000"/>
+              <a:tabLst/>
+            </a:pPr>
+            <a:endParaRPr kumimoji="0" lang="pt-BR" sz="2000" b="0" i="0" u="none" strike="noStrike" kern="0" cap="none" spc="0" normalizeH="0" baseline="0" noProof="1">
+              <a:ln>
+                <a:noFill/>
+              </a:ln>
+              <a:effectLst/>
+              <a:uLnTx/>
+              <a:uFillTx/>
+              <a:ea typeface="Arial Unicode MS" pitchFamily="34" charset="-128"/>
+              <a:cs typeface="Arial Unicode MS" pitchFamily="34" charset="-128"/>
+            </a:endParaRPr>
+          </a:p>
+        </p:txBody>
+      </p:sp>
+      <p:sp>
+        <p:nvSpPr>
+          <p:cNvPr id="69" name="TextBox 68"/>
+          <p:cNvSpPr txBox="1"/>
+          <p:nvPr/>
+        </p:nvSpPr>
+        <p:spPr>
+          <a:xfrm>
+            <a:off x="5864467" y="6240361"/>
+            <a:ext cx="1800173" cy="161583"/>
+          </a:xfrm>
+          <a:prstGeom prst="rect">
+            <a:avLst/>
+          </a:prstGeom>
+          <a:noFill/>
+        </p:spPr>
+        <p:txBody>
+          <a:bodyPr wrap="none" lIns="0" tIns="0" rIns="0" bIns="0" rtlCol="0">
+            <a:spAutoFit/>
+          </a:bodyPr>
+          <a:lstStyle/>
+          <a:p>
+            <a:pPr fontAlgn="base">
+              <a:spcBef>
+                <a:spcPts val="600"/>
+              </a:spcBef>
+              <a:spcAft>
+                <a:spcPct val="0"/>
+              </a:spcAft>
+              <a:buClr>
+                <a:srgbClr val="F0AB00"/>
+              </a:buClr>
+              <a:buSzPct val="80000"/>
+            </a:pPr>
+            <a:r>
+              <a:rPr lang="pt-BR" sz="1050" kern="0" noProof="1">
+                <a:ea typeface="Arial Unicode MS" pitchFamily="34" charset="-128"/>
+                <a:cs typeface="Arial Unicode MS" pitchFamily="34" charset="-128"/>
+              </a:rPr>
+              <a:t>Imagem de Container Flexível</a:t>
+            </a:r>
+          </a:p>
+        </p:txBody>
+      </p:sp>
+      <p:cxnSp>
+        <p:nvCxnSpPr>
+          <p:cNvPr id="4" name="Straight Arrow Connector 3"/>
+          <p:cNvCxnSpPr/>
+          <p:nvPr/>
+        </p:nvCxnSpPr>
+        <p:spPr>
+          <a:xfrm flipV="1">
+            <a:off x="2557533" y="1871323"/>
+            <a:ext cx="8770794" cy="31898"/>
+          </a:xfrm>
+          <a:prstGeom prst="straightConnector1">
+            <a:avLst/>
+          </a:prstGeom>
+          <a:ln w="6350">
+            <a:solidFill>
+              <a:schemeClr val="tx1"/>
+            </a:solidFill>
+            <a:tailEnd type="triangle"/>
+          </a:ln>
+        </p:spPr>
+        <p:style>
+          <a:lnRef idx="1">
+            <a:schemeClr val="accent1"/>
+          </a:lnRef>
+          <a:fillRef idx="0">
+            <a:schemeClr val="accent1"/>
+          </a:fillRef>
+          <a:effectRef idx="0">
+            <a:schemeClr val="accent1"/>
+          </a:effectRef>
+          <a:fontRef idx="minor">
+            <a:schemeClr val="tx1"/>
+          </a:fontRef>
+        </p:style>
+      </p:cxnSp>
+      <p:sp>
+        <p:nvSpPr>
+          <p:cNvPr id="7" name="Oval 6"/>
+          <p:cNvSpPr/>
+          <p:nvPr/>
+        </p:nvSpPr>
+        <p:spPr bwMode="gray">
+          <a:xfrm>
+            <a:off x="6200750" y="1773600"/>
+            <a:ext cx="306053" cy="265453"/>
+          </a:xfrm>
+          <a:prstGeom prst="ellipse">
+            <a:avLst/>
+          </a:prstGeom>
+          <a:pattFill prst="wdDnDiag">
+            <a:fgClr>
+              <a:schemeClr val="accent1"/>
+            </a:fgClr>
+            <a:bgClr>
+              <a:schemeClr val="bg1"/>
+            </a:bgClr>
+          </a:pattFill>
+          <a:ln w="6350" algn="ctr">
+            <a:noFill/>
+            <a:miter lim="800000"/>
+            <a:headEnd/>
+            <a:tailEnd/>
+          </a:ln>
+        </p:spPr>
+        <p:txBody>
+          <a:bodyPr lIns="90000" tIns="72000" rIns="90000" bIns="72000" rtlCol="0" anchor="ctr"/>
+          <a:lstStyle/>
+          <a:p>
+            <a:pPr marR="0" algn="ctr" defTabSz="914400" eaLnBrk="1" fontAlgn="base" latinLnBrk="0" hangingPunct="1">
+              <a:lnSpc>
+                <a:spcPct val="100000"/>
+              </a:lnSpc>
+              <a:spcBef>
+                <a:spcPct val="50000"/>
+              </a:spcBef>
+              <a:spcAft>
+                <a:spcPct val="0"/>
+              </a:spcAft>
+              <a:buClr>
+                <a:srgbClr val="F0AB00"/>
+              </a:buClr>
+              <a:buSzPct val="80000"/>
+              <a:tabLst/>
+            </a:pPr>
+            <a:endParaRPr kumimoji="0" lang="pt-BR" sz="2000" b="0" i="0" u="none" strike="noStrike" kern="0" cap="none" spc="0" normalizeH="0" baseline="0" noProof="0" dirty="0" err="1">
+              <a:ln>
+                <a:noFill/>
+              </a:ln>
+              <a:effectLst/>
+              <a:uLnTx/>
+              <a:uFillTx/>
+              <a:ea typeface="Arial Unicode MS" pitchFamily="34" charset="-128"/>
+              <a:cs typeface="Arial Unicode MS" pitchFamily="34" charset="-128"/>
+            </a:endParaRPr>
+          </a:p>
+        </p:txBody>
+      </p:sp>
+      <p:cxnSp>
+        <p:nvCxnSpPr>
+          <p:cNvPr id="10" name="Connector: Curved 9"/>
+          <p:cNvCxnSpPr>
+            <a:stCxn id="44" idx="0"/>
+            <a:endCxn id="48" idx="0"/>
+          </p:cNvCxnSpPr>
+          <p:nvPr/>
+        </p:nvCxnSpPr>
+        <p:spPr>
+          <a:xfrm rot="16200000" flipH="1">
+            <a:off x="2455984" y="-74947"/>
+            <a:ext cx="3647" cy="1730018"/>
+          </a:xfrm>
+          <a:prstGeom prst="curvedConnector3">
+            <a:avLst>
+              <a:gd name="adj1" fmla="val -2350562"/>
+            </a:avLst>
+          </a:prstGeom>
+          <a:ln w="6350">
+            <a:solidFill>
+              <a:schemeClr val="tx1"/>
+            </a:solidFill>
+            <a:tailEnd type="triangle"/>
+          </a:ln>
+        </p:spPr>
+        <p:style>
+          <a:lnRef idx="1">
+            <a:schemeClr val="accent1"/>
+          </a:lnRef>
+          <a:fillRef idx="0">
+            <a:schemeClr val="accent1"/>
+          </a:fillRef>
+          <a:effectRef idx="0">
+            <a:schemeClr val="accent1"/>
+          </a:effectRef>
+          <a:fontRef idx="minor">
+            <a:schemeClr val="tx1"/>
+          </a:fontRef>
+        </p:style>
+      </p:cxnSp>
+      <p:sp>
+        <p:nvSpPr>
+          <p:cNvPr id="48" name="Rounded Rectangle 43"/>
+          <p:cNvSpPr/>
+          <p:nvPr/>
+        </p:nvSpPr>
+        <p:spPr bwMode="gray">
+          <a:xfrm>
+            <a:off x="2812987" y="791886"/>
+            <a:ext cx="1019659" cy="904837"/>
+          </a:xfrm>
+          <a:prstGeom prst="roundRect">
+            <a:avLst/>
+          </a:prstGeom>
+          <a:solidFill>
+            <a:schemeClr val="tx2">
+              <a:alpha val="40000"/>
+            </a:schemeClr>
+          </a:solidFill>
+          <a:ln w="6350" algn="ctr">
+            <a:noFill/>
+            <a:miter lim="800000"/>
+            <a:headEnd/>
+            <a:tailEnd/>
+          </a:ln>
+          <a:effectLst/>
+        </p:spPr>
+        <p:txBody>
+          <a:bodyPr lIns="90000" tIns="72000" rIns="90000" bIns="72000" rtlCol="0" anchor="ctr"/>
+          <a:lstStyle/>
+          <a:p>
+            <a:pPr marR="0" algn="ctr" defTabSz="914400" eaLnBrk="1" fontAlgn="base" latinLnBrk="0" hangingPunct="1">
+              <a:lnSpc>
+                <a:spcPct val="100000"/>
+              </a:lnSpc>
+              <a:spcBef>
+                <a:spcPct val="50000"/>
+              </a:spcBef>
+              <a:spcAft>
+                <a:spcPct val="0"/>
+              </a:spcAft>
+              <a:buClr>
+                <a:srgbClr val="F0AB00"/>
+              </a:buClr>
+              <a:buSzPct val="80000"/>
+              <a:tabLst/>
+            </a:pPr>
+            <a:endParaRPr kumimoji="0" lang="pt-BR" sz="1400" b="0" i="0" u="none" strike="noStrike" kern="0" cap="none" spc="0" normalizeH="0" baseline="0" noProof="1">
+              <a:ln>
+                <a:noFill/>
+              </a:ln>
+              <a:effectLst/>
+              <a:uLnTx/>
+              <a:uFillTx/>
+              <a:ea typeface="Arial Unicode MS" pitchFamily="34" charset="-128"/>
+              <a:cs typeface="Arial Unicode MS" pitchFamily="34" charset="-128"/>
+            </a:endParaRPr>
+          </a:p>
+          <a:p>
+            <a:pPr marR="0" algn="ctr" defTabSz="914400" eaLnBrk="1" fontAlgn="base" latinLnBrk="0" hangingPunct="1">
+              <a:lnSpc>
+                <a:spcPct val="100000"/>
+              </a:lnSpc>
+              <a:spcBef>
+                <a:spcPct val="50000"/>
+              </a:spcBef>
+              <a:spcAft>
+                <a:spcPct val="0"/>
+              </a:spcAft>
+              <a:buClr>
+                <a:srgbClr val="F0AB00"/>
+              </a:buClr>
+              <a:buSzPct val="80000"/>
+              <a:tabLst/>
+            </a:pPr>
+            <a:endParaRPr kumimoji="0" lang="pt-BR" sz="1400" b="0" i="0" u="none" strike="noStrike" kern="0" cap="none" spc="0" normalizeH="0" baseline="0" noProof="1">
+              <a:ln>
+                <a:noFill/>
+              </a:ln>
+              <a:effectLst/>
+              <a:uLnTx/>
+              <a:uFillTx/>
+              <a:ea typeface="Arial Unicode MS" pitchFamily="34" charset="-128"/>
+              <a:cs typeface="Arial Unicode MS" pitchFamily="34" charset="-128"/>
+            </a:endParaRPr>
+          </a:p>
+          <a:p>
+            <a:pPr marR="0" algn="ctr" defTabSz="914400" eaLnBrk="1" fontAlgn="base" latinLnBrk="0" hangingPunct="1">
+              <a:lnSpc>
+                <a:spcPct val="100000"/>
+              </a:lnSpc>
+              <a:spcBef>
+                <a:spcPct val="50000"/>
+              </a:spcBef>
+              <a:spcAft>
+                <a:spcPct val="0"/>
+              </a:spcAft>
+              <a:buClr>
+                <a:srgbClr val="F0AB00"/>
+              </a:buClr>
+              <a:buSzPct val="80000"/>
+              <a:tabLst/>
+            </a:pPr>
+            <a:endParaRPr lang="pt-BR" sz="2000" kern="0" noProof="1">
+              <a:ea typeface="Arial Unicode MS" pitchFamily="34" charset="-128"/>
+              <a:cs typeface="Arial Unicode MS" pitchFamily="34" charset="-128"/>
+            </a:endParaRPr>
+          </a:p>
+          <a:p>
+            <a:pPr marR="0" algn="ctr" defTabSz="914400" eaLnBrk="1" fontAlgn="base" latinLnBrk="0" hangingPunct="1">
+              <a:lnSpc>
+                <a:spcPct val="100000"/>
+              </a:lnSpc>
+              <a:spcBef>
+                <a:spcPct val="50000"/>
+              </a:spcBef>
+              <a:spcAft>
+                <a:spcPct val="0"/>
+              </a:spcAft>
+              <a:buClr>
+                <a:srgbClr val="F0AB00"/>
+              </a:buClr>
+              <a:buSzPct val="80000"/>
+              <a:tabLst/>
+            </a:pPr>
+            <a:endParaRPr lang="pt-BR" sz="1600" kern="0" noProof="1">
+              <a:ea typeface="Arial Unicode MS" pitchFamily="34" charset="-128"/>
+              <a:cs typeface="Arial Unicode MS" pitchFamily="34" charset="-128"/>
+            </a:endParaRPr>
+          </a:p>
+          <a:p>
+            <a:pPr marR="0" algn="ctr" defTabSz="914400" eaLnBrk="1" fontAlgn="base" latinLnBrk="0" hangingPunct="1">
+              <a:lnSpc>
+                <a:spcPct val="100000"/>
+              </a:lnSpc>
+              <a:spcBef>
+                <a:spcPct val="50000"/>
+              </a:spcBef>
+              <a:spcAft>
+                <a:spcPct val="0"/>
+              </a:spcAft>
+              <a:buClr>
+                <a:srgbClr val="F0AB00"/>
+              </a:buClr>
+              <a:buSzPct val="80000"/>
+              <a:tabLst/>
+            </a:pPr>
+            <a:endParaRPr lang="pt-BR" sz="1400" kern="0" noProof="1">
+              <a:ea typeface="Arial Unicode MS" pitchFamily="34" charset="-128"/>
+              <a:cs typeface="Arial Unicode MS" pitchFamily="34" charset="-128"/>
+            </a:endParaRPr>
+          </a:p>
+          <a:p>
+            <a:pPr marR="0" algn="ctr" defTabSz="914400" eaLnBrk="1" fontAlgn="base" latinLnBrk="0" hangingPunct="1">
+              <a:lnSpc>
+                <a:spcPct val="100000"/>
+              </a:lnSpc>
+              <a:spcBef>
+                <a:spcPct val="50000"/>
+              </a:spcBef>
+              <a:spcAft>
+                <a:spcPct val="0"/>
+              </a:spcAft>
+              <a:buClr>
+                <a:srgbClr val="F0AB00"/>
+              </a:buClr>
+              <a:buSzPct val="80000"/>
+              <a:tabLst/>
+            </a:pPr>
+            <a:r>
+              <a:rPr lang="pt-BR" sz="1400" kern="0" noProof="1">
+                <a:ea typeface="Arial Unicode MS" pitchFamily="34" charset="-128"/>
+                <a:cs typeface="Arial Unicode MS" pitchFamily="34" charset="-128"/>
+              </a:rPr>
+              <a:t>Nó 1</a:t>
+            </a:r>
+            <a:endParaRPr kumimoji="0" lang="pt-BR" sz="1400" b="0" i="0" u="none" strike="noStrike" kern="0" cap="none" spc="0" normalizeH="0" baseline="0" noProof="1">
+              <a:ln>
+                <a:noFill/>
+              </a:ln>
+              <a:effectLst/>
+              <a:uLnTx/>
+              <a:uFillTx/>
+              <a:ea typeface="Arial Unicode MS" pitchFamily="34" charset="-128"/>
+              <a:cs typeface="Arial Unicode MS" pitchFamily="34" charset="-128"/>
+            </a:endParaRPr>
+          </a:p>
+          <a:p>
+            <a:pPr marR="0" algn="ctr" defTabSz="914400" eaLnBrk="1" fontAlgn="base" latinLnBrk="0" hangingPunct="1">
+              <a:lnSpc>
+                <a:spcPct val="100000"/>
+              </a:lnSpc>
+              <a:spcBef>
+                <a:spcPct val="50000"/>
+              </a:spcBef>
+              <a:spcAft>
+                <a:spcPct val="0"/>
+              </a:spcAft>
+              <a:buClr>
+                <a:srgbClr val="F0AB00"/>
+              </a:buClr>
+              <a:buSzPct val="80000"/>
+              <a:tabLst/>
+            </a:pPr>
+            <a:endParaRPr lang="pt-BR" sz="2000" kern="0" noProof="1">
+              <a:ea typeface="Arial Unicode MS" pitchFamily="34" charset="-128"/>
+              <a:cs typeface="Arial Unicode MS" pitchFamily="34" charset="-128"/>
+            </a:endParaRPr>
+          </a:p>
+          <a:p>
+            <a:pPr marR="0" algn="ctr" defTabSz="914400" eaLnBrk="1" fontAlgn="base" latinLnBrk="0" hangingPunct="1">
+              <a:lnSpc>
+                <a:spcPct val="100000"/>
+              </a:lnSpc>
+              <a:spcBef>
+                <a:spcPct val="50000"/>
+              </a:spcBef>
+              <a:spcAft>
+                <a:spcPct val="0"/>
+              </a:spcAft>
+              <a:buClr>
+                <a:srgbClr val="F0AB00"/>
+              </a:buClr>
+              <a:buSzPct val="80000"/>
+              <a:tabLst/>
+            </a:pPr>
+            <a:endParaRPr kumimoji="0" lang="pt-BR" sz="2000" b="0" i="0" u="none" strike="noStrike" kern="0" cap="none" spc="0" normalizeH="0" baseline="0" noProof="1">
+              <a:ln>
+                <a:noFill/>
+              </a:ln>
+              <a:effectLst/>
+              <a:uLnTx/>
+              <a:uFillTx/>
+              <a:ea typeface="Arial Unicode MS" pitchFamily="34" charset="-128"/>
+              <a:cs typeface="Arial Unicode MS" pitchFamily="34" charset="-128"/>
+            </a:endParaRPr>
+          </a:p>
+          <a:p>
+            <a:pPr marR="0" algn="ctr" defTabSz="914400" eaLnBrk="1" fontAlgn="base" latinLnBrk="0" hangingPunct="1">
+              <a:lnSpc>
+                <a:spcPct val="100000"/>
+              </a:lnSpc>
+              <a:spcBef>
+                <a:spcPct val="50000"/>
+              </a:spcBef>
+              <a:spcAft>
+                <a:spcPct val="0"/>
+              </a:spcAft>
+              <a:buClr>
+                <a:srgbClr val="F0AB00"/>
+              </a:buClr>
+              <a:buSzPct val="80000"/>
+              <a:tabLst/>
+            </a:pPr>
+            <a:endParaRPr lang="pt-BR" sz="2000" kern="0" noProof="1">
+              <a:ea typeface="Arial Unicode MS" pitchFamily="34" charset="-128"/>
+              <a:cs typeface="Arial Unicode MS" pitchFamily="34" charset="-128"/>
+            </a:endParaRPr>
+          </a:p>
+          <a:p>
+            <a:pPr marR="0" algn="ctr" defTabSz="914400" eaLnBrk="1" fontAlgn="base" latinLnBrk="0" hangingPunct="1">
+              <a:lnSpc>
+                <a:spcPct val="100000"/>
+              </a:lnSpc>
+              <a:spcBef>
+                <a:spcPct val="50000"/>
+              </a:spcBef>
+              <a:spcAft>
+                <a:spcPct val="0"/>
+              </a:spcAft>
+              <a:buClr>
+                <a:srgbClr val="F0AB00"/>
+              </a:buClr>
+              <a:buSzPct val="80000"/>
+              <a:tabLst/>
+            </a:pPr>
+            <a:endParaRPr kumimoji="0" lang="pt-BR" sz="2000" b="0" i="0" u="none" strike="noStrike" kern="0" cap="none" spc="0" normalizeH="0" baseline="0" noProof="1">
+              <a:ln>
+                <a:noFill/>
+              </a:ln>
+              <a:effectLst/>
+              <a:uLnTx/>
+              <a:uFillTx/>
+              <a:ea typeface="Arial Unicode MS" pitchFamily="34" charset="-128"/>
+              <a:cs typeface="Arial Unicode MS" pitchFamily="34" charset="-128"/>
+            </a:endParaRPr>
+          </a:p>
+          <a:p>
+            <a:pPr marR="0" algn="ctr" defTabSz="914400" eaLnBrk="1" fontAlgn="base" latinLnBrk="0" hangingPunct="1">
+              <a:lnSpc>
+                <a:spcPct val="100000"/>
+              </a:lnSpc>
+              <a:spcBef>
+                <a:spcPct val="50000"/>
+              </a:spcBef>
+              <a:spcAft>
+                <a:spcPct val="0"/>
+              </a:spcAft>
+              <a:buClr>
+                <a:srgbClr val="F0AB00"/>
+              </a:buClr>
+              <a:buSzPct val="80000"/>
+              <a:tabLst/>
+            </a:pPr>
+            <a:endParaRPr kumimoji="0" lang="pt-BR" sz="2000" b="0" i="0" u="none" strike="noStrike" kern="0" cap="none" spc="0" normalizeH="0" baseline="0" noProof="1">
+              <a:ln>
+                <a:noFill/>
+              </a:ln>
+              <a:effectLst/>
+              <a:uLnTx/>
+              <a:uFillTx/>
+              <a:ea typeface="Arial Unicode MS" pitchFamily="34" charset="-128"/>
+              <a:cs typeface="Arial Unicode MS" pitchFamily="34" charset="-128"/>
+            </a:endParaRPr>
+          </a:p>
+        </p:txBody>
+      </p:sp>
+      <p:sp>
+        <p:nvSpPr>
+          <p:cNvPr id="51" name="Rounded Rectangle 43"/>
+          <p:cNvSpPr/>
+          <p:nvPr/>
+        </p:nvSpPr>
+        <p:spPr bwMode="gray">
+          <a:xfrm>
+            <a:off x="6506803" y="791509"/>
+            <a:ext cx="1019659" cy="905839"/>
+          </a:xfrm>
+          <a:prstGeom prst="roundRect">
+            <a:avLst/>
+          </a:prstGeom>
+          <a:solidFill>
+            <a:schemeClr val="tx2">
+              <a:alpha val="40000"/>
+            </a:schemeClr>
+          </a:solidFill>
+          <a:ln w="6350" algn="ctr">
+            <a:noFill/>
+            <a:miter lim="800000"/>
+            <a:headEnd/>
+            <a:tailEnd/>
+          </a:ln>
+          <a:effectLst/>
+        </p:spPr>
+        <p:txBody>
+          <a:bodyPr lIns="90000" tIns="72000" rIns="90000" bIns="72000" rtlCol="0" anchor="ctr"/>
+          <a:lstStyle/>
+          <a:p>
+            <a:pPr marR="0" algn="ctr" defTabSz="914400" eaLnBrk="1" fontAlgn="base" latinLnBrk="0" hangingPunct="1">
+              <a:lnSpc>
+                <a:spcPct val="100000"/>
+              </a:lnSpc>
+              <a:spcBef>
+                <a:spcPct val="50000"/>
+              </a:spcBef>
+              <a:spcAft>
+                <a:spcPct val="0"/>
+              </a:spcAft>
+              <a:buClr>
+                <a:srgbClr val="F0AB00"/>
+              </a:buClr>
+              <a:buSzPct val="80000"/>
+              <a:tabLst/>
+            </a:pPr>
+            <a:endParaRPr kumimoji="0" lang="pt-BR" sz="1400" b="0" i="0" u="none" strike="noStrike" kern="0" cap="none" spc="0" normalizeH="0" baseline="0" noProof="1">
+              <a:ln>
+                <a:noFill/>
+              </a:ln>
+              <a:effectLst/>
+              <a:uLnTx/>
+              <a:uFillTx/>
+              <a:ea typeface="Arial Unicode MS" pitchFamily="34" charset="-128"/>
+              <a:cs typeface="Arial Unicode MS" pitchFamily="34" charset="-128"/>
+            </a:endParaRPr>
+          </a:p>
+          <a:p>
+            <a:pPr marR="0" algn="ctr" defTabSz="914400" eaLnBrk="1" fontAlgn="base" latinLnBrk="0" hangingPunct="1">
+              <a:lnSpc>
+                <a:spcPct val="100000"/>
+              </a:lnSpc>
+              <a:spcBef>
+                <a:spcPct val="50000"/>
+              </a:spcBef>
+              <a:spcAft>
+                <a:spcPct val="0"/>
+              </a:spcAft>
+              <a:buClr>
+                <a:srgbClr val="F0AB00"/>
+              </a:buClr>
+              <a:buSzPct val="80000"/>
+              <a:tabLst/>
+            </a:pPr>
+            <a:endParaRPr kumimoji="0" lang="pt-BR" sz="1400" b="0" i="0" u="none" strike="noStrike" kern="0" cap="none" spc="0" normalizeH="0" baseline="0" noProof="1">
+              <a:ln>
+                <a:noFill/>
+              </a:ln>
+              <a:effectLst/>
+              <a:uLnTx/>
+              <a:uFillTx/>
+              <a:ea typeface="Arial Unicode MS" pitchFamily="34" charset="-128"/>
+              <a:cs typeface="Arial Unicode MS" pitchFamily="34" charset="-128"/>
+            </a:endParaRPr>
+          </a:p>
+          <a:p>
+            <a:pPr marR="0" algn="ctr" defTabSz="914400" eaLnBrk="1" fontAlgn="base" latinLnBrk="0" hangingPunct="1">
+              <a:lnSpc>
+                <a:spcPct val="100000"/>
+              </a:lnSpc>
+              <a:spcBef>
+                <a:spcPct val="50000"/>
+              </a:spcBef>
+              <a:spcAft>
+                <a:spcPct val="0"/>
+              </a:spcAft>
+              <a:buClr>
+                <a:srgbClr val="F0AB00"/>
+              </a:buClr>
+              <a:buSzPct val="80000"/>
+              <a:tabLst/>
+            </a:pPr>
+            <a:endParaRPr lang="pt-BR" sz="2000" kern="0" noProof="1">
+              <a:ea typeface="Arial Unicode MS" pitchFamily="34" charset="-128"/>
+              <a:cs typeface="Arial Unicode MS" pitchFamily="34" charset="-128"/>
+            </a:endParaRPr>
+          </a:p>
+          <a:p>
+            <a:pPr marR="0" algn="ctr" defTabSz="914400" eaLnBrk="1" fontAlgn="base" latinLnBrk="0" hangingPunct="1">
+              <a:lnSpc>
+                <a:spcPct val="100000"/>
+              </a:lnSpc>
+              <a:spcBef>
+                <a:spcPct val="50000"/>
+              </a:spcBef>
+              <a:spcAft>
+                <a:spcPct val="0"/>
+              </a:spcAft>
+              <a:buClr>
+                <a:srgbClr val="F0AB00"/>
+              </a:buClr>
+              <a:buSzPct val="80000"/>
+              <a:tabLst/>
+            </a:pPr>
+            <a:endParaRPr lang="pt-BR" sz="1600" kern="0" noProof="1">
+              <a:ea typeface="Arial Unicode MS" pitchFamily="34" charset="-128"/>
+              <a:cs typeface="Arial Unicode MS" pitchFamily="34" charset="-128"/>
+            </a:endParaRPr>
+          </a:p>
+          <a:p>
+            <a:pPr marR="0" algn="ctr" defTabSz="914400" eaLnBrk="1" fontAlgn="base" latinLnBrk="0" hangingPunct="1">
+              <a:lnSpc>
+                <a:spcPct val="100000"/>
+              </a:lnSpc>
+              <a:spcBef>
+                <a:spcPct val="50000"/>
+              </a:spcBef>
+              <a:spcAft>
+                <a:spcPct val="0"/>
+              </a:spcAft>
+              <a:buClr>
+                <a:srgbClr val="F0AB00"/>
+              </a:buClr>
+              <a:buSzPct val="80000"/>
+              <a:tabLst/>
+            </a:pPr>
+            <a:endParaRPr lang="pt-BR" sz="1400" kern="0" noProof="1">
+              <a:ea typeface="Arial Unicode MS" pitchFamily="34" charset="-128"/>
+              <a:cs typeface="Arial Unicode MS" pitchFamily="34" charset="-128"/>
+            </a:endParaRPr>
+          </a:p>
+          <a:p>
+            <a:pPr marR="0" algn="ctr" defTabSz="914400" eaLnBrk="1" fontAlgn="base" latinLnBrk="0" hangingPunct="1">
+              <a:lnSpc>
+                <a:spcPct val="100000"/>
+              </a:lnSpc>
+              <a:spcBef>
+                <a:spcPct val="50000"/>
+              </a:spcBef>
+              <a:spcAft>
+                <a:spcPct val="0"/>
+              </a:spcAft>
+              <a:buClr>
+                <a:srgbClr val="F0AB00"/>
+              </a:buClr>
+              <a:buSzPct val="80000"/>
+              <a:tabLst/>
+            </a:pPr>
+            <a:r>
+              <a:rPr lang="pt-BR" sz="1400" kern="0" noProof="1">
+                <a:ea typeface="Arial Unicode MS" pitchFamily="34" charset="-128"/>
+                <a:cs typeface="Arial Unicode MS" pitchFamily="34" charset="-128"/>
+              </a:rPr>
+              <a:t>Nó 2</a:t>
+            </a:r>
+            <a:endParaRPr kumimoji="0" lang="pt-BR" sz="1400" b="0" i="0" u="none" strike="noStrike" kern="0" cap="none" spc="0" normalizeH="0" baseline="0" noProof="1">
+              <a:ln>
+                <a:noFill/>
+              </a:ln>
+              <a:effectLst/>
+              <a:uLnTx/>
+              <a:uFillTx/>
+              <a:ea typeface="Arial Unicode MS" pitchFamily="34" charset="-128"/>
+              <a:cs typeface="Arial Unicode MS" pitchFamily="34" charset="-128"/>
+            </a:endParaRPr>
+          </a:p>
+          <a:p>
+            <a:pPr marR="0" algn="ctr" defTabSz="914400" eaLnBrk="1" fontAlgn="base" latinLnBrk="0" hangingPunct="1">
+              <a:lnSpc>
+                <a:spcPct val="100000"/>
+              </a:lnSpc>
+              <a:spcBef>
+                <a:spcPct val="50000"/>
+              </a:spcBef>
+              <a:spcAft>
+                <a:spcPct val="0"/>
+              </a:spcAft>
+              <a:buClr>
+                <a:srgbClr val="F0AB00"/>
+              </a:buClr>
+              <a:buSzPct val="80000"/>
+              <a:tabLst/>
+            </a:pPr>
+            <a:endParaRPr lang="pt-BR" sz="2000" kern="0" noProof="1">
+              <a:ea typeface="Arial Unicode MS" pitchFamily="34" charset="-128"/>
+              <a:cs typeface="Arial Unicode MS" pitchFamily="34" charset="-128"/>
+            </a:endParaRPr>
+          </a:p>
+          <a:p>
+            <a:pPr marR="0" algn="ctr" defTabSz="914400" eaLnBrk="1" fontAlgn="base" latinLnBrk="0" hangingPunct="1">
+              <a:lnSpc>
+                <a:spcPct val="100000"/>
+              </a:lnSpc>
+              <a:spcBef>
+                <a:spcPct val="50000"/>
+              </a:spcBef>
+              <a:spcAft>
+                <a:spcPct val="0"/>
+              </a:spcAft>
+              <a:buClr>
+                <a:srgbClr val="F0AB00"/>
+              </a:buClr>
+              <a:buSzPct val="80000"/>
+              <a:tabLst/>
+            </a:pPr>
+            <a:endParaRPr kumimoji="0" lang="pt-BR" sz="2000" b="0" i="0" u="none" strike="noStrike" kern="0" cap="none" spc="0" normalizeH="0" baseline="0" noProof="1">
+              <a:ln>
+                <a:noFill/>
+              </a:ln>
+              <a:effectLst/>
+              <a:uLnTx/>
+              <a:uFillTx/>
+              <a:ea typeface="Arial Unicode MS" pitchFamily="34" charset="-128"/>
+              <a:cs typeface="Arial Unicode MS" pitchFamily="34" charset="-128"/>
+            </a:endParaRPr>
+          </a:p>
+          <a:p>
+            <a:pPr marR="0" algn="ctr" defTabSz="914400" eaLnBrk="1" fontAlgn="base" latinLnBrk="0" hangingPunct="1">
+              <a:lnSpc>
+                <a:spcPct val="100000"/>
+              </a:lnSpc>
+              <a:spcBef>
+                <a:spcPct val="50000"/>
+              </a:spcBef>
+              <a:spcAft>
+                <a:spcPct val="0"/>
+              </a:spcAft>
+              <a:buClr>
+                <a:srgbClr val="F0AB00"/>
+              </a:buClr>
+              <a:buSzPct val="80000"/>
+              <a:tabLst/>
+            </a:pPr>
+            <a:endParaRPr lang="pt-BR" sz="2000" kern="0" noProof="1">
+              <a:ea typeface="Arial Unicode MS" pitchFamily="34" charset="-128"/>
+              <a:cs typeface="Arial Unicode MS" pitchFamily="34" charset="-128"/>
+            </a:endParaRPr>
+          </a:p>
+          <a:p>
+            <a:pPr marR="0" algn="ctr" defTabSz="914400" eaLnBrk="1" fontAlgn="base" latinLnBrk="0" hangingPunct="1">
+              <a:lnSpc>
+                <a:spcPct val="100000"/>
+              </a:lnSpc>
+              <a:spcBef>
+                <a:spcPct val="50000"/>
+              </a:spcBef>
+              <a:spcAft>
+                <a:spcPct val="0"/>
+              </a:spcAft>
+              <a:buClr>
+                <a:srgbClr val="F0AB00"/>
+              </a:buClr>
+              <a:buSzPct val="80000"/>
+              <a:tabLst/>
+            </a:pPr>
+            <a:endParaRPr kumimoji="0" lang="pt-BR" sz="2000" b="0" i="0" u="none" strike="noStrike" kern="0" cap="none" spc="0" normalizeH="0" baseline="0" noProof="1">
+              <a:ln>
+                <a:noFill/>
+              </a:ln>
+              <a:effectLst/>
+              <a:uLnTx/>
+              <a:uFillTx/>
+              <a:ea typeface="Arial Unicode MS" pitchFamily="34" charset="-128"/>
+              <a:cs typeface="Arial Unicode MS" pitchFamily="34" charset="-128"/>
+            </a:endParaRPr>
+          </a:p>
+          <a:p>
+            <a:pPr marR="0" algn="ctr" defTabSz="914400" eaLnBrk="1" fontAlgn="base" latinLnBrk="0" hangingPunct="1">
+              <a:lnSpc>
+                <a:spcPct val="100000"/>
+              </a:lnSpc>
+              <a:spcBef>
+                <a:spcPct val="50000"/>
+              </a:spcBef>
+              <a:spcAft>
+                <a:spcPct val="0"/>
+              </a:spcAft>
+              <a:buClr>
+                <a:srgbClr val="F0AB00"/>
+              </a:buClr>
+              <a:buSzPct val="80000"/>
+              <a:tabLst/>
+            </a:pPr>
+            <a:endParaRPr kumimoji="0" lang="pt-BR" sz="2000" b="0" i="0" u="none" strike="noStrike" kern="0" cap="none" spc="0" normalizeH="0" baseline="0" noProof="1">
+              <a:ln>
+                <a:noFill/>
+              </a:ln>
+              <a:effectLst/>
+              <a:uLnTx/>
+              <a:uFillTx/>
+              <a:ea typeface="Arial Unicode MS" pitchFamily="34" charset="-128"/>
+              <a:cs typeface="Arial Unicode MS" pitchFamily="34" charset="-128"/>
+            </a:endParaRPr>
+          </a:p>
+        </p:txBody>
+      </p:sp>
+      <p:sp>
+        <p:nvSpPr>
+          <p:cNvPr id="52" name="Rectangle 51"/>
+          <p:cNvSpPr/>
+          <p:nvPr/>
+        </p:nvSpPr>
+        <p:spPr bwMode="gray">
+          <a:xfrm>
+            <a:off x="6841262" y="1262934"/>
+            <a:ext cx="364403" cy="300419"/>
+          </a:xfrm>
+          <a:prstGeom prst="rect">
+            <a:avLst/>
+          </a:prstGeom>
+          <a:ln>
+            <a:headEnd/>
+            <a:tailEnd/>
+          </a:ln>
+        </p:spPr>
+        <p:style>
+          <a:lnRef idx="2">
+            <a:schemeClr val="dk1"/>
+          </a:lnRef>
+          <a:fillRef idx="1">
+            <a:schemeClr val="lt1"/>
+          </a:fillRef>
+          <a:effectRef idx="0">
+            <a:schemeClr val="dk1"/>
+          </a:effectRef>
+          <a:fontRef idx="minor">
+            <a:schemeClr val="dk1"/>
+          </a:fontRef>
+        </p:style>
+        <p:txBody>
+          <a:bodyPr lIns="90000" tIns="72000" rIns="90000" bIns="72000" rtlCol="0" anchor="ctr"/>
+          <a:lstStyle/>
+          <a:p>
+            <a:pPr marR="0" algn="ctr" defTabSz="914400" eaLnBrk="1" fontAlgn="base" latinLnBrk="0" hangingPunct="1">
+              <a:lnSpc>
+                <a:spcPct val="100000"/>
+              </a:lnSpc>
+              <a:spcBef>
+                <a:spcPct val="50000"/>
+              </a:spcBef>
+              <a:spcAft>
+                <a:spcPct val="0"/>
+              </a:spcAft>
+              <a:buClr>
+                <a:srgbClr val="F0AB00"/>
+              </a:buClr>
+              <a:buSzPct val="80000"/>
+              <a:tabLst/>
+            </a:pPr>
+            <a:r>
+              <a:rPr kumimoji="0" lang="pt-BR" sz="2000" b="0" i="0" u="none" strike="noStrike" kern="0" cap="none" spc="0" normalizeH="0" baseline="0" noProof="0" dirty="0">
+                <a:ln>
+                  <a:noFill/>
+                </a:ln>
+                <a:effectLst/>
+                <a:uLnTx/>
+                <a:uFillTx/>
+                <a:ea typeface="Arial Unicode MS" pitchFamily="34" charset="-128"/>
+                <a:cs typeface="Arial Unicode MS" pitchFamily="34" charset="-128"/>
+              </a:rPr>
+              <a:t>V</a:t>
+            </a:r>
+          </a:p>
+        </p:txBody>
+      </p:sp>
+      <p:cxnSp>
+        <p:nvCxnSpPr>
+          <p:cNvPr id="56" name="Connector: Curved 55"/>
+          <p:cNvCxnSpPr>
+            <a:stCxn id="44" idx="0"/>
+            <a:endCxn id="51" idx="0"/>
+          </p:cNvCxnSpPr>
+          <p:nvPr/>
+        </p:nvCxnSpPr>
+        <p:spPr>
+          <a:xfrm rot="16200000" flipH="1">
+            <a:off x="4303081" y="-1922043"/>
+            <a:ext cx="3270" cy="5423834"/>
+          </a:xfrm>
+          <a:prstGeom prst="curvedConnector3">
+            <a:avLst>
+              <a:gd name="adj1" fmla="val -5534404"/>
+            </a:avLst>
+          </a:prstGeom>
+          <a:ln w="6350">
+            <a:solidFill>
+              <a:schemeClr val="tx1"/>
+            </a:solidFill>
+            <a:tailEnd type="triangle"/>
+          </a:ln>
+        </p:spPr>
+        <p:style>
+          <a:lnRef idx="1">
+            <a:schemeClr val="accent1"/>
+          </a:lnRef>
+          <a:fillRef idx="0">
+            <a:schemeClr val="accent1"/>
+          </a:fillRef>
+          <a:effectRef idx="0">
+            <a:schemeClr val="accent1"/>
+          </a:effectRef>
+          <a:fontRef idx="minor">
+            <a:schemeClr val="tx1"/>
+          </a:fontRef>
+        </p:style>
+      </p:cxnSp>
+      <p:cxnSp>
+        <p:nvCxnSpPr>
+          <p:cNvPr id="64" name="Connector: Curved 63"/>
+          <p:cNvCxnSpPr>
+            <a:stCxn id="44" idx="0"/>
+            <a:endCxn id="99" idx="0"/>
+          </p:cNvCxnSpPr>
+          <p:nvPr/>
+        </p:nvCxnSpPr>
+        <p:spPr>
+          <a:xfrm rot="5400000" flipH="1" flipV="1">
+            <a:off x="5620748" y="-3239710"/>
+            <a:ext cx="12700" cy="8055898"/>
+          </a:xfrm>
+          <a:prstGeom prst="curvedConnector3">
+            <a:avLst>
+              <a:gd name="adj1" fmla="val 2325000"/>
+            </a:avLst>
+          </a:prstGeom>
+          <a:ln w="6350">
+            <a:solidFill>
+              <a:schemeClr val="tx1"/>
+            </a:solidFill>
+            <a:tailEnd type="triangle"/>
+          </a:ln>
+        </p:spPr>
+        <p:style>
+          <a:lnRef idx="1">
+            <a:schemeClr val="accent1"/>
+          </a:lnRef>
+          <a:fillRef idx="0">
+            <a:schemeClr val="accent1"/>
+          </a:fillRef>
+          <a:effectRef idx="0">
+            <a:schemeClr val="accent1"/>
+          </a:effectRef>
+          <a:fontRef idx="minor">
+            <a:schemeClr val="tx1"/>
+          </a:fontRef>
+        </p:style>
+      </p:cxnSp>
+      <p:sp>
+        <p:nvSpPr>
+          <p:cNvPr id="65" name="Oval 64"/>
+          <p:cNvSpPr/>
+          <p:nvPr/>
+        </p:nvSpPr>
+        <p:spPr bwMode="gray">
+          <a:xfrm>
+            <a:off x="8832814" y="1738596"/>
+            <a:ext cx="306053" cy="265453"/>
+          </a:xfrm>
+          <a:prstGeom prst="ellipse">
+            <a:avLst/>
+          </a:prstGeom>
+          <a:pattFill prst="wdDnDiag">
+            <a:fgClr>
+              <a:schemeClr val="accent1"/>
+            </a:fgClr>
+            <a:bgClr>
+              <a:schemeClr val="bg1"/>
+            </a:bgClr>
+          </a:pattFill>
+          <a:ln w="6350" algn="ctr">
+            <a:noFill/>
+            <a:miter lim="800000"/>
+            <a:headEnd/>
+            <a:tailEnd/>
+          </a:ln>
+        </p:spPr>
+        <p:txBody>
+          <a:bodyPr lIns="90000" tIns="72000" rIns="90000" bIns="72000" rtlCol="0" anchor="ctr"/>
+          <a:lstStyle/>
+          <a:p>
+            <a:pPr marR="0" algn="ctr" defTabSz="914400" eaLnBrk="1" fontAlgn="base" latinLnBrk="0" hangingPunct="1">
+              <a:lnSpc>
+                <a:spcPct val="100000"/>
+              </a:lnSpc>
+              <a:spcBef>
+                <a:spcPct val="50000"/>
+              </a:spcBef>
+              <a:spcAft>
+                <a:spcPct val="0"/>
+              </a:spcAft>
+              <a:buClr>
+                <a:srgbClr val="F0AB00"/>
+              </a:buClr>
+              <a:buSzPct val="80000"/>
+              <a:tabLst/>
+            </a:pPr>
+            <a:endParaRPr kumimoji="0" lang="pt-BR" sz="2000" b="0" i="0" u="none" strike="noStrike" kern="0" cap="none" spc="0" normalizeH="0" baseline="0" noProof="0" dirty="0" err="1">
+              <a:ln>
+                <a:noFill/>
+              </a:ln>
+              <a:effectLst/>
+              <a:uLnTx/>
+              <a:uFillTx/>
+              <a:ea typeface="Arial Unicode MS" pitchFamily="34" charset="-128"/>
+              <a:cs typeface="Arial Unicode MS" pitchFamily="34" charset="-128"/>
+            </a:endParaRPr>
+          </a:p>
+        </p:txBody>
+      </p:sp>
+      <p:sp>
+        <p:nvSpPr>
+          <p:cNvPr id="66" name="Oval 65"/>
+          <p:cNvSpPr/>
+          <p:nvPr/>
+        </p:nvSpPr>
+        <p:spPr bwMode="gray">
+          <a:xfrm>
+            <a:off x="2518543" y="1754545"/>
+            <a:ext cx="306053" cy="265453"/>
+          </a:xfrm>
+          <a:prstGeom prst="ellipse">
+            <a:avLst/>
+          </a:prstGeom>
+          <a:solidFill>
+            <a:schemeClr val="bg1"/>
+          </a:solidFill>
+          <a:ln w="19050" algn="ctr">
+            <a:solidFill>
+              <a:schemeClr val="tx1"/>
+            </a:solidFill>
+            <a:miter lim="800000"/>
+            <a:headEnd/>
+            <a:tailEnd/>
+          </a:ln>
+        </p:spPr>
+        <p:txBody>
+          <a:bodyPr lIns="90000" tIns="72000" rIns="90000" bIns="72000" rtlCol="0" anchor="ctr"/>
+          <a:lstStyle/>
+          <a:p>
+            <a:pPr marR="0" algn="ctr" defTabSz="914400" eaLnBrk="1" fontAlgn="base" latinLnBrk="0" hangingPunct="1">
+              <a:lnSpc>
+                <a:spcPct val="100000"/>
+              </a:lnSpc>
+              <a:spcBef>
+                <a:spcPct val="50000"/>
+              </a:spcBef>
+              <a:spcAft>
+                <a:spcPct val="0"/>
+              </a:spcAft>
+              <a:buClr>
+                <a:srgbClr val="F0AB00"/>
+              </a:buClr>
+              <a:buSzPct val="80000"/>
+              <a:tabLst/>
+            </a:pPr>
+            <a:endParaRPr kumimoji="0" lang="pt-BR" sz="2000" b="0" i="0" u="none" strike="noStrike" kern="0" cap="none" spc="0" normalizeH="0" baseline="0" noProof="0" dirty="0" err="1">
+              <a:ln>
+                <a:noFill/>
+              </a:ln>
+              <a:effectLst/>
+              <a:uLnTx/>
+              <a:uFillTx/>
+              <a:ea typeface="Arial Unicode MS" pitchFamily="34" charset="-128"/>
+              <a:cs typeface="Arial Unicode MS" pitchFamily="34" charset="-128"/>
+            </a:endParaRPr>
+          </a:p>
+        </p:txBody>
+      </p:sp>
+      <p:cxnSp>
+        <p:nvCxnSpPr>
+          <p:cNvPr id="71" name="Straight Connector 70"/>
+          <p:cNvCxnSpPr/>
+          <p:nvPr/>
+        </p:nvCxnSpPr>
+        <p:spPr>
+          <a:xfrm>
+            <a:off x="2303156" y="788239"/>
+            <a:ext cx="0" cy="1166423"/>
+          </a:xfrm>
+          <a:prstGeom prst="line">
+            <a:avLst/>
+          </a:prstGeom>
+          <a:ln w="6350">
+            <a:solidFill>
+              <a:schemeClr val="tx1"/>
+            </a:solidFill>
+            <a:prstDash val="dash"/>
+          </a:ln>
+        </p:spPr>
+        <p:style>
+          <a:lnRef idx="1">
+            <a:schemeClr val="accent1"/>
+          </a:lnRef>
+          <a:fillRef idx="0">
+            <a:schemeClr val="accent1"/>
+          </a:fillRef>
+          <a:effectRef idx="0">
+            <a:schemeClr val="accent1"/>
+          </a:effectRef>
+          <a:fontRef idx="minor">
+            <a:schemeClr val="tx1"/>
+          </a:fontRef>
+        </p:style>
+      </p:cxnSp>
+      <p:sp>
+        <p:nvSpPr>
+          <p:cNvPr id="72" name="Rounded Rectangle 43"/>
+          <p:cNvSpPr/>
+          <p:nvPr/>
+        </p:nvSpPr>
+        <p:spPr bwMode="gray">
+          <a:xfrm>
+            <a:off x="1040628" y="2494924"/>
+            <a:ext cx="1062000" cy="1163616"/>
+          </a:xfrm>
+          <a:prstGeom prst="roundRect">
+            <a:avLst/>
+          </a:prstGeom>
+          <a:solidFill>
+            <a:schemeClr val="accent2">
+              <a:alpha val="40000"/>
+            </a:schemeClr>
+          </a:solidFill>
+          <a:ln w="6350" algn="ctr">
+            <a:noFill/>
+            <a:miter lim="800000"/>
+            <a:headEnd/>
+            <a:tailEnd/>
+          </a:ln>
+          <a:effectLst/>
+        </p:spPr>
+        <p:txBody>
+          <a:bodyPr lIns="90000" tIns="72000" rIns="90000" bIns="72000" rtlCol="0" anchor="ctr"/>
+          <a:lstStyle/>
+          <a:p>
+            <a:pPr marR="0" algn="ctr" defTabSz="914400" eaLnBrk="1" fontAlgn="base" latinLnBrk="0" hangingPunct="1">
+              <a:lnSpc>
+                <a:spcPct val="100000"/>
+              </a:lnSpc>
+              <a:spcBef>
+                <a:spcPct val="50000"/>
+              </a:spcBef>
+              <a:spcAft>
+                <a:spcPct val="0"/>
+              </a:spcAft>
+              <a:buClr>
+                <a:srgbClr val="F0AB00"/>
+              </a:buClr>
+              <a:buSzPct val="80000"/>
+              <a:tabLst/>
+            </a:pPr>
+            <a:endParaRPr kumimoji="0" lang="pt-BR" sz="1400" b="0" i="0" u="none" strike="noStrike" kern="0" cap="none" spc="0" normalizeH="0" baseline="0" noProof="1">
+              <a:ln>
+                <a:noFill/>
+              </a:ln>
+              <a:effectLst/>
+              <a:uLnTx/>
+              <a:uFillTx/>
+              <a:ea typeface="Arial Unicode MS" pitchFamily="34" charset="-128"/>
+              <a:cs typeface="Arial Unicode MS" pitchFamily="34" charset="-128"/>
+            </a:endParaRPr>
+          </a:p>
+          <a:p>
+            <a:pPr marR="0" algn="ctr" defTabSz="914400" eaLnBrk="1" fontAlgn="base" latinLnBrk="0" hangingPunct="1">
+              <a:lnSpc>
+                <a:spcPct val="100000"/>
+              </a:lnSpc>
+              <a:spcBef>
+                <a:spcPct val="50000"/>
+              </a:spcBef>
+              <a:spcAft>
+                <a:spcPct val="0"/>
+              </a:spcAft>
+              <a:buClr>
+                <a:srgbClr val="F0AB00"/>
+              </a:buClr>
+              <a:buSzPct val="80000"/>
+              <a:tabLst/>
+            </a:pPr>
+            <a:r>
+              <a:rPr lang="pt-BR" sz="1400" kern="0" noProof="1">
+                <a:ea typeface="Arial Unicode MS" pitchFamily="34" charset="-128"/>
+                <a:cs typeface="Arial Unicode MS" pitchFamily="34" charset="-128"/>
+              </a:rPr>
+              <a:t>Template</a:t>
+            </a:r>
+          </a:p>
+          <a:p>
+            <a:pPr marR="0" algn="ctr" defTabSz="914400" eaLnBrk="1" fontAlgn="base" latinLnBrk="0" hangingPunct="1">
+              <a:lnSpc>
+                <a:spcPct val="100000"/>
+              </a:lnSpc>
+              <a:spcBef>
+                <a:spcPct val="50000"/>
+              </a:spcBef>
+              <a:spcAft>
+                <a:spcPct val="0"/>
+              </a:spcAft>
+              <a:buClr>
+                <a:srgbClr val="F0AB00"/>
+              </a:buClr>
+              <a:buSzPct val="80000"/>
+              <a:tabLst/>
+            </a:pPr>
+            <a:r>
+              <a:rPr kumimoji="0" lang="pt-BR" sz="1400" b="0" i="0" u="none" strike="noStrike" kern="0" cap="none" spc="0" normalizeH="0" baseline="0" noProof="1">
+                <a:ln>
+                  <a:noFill/>
+                </a:ln>
+                <a:effectLst/>
+                <a:uLnTx/>
+                <a:uFillTx/>
+                <a:ea typeface="Arial Unicode MS" pitchFamily="34" charset="-128"/>
+                <a:cs typeface="Arial Unicode MS" pitchFamily="34" charset="-128"/>
+              </a:rPr>
+              <a:t>Container</a:t>
+            </a:r>
+          </a:p>
+          <a:p>
+            <a:pPr marR="0" algn="ctr" defTabSz="914400" eaLnBrk="1" fontAlgn="base" latinLnBrk="0" hangingPunct="1">
+              <a:lnSpc>
+                <a:spcPct val="100000"/>
+              </a:lnSpc>
+              <a:spcBef>
+                <a:spcPct val="50000"/>
+              </a:spcBef>
+              <a:spcAft>
+                <a:spcPct val="0"/>
+              </a:spcAft>
+              <a:buClr>
+                <a:srgbClr val="F0AB00"/>
+              </a:buClr>
+              <a:buSzPct val="80000"/>
+              <a:tabLst/>
+            </a:pPr>
+            <a:endParaRPr kumimoji="0" lang="pt-BR" sz="2000" b="0" i="0" u="none" strike="noStrike" kern="0" cap="none" spc="0" normalizeH="0" baseline="0" noProof="1">
+              <a:ln>
+                <a:noFill/>
+              </a:ln>
+              <a:effectLst/>
+              <a:uLnTx/>
+              <a:uFillTx/>
+              <a:ea typeface="Arial Unicode MS" pitchFamily="34" charset="-128"/>
+              <a:cs typeface="Arial Unicode MS" pitchFamily="34" charset="-128"/>
+            </a:endParaRPr>
+          </a:p>
+          <a:p>
+            <a:pPr marR="0" algn="ctr" defTabSz="914400" eaLnBrk="1" fontAlgn="base" latinLnBrk="0" hangingPunct="1">
+              <a:lnSpc>
+                <a:spcPct val="100000"/>
+              </a:lnSpc>
+              <a:spcBef>
+                <a:spcPct val="50000"/>
+              </a:spcBef>
+              <a:spcAft>
+                <a:spcPct val="0"/>
+              </a:spcAft>
+              <a:buClr>
+                <a:srgbClr val="F0AB00"/>
+              </a:buClr>
+              <a:buSzPct val="80000"/>
+              <a:tabLst/>
+            </a:pPr>
+            <a:endParaRPr kumimoji="0" lang="pt-BR" sz="2000" b="0" i="0" u="none" strike="noStrike" kern="0" cap="none" spc="0" normalizeH="0" baseline="0" noProof="1">
+              <a:ln>
+                <a:noFill/>
+              </a:ln>
+              <a:effectLst/>
+              <a:uLnTx/>
+              <a:uFillTx/>
+              <a:ea typeface="Arial Unicode MS" pitchFamily="34" charset="-128"/>
+              <a:cs typeface="Arial Unicode MS" pitchFamily="34" charset="-128"/>
+            </a:endParaRPr>
+          </a:p>
+        </p:txBody>
+      </p:sp>
+      <p:cxnSp>
+        <p:nvCxnSpPr>
+          <p:cNvPr id="74" name="Straight Arrow Connector 73"/>
+          <p:cNvCxnSpPr/>
+          <p:nvPr/>
+        </p:nvCxnSpPr>
+        <p:spPr>
+          <a:xfrm>
+            <a:off x="2679644" y="3869031"/>
+            <a:ext cx="7797032" cy="7732"/>
+          </a:xfrm>
+          <a:prstGeom prst="straightConnector1">
+            <a:avLst/>
+          </a:prstGeom>
+          <a:ln w="6350">
+            <a:solidFill>
+              <a:schemeClr val="tx1"/>
+            </a:solidFill>
+            <a:tailEnd type="triangle"/>
+          </a:ln>
+        </p:spPr>
+        <p:style>
+          <a:lnRef idx="1">
+            <a:schemeClr val="accent1"/>
+          </a:lnRef>
+          <a:fillRef idx="0">
+            <a:schemeClr val="accent1"/>
+          </a:fillRef>
+          <a:effectRef idx="0">
+            <a:schemeClr val="accent1"/>
+          </a:effectRef>
+          <a:fontRef idx="minor">
+            <a:schemeClr val="tx1"/>
+          </a:fontRef>
+        </p:style>
+      </p:cxnSp>
+      <p:sp>
+        <p:nvSpPr>
+          <p:cNvPr id="75" name="Oval 74"/>
+          <p:cNvSpPr/>
+          <p:nvPr/>
+        </p:nvSpPr>
+        <p:spPr bwMode="gray">
+          <a:xfrm>
+            <a:off x="7397213" y="3715038"/>
+            <a:ext cx="306053" cy="265453"/>
+          </a:xfrm>
+          <a:prstGeom prst="ellipse">
+            <a:avLst/>
+          </a:prstGeom>
+          <a:pattFill prst="wdDnDiag">
+            <a:fgClr>
+              <a:schemeClr val="accent1"/>
+            </a:fgClr>
+            <a:bgClr>
+              <a:schemeClr val="bg1"/>
+            </a:bgClr>
+          </a:pattFill>
+          <a:ln w="6350" algn="ctr">
+            <a:noFill/>
+            <a:miter lim="800000"/>
+            <a:headEnd/>
+            <a:tailEnd/>
+          </a:ln>
+        </p:spPr>
+        <p:txBody>
+          <a:bodyPr lIns="90000" tIns="72000" rIns="90000" bIns="72000" rtlCol="0" anchor="ctr"/>
+          <a:lstStyle/>
+          <a:p>
+            <a:pPr marR="0" algn="ctr" defTabSz="914400" eaLnBrk="1" fontAlgn="base" latinLnBrk="0" hangingPunct="1">
+              <a:lnSpc>
+                <a:spcPct val="100000"/>
+              </a:lnSpc>
+              <a:spcBef>
+                <a:spcPct val="50000"/>
+              </a:spcBef>
+              <a:spcAft>
+                <a:spcPct val="0"/>
+              </a:spcAft>
+              <a:buClr>
+                <a:srgbClr val="F0AB00"/>
+              </a:buClr>
+              <a:buSzPct val="80000"/>
+              <a:tabLst/>
+            </a:pPr>
+            <a:endParaRPr kumimoji="0" lang="pt-BR" sz="2000" b="0" i="0" u="none" strike="noStrike" kern="0" cap="none" spc="0" normalizeH="0" baseline="0" noProof="0" dirty="0" err="1">
+              <a:ln>
+                <a:noFill/>
+              </a:ln>
+              <a:effectLst/>
+              <a:uLnTx/>
+              <a:uFillTx/>
+              <a:ea typeface="Arial Unicode MS" pitchFamily="34" charset="-128"/>
+              <a:cs typeface="Arial Unicode MS" pitchFamily="34" charset="-128"/>
+            </a:endParaRPr>
+          </a:p>
+        </p:txBody>
+      </p:sp>
+      <p:cxnSp>
+        <p:nvCxnSpPr>
+          <p:cNvPr id="76" name="Connector: Curved 75"/>
+          <p:cNvCxnSpPr>
+            <a:stCxn id="72" idx="0"/>
+            <a:endCxn id="77" idx="0"/>
+          </p:cNvCxnSpPr>
+          <p:nvPr/>
+        </p:nvCxnSpPr>
+        <p:spPr>
+          <a:xfrm rot="16200000" flipH="1">
+            <a:off x="2442590" y="1623961"/>
+            <a:ext cx="34451" cy="1776376"/>
+          </a:xfrm>
+          <a:prstGeom prst="curvedConnector3">
+            <a:avLst>
+              <a:gd name="adj1" fmla="val -279388"/>
+            </a:avLst>
+          </a:prstGeom>
+          <a:ln w="6350">
+            <a:solidFill>
+              <a:schemeClr val="tx1"/>
+            </a:solidFill>
+            <a:tailEnd type="triangle"/>
+          </a:ln>
+        </p:spPr>
+        <p:style>
+          <a:lnRef idx="1">
+            <a:schemeClr val="accent1"/>
+          </a:lnRef>
+          <a:fillRef idx="0">
+            <a:schemeClr val="accent1"/>
+          </a:fillRef>
+          <a:effectRef idx="0">
+            <a:schemeClr val="accent1"/>
+          </a:effectRef>
+          <a:fontRef idx="minor">
+            <a:schemeClr val="tx1"/>
+          </a:fontRef>
+        </p:style>
+      </p:cxnSp>
+      <p:sp>
+        <p:nvSpPr>
+          <p:cNvPr id="77" name="Rounded Rectangle 43"/>
+          <p:cNvSpPr/>
+          <p:nvPr/>
+        </p:nvSpPr>
+        <p:spPr bwMode="gray">
+          <a:xfrm>
+            <a:off x="2804990" y="2529375"/>
+            <a:ext cx="1086028" cy="1201306"/>
+          </a:xfrm>
+          <a:prstGeom prst="roundRect">
+            <a:avLst/>
+          </a:prstGeom>
+          <a:solidFill>
+            <a:schemeClr val="tx2">
+              <a:alpha val="40000"/>
+            </a:schemeClr>
+          </a:solidFill>
+          <a:ln w="6350" algn="ctr">
+            <a:noFill/>
+            <a:miter lim="800000"/>
+            <a:headEnd/>
+            <a:tailEnd/>
+          </a:ln>
+          <a:effectLst/>
+        </p:spPr>
+        <p:txBody>
+          <a:bodyPr lIns="90000" tIns="72000" rIns="90000" bIns="72000" rtlCol="0" anchor="ctr"/>
+          <a:lstStyle/>
+          <a:p>
+            <a:pPr marR="0" algn="ctr" defTabSz="914400" eaLnBrk="1" fontAlgn="base" latinLnBrk="0" hangingPunct="1">
+              <a:lnSpc>
+                <a:spcPct val="100000"/>
+              </a:lnSpc>
+              <a:spcBef>
+                <a:spcPct val="50000"/>
+              </a:spcBef>
+              <a:spcAft>
+                <a:spcPct val="0"/>
+              </a:spcAft>
+              <a:buClr>
+                <a:srgbClr val="F0AB00"/>
+              </a:buClr>
+              <a:buSzPct val="80000"/>
+              <a:tabLst/>
+            </a:pPr>
+            <a:endParaRPr kumimoji="0" lang="pt-BR" sz="1400" b="0" i="0" u="none" strike="noStrike" kern="0" cap="none" spc="0" normalizeH="0" baseline="0" noProof="1">
+              <a:ln>
+                <a:noFill/>
+              </a:ln>
+              <a:effectLst/>
+              <a:uLnTx/>
+              <a:uFillTx/>
+              <a:ea typeface="Arial Unicode MS" pitchFamily="34" charset="-128"/>
+              <a:cs typeface="Arial Unicode MS" pitchFamily="34" charset="-128"/>
+            </a:endParaRPr>
+          </a:p>
+          <a:p>
+            <a:pPr marR="0" algn="ctr" defTabSz="914400" eaLnBrk="1" fontAlgn="base" latinLnBrk="0" hangingPunct="1">
+              <a:lnSpc>
+                <a:spcPct val="100000"/>
+              </a:lnSpc>
+              <a:spcBef>
+                <a:spcPct val="50000"/>
+              </a:spcBef>
+              <a:spcAft>
+                <a:spcPct val="0"/>
+              </a:spcAft>
+              <a:buClr>
+                <a:srgbClr val="F0AB00"/>
+              </a:buClr>
+              <a:buSzPct val="80000"/>
+              <a:tabLst/>
+            </a:pPr>
+            <a:endParaRPr kumimoji="0" lang="pt-BR" sz="1400" b="0" i="0" u="none" strike="noStrike" kern="0" cap="none" spc="0" normalizeH="0" baseline="0" noProof="1">
+              <a:ln>
+                <a:noFill/>
+              </a:ln>
+              <a:effectLst/>
+              <a:uLnTx/>
+              <a:uFillTx/>
+              <a:ea typeface="Arial Unicode MS" pitchFamily="34" charset="-128"/>
+              <a:cs typeface="Arial Unicode MS" pitchFamily="34" charset="-128"/>
+            </a:endParaRPr>
+          </a:p>
+          <a:p>
+            <a:pPr marR="0" algn="ctr" defTabSz="914400" eaLnBrk="1" fontAlgn="base" latinLnBrk="0" hangingPunct="1">
+              <a:lnSpc>
+                <a:spcPct val="100000"/>
+              </a:lnSpc>
+              <a:spcBef>
+                <a:spcPct val="50000"/>
+              </a:spcBef>
+              <a:spcAft>
+                <a:spcPct val="0"/>
+              </a:spcAft>
+              <a:buClr>
+                <a:srgbClr val="F0AB00"/>
+              </a:buClr>
+              <a:buSzPct val="80000"/>
+              <a:tabLst/>
+            </a:pPr>
+            <a:endParaRPr lang="pt-BR" sz="2000" kern="0" noProof="1">
+              <a:ea typeface="Arial Unicode MS" pitchFamily="34" charset="-128"/>
+              <a:cs typeface="Arial Unicode MS" pitchFamily="34" charset="-128"/>
+            </a:endParaRPr>
+          </a:p>
+          <a:p>
+            <a:pPr marR="0" algn="ctr" defTabSz="914400" eaLnBrk="1" fontAlgn="base" latinLnBrk="0" hangingPunct="1">
+              <a:lnSpc>
+                <a:spcPct val="100000"/>
+              </a:lnSpc>
+              <a:spcBef>
+                <a:spcPct val="50000"/>
+              </a:spcBef>
+              <a:spcAft>
+                <a:spcPct val="0"/>
+              </a:spcAft>
+              <a:buClr>
+                <a:srgbClr val="F0AB00"/>
+              </a:buClr>
+              <a:buSzPct val="80000"/>
+              <a:tabLst/>
+            </a:pPr>
+            <a:endParaRPr lang="pt-BR" sz="1600" kern="0" noProof="1">
+              <a:ea typeface="Arial Unicode MS" pitchFamily="34" charset="-128"/>
+              <a:cs typeface="Arial Unicode MS" pitchFamily="34" charset="-128"/>
+            </a:endParaRPr>
+          </a:p>
+          <a:p>
+            <a:pPr marR="0" algn="ctr" defTabSz="914400" eaLnBrk="1" fontAlgn="base" latinLnBrk="0" hangingPunct="1">
+              <a:lnSpc>
+                <a:spcPct val="100000"/>
+              </a:lnSpc>
+              <a:spcBef>
+                <a:spcPct val="50000"/>
+              </a:spcBef>
+              <a:spcAft>
+                <a:spcPct val="0"/>
+              </a:spcAft>
+              <a:buClr>
+                <a:srgbClr val="F0AB00"/>
+              </a:buClr>
+              <a:buSzPct val="80000"/>
+              <a:tabLst/>
+            </a:pPr>
+            <a:r>
+              <a:rPr lang="pt-BR" sz="1400" kern="0" noProof="1">
+                <a:ea typeface="Arial Unicode MS" pitchFamily="34" charset="-128"/>
+                <a:cs typeface="Arial Unicode MS" pitchFamily="34" charset="-128"/>
+              </a:rPr>
+              <a:t>Nó 1</a:t>
+            </a:r>
+            <a:endParaRPr kumimoji="0" lang="pt-BR" sz="1400" b="0" i="0" u="none" strike="noStrike" kern="0" cap="none" spc="0" normalizeH="0" baseline="0" noProof="1">
+              <a:ln>
+                <a:noFill/>
+              </a:ln>
+              <a:effectLst/>
+              <a:uLnTx/>
+              <a:uFillTx/>
+              <a:ea typeface="Arial Unicode MS" pitchFamily="34" charset="-128"/>
+              <a:cs typeface="Arial Unicode MS" pitchFamily="34" charset="-128"/>
+            </a:endParaRPr>
+          </a:p>
+          <a:p>
+            <a:pPr marR="0" algn="ctr" defTabSz="914400" eaLnBrk="1" fontAlgn="base" latinLnBrk="0" hangingPunct="1">
+              <a:lnSpc>
+                <a:spcPct val="100000"/>
+              </a:lnSpc>
+              <a:spcBef>
+                <a:spcPct val="50000"/>
+              </a:spcBef>
+              <a:spcAft>
+                <a:spcPct val="0"/>
+              </a:spcAft>
+              <a:buClr>
+                <a:srgbClr val="F0AB00"/>
+              </a:buClr>
+              <a:buSzPct val="80000"/>
+              <a:tabLst/>
+            </a:pPr>
+            <a:endParaRPr lang="pt-BR" sz="2000" kern="0" noProof="1">
+              <a:ea typeface="Arial Unicode MS" pitchFamily="34" charset="-128"/>
+              <a:cs typeface="Arial Unicode MS" pitchFamily="34" charset="-128"/>
+            </a:endParaRPr>
+          </a:p>
+          <a:p>
+            <a:pPr marR="0" algn="ctr" defTabSz="914400" eaLnBrk="1" fontAlgn="base" latinLnBrk="0" hangingPunct="1">
+              <a:lnSpc>
+                <a:spcPct val="100000"/>
+              </a:lnSpc>
+              <a:spcBef>
+                <a:spcPct val="50000"/>
+              </a:spcBef>
+              <a:spcAft>
+                <a:spcPct val="0"/>
+              </a:spcAft>
+              <a:buClr>
+                <a:srgbClr val="F0AB00"/>
+              </a:buClr>
+              <a:buSzPct val="80000"/>
+              <a:tabLst/>
+            </a:pPr>
+            <a:endParaRPr kumimoji="0" lang="pt-BR" sz="2000" b="0" i="0" u="none" strike="noStrike" kern="0" cap="none" spc="0" normalizeH="0" baseline="0" noProof="1">
+              <a:ln>
+                <a:noFill/>
+              </a:ln>
+              <a:effectLst/>
+              <a:uLnTx/>
+              <a:uFillTx/>
+              <a:ea typeface="Arial Unicode MS" pitchFamily="34" charset="-128"/>
+              <a:cs typeface="Arial Unicode MS" pitchFamily="34" charset="-128"/>
+            </a:endParaRPr>
+          </a:p>
+          <a:p>
+            <a:pPr marR="0" algn="ctr" defTabSz="914400" eaLnBrk="1" fontAlgn="base" latinLnBrk="0" hangingPunct="1">
+              <a:lnSpc>
+                <a:spcPct val="100000"/>
+              </a:lnSpc>
+              <a:spcBef>
+                <a:spcPct val="50000"/>
+              </a:spcBef>
+              <a:spcAft>
+                <a:spcPct val="0"/>
+              </a:spcAft>
+              <a:buClr>
+                <a:srgbClr val="F0AB00"/>
+              </a:buClr>
+              <a:buSzPct val="80000"/>
+              <a:tabLst/>
+            </a:pPr>
+            <a:endParaRPr lang="pt-BR" sz="2000" kern="0" noProof="1">
+              <a:ea typeface="Arial Unicode MS" pitchFamily="34" charset="-128"/>
+              <a:cs typeface="Arial Unicode MS" pitchFamily="34" charset="-128"/>
+            </a:endParaRPr>
+          </a:p>
+          <a:p>
+            <a:pPr marR="0" algn="ctr" defTabSz="914400" eaLnBrk="1" fontAlgn="base" latinLnBrk="0" hangingPunct="1">
+              <a:lnSpc>
+                <a:spcPct val="100000"/>
+              </a:lnSpc>
+              <a:spcBef>
+                <a:spcPct val="50000"/>
+              </a:spcBef>
+              <a:spcAft>
+                <a:spcPct val="0"/>
+              </a:spcAft>
+              <a:buClr>
+                <a:srgbClr val="F0AB00"/>
+              </a:buClr>
+              <a:buSzPct val="80000"/>
+              <a:tabLst/>
+            </a:pPr>
+            <a:endParaRPr kumimoji="0" lang="pt-BR" sz="2000" b="0" i="0" u="none" strike="noStrike" kern="0" cap="none" spc="0" normalizeH="0" baseline="0" noProof="1">
+              <a:ln>
+                <a:noFill/>
+              </a:ln>
+              <a:effectLst/>
+              <a:uLnTx/>
+              <a:uFillTx/>
+              <a:ea typeface="Arial Unicode MS" pitchFamily="34" charset="-128"/>
+              <a:cs typeface="Arial Unicode MS" pitchFamily="34" charset="-128"/>
+            </a:endParaRPr>
+          </a:p>
+          <a:p>
+            <a:pPr marR="0" algn="ctr" defTabSz="914400" eaLnBrk="1" fontAlgn="base" latinLnBrk="0" hangingPunct="1">
+              <a:lnSpc>
+                <a:spcPct val="100000"/>
+              </a:lnSpc>
+              <a:spcBef>
+                <a:spcPct val="50000"/>
+              </a:spcBef>
+              <a:spcAft>
+                <a:spcPct val="0"/>
+              </a:spcAft>
+              <a:buClr>
+                <a:srgbClr val="F0AB00"/>
+              </a:buClr>
+              <a:buSzPct val="80000"/>
+              <a:tabLst/>
+            </a:pPr>
+            <a:endParaRPr kumimoji="0" lang="pt-BR" sz="2000" b="0" i="0" u="none" strike="noStrike" kern="0" cap="none" spc="0" normalizeH="0" baseline="0" noProof="1">
+              <a:ln>
+                <a:noFill/>
+              </a:ln>
+              <a:effectLst/>
+              <a:uLnTx/>
+              <a:uFillTx/>
+              <a:ea typeface="Arial Unicode MS" pitchFamily="34" charset="-128"/>
+              <a:cs typeface="Arial Unicode MS" pitchFamily="34" charset="-128"/>
+            </a:endParaRPr>
+          </a:p>
+        </p:txBody>
+      </p:sp>
+      <p:cxnSp>
+        <p:nvCxnSpPr>
+          <p:cNvPr id="81" name="Connector: Curved 80"/>
+          <p:cNvCxnSpPr>
+            <a:stCxn id="72" idx="0"/>
+            <a:endCxn id="93" idx="0"/>
+          </p:cNvCxnSpPr>
+          <p:nvPr/>
+        </p:nvCxnSpPr>
+        <p:spPr>
+          <a:xfrm rot="16200000" flipH="1">
+            <a:off x="4885060" y="-818508"/>
+            <a:ext cx="47788" cy="6674652"/>
+          </a:xfrm>
+          <a:prstGeom prst="curvedConnector3">
+            <a:avLst>
+              <a:gd name="adj1" fmla="val -478363"/>
+            </a:avLst>
+          </a:prstGeom>
+          <a:ln w="6350">
+            <a:solidFill>
+              <a:schemeClr val="tx1"/>
+            </a:solidFill>
+            <a:tailEnd type="triangle"/>
+          </a:ln>
+        </p:spPr>
+        <p:style>
+          <a:lnRef idx="1">
+            <a:schemeClr val="accent1"/>
+          </a:lnRef>
+          <a:fillRef idx="0">
+            <a:schemeClr val="accent1"/>
+          </a:fillRef>
+          <a:effectRef idx="0">
+            <a:schemeClr val="accent1"/>
+          </a:effectRef>
+          <a:fontRef idx="minor">
+            <a:schemeClr val="tx1"/>
+          </a:fontRef>
+        </p:style>
+      </p:cxnSp>
+      <p:sp>
+        <p:nvSpPr>
+          <p:cNvPr id="86" name="Oval 85"/>
+          <p:cNvSpPr/>
+          <p:nvPr/>
+        </p:nvSpPr>
+        <p:spPr bwMode="gray">
+          <a:xfrm>
+            <a:off x="2518543" y="3717959"/>
+            <a:ext cx="306053" cy="265453"/>
+          </a:xfrm>
+          <a:prstGeom prst="ellipse">
+            <a:avLst/>
+          </a:prstGeom>
+          <a:solidFill>
+            <a:schemeClr val="bg1"/>
+          </a:solidFill>
+          <a:ln w="19050" algn="ctr">
+            <a:solidFill>
+              <a:schemeClr val="tx1"/>
+            </a:solidFill>
+            <a:miter lim="800000"/>
+            <a:headEnd/>
+            <a:tailEnd/>
+          </a:ln>
+        </p:spPr>
+        <p:txBody>
+          <a:bodyPr lIns="90000" tIns="72000" rIns="90000" bIns="72000" rtlCol="0" anchor="ctr"/>
+          <a:lstStyle/>
+          <a:p>
+            <a:pPr algn="ctr" defTabSz="914400" fontAlgn="base">
+              <a:spcBef>
+                <a:spcPct val="50000"/>
+              </a:spcBef>
+              <a:spcAft>
+                <a:spcPct val="0"/>
+              </a:spcAft>
+              <a:buClr>
+                <a:srgbClr val="F0AB00"/>
+              </a:buClr>
+              <a:buSzPct val="80000"/>
+            </a:pPr>
+            <a:endParaRPr lang="pt-BR" sz="2000" kern="0" dirty="0" err="1">
+              <a:ea typeface="Arial Unicode MS" pitchFamily="34" charset="-128"/>
+              <a:cs typeface="Arial Unicode MS" pitchFamily="34" charset="-128"/>
+            </a:endParaRPr>
+          </a:p>
+        </p:txBody>
+      </p:sp>
+      <p:cxnSp>
+        <p:nvCxnSpPr>
+          <p:cNvPr id="87" name="Straight Connector 86"/>
+          <p:cNvCxnSpPr/>
+          <p:nvPr/>
+        </p:nvCxnSpPr>
+        <p:spPr>
+          <a:xfrm flipH="1">
+            <a:off x="2275865" y="2543289"/>
+            <a:ext cx="9877" cy="1304852"/>
+          </a:xfrm>
+          <a:prstGeom prst="line">
+            <a:avLst/>
+          </a:prstGeom>
+          <a:ln w="6350">
+            <a:solidFill>
+              <a:schemeClr val="tx1"/>
+            </a:solidFill>
+            <a:prstDash val="dash"/>
+          </a:ln>
+        </p:spPr>
+        <p:style>
+          <a:lnRef idx="1">
+            <a:schemeClr val="accent1"/>
+          </a:lnRef>
+          <a:fillRef idx="0">
+            <a:schemeClr val="accent1"/>
+          </a:fillRef>
+          <a:effectRef idx="0">
+            <a:schemeClr val="accent1"/>
+          </a:effectRef>
+          <a:fontRef idx="minor">
+            <a:schemeClr val="tx1"/>
+          </a:fontRef>
+        </p:style>
+      </p:cxnSp>
+      <p:sp>
+        <p:nvSpPr>
+          <p:cNvPr id="88" name="Oval 87"/>
+          <p:cNvSpPr/>
+          <p:nvPr/>
+        </p:nvSpPr>
+        <p:spPr bwMode="gray">
+          <a:xfrm>
+            <a:off x="1337628" y="3163645"/>
+            <a:ext cx="468000" cy="432439"/>
+          </a:xfrm>
+          <a:prstGeom prst="ellipse">
+            <a:avLst/>
+          </a:prstGeom>
+          <a:ln>
+            <a:headEnd/>
+            <a:tailEnd/>
+          </a:ln>
+        </p:spPr>
+        <p:style>
+          <a:lnRef idx="2">
+            <a:schemeClr val="dk1"/>
+          </a:lnRef>
+          <a:fillRef idx="1">
+            <a:schemeClr val="lt1"/>
+          </a:fillRef>
+          <a:effectRef idx="0">
+            <a:schemeClr val="dk1"/>
+          </a:effectRef>
+          <a:fontRef idx="minor">
+            <a:schemeClr val="dk1"/>
+          </a:fontRef>
+        </p:style>
+        <p:txBody>
+          <a:bodyPr lIns="90000" tIns="72000" rIns="90000" bIns="72000" rtlCol="0" anchor="ctr"/>
+          <a:lstStyle/>
+          <a:p>
+            <a:pPr marR="0" algn="ctr" defTabSz="914400" eaLnBrk="1" fontAlgn="base" latinLnBrk="0" hangingPunct="1">
+              <a:lnSpc>
+                <a:spcPct val="100000"/>
+              </a:lnSpc>
+              <a:spcBef>
+                <a:spcPct val="50000"/>
+              </a:spcBef>
+              <a:spcAft>
+                <a:spcPct val="0"/>
+              </a:spcAft>
+              <a:buClr>
+                <a:srgbClr val="F0AB00"/>
+              </a:buClr>
+              <a:buSzPct val="80000"/>
+              <a:tabLst/>
+            </a:pPr>
+            <a:r>
+              <a:rPr lang="pt-BR" sz="800" kern="0" noProof="1">
+                <a:ea typeface="Arial Unicode MS" pitchFamily="34" charset="-128"/>
+                <a:cs typeface="Arial Unicode MS" pitchFamily="34" charset="-128"/>
+              </a:rPr>
+              <a:t>CR</a:t>
+            </a:r>
+            <a:endParaRPr kumimoji="0" lang="pt-BR" sz="800" b="0" i="0" u="none" strike="noStrike" kern="0" cap="none" spc="0" normalizeH="0" baseline="0" noProof="1">
+              <a:ln>
+                <a:noFill/>
+              </a:ln>
+              <a:effectLst/>
+              <a:uLnTx/>
+              <a:uFillTx/>
+              <a:ea typeface="Arial Unicode MS" pitchFamily="34" charset="-128"/>
+              <a:cs typeface="Arial Unicode MS" pitchFamily="34" charset="-128"/>
+            </a:endParaRPr>
+          </a:p>
+        </p:txBody>
+      </p:sp>
+      <p:sp>
+        <p:nvSpPr>
+          <p:cNvPr id="89" name="Oval 88"/>
+          <p:cNvSpPr/>
+          <p:nvPr/>
+        </p:nvSpPr>
+        <p:spPr bwMode="gray">
+          <a:xfrm>
+            <a:off x="2870345" y="2812487"/>
+            <a:ext cx="468000" cy="432439"/>
+          </a:xfrm>
+          <a:prstGeom prst="ellipse">
+            <a:avLst/>
+          </a:prstGeom>
+          <a:ln>
+            <a:headEnd/>
+            <a:tailEnd/>
+          </a:ln>
+        </p:spPr>
+        <p:style>
+          <a:lnRef idx="2">
+            <a:schemeClr val="dk1"/>
+          </a:lnRef>
+          <a:fillRef idx="1">
+            <a:schemeClr val="lt1"/>
+          </a:fillRef>
+          <a:effectRef idx="0">
+            <a:schemeClr val="dk1"/>
+          </a:effectRef>
+          <a:fontRef idx="minor">
+            <a:schemeClr val="dk1"/>
+          </a:fontRef>
+        </p:style>
+        <p:txBody>
+          <a:bodyPr lIns="90000" tIns="72000" rIns="90000" bIns="72000" rtlCol="0" anchor="ctr"/>
+          <a:lstStyle/>
+          <a:p>
+            <a:pPr marR="0" algn="ctr" defTabSz="914400" eaLnBrk="1" fontAlgn="base" latinLnBrk="0" hangingPunct="1">
+              <a:lnSpc>
+                <a:spcPct val="100000"/>
+              </a:lnSpc>
+              <a:spcBef>
+                <a:spcPct val="50000"/>
+              </a:spcBef>
+              <a:spcAft>
+                <a:spcPct val="0"/>
+              </a:spcAft>
+              <a:buClr>
+                <a:srgbClr val="F0AB00"/>
+              </a:buClr>
+              <a:buSzPct val="80000"/>
+              <a:tabLst/>
+            </a:pPr>
+            <a:r>
+              <a:rPr lang="pt-BR" sz="800" kern="0" noProof="1">
+                <a:ea typeface="Arial Unicode MS" pitchFamily="34" charset="-128"/>
+                <a:cs typeface="Arial Unicode MS" pitchFamily="34" charset="-128"/>
+              </a:rPr>
+              <a:t>CR</a:t>
+            </a:r>
+            <a:endParaRPr kumimoji="0" lang="pt-BR" sz="800" b="0" i="0" u="none" strike="noStrike" kern="0" cap="none" spc="0" normalizeH="0" baseline="0" noProof="1">
+              <a:ln>
+                <a:noFill/>
+              </a:ln>
+              <a:effectLst/>
+              <a:uLnTx/>
+              <a:uFillTx/>
+              <a:ea typeface="Arial Unicode MS" pitchFamily="34" charset="-128"/>
+              <a:cs typeface="Arial Unicode MS" pitchFamily="34" charset="-128"/>
+            </a:endParaRPr>
+          </a:p>
+        </p:txBody>
+      </p:sp>
+      <p:sp>
+        <p:nvSpPr>
+          <p:cNvPr id="90" name="Oval 89"/>
+          <p:cNvSpPr/>
+          <p:nvPr/>
+        </p:nvSpPr>
+        <p:spPr bwMode="gray">
+          <a:xfrm>
+            <a:off x="3377594" y="2817293"/>
+            <a:ext cx="468000" cy="422825"/>
+          </a:xfrm>
+          <a:prstGeom prst="ellipse">
+            <a:avLst/>
+          </a:prstGeom>
+          <a:ln>
+            <a:headEnd/>
+            <a:tailEnd/>
+          </a:ln>
+        </p:spPr>
+        <p:style>
+          <a:lnRef idx="2">
+            <a:schemeClr val="dk1"/>
+          </a:lnRef>
+          <a:fillRef idx="1">
+            <a:schemeClr val="lt1"/>
+          </a:fillRef>
+          <a:effectRef idx="0">
+            <a:schemeClr val="dk1"/>
+          </a:effectRef>
+          <a:fontRef idx="minor">
+            <a:schemeClr val="dk1"/>
+          </a:fontRef>
+        </p:style>
+        <p:txBody>
+          <a:bodyPr lIns="90000" tIns="72000" rIns="90000" bIns="72000" rtlCol="0" anchor="ctr"/>
+          <a:lstStyle/>
+          <a:p>
+            <a:pPr marR="0" algn="ctr" defTabSz="914400" eaLnBrk="1" fontAlgn="base" latinLnBrk="0" hangingPunct="1">
+              <a:lnSpc>
+                <a:spcPct val="100000"/>
+              </a:lnSpc>
+              <a:spcBef>
+                <a:spcPct val="50000"/>
+              </a:spcBef>
+              <a:spcAft>
+                <a:spcPct val="0"/>
+              </a:spcAft>
+              <a:buClr>
+                <a:srgbClr val="F0AB00"/>
+              </a:buClr>
+              <a:buSzPct val="80000"/>
+              <a:tabLst/>
+            </a:pPr>
+            <a:r>
+              <a:rPr lang="pt-BR" sz="800" kern="0" noProof="1">
+                <a:ea typeface="Arial Unicode MS" pitchFamily="34" charset="-128"/>
+                <a:cs typeface="Arial Unicode MS" pitchFamily="34" charset="-128"/>
+              </a:rPr>
+              <a:t>CR</a:t>
+            </a:r>
+            <a:endParaRPr kumimoji="0" lang="pt-BR" sz="800" b="0" i="0" u="none" strike="noStrike" kern="0" cap="none" spc="0" normalizeH="0" baseline="0" noProof="1">
+              <a:ln>
+                <a:noFill/>
+              </a:ln>
+              <a:effectLst/>
+              <a:uLnTx/>
+              <a:uFillTx/>
+              <a:ea typeface="Arial Unicode MS" pitchFamily="34" charset="-128"/>
+              <a:cs typeface="Arial Unicode MS" pitchFamily="34" charset="-128"/>
+            </a:endParaRPr>
+          </a:p>
+        </p:txBody>
+      </p:sp>
+      <p:sp>
+        <p:nvSpPr>
+          <p:cNvPr id="91" name="Oval 90"/>
+          <p:cNvSpPr/>
+          <p:nvPr/>
+        </p:nvSpPr>
+        <p:spPr bwMode="gray">
+          <a:xfrm>
+            <a:off x="2870345" y="3251246"/>
+            <a:ext cx="468000" cy="432439"/>
+          </a:xfrm>
+          <a:prstGeom prst="ellipse">
+            <a:avLst/>
+          </a:prstGeom>
+          <a:ln>
+            <a:headEnd/>
+            <a:tailEnd/>
+          </a:ln>
+        </p:spPr>
+        <p:style>
+          <a:lnRef idx="2">
+            <a:schemeClr val="dk1"/>
+          </a:lnRef>
+          <a:fillRef idx="1">
+            <a:schemeClr val="lt1"/>
+          </a:fillRef>
+          <a:effectRef idx="0">
+            <a:schemeClr val="dk1"/>
+          </a:effectRef>
+          <a:fontRef idx="minor">
+            <a:schemeClr val="dk1"/>
+          </a:fontRef>
+        </p:style>
+        <p:txBody>
+          <a:bodyPr lIns="90000" tIns="72000" rIns="90000" bIns="72000" rtlCol="0" anchor="ctr"/>
+          <a:lstStyle/>
+          <a:p>
+            <a:pPr marR="0" algn="ctr" defTabSz="914400" eaLnBrk="1" fontAlgn="base" latinLnBrk="0" hangingPunct="1">
+              <a:lnSpc>
+                <a:spcPct val="100000"/>
+              </a:lnSpc>
+              <a:spcBef>
+                <a:spcPct val="50000"/>
+              </a:spcBef>
+              <a:spcAft>
+                <a:spcPct val="0"/>
+              </a:spcAft>
+              <a:buClr>
+                <a:srgbClr val="F0AB00"/>
+              </a:buClr>
+              <a:buSzPct val="80000"/>
+              <a:tabLst/>
+            </a:pPr>
+            <a:r>
+              <a:rPr lang="pt-BR" sz="800" kern="0" noProof="1">
+                <a:ea typeface="Arial Unicode MS" pitchFamily="34" charset="-128"/>
+                <a:cs typeface="Arial Unicode MS" pitchFamily="34" charset="-128"/>
+              </a:rPr>
+              <a:t>CR</a:t>
+            </a:r>
+            <a:endParaRPr kumimoji="0" lang="pt-BR" sz="800" b="0" i="0" u="none" strike="noStrike" kern="0" cap="none" spc="0" normalizeH="0" baseline="0" noProof="1">
+              <a:ln>
+                <a:noFill/>
+              </a:ln>
+              <a:effectLst/>
+              <a:uLnTx/>
+              <a:uFillTx/>
+              <a:ea typeface="Arial Unicode MS" pitchFamily="34" charset="-128"/>
+              <a:cs typeface="Arial Unicode MS" pitchFamily="34" charset="-128"/>
+            </a:endParaRPr>
+          </a:p>
+        </p:txBody>
+      </p:sp>
+      <p:sp>
+        <p:nvSpPr>
+          <p:cNvPr id="92" name="Oval 91"/>
+          <p:cNvSpPr/>
+          <p:nvPr/>
+        </p:nvSpPr>
+        <p:spPr bwMode="gray">
+          <a:xfrm>
+            <a:off x="3389593" y="3265205"/>
+            <a:ext cx="468000" cy="432439"/>
+          </a:xfrm>
+          <a:prstGeom prst="ellipse">
+            <a:avLst/>
+          </a:prstGeom>
+          <a:ln>
+            <a:headEnd/>
+            <a:tailEnd/>
+          </a:ln>
+        </p:spPr>
+        <p:style>
+          <a:lnRef idx="2">
+            <a:schemeClr val="dk1"/>
+          </a:lnRef>
+          <a:fillRef idx="1">
+            <a:schemeClr val="lt1"/>
+          </a:fillRef>
+          <a:effectRef idx="0">
+            <a:schemeClr val="dk1"/>
+          </a:effectRef>
+          <a:fontRef idx="minor">
+            <a:schemeClr val="dk1"/>
+          </a:fontRef>
+        </p:style>
+        <p:txBody>
+          <a:bodyPr lIns="90000" tIns="72000" rIns="90000" bIns="72000" rtlCol="0" anchor="ctr"/>
+          <a:lstStyle/>
+          <a:p>
+            <a:pPr marR="0" algn="ctr" defTabSz="914400" eaLnBrk="1" fontAlgn="base" latinLnBrk="0" hangingPunct="1">
+              <a:lnSpc>
+                <a:spcPct val="100000"/>
+              </a:lnSpc>
+              <a:spcBef>
+                <a:spcPct val="50000"/>
+              </a:spcBef>
+              <a:spcAft>
+                <a:spcPct val="0"/>
+              </a:spcAft>
+              <a:buClr>
+                <a:srgbClr val="F0AB00"/>
+              </a:buClr>
+              <a:buSzPct val="80000"/>
+              <a:tabLst/>
+            </a:pPr>
+            <a:r>
+              <a:rPr lang="pt-BR" sz="800" kern="0" noProof="1">
+                <a:ea typeface="Arial Unicode MS" pitchFamily="34" charset="-128"/>
+                <a:cs typeface="Arial Unicode MS" pitchFamily="34" charset="-128"/>
+              </a:rPr>
+              <a:t>CR</a:t>
+            </a:r>
+            <a:endParaRPr kumimoji="0" lang="pt-BR" sz="800" b="0" i="0" u="none" strike="noStrike" kern="0" cap="none" spc="0" normalizeH="0" baseline="0" noProof="1">
+              <a:ln>
+                <a:noFill/>
+              </a:ln>
+              <a:effectLst/>
+              <a:uLnTx/>
+              <a:uFillTx/>
+              <a:ea typeface="Arial Unicode MS" pitchFamily="34" charset="-128"/>
+              <a:cs typeface="Arial Unicode MS" pitchFamily="34" charset="-128"/>
+            </a:endParaRPr>
+          </a:p>
+        </p:txBody>
+      </p:sp>
+      <p:sp>
+        <p:nvSpPr>
+          <p:cNvPr id="93" name="Rounded Rectangle 43"/>
+          <p:cNvSpPr/>
+          <p:nvPr/>
+        </p:nvSpPr>
+        <p:spPr bwMode="gray">
+          <a:xfrm>
+            <a:off x="7703266" y="2542712"/>
+            <a:ext cx="1086028" cy="1201306"/>
+          </a:xfrm>
+          <a:prstGeom prst="roundRect">
+            <a:avLst/>
+          </a:prstGeom>
+          <a:solidFill>
+            <a:schemeClr val="tx2">
+              <a:alpha val="40000"/>
+            </a:schemeClr>
+          </a:solidFill>
+          <a:ln w="6350" algn="ctr">
+            <a:noFill/>
+            <a:miter lim="800000"/>
+            <a:headEnd/>
+            <a:tailEnd/>
+          </a:ln>
+          <a:effectLst/>
+        </p:spPr>
+        <p:txBody>
+          <a:bodyPr lIns="90000" tIns="72000" rIns="90000" bIns="72000" rtlCol="0" anchor="ctr"/>
+          <a:lstStyle/>
+          <a:p>
+            <a:pPr marR="0" algn="ctr" defTabSz="914400" eaLnBrk="1" fontAlgn="base" latinLnBrk="0" hangingPunct="1">
+              <a:lnSpc>
+                <a:spcPct val="100000"/>
+              </a:lnSpc>
+              <a:spcBef>
+                <a:spcPct val="50000"/>
+              </a:spcBef>
+              <a:spcAft>
+                <a:spcPct val="0"/>
+              </a:spcAft>
+              <a:buClr>
+                <a:srgbClr val="F0AB00"/>
+              </a:buClr>
+              <a:buSzPct val="80000"/>
+              <a:tabLst/>
+            </a:pPr>
+            <a:endParaRPr kumimoji="0" lang="pt-BR" sz="1400" b="0" i="0" u="none" strike="noStrike" kern="0" cap="none" spc="0" normalizeH="0" baseline="0" noProof="1">
+              <a:ln>
+                <a:noFill/>
+              </a:ln>
+              <a:effectLst/>
+              <a:uLnTx/>
+              <a:uFillTx/>
+              <a:ea typeface="Arial Unicode MS" pitchFamily="34" charset="-128"/>
+              <a:cs typeface="Arial Unicode MS" pitchFamily="34" charset="-128"/>
+            </a:endParaRPr>
+          </a:p>
+          <a:p>
+            <a:pPr marR="0" algn="ctr" defTabSz="914400" eaLnBrk="1" fontAlgn="base" latinLnBrk="0" hangingPunct="1">
+              <a:lnSpc>
+                <a:spcPct val="100000"/>
+              </a:lnSpc>
+              <a:spcBef>
+                <a:spcPct val="50000"/>
+              </a:spcBef>
+              <a:spcAft>
+                <a:spcPct val="0"/>
+              </a:spcAft>
+              <a:buClr>
+                <a:srgbClr val="F0AB00"/>
+              </a:buClr>
+              <a:buSzPct val="80000"/>
+              <a:tabLst/>
+            </a:pPr>
+            <a:endParaRPr kumimoji="0" lang="pt-BR" sz="1400" b="0" i="0" u="none" strike="noStrike" kern="0" cap="none" spc="0" normalizeH="0" baseline="0" noProof="1">
+              <a:ln>
+                <a:noFill/>
+              </a:ln>
+              <a:effectLst/>
+              <a:uLnTx/>
+              <a:uFillTx/>
+              <a:ea typeface="Arial Unicode MS" pitchFamily="34" charset="-128"/>
+              <a:cs typeface="Arial Unicode MS" pitchFamily="34" charset="-128"/>
+            </a:endParaRPr>
+          </a:p>
+          <a:p>
+            <a:pPr marR="0" algn="ctr" defTabSz="914400" eaLnBrk="1" fontAlgn="base" latinLnBrk="0" hangingPunct="1">
+              <a:lnSpc>
+                <a:spcPct val="100000"/>
+              </a:lnSpc>
+              <a:spcBef>
+                <a:spcPct val="50000"/>
+              </a:spcBef>
+              <a:spcAft>
+                <a:spcPct val="0"/>
+              </a:spcAft>
+              <a:buClr>
+                <a:srgbClr val="F0AB00"/>
+              </a:buClr>
+              <a:buSzPct val="80000"/>
+              <a:tabLst/>
+            </a:pPr>
+            <a:endParaRPr lang="pt-BR" sz="2000" kern="0" noProof="1">
+              <a:ea typeface="Arial Unicode MS" pitchFamily="34" charset="-128"/>
+              <a:cs typeface="Arial Unicode MS" pitchFamily="34" charset="-128"/>
+            </a:endParaRPr>
+          </a:p>
+          <a:p>
+            <a:pPr marR="0" algn="ctr" defTabSz="914400" eaLnBrk="1" fontAlgn="base" latinLnBrk="0" hangingPunct="1">
+              <a:lnSpc>
+                <a:spcPct val="100000"/>
+              </a:lnSpc>
+              <a:spcBef>
+                <a:spcPct val="50000"/>
+              </a:spcBef>
+              <a:spcAft>
+                <a:spcPct val="0"/>
+              </a:spcAft>
+              <a:buClr>
+                <a:srgbClr val="F0AB00"/>
+              </a:buClr>
+              <a:buSzPct val="80000"/>
+              <a:tabLst/>
+            </a:pPr>
+            <a:endParaRPr lang="pt-BR" sz="1600" kern="0" noProof="1">
+              <a:ea typeface="Arial Unicode MS" pitchFamily="34" charset="-128"/>
+              <a:cs typeface="Arial Unicode MS" pitchFamily="34" charset="-128"/>
+            </a:endParaRPr>
+          </a:p>
+          <a:p>
+            <a:pPr marR="0" algn="ctr" defTabSz="914400" eaLnBrk="1" fontAlgn="base" latinLnBrk="0" hangingPunct="1">
+              <a:lnSpc>
+                <a:spcPct val="100000"/>
+              </a:lnSpc>
+              <a:spcBef>
+                <a:spcPct val="50000"/>
+              </a:spcBef>
+              <a:spcAft>
+                <a:spcPct val="0"/>
+              </a:spcAft>
+              <a:buClr>
+                <a:srgbClr val="F0AB00"/>
+              </a:buClr>
+              <a:buSzPct val="80000"/>
+              <a:tabLst/>
+            </a:pPr>
+            <a:r>
+              <a:rPr lang="pt-BR" sz="1400" kern="0" noProof="1">
+                <a:ea typeface="Arial Unicode MS" pitchFamily="34" charset="-128"/>
+                <a:cs typeface="Arial Unicode MS" pitchFamily="34" charset="-128"/>
+              </a:rPr>
+              <a:t>Nó 2</a:t>
+            </a:r>
+            <a:endParaRPr kumimoji="0" lang="pt-BR" sz="1400" b="0" i="0" u="none" strike="noStrike" kern="0" cap="none" spc="0" normalizeH="0" baseline="0" noProof="1">
+              <a:ln>
+                <a:noFill/>
+              </a:ln>
+              <a:effectLst/>
+              <a:uLnTx/>
+              <a:uFillTx/>
+              <a:ea typeface="Arial Unicode MS" pitchFamily="34" charset="-128"/>
+              <a:cs typeface="Arial Unicode MS" pitchFamily="34" charset="-128"/>
+            </a:endParaRPr>
+          </a:p>
+          <a:p>
+            <a:pPr marR="0" algn="ctr" defTabSz="914400" eaLnBrk="1" fontAlgn="base" latinLnBrk="0" hangingPunct="1">
+              <a:lnSpc>
+                <a:spcPct val="100000"/>
+              </a:lnSpc>
+              <a:spcBef>
+                <a:spcPct val="50000"/>
+              </a:spcBef>
+              <a:spcAft>
+                <a:spcPct val="0"/>
+              </a:spcAft>
+              <a:buClr>
+                <a:srgbClr val="F0AB00"/>
+              </a:buClr>
+              <a:buSzPct val="80000"/>
+              <a:tabLst/>
+            </a:pPr>
+            <a:endParaRPr lang="pt-BR" sz="2000" kern="0" noProof="1">
+              <a:ea typeface="Arial Unicode MS" pitchFamily="34" charset="-128"/>
+              <a:cs typeface="Arial Unicode MS" pitchFamily="34" charset="-128"/>
+            </a:endParaRPr>
+          </a:p>
+          <a:p>
+            <a:pPr marR="0" algn="ctr" defTabSz="914400" eaLnBrk="1" fontAlgn="base" latinLnBrk="0" hangingPunct="1">
+              <a:lnSpc>
+                <a:spcPct val="100000"/>
+              </a:lnSpc>
+              <a:spcBef>
+                <a:spcPct val="50000"/>
+              </a:spcBef>
+              <a:spcAft>
+                <a:spcPct val="0"/>
+              </a:spcAft>
+              <a:buClr>
+                <a:srgbClr val="F0AB00"/>
+              </a:buClr>
+              <a:buSzPct val="80000"/>
+              <a:tabLst/>
+            </a:pPr>
+            <a:endParaRPr kumimoji="0" lang="pt-BR" sz="2000" b="0" i="0" u="none" strike="noStrike" kern="0" cap="none" spc="0" normalizeH="0" baseline="0" noProof="1">
+              <a:ln>
+                <a:noFill/>
+              </a:ln>
+              <a:effectLst/>
+              <a:uLnTx/>
+              <a:uFillTx/>
+              <a:ea typeface="Arial Unicode MS" pitchFamily="34" charset="-128"/>
+              <a:cs typeface="Arial Unicode MS" pitchFamily="34" charset="-128"/>
+            </a:endParaRPr>
+          </a:p>
+          <a:p>
+            <a:pPr marR="0" algn="ctr" defTabSz="914400" eaLnBrk="1" fontAlgn="base" latinLnBrk="0" hangingPunct="1">
+              <a:lnSpc>
+                <a:spcPct val="100000"/>
+              </a:lnSpc>
+              <a:spcBef>
+                <a:spcPct val="50000"/>
+              </a:spcBef>
+              <a:spcAft>
+                <a:spcPct val="0"/>
+              </a:spcAft>
+              <a:buClr>
+                <a:srgbClr val="F0AB00"/>
+              </a:buClr>
+              <a:buSzPct val="80000"/>
+              <a:tabLst/>
+            </a:pPr>
+            <a:endParaRPr lang="pt-BR" sz="2000" kern="0" noProof="1">
+              <a:ea typeface="Arial Unicode MS" pitchFamily="34" charset="-128"/>
+              <a:cs typeface="Arial Unicode MS" pitchFamily="34" charset="-128"/>
+            </a:endParaRPr>
+          </a:p>
+          <a:p>
+            <a:pPr marR="0" algn="ctr" defTabSz="914400" eaLnBrk="1" fontAlgn="base" latinLnBrk="0" hangingPunct="1">
+              <a:lnSpc>
+                <a:spcPct val="100000"/>
+              </a:lnSpc>
+              <a:spcBef>
+                <a:spcPct val="50000"/>
+              </a:spcBef>
+              <a:spcAft>
+                <a:spcPct val="0"/>
+              </a:spcAft>
+              <a:buClr>
+                <a:srgbClr val="F0AB00"/>
+              </a:buClr>
+              <a:buSzPct val="80000"/>
+              <a:tabLst/>
+            </a:pPr>
+            <a:endParaRPr kumimoji="0" lang="pt-BR" sz="2000" b="0" i="0" u="none" strike="noStrike" kern="0" cap="none" spc="0" normalizeH="0" baseline="0" noProof="1">
+              <a:ln>
+                <a:noFill/>
+              </a:ln>
+              <a:effectLst/>
+              <a:uLnTx/>
+              <a:uFillTx/>
+              <a:ea typeface="Arial Unicode MS" pitchFamily="34" charset="-128"/>
+              <a:cs typeface="Arial Unicode MS" pitchFamily="34" charset="-128"/>
+            </a:endParaRPr>
+          </a:p>
+          <a:p>
+            <a:pPr marR="0" algn="ctr" defTabSz="914400" eaLnBrk="1" fontAlgn="base" latinLnBrk="0" hangingPunct="1">
+              <a:lnSpc>
+                <a:spcPct val="100000"/>
+              </a:lnSpc>
+              <a:spcBef>
+                <a:spcPct val="50000"/>
+              </a:spcBef>
+              <a:spcAft>
+                <a:spcPct val="0"/>
+              </a:spcAft>
+              <a:buClr>
+                <a:srgbClr val="F0AB00"/>
+              </a:buClr>
+              <a:buSzPct val="80000"/>
+              <a:tabLst/>
+            </a:pPr>
+            <a:endParaRPr kumimoji="0" lang="pt-BR" sz="2000" b="0" i="0" u="none" strike="noStrike" kern="0" cap="none" spc="0" normalizeH="0" baseline="0" noProof="1">
+              <a:ln>
+                <a:noFill/>
+              </a:ln>
+              <a:effectLst/>
+              <a:uLnTx/>
+              <a:uFillTx/>
+              <a:ea typeface="Arial Unicode MS" pitchFamily="34" charset="-128"/>
+              <a:cs typeface="Arial Unicode MS" pitchFamily="34" charset="-128"/>
+            </a:endParaRPr>
+          </a:p>
+        </p:txBody>
+      </p:sp>
+      <p:sp>
+        <p:nvSpPr>
+          <p:cNvPr id="94" name="Oval 93"/>
+          <p:cNvSpPr/>
+          <p:nvPr/>
+        </p:nvSpPr>
+        <p:spPr bwMode="gray">
+          <a:xfrm>
+            <a:off x="7768621" y="2825824"/>
+            <a:ext cx="468000" cy="432439"/>
+          </a:xfrm>
+          <a:prstGeom prst="ellipse">
+            <a:avLst/>
+          </a:prstGeom>
+          <a:ln>
+            <a:headEnd/>
+            <a:tailEnd/>
+          </a:ln>
+        </p:spPr>
+        <p:style>
+          <a:lnRef idx="2">
+            <a:schemeClr val="dk1"/>
+          </a:lnRef>
+          <a:fillRef idx="1">
+            <a:schemeClr val="lt1"/>
+          </a:fillRef>
+          <a:effectRef idx="0">
+            <a:schemeClr val="dk1"/>
+          </a:effectRef>
+          <a:fontRef idx="minor">
+            <a:schemeClr val="dk1"/>
+          </a:fontRef>
+        </p:style>
+        <p:txBody>
+          <a:bodyPr lIns="90000" tIns="72000" rIns="90000" bIns="72000" rtlCol="0" anchor="ctr"/>
+          <a:lstStyle/>
+          <a:p>
+            <a:pPr marR="0" algn="ctr" defTabSz="914400" eaLnBrk="1" fontAlgn="base" latinLnBrk="0" hangingPunct="1">
+              <a:lnSpc>
+                <a:spcPct val="100000"/>
+              </a:lnSpc>
+              <a:spcBef>
+                <a:spcPct val="50000"/>
+              </a:spcBef>
+              <a:spcAft>
+                <a:spcPct val="0"/>
+              </a:spcAft>
+              <a:buClr>
+                <a:srgbClr val="F0AB00"/>
+              </a:buClr>
+              <a:buSzPct val="80000"/>
+              <a:tabLst/>
+            </a:pPr>
+            <a:r>
+              <a:rPr lang="pt-BR" sz="800" kern="0" noProof="1">
+                <a:ea typeface="Arial Unicode MS" pitchFamily="34" charset="-128"/>
+                <a:cs typeface="Arial Unicode MS" pitchFamily="34" charset="-128"/>
+              </a:rPr>
+              <a:t>CR</a:t>
+            </a:r>
+            <a:endParaRPr kumimoji="0" lang="pt-BR" sz="800" b="0" i="0" u="none" strike="noStrike" kern="0" cap="none" spc="0" normalizeH="0" baseline="0" noProof="1">
+              <a:ln>
+                <a:noFill/>
+              </a:ln>
+              <a:effectLst/>
+              <a:uLnTx/>
+              <a:uFillTx/>
+              <a:ea typeface="Arial Unicode MS" pitchFamily="34" charset="-128"/>
+              <a:cs typeface="Arial Unicode MS" pitchFamily="34" charset="-128"/>
+            </a:endParaRPr>
+          </a:p>
+        </p:txBody>
+      </p:sp>
+      <p:sp>
+        <p:nvSpPr>
+          <p:cNvPr id="95" name="Oval 94"/>
+          <p:cNvSpPr/>
+          <p:nvPr/>
+        </p:nvSpPr>
+        <p:spPr bwMode="gray">
+          <a:xfrm>
+            <a:off x="8275870" y="2830630"/>
+            <a:ext cx="468000" cy="422825"/>
+          </a:xfrm>
+          <a:prstGeom prst="ellipse">
+            <a:avLst/>
+          </a:prstGeom>
+          <a:ln>
+            <a:headEnd/>
+            <a:tailEnd/>
+          </a:ln>
+        </p:spPr>
+        <p:style>
+          <a:lnRef idx="2">
+            <a:schemeClr val="dk1"/>
+          </a:lnRef>
+          <a:fillRef idx="1">
+            <a:schemeClr val="lt1"/>
+          </a:fillRef>
+          <a:effectRef idx="0">
+            <a:schemeClr val="dk1"/>
+          </a:effectRef>
+          <a:fontRef idx="minor">
+            <a:schemeClr val="dk1"/>
+          </a:fontRef>
+        </p:style>
+        <p:txBody>
+          <a:bodyPr lIns="90000" tIns="72000" rIns="90000" bIns="72000" rtlCol="0" anchor="ctr"/>
+          <a:lstStyle/>
+          <a:p>
+            <a:pPr marR="0" algn="ctr" defTabSz="914400" eaLnBrk="1" fontAlgn="base" latinLnBrk="0" hangingPunct="1">
+              <a:lnSpc>
+                <a:spcPct val="100000"/>
+              </a:lnSpc>
+              <a:spcBef>
+                <a:spcPct val="50000"/>
+              </a:spcBef>
+              <a:spcAft>
+                <a:spcPct val="0"/>
+              </a:spcAft>
+              <a:buClr>
+                <a:srgbClr val="F0AB00"/>
+              </a:buClr>
+              <a:buSzPct val="80000"/>
+              <a:tabLst/>
+            </a:pPr>
+            <a:r>
+              <a:rPr lang="pt-BR" sz="800" kern="0" noProof="1">
+                <a:ea typeface="Arial Unicode MS" pitchFamily="34" charset="-128"/>
+                <a:cs typeface="Arial Unicode MS" pitchFamily="34" charset="-128"/>
+              </a:rPr>
+              <a:t>CR</a:t>
+            </a:r>
+            <a:endParaRPr kumimoji="0" lang="pt-BR" sz="800" b="0" i="0" u="none" strike="noStrike" kern="0" cap="none" spc="0" normalizeH="0" baseline="0" noProof="1">
+              <a:ln>
+                <a:noFill/>
+              </a:ln>
+              <a:effectLst/>
+              <a:uLnTx/>
+              <a:uFillTx/>
+              <a:ea typeface="Arial Unicode MS" pitchFamily="34" charset="-128"/>
+              <a:cs typeface="Arial Unicode MS" pitchFamily="34" charset="-128"/>
+            </a:endParaRPr>
+          </a:p>
+        </p:txBody>
+      </p:sp>
+      <p:sp>
+        <p:nvSpPr>
+          <p:cNvPr id="96" name="Oval 95"/>
+          <p:cNvSpPr/>
+          <p:nvPr/>
+        </p:nvSpPr>
+        <p:spPr bwMode="gray">
+          <a:xfrm>
+            <a:off x="7768621" y="3264583"/>
+            <a:ext cx="468000" cy="432439"/>
+          </a:xfrm>
+          <a:prstGeom prst="ellipse">
+            <a:avLst/>
+          </a:prstGeom>
+          <a:ln>
+            <a:headEnd/>
+            <a:tailEnd/>
+          </a:ln>
+        </p:spPr>
+        <p:style>
+          <a:lnRef idx="2">
+            <a:schemeClr val="dk1"/>
+          </a:lnRef>
+          <a:fillRef idx="1">
+            <a:schemeClr val="lt1"/>
+          </a:fillRef>
+          <a:effectRef idx="0">
+            <a:schemeClr val="dk1"/>
+          </a:effectRef>
+          <a:fontRef idx="minor">
+            <a:schemeClr val="dk1"/>
+          </a:fontRef>
+        </p:style>
+        <p:txBody>
+          <a:bodyPr lIns="90000" tIns="72000" rIns="90000" bIns="72000" rtlCol="0" anchor="ctr"/>
+          <a:lstStyle/>
+          <a:p>
+            <a:pPr marR="0" algn="ctr" defTabSz="914400" eaLnBrk="1" fontAlgn="base" latinLnBrk="0" hangingPunct="1">
+              <a:lnSpc>
+                <a:spcPct val="100000"/>
+              </a:lnSpc>
+              <a:spcBef>
+                <a:spcPct val="50000"/>
+              </a:spcBef>
+              <a:spcAft>
+                <a:spcPct val="0"/>
+              </a:spcAft>
+              <a:buClr>
+                <a:srgbClr val="F0AB00"/>
+              </a:buClr>
+              <a:buSzPct val="80000"/>
+              <a:tabLst/>
+            </a:pPr>
+            <a:r>
+              <a:rPr lang="pt-BR" sz="800" kern="0" noProof="1">
+                <a:ea typeface="Arial Unicode MS" pitchFamily="34" charset="-128"/>
+                <a:cs typeface="Arial Unicode MS" pitchFamily="34" charset="-128"/>
+              </a:rPr>
+              <a:t>CR</a:t>
+            </a:r>
+            <a:endParaRPr kumimoji="0" lang="pt-BR" sz="800" b="0" i="0" u="none" strike="noStrike" kern="0" cap="none" spc="0" normalizeH="0" baseline="0" noProof="1">
+              <a:ln>
+                <a:noFill/>
+              </a:ln>
+              <a:effectLst/>
+              <a:uLnTx/>
+              <a:uFillTx/>
+              <a:ea typeface="Arial Unicode MS" pitchFamily="34" charset="-128"/>
+              <a:cs typeface="Arial Unicode MS" pitchFamily="34" charset="-128"/>
+            </a:endParaRPr>
+          </a:p>
+        </p:txBody>
+      </p:sp>
+      <p:sp>
+        <p:nvSpPr>
+          <p:cNvPr id="97" name="Oval 96"/>
+          <p:cNvSpPr/>
+          <p:nvPr/>
+        </p:nvSpPr>
+        <p:spPr bwMode="gray">
+          <a:xfrm>
+            <a:off x="8287869" y="3278542"/>
+            <a:ext cx="468000" cy="432439"/>
+          </a:xfrm>
+          <a:prstGeom prst="ellipse">
+            <a:avLst/>
+          </a:prstGeom>
+          <a:ln>
+            <a:headEnd/>
+            <a:tailEnd/>
+          </a:ln>
+        </p:spPr>
+        <p:style>
+          <a:lnRef idx="2">
+            <a:schemeClr val="dk1"/>
+          </a:lnRef>
+          <a:fillRef idx="1">
+            <a:schemeClr val="lt1"/>
+          </a:fillRef>
+          <a:effectRef idx="0">
+            <a:schemeClr val="dk1"/>
+          </a:effectRef>
+          <a:fontRef idx="minor">
+            <a:schemeClr val="dk1"/>
+          </a:fontRef>
+        </p:style>
+        <p:txBody>
+          <a:bodyPr lIns="90000" tIns="72000" rIns="90000" bIns="72000" rtlCol="0" anchor="ctr"/>
+          <a:lstStyle/>
+          <a:p>
+            <a:pPr marR="0" algn="ctr" defTabSz="914400" eaLnBrk="1" fontAlgn="base" latinLnBrk="0" hangingPunct="1">
+              <a:lnSpc>
+                <a:spcPct val="100000"/>
+              </a:lnSpc>
+              <a:spcBef>
+                <a:spcPct val="50000"/>
+              </a:spcBef>
+              <a:spcAft>
+                <a:spcPct val="0"/>
+              </a:spcAft>
+              <a:buClr>
+                <a:srgbClr val="F0AB00"/>
+              </a:buClr>
+              <a:buSzPct val="80000"/>
+              <a:tabLst/>
+            </a:pPr>
+            <a:r>
+              <a:rPr lang="pt-BR" sz="800" kern="0" noProof="1">
+                <a:ea typeface="Arial Unicode MS" pitchFamily="34" charset="-128"/>
+                <a:cs typeface="Arial Unicode MS" pitchFamily="34" charset="-128"/>
+              </a:rPr>
+              <a:t>CR</a:t>
+            </a:r>
+            <a:endParaRPr kumimoji="0" lang="pt-BR" sz="800" b="0" i="0" u="none" strike="noStrike" kern="0" cap="none" spc="0" normalizeH="0" baseline="0" noProof="1">
+              <a:ln>
+                <a:noFill/>
+              </a:ln>
+              <a:effectLst/>
+              <a:uLnTx/>
+              <a:uFillTx/>
+              <a:ea typeface="Arial Unicode MS" pitchFamily="34" charset="-128"/>
+              <a:cs typeface="Arial Unicode MS" pitchFamily="34" charset="-128"/>
+            </a:endParaRPr>
+          </a:p>
+        </p:txBody>
+      </p:sp>
+      <p:sp>
+        <p:nvSpPr>
+          <p:cNvPr id="98" name="Rectangle 97"/>
+          <p:cNvSpPr/>
+          <p:nvPr/>
+        </p:nvSpPr>
+        <p:spPr bwMode="gray">
+          <a:xfrm>
+            <a:off x="3133835" y="1258603"/>
+            <a:ext cx="364403" cy="300419"/>
+          </a:xfrm>
+          <a:prstGeom prst="rect">
+            <a:avLst/>
+          </a:prstGeom>
+          <a:ln>
+            <a:headEnd/>
+            <a:tailEnd/>
+          </a:ln>
+        </p:spPr>
+        <p:style>
+          <a:lnRef idx="2">
+            <a:schemeClr val="dk1"/>
+          </a:lnRef>
+          <a:fillRef idx="1">
+            <a:schemeClr val="lt1"/>
+          </a:fillRef>
+          <a:effectRef idx="0">
+            <a:schemeClr val="dk1"/>
+          </a:effectRef>
+          <a:fontRef idx="minor">
+            <a:schemeClr val="dk1"/>
+          </a:fontRef>
+        </p:style>
+        <p:txBody>
+          <a:bodyPr lIns="90000" tIns="72000" rIns="90000" bIns="72000" rtlCol="0" anchor="ctr"/>
+          <a:lstStyle/>
+          <a:p>
+            <a:pPr marR="0" algn="ctr" defTabSz="914400" eaLnBrk="1" fontAlgn="base" latinLnBrk="0" hangingPunct="1">
+              <a:lnSpc>
+                <a:spcPct val="100000"/>
+              </a:lnSpc>
+              <a:spcBef>
+                <a:spcPct val="50000"/>
+              </a:spcBef>
+              <a:spcAft>
+                <a:spcPct val="0"/>
+              </a:spcAft>
+              <a:buClr>
+                <a:srgbClr val="F0AB00"/>
+              </a:buClr>
+              <a:buSzPct val="80000"/>
+              <a:tabLst/>
+            </a:pPr>
+            <a:r>
+              <a:rPr kumimoji="0" lang="pt-BR" sz="2000" b="0" i="0" u="none" strike="noStrike" kern="0" cap="none" spc="0" normalizeH="0" baseline="0" noProof="0" dirty="0">
+                <a:ln>
+                  <a:noFill/>
+                </a:ln>
+                <a:effectLst/>
+                <a:uLnTx/>
+                <a:uFillTx/>
+                <a:ea typeface="Arial Unicode MS" pitchFamily="34" charset="-128"/>
+                <a:cs typeface="Arial Unicode MS" pitchFamily="34" charset="-128"/>
+              </a:rPr>
+              <a:t>V</a:t>
+            </a:r>
+          </a:p>
+        </p:txBody>
+      </p:sp>
+      <p:sp>
+        <p:nvSpPr>
+          <p:cNvPr id="99" name="Rounded Rectangle 43"/>
+          <p:cNvSpPr/>
+          <p:nvPr/>
+        </p:nvSpPr>
+        <p:spPr bwMode="gray">
+          <a:xfrm>
+            <a:off x="9138867" y="788239"/>
+            <a:ext cx="1019659" cy="905839"/>
+          </a:xfrm>
+          <a:prstGeom prst="roundRect">
+            <a:avLst/>
+          </a:prstGeom>
+          <a:solidFill>
+            <a:schemeClr val="tx2">
+              <a:alpha val="40000"/>
+            </a:schemeClr>
+          </a:solidFill>
+          <a:ln w="6350" algn="ctr">
+            <a:noFill/>
+            <a:miter lim="800000"/>
+            <a:headEnd/>
+            <a:tailEnd/>
+          </a:ln>
+          <a:effectLst/>
+        </p:spPr>
+        <p:txBody>
+          <a:bodyPr lIns="90000" tIns="72000" rIns="90000" bIns="72000" rtlCol="0" anchor="ctr"/>
+          <a:lstStyle/>
+          <a:p>
+            <a:pPr marR="0" algn="ctr" defTabSz="914400" eaLnBrk="1" fontAlgn="base" latinLnBrk="0" hangingPunct="1">
+              <a:lnSpc>
+                <a:spcPct val="100000"/>
+              </a:lnSpc>
+              <a:spcBef>
+                <a:spcPct val="50000"/>
+              </a:spcBef>
+              <a:spcAft>
+                <a:spcPct val="0"/>
+              </a:spcAft>
+              <a:buClr>
+                <a:srgbClr val="F0AB00"/>
+              </a:buClr>
+              <a:buSzPct val="80000"/>
+              <a:tabLst/>
+            </a:pPr>
+            <a:endParaRPr kumimoji="0" lang="pt-BR" sz="1400" b="0" i="0" u="none" strike="noStrike" kern="0" cap="none" spc="0" normalizeH="0" baseline="0" noProof="1">
+              <a:ln>
+                <a:noFill/>
+              </a:ln>
+              <a:effectLst/>
+              <a:uLnTx/>
+              <a:uFillTx/>
+              <a:ea typeface="Arial Unicode MS" pitchFamily="34" charset="-128"/>
+              <a:cs typeface="Arial Unicode MS" pitchFamily="34" charset="-128"/>
+            </a:endParaRPr>
+          </a:p>
+          <a:p>
+            <a:pPr marR="0" algn="ctr" defTabSz="914400" eaLnBrk="1" fontAlgn="base" latinLnBrk="0" hangingPunct="1">
+              <a:lnSpc>
+                <a:spcPct val="100000"/>
+              </a:lnSpc>
+              <a:spcBef>
+                <a:spcPct val="50000"/>
+              </a:spcBef>
+              <a:spcAft>
+                <a:spcPct val="0"/>
+              </a:spcAft>
+              <a:buClr>
+                <a:srgbClr val="F0AB00"/>
+              </a:buClr>
+              <a:buSzPct val="80000"/>
+              <a:tabLst/>
+            </a:pPr>
+            <a:endParaRPr kumimoji="0" lang="pt-BR" sz="1400" b="0" i="0" u="none" strike="noStrike" kern="0" cap="none" spc="0" normalizeH="0" baseline="0" noProof="1">
+              <a:ln>
+                <a:noFill/>
+              </a:ln>
+              <a:effectLst/>
+              <a:uLnTx/>
+              <a:uFillTx/>
+              <a:ea typeface="Arial Unicode MS" pitchFamily="34" charset="-128"/>
+              <a:cs typeface="Arial Unicode MS" pitchFamily="34" charset="-128"/>
+            </a:endParaRPr>
+          </a:p>
+          <a:p>
+            <a:pPr marR="0" algn="ctr" defTabSz="914400" eaLnBrk="1" fontAlgn="base" latinLnBrk="0" hangingPunct="1">
+              <a:lnSpc>
+                <a:spcPct val="100000"/>
+              </a:lnSpc>
+              <a:spcBef>
+                <a:spcPct val="50000"/>
+              </a:spcBef>
+              <a:spcAft>
+                <a:spcPct val="0"/>
+              </a:spcAft>
+              <a:buClr>
+                <a:srgbClr val="F0AB00"/>
+              </a:buClr>
+              <a:buSzPct val="80000"/>
+              <a:tabLst/>
+            </a:pPr>
+            <a:endParaRPr lang="pt-BR" sz="2000" kern="0" noProof="1">
+              <a:ea typeface="Arial Unicode MS" pitchFamily="34" charset="-128"/>
+              <a:cs typeface="Arial Unicode MS" pitchFamily="34" charset="-128"/>
+            </a:endParaRPr>
+          </a:p>
+          <a:p>
+            <a:pPr marR="0" algn="ctr" defTabSz="914400" eaLnBrk="1" fontAlgn="base" latinLnBrk="0" hangingPunct="1">
+              <a:lnSpc>
+                <a:spcPct val="100000"/>
+              </a:lnSpc>
+              <a:spcBef>
+                <a:spcPct val="50000"/>
+              </a:spcBef>
+              <a:spcAft>
+                <a:spcPct val="0"/>
+              </a:spcAft>
+              <a:buClr>
+                <a:srgbClr val="F0AB00"/>
+              </a:buClr>
+              <a:buSzPct val="80000"/>
+              <a:tabLst/>
+            </a:pPr>
+            <a:endParaRPr lang="pt-BR" sz="1600" kern="0" noProof="1">
+              <a:ea typeface="Arial Unicode MS" pitchFamily="34" charset="-128"/>
+              <a:cs typeface="Arial Unicode MS" pitchFamily="34" charset="-128"/>
+            </a:endParaRPr>
+          </a:p>
+          <a:p>
+            <a:pPr marR="0" algn="ctr" defTabSz="914400" eaLnBrk="1" fontAlgn="base" latinLnBrk="0" hangingPunct="1">
+              <a:lnSpc>
+                <a:spcPct val="100000"/>
+              </a:lnSpc>
+              <a:spcBef>
+                <a:spcPct val="50000"/>
+              </a:spcBef>
+              <a:spcAft>
+                <a:spcPct val="0"/>
+              </a:spcAft>
+              <a:buClr>
+                <a:srgbClr val="F0AB00"/>
+              </a:buClr>
+              <a:buSzPct val="80000"/>
+              <a:tabLst/>
+            </a:pPr>
+            <a:endParaRPr lang="pt-BR" sz="1400" kern="0" noProof="1">
+              <a:ea typeface="Arial Unicode MS" pitchFamily="34" charset="-128"/>
+              <a:cs typeface="Arial Unicode MS" pitchFamily="34" charset="-128"/>
+            </a:endParaRPr>
+          </a:p>
+          <a:p>
+            <a:pPr marR="0" algn="ctr" defTabSz="914400" eaLnBrk="1" fontAlgn="base" latinLnBrk="0" hangingPunct="1">
+              <a:lnSpc>
+                <a:spcPct val="100000"/>
+              </a:lnSpc>
+              <a:spcBef>
+                <a:spcPct val="50000"/>
+              </a:spcBef>
+              <a:spcAft>
+                <a:spcPct val="0"/>
+              </a:spcAft>
+              <a:buClr>
+                <a:srgbClr val="F0AB00"/>
+              </a:buClr>
+              <a:buSzPct val="80000"/>
+              <a:tabLst/>
+            </a:pPr>
+            <a:r>
+              <a:rPr lang="pt-BR" sz="1400" kern="0" noProof="1">
+                <a:ea typeface="Arial Unicode MS" pitchFamily="34" charset="-128"/>
+                <a:cs typeface="Arial Unicode MS" pitchFamily="34" charset="-128"/>
+              </a:rPr>
+              <a:t>Nó 3</a:t>
+            </a:r>
+            <a:endParaRPr kumimoji="0" lang="pt-BR" sz="1400" b="0" i="0" u="none" strike="noStrike" kern="0" cap="none" spc="0" normalizeH="0" baseline="0" noProof="1">
+              <a:ln>
+                <a:noFill/>
+              </a:ln>
+              <a:effectLst/>
+              <a:uLnTx/>
+              <a:uFillTx/>
+              <a:ea typeface="Arial Unicode MS" pitchFamily="34" charset="-128"/>
+              <a:cs typeface="Arial Unicode MS" pitchFamily="34" charset="-128"/>
+            </a:endParaRPr>
+          </a:p>
+          <a:p>
+            <a:pPr marR="0" algn="ctr" defTabSz="914400" eaLnBrk="1" fontAlgn="base" latinLnBrk="0" hangingPunct="1">
+              <a:lnSpc>
+                <a:spcPct val="100000"/>
+              </a:lnSpc>
+              <a:spcBef>
+                <a:spcPct val="50000"/>
+              </a:spcBef>
+              <a:spcAft>
+                <a:spcPct val="0"/>
+              </a:spcAft>
+              <a:buClr>
+                <a:srgbClr val="F0AB00"/>
+              </a:buClr>
+              <a:buSzPct val="80000"/>
+              <a:tabLst/>
+            </a:pPr>
+            <a:endParaRPr lang="pt-BR" sz="2000" kern="0" noProof="1">
+              <a:ea typeface="Arial Unicode MS" pitchFamily="34" charset="-128"/>
+              <a:cs typeface="Arial Unicode MS" pitchFamily="34" charset="-128"/>
+            </a:endParaRPr>
+          </a:p>
+          <a:p>
+            <a:pPr marR="0" algn="ctr" defTabSz="914400" eaLnBrk="1" fontAlgn="base" latinLnBrk="0" hangingPunct="1">
+              <a:lnSpc>
+                <a:spcPct val="100000"/>
+              </a:lnSpc>
+              <a:spcBef>
+                <a:spcPct val="50000"/>
+              </a:spcBef>
+              <a:spcAft>
+                <a:spcPct val="0"/>
+              </a:spcAft>
+              <a:buClr>
+                <a:srgbClr val="F0AB00"/>
+              </a:buClr>
+              <a:buSzPct val="80000"/>
+              <a:tabLst/>
+            </a:pPr>
+            <a:endParaRPr kumimoji="0" lang="pt-BR" sz="2000" b="0" i="0" u="none" strike="noStrike" kern="0" cap="none" spc="0" normalizeH="0" baseline="0" noProof="1">
+              <a:ln>
+                <a:noFill/>
+              </a:ln>
+              <a:effectLst/>
+              <a:uLnTx/>
+              <a:uFillTx/>
+              <a:ea typeface="Arial Unicode MS" pitchFamily="34" charset="-128"/>
+              <a:cs typeface="Arial Unicode MS" pitchFamily="34" charset="-128"/>
+            </a:endParaRPr>
+          </a:p>
+          <a:p>
+            <a:pPr marR="0" algn="ctr" defTabSz="914400" eaLnBrk="1" fontAlgn="base" latinLnBrk="0" hangingPunct="1">
+              <a:lnSpc>
+                <a:spcPct val="100000"/>
+              </a:lnSpc>
+              <a:spcBef>
+                <a:spcPct val="50000"/>
+              </a:spcBef>
+              <a:spcAft>
+                <a:spcPct val="0"/>
+              </a:spcAft>
+              <a:buClr>
+                <a:srgbClr val="F0AB00"/>
+              </a:buClr>
+              <a:buSzPct val="80000"/>
+              <a:tabLst/>
+            </a:pPr>
+            <a:endParaRPr lang="pt-BR" sz="2000" kern="0" noProof="1">
+              <a:ea typeface="Arial Unicode MS" pitchFamily="34" charset="-128"/>
+              <a:cs typeface="Arial Unicode MS" pitchFamily="34" charset="-128"/>
+            </a:endParaRPr>
+          </a:p>
+          <a:p>
+            <a:pPr marR="0" algn="ctr" defTabSz="914400" eaLnBrk="1" fontAlgn="base" latinLnBrk="0" hangingPunct="1">
+              <a:lnSpc>
+                <a:spcPct val="100000"/>
+              </a:lnSpc>
+              <a:spcBef>
+                <a:spcPct val="50000"/>
+              </a:spcBef>
+              <a:spcAft>
+                <a:spcPct val="0"/>
+              </a:spcAft>
+              <a:buClr>
+                <a:srgbClr val="F0AB00"/>
+              </a:buClr>
+              <a:buSzPct val="80000"/>
+              <a:tabLst/>
+            </a:pPr>
+            <a:endParaRPr kumimoji="0" lang="pt-BR" sz="2000" b="0" i="0" u="none" strike="noStrike" kern="0" cap="none" spc="0" normalizeH="0" baseline="0" noProof="1">
+              <a:ln>
+                <a:noFill/>
+              </a:ln>
+              <a:effectLst/>
+              <a:uLnTx/>
+              <a:uFillTx/>
+              <a:ea typeface="Arial Unicode MS" pitchFamily="34" charset="-128"/>
+              <a:cs typeface="Arial Unicode MS" pitchFamily="34" charset="-128"/>
+            </a:endParaRPr>
+          </a:p>
+          <a:p>
+            <a:pPr marR="0" algn="ctr" defTabSz="914400" eaLnBrk="1" fontAlgn="base" latinLnBrk="0" hangingPunct="1">
+              <a:lnSpc>
+                <a:spcPct val="100000"/>
+              </a:lnSpc>
+              <a:spcBef>
+                <a:spcPct val="50000"/>
+              </a:spcBef>
+              <a:spcAft>
+                <a:spcPct val="0"/>
+              </a:spcAft>
+              <a:buClr>
+                <a:srgbClr val="F0AB00"/>
+              </a:buClr>
+              <a:buSzPct val="80000"/>
+              <a:tabLst/>
+            </a:pPr>
+            <a:endParaRPr kumimoji="0" lang="pt-BR" sz="2000" b="0" i="0" u="none" strike="noStrike" kern="0" cap="none" spc="0" normalizeH="0" baseline="0" noProof="1">
+              <a:ln>
+                <a:noFill/>
+              </a:ln>
+              <a:effectLst/>
+              <a:uLnTx/>
+              <a:uFillTx/>
+              <a:ea typeface="Arial Unicode MS" pitchFamily="34" charset="-128"/>
+              <a:cs typeface="Arial Unicode MS" pitchFamily="34" charset="-128"/>
+            </a:endParaRPr>
+          </a:p>
+        </p:txBody>
+      </p:sp>
+      <p:sp>
+        <p:nvSpPr>
+          <p:cNvPr id="100" name="Rectangle 99"/>
+          <p:cNvSpPr/>
+          <p:nvPr/>
+        </p:nvSpPr>
+        <p:spPr bwMode="gray">
+          <a:xfrm>
+            <a:off x="9473326" y="1259664"/>
+            <a:ext cx="364403" cy="300419"/>
+          </a:xfrm>
+          <a:prstGeom prst="rect">
+            <a:avLst/>
+          </a:prstGeom>
+          <a:ln>
+            <a:headEnd/>
+            <a:tailEnd/>
+          </a:ln>
+        </p:spPr>
+        <p:style>
+          <a:lnRef idx="2">
+            <a:schemeClr val="dk1"/>
+          </a:lnRef>
+          <a:fillRef idx="1">
+            <a:schemeClr val="lt1"/>
+          </a:fillRef>
+          <a:effectRef idx="0">
+            <a:schemeClr val="dk1"/>
+          </a:effectRef>
+          <a:fontRef idx="minor">
+            <a:schemeClr val="dk1"/>
+          </a:fontRef>
+        </p:style>
+        <p:txBody>
+          <a:bodyPr lIns="90000" tIns="72000" rIns="90000" bIns="72000" rtlCol="0" anchor="ctr"/>
+          <a:lstStyle/>
+          <a:p>
+            <a:pPr marR="0" algn="ctr" defTabSz="914400" eaLnBrk="1" fontAlgn="base" latinLnBrk="0" hangingPunct="1">
+              <a:lnSpc>
+                <a:spcPct val="100000"/>
+              </a:lnSpc>
+              <a:spcBef>
+                <a:spcPct val="50000"/>
+              </a:spcBef>
+              <a:spcAft>
+                <a:spcPct val="0"/>
+              </a:spcAft>
+              <a:buClr>
+                <a:srgbClr val="F0AB00"/>
+              </a:buClr>
+              <a:buSzPct val="80000"/>
+              <a:tabLst/>
+            </a:pPr>
+            <a:r>
+              <a:rPr kumimoji="0" lang="pt-BR" sz="2000" b="0" i="0" u="none" strike="noStrike" kern="0" cap="none" spc="0" normalizeH="0" baseline="0" noProof="0" dirty="0">
+                <a:ln>
+                  <a:noFill/>
+                </a:ln>
+                <a:effectLst/>
+                <a:uLnTx/>
+                <a:uFillTx/>
+                <a:ea typeface="Arial Unicode MS" pitchFamily="34" charset="-128"/>
+                <a:cs typeface="Arial Unicode MS" pitchFamily="34" charset="-128"/>
+              </a:rPr>
+              <a:t>V</a:t>
+            </a:r>
+          </a:p>
+        </p:txBody>
+      </p:sp>
+      <p:sp>
+        <p:nvSpPr>
+          <p:cNvPr id="110" name="Rounded Rectangle 43"/>
+          <p:cNvSpPr/>
+          <p:nvPr/>
+        </p:nvSpPr>
+        <p:spPr bwMode="gray">
+          <a:xfrm>
+            <a:off x="1048647" y="4362326"/>
+            <a:ext cx="1062000" cy="1163616"/>
+          </a:xfrm>
+          <a:prstGeom prst="roundRect">
+            <a:avLst/>
+          </a:prstGeom>
+          <a:solidFill>
+            <a:schemeClr val="accent2">
+              <a:alpha val="40000"/>
+            </a:schemeClr>
+          </a:solidFill>
+          <a:ln w="6350" algn="ctr">
+            <a:noFill/>
+            <a:miter lim="800000"/>
+            <a:headEnd/>
+            <a:tailEnd/>
+          </a:ln>
+          <a:effectLst/>
+        </p:spPr>
+        <p:txBody>
+          <a:bodyPr lIns="90000" tIns="72000" rIns="90000" bIns="72000" rtlCol="0" anchor="ctr"/>
+          <a:lstStyle/>
+          <a:p>
+            <a:pPr marR="0" algn="ctr" defTabSz="914400" eaLnBrk="1" fontAlgn="base" latinLnBrk="0" hangingPunct="1">
+              <a:lnSpc>
+                <a:spcPct val="100000"/>
+              </a:lnSpc>
+              <a:spcBef>
+                <a:spcPct val="50000"/>
+              </a:spcBef>
+              <a:spcAft>
+                <a:spcPct val="0"/>
+              </a:spcAft>
+              <a:buClr>
+                <a:srgbClr val="F0AB00"/>
+              </a:buClr>
+              <a:buSzPct val="80000"/>
+              <a:tabLst/>
+            </a:pPr>
+            <a:r>
+              <a:rPr lang="pt-BR" sz="1400" kern="0" noProof="1">
+                <a:ea typeface="Arial Unicode MS" pitchFamily="34" charset="-128"/>
+                <a:cs typeface="Arial Unicode MS" pitchFamily="34" charset="-128"/>
+              </a:rPr>
+              <a:t>Template</a:t>
+            </a:r>
+          </a:p>
+          <a:p>
+            <a:pPr marR="0" algn="ctr" defTabSz="914400" eaLnBrk="1" fontAlgn="base" latinLnBrk="0" hangingPunct="1">
+              <a:lnSpc>
+                <a:spcPct val="100000"/>
+              </a:lnSpc>
+              <a:spcBef>
+                <a:spcPct val="50000"/>
+              </a:spcBef>
+              <a:spcAft>
+                <a:spcPct val="0"/>
+              </a:spcAft>
+              <a:buClr>
+                <a:srgbClr val="F0AB00"/>
+              </a:buClr>
+              <a:buSzPct val="80000"/>
+              <a:tabLst/>
+            </a:pPr>
+            <a:r>
+              <a:rPr kumimoji="0" lang="pt-BR" sz="1400" b="0" i="0" u="none" strike="noStrike" kern="0" cap="none" spc="0" normalizeH="0" baseline="0" noProof="1">
+                <a:ln>
+                  <a:noFill/>
+                </a:ln>
+                <a:effectLst/>
+                <a:uLnTx/>
+                <a:uFillTx/>
+                <a:ea typeface="Arial Unicode MS" pitchFamily="34" charset="-128"/>
+                <a:cs typeface="Arial Unicode MS" pitchFamily="34" charset="-128"/>
+              </a:rPr>
+              <a:t>Container</a:t>
+            </a:r>
+            <a:endParaRPr lang="pt-BR" sz="2000" kern="0" noProof="1">
+              <a:ea typeface="Arial Unicode MS" pitchFamily="34" charset="-128"/>
+              <a:cs typeface="Arial Unicode MS" pitchFamily="34" charset="-128"/>
+            </a:endParaRPr>
+          </a:p>
+          <a:p>
+            <a:pPr marR="0" algn="ctr" defTabSz="914400" eaLnBrk="1" fontAlgn="base" latinLnBrk="0" hangingPunct="1">
+              <a:lnSpc>
+                <a:spcPct val="100000"/>
+              </a:lnSpc>
+              <a:spcBef>
+                <a:spcPct val="50000"/>
+              </a:spcBef>
+              <a:spcAft>
+                <a:spcPct val="0"/>
+              </a:spcAft>
+              <a:buClr>
+                <a:srgbClr val="F0AB00"/>
+              </a:buClr>
+              <a:buSzPct val="80000"/>
+              <a:tabLst/>
+            </a:pPr>
+            <a:endParaRPr kumimoji="0" lang="pt-BR" sz="2000" b="0" i="0" u="none" strike="noStrike" kern="0" cap="none" spc="0" normalizeH="0" baseline="0" noProof="1">
+              <a:ln>
+                <a:noFill/>
+              </a:ln>
+              <a:effectLst/>
+              <a:uLnTx/>
+              <a:uFillTx/>
+              <a:ea typeface="Arial Unicode MS" pitchFamily="34" charset="-128"/>
+              <a:cs typeface="Arial Unicode MS" pitchFamily="34" charset="-128"/>
+            </a:endParaRPr>
+          </a:p>
+        </p:txBody>
+      </p:sp>
+      <p:cxnSp>
+        <p:nvCxnSpPr>
+          <p:cNvPr id="111" name="Straight Arrow Connector 110"/>
+          <p:cNvCxnSpPr/>
+          <p:nvPr/>
+        </p:nvCxnSpPr>
+        <p:spPr>
+          <a:xfrm>
+            <a:off x="2526562" y="5747066"/>
+            <a:ext cx="7576402" cy="9262"/>
+          </a:xfrm>
+          <a:prstGeom prst="straightConnector1">
+            <a:avLst/>
+          </a:prstGeom>
+          <a:ln w="6350">
+            <a:solidFill>
+              <a:schemeClr val="tx1"/>
+            </a:solidFill>
+            <a:tailEnd type="triangle"/>
+          </a:ln>
+        </p:spPr>
+        <p:style>
+          <a:lnRef idx="1">
+            <a:schemeClr val="accent1"/>
+          </a:lnRef>
+          <a:fillRef idx="0">
+            <a:schemeClr val="accent1"/>
+          </a:fillRef>
+          <a:effectRef idx="0">
+            <a:schemeClr val="accent1"/>
+          </a:effectRef>
+          <a:fontRef idx="minor">
+            <a:schemeClr val="tx1"/>
+          </a:fontRef>
+        </p:style>
+      </p:cxnSp>
+      <p:sp>
+        <p:nvSpPr>
+          <p:cNvPr id="112" name="Oval 111"/>
+          <p:cNvSpPr/>
+          <p:nvPr/>
+        </p:nvSpPr>
+        <p:spPr bwMode="gray">
+          <a:xfrm>
+            <a:off x="6871549" y="5610607"/>
+            <a:ext cx="306053" cy="265453"/>
+          </a:xfrm>
+          <a:prstGeom prst="ellipse">
+            <a:avLst/>
+          </a:prstGeom>
+          <a:pattFill prst="wdDnDiag">
+            <a:fgClr>
+              <a:schemeClr val="accent1"/>
+            </a:fgClr>
+            <a:bgClr>
+              <a:schemeClr val="bg1"/>
+            </a:bgClr>
+          </a:pattFill>
+          <a:ln w="6350" algn="ctr">
+            <a:noFill/>
+            <a:miter lim="800000"/>
+            <a:headEnd/>
+            <a:tailEnd/>
+          </a:ln>
+        </p:spPr>
+        <p:txBody>
+          <a:bodyPr lIns="90000" tIns="72000" rIns="90000" bIns="72000" rtlCol="0" anchor="ctr"/>
+          <a:lstStyle/>
+          <a:p>
+            <a:pPr marR="0" algn="ctr" defTabSz="914400" eaLnBrk="1" fontAlgn="base" latinLnBrk="0" hangingPunct="1">
+              <a:lnSpc>
+                <a:spcPct val="100000"/>
+              </a:lnSpc>
+              <a:spcBef>
+                <a:spcPct val="50000"/>
+              </a:spcBef>
+              <a:spcAft>
+                <a:spcPct val="0"/>
+              </a:spcAft>
+              <a:buClr>
+                <a:srgbClr val="F0AB00"/>
+              </a:buClr>
+              <a:buSzPct val="80000"/>
+              <a:tabLst/>
+            </a:pPr>
+            <a:endParaRPr kumimoji="0" lang="pt-BR" sz="2000" b="0" i="0" u="none" strike="noStrike" kern="0" cap="none" spc="0" normalizeH="0" baseline="0" noProof="0" dirty="0" err="1">
+              <a:ln>
+                <a:noFill/>
+              </a:ln>
+              <a:effectLst/>
+              <a:uLnTx/>
+              <a:uFillTx/>
+              <a:ea typeface="Arial Unicode MS" pitchFamily="34" charset="-128"/>
+              <a:cs typeface="Arial Unicode MS" pitchFamily="34" charset="-128"/>
+            </a:endParaRPr>
+          </a:p>
+        </p:txBody>
+      </p:sp>
+      <p:cxnSp>
+        <p:nvCxnSpPr>
+          <p:cNvPr id="113" name="Connector: Curved 112"/>
+          <p:cNvCxnSpPr>
+            <a:stCxn id="110" idx="0"/>
+            <a:endCxn id="114" idx="0"/>
+          </p:cNvCxnSpPr>
+          <p:nvPr/>
+        </p:nvCxnSpPr>
+        <p:spPr>
+          <a:xfrm rot="16200000" flipH="1">
+            <a:off x="2474332" y="3467641"/>
+            <a:ext cx="15890" cy="1805260"/>
+          </a:xfrm>
+          <a:prstGeom prst="curvedConnector3">
+            <a:avLst>
+              <a:gd name="adj1" fmla="val -681460"/>
+            </a:avLst>
+          </a:prstGeom>
+          <a:ln w="6350">
+            <a:solidFill>
+              <a:schemeClr val="tx1"/>
+            </a:solidFill>
+            <a:tailEnd type="triangle"/>
+          </a:ln>
+        </p:spPr>
+        <p:style>
+          <a:lnRef idx="1">
+            <a:schemeClr val="accent1"/>
+          </a:lnRef>
+          <a:fillRef idx="0">
+            <a:schemeClr val="accent1"/>
+          </a:fillRef>
+          <a:effectRef idx="0">
+            <a:schemeClr val="accent1"/>
+          </a:effectRef>
+          <a:fontRef idx="minor">
+            <a:schemeClr val="tx1"/>
+          </a:fontRef>
+        </p:style>
+      </p:cxnSp>
+      <p:sp>
+        <p:nvSpPr>
+          <p:cNvPr id="114" name="Rounded Rectangle 43"/>
+          <p:cNvSpPr/>
+          <p:nvPr/>
+        </p:nvSpPr>
+        <p:spPr bwMode="gray">
+          <a:xfrm>
+            <a:off x="2841893" y="4378216"/>
+            <a:ext cx="1086028" cy="1201306"/>
+          </a:xfrm>
+          <a:prstGeom prst="roundRect">
+            <a:avLst/>
+          </a:prstGeom>
+          <a:solidFill>
+            <a:schemeClr val="tx2">
+              <a:alpha val="40000"/>
+            </a:schemeClr>
+          </a:solidFill>
+          <a:ln w="6350" algn="ctr">
+            <a:noFill/>
+            <a:miter lim="800000"/>
+            <a:headEnd/>
+            <a:tailEnd/>
+          </a:ln>
+          <a:effectLst/>
+        </p:spPr>
+        <p:txBody>
+          <a:bodyPr lIns="90000" tIns="72000" rIns="90000" bIns="72000" rtlCol="0" anchor="ctr"/>
+          <a:lstStyle/>
+          <a:p>
+            <a:pPr marR="0" algn="ctr" defTabSz="914400" eaLnBrk="1" fontAlgn="base" latinLnBrk="0" hangingPunct="1">
+              <a:lnSpc>
+                <a:spcPct val="100000"/>
+              </a:lnSpc>
+              <a:spcBef>
+                <a:spcPct val="50000"/>
+              </a:spcBef>
+              <a:spcAft>
+                <a:spcPct val="0"/>
+              </a:spcAft>
+              <a:buClr>
+                <a:srgbClr val="F0AB00"/>
+              </a:buClr>
+              <a:buSzPct val="80000"/>
+              <a:tabLst/>
+            </a:pPr>
+            <a:r>
+              <a:rPr lang="pt-BR" sz="1400" kern="0" noProof="1">
+                <a:ea typeface="Arial Unicode MS" pitchFamily="34" charset="-128"/>
+                <a:cs typeface="Arial Unicode MS" pitchFamily="34" charset="-128"/>
+              </a:rPr>
+              <a:t>Nó 1</a:t>
+            </a:r>
+          </a:p>
+          <a:p>
+            <a:pPr marR="0" algn="ctr" defTabSz="914400" eaLnBrk="1" fontAlgn="base" latinLnBrk="0" hangingPunct="1">
+              <a:lnSpc>
+                <a:spcPct val="100000"/>
+              </a:lnSpc>
+              <a:spcBef>
+                <a:spcPct val="50000"/>
+              </a:spcBef>
+              <a:spcAft>
+                <a:spcPct val="0"/>
+              </a:spcAft>
+              <a:buClr>
+                <a:srgbClr val="F0AB00"/>
+              </a:buClr>
+              <a:buSzPct val="80000"/>
+              <a:tabLst/>
+            </a:pPr>
+            <a:endParaRPr kumimoji="0" lang="pt-BR" sz="1400" b="0" i="0" u="none" strike="noStrike" kern="0" cap="none" spc="0" normalizeH="0" baseline="0" noProof="1">
+              <a:ln>
+                <a:noFill/>
+              </a:ln>
+              <a:effectLst/>
+              <a:uLnTx/>
+              <a:uFillTx/>
+              <a:ea typeface="Arial Unicode MS" pitchFamily="34" charset="-128"/>
+              <a:cs typeface="Arial Unicode MS" pitchFamily="34" charset="-128"/>
+            </a:endParaRPr>
+          </a:p>
+          <a:p>
+            <a:pPr marR="0" algn="ctr" defTabSz="914400" eaLnBrk="1" fontAlgn="base" latinLnBrk="0" hangingPunct="1">
+              <a:lnSpc>
+                <a:spcPct val="100000"/>
+              </a:lnSpc>
+              <a:spcBef>
+                <a:spcPct val="50000"/>
+              </a:spcBef>
+              <a:spcAft>
+                <a:spcPct val="0"/>
+              </a:spcAft>
+              <a:buClr>
+                <a:srgbClr val="F0AB00"/>
+              </a:buClr>
+              <a:buSzPct val="80000"/>
+              <a:tabLst/>
+            </a:pPr>
+            <a:endParaRPr lang="pt-BR" sz="1400" kern="0" noProof="1">
+              <a:ea typeface="Arial Unicode MS" pitchFamily="34" charset="-128"/>
+              <a:cs typeface="Arial Unicode MS" pitchFamily="34" charset="-128"/>
+            </a:endParaRPr>
+          </a:p>
+          <a:p>
+            <a:pPr marR="0" algn="ctr" defTabSz="914400" eaLnBrk="1" fontAlgn="base" latinLnBrk="0" hangingPunct="1">
+              <a:lnSpc>
+                <a:spcPct val="100000"/>
+              </a:lnSpc>
+              <a:spcBef>
+                <a:spcPct val="50000"/>
+              </a:spcBef>
+              <a:spcAft>
+                <a:spcPct val="0"/>
+              </a:spcAft>
+              <a:buClr>
+                <a:srgbClr val="F0AB00"/>
+              </a:buClr>
+              <a:buSzPct val="80000"/>
+              <a:tabLst/>
+            </a:pPr>
+            <a:endParaRPr kumimoji="0" lang="pt-BR" sz="1400" b="0" i="0" u="none" strike="noStrike" kern="0" cap="none" spc="0" normalizeH="0" baseline="0" noProof="1">
+              <a:ln>
+                <a:noFill/>
+              </a:ln>
+              <a:effectLst/>
+              <a:uLnTx/>
+              <a:uFillTx/>
+              <a:ea typeface="Arial Unicode MS" pitchFamily="34" charset="-128"/>
+              <a:cs typeface="Arial Unicode MS" pitchFamily="34" charset="-128"/>
+            </a:endParaRPr>
+          </a:p>
+        </p:txBody>
+      </p:sp>
+      <p:cxnSp>
+        <p:nvCxnSpPr>
+          <p:cNvPr id="115" name="Connector: Curved 114"/>
+          <p:cNvCxnSpPr>
+            <a:stCxn id="110" idx="0"/>
+            <a:endCxn id="124" idx="0"/>
+          </p:cNvCxnSpPr>
+          <p:nvPr/>
+        </p:nvCxnSpPr>
+        <p:spPr>
+          <a:xfrm rot="16200000" flipH="1">
+            <a:off x="4626739" y="1315234"/>
+            <a:ext cx="46784" cy="6140969"/>
+          </a:xfrm>
+          <a:prstGeom prst="curvedConnector3">
+            <a:avLst>
+              <a:gd name="adj1" fmla="val -488629"/>
+            </a:avLst>
+          </a:prstGeom>
+          <a:ln w="6350">
+            <a:solidFill>
+              <a:schemeClr val="tx1"/>
+            </a:solidFill>
+            <a:tailEnd type="triangle"/>
+          </a:ln>
+        </p:spPr>
+        <p:style>
+          <a:lnRef idx="1">
+            <a:schemeClr val="accent1"/>
+          </a:lnRef>
+          <a:fillRef idx="0">
+            <a:schemeClr val="accent1"/>
+          </a:fillRef>
+          <a:effectRef idx="0">
+            <a:schemeClr val="accent1"/>
+          </a:effectRef>
+          <a:fontRef idx="minor">
+            <a:schemeClr val="tx1"/>
+          </a:fontRef>
+        </p:style>
+      </p:cxnSp>
+      <p:sp>
+        <p:nvSpPr>
+          <p:cNvPr id="116" name="Oval 115"/>
+          <p:cNvSpPr/>
+          <p:nvPr/>
+        </p:nvSpPr>
+        <p:spPr bwMode="gray">
+          <a:xfrm>
+            <a:off x="2518542" y="5610416"/>
+            <a:ext cx="306053" cy="265453"/>
+          </a:xfrm>
+          <a:prstGeom prst="ellipse">
+            <a:avLst/>
+          </a:prstGeom>
+          <a:solidFill>
+            <a:schemeClr val="bg1"/>
+          </a:solidFill>
+          <a:ln w="19050" algn="ctr">
+            <a:solidFill>
+              <a:schemeClr val="tx1"/>
+            </a:solidFill>
+            <a:miter lim="800000"/>
+            <a:headEnd/>
+            <a:tailEnd/>
+          </a:ln>
+        </p:spPr>
+        <p:txBody>
+          <a:bodyPr lIns="90000" tIns="72000" rIns="90000" bIns="72000" rtlCol="0" anchor="ctr"/>
+          <a:lstStyle/>
+          <a:p>
+            <a:pPr algn="ctr" defTabSz="914400" fontAlgn="base">
+              <a:spcBef>
+                <a:spcPct val="50000"/>
+              </a:spcBef>
+              <a:spcAft>
+                <a:spcPct val="0"/>
+              </a:spcAft>
+              <a:buClr>
+                <a:srgbClr val="F0AB00"/>
+              </a:buClr>
+              <a:buSzPct val="80000"/>
+            </a:pPr>
+            <a:endParaRPr lang="pt-BR" sz="2000" kern="0" dirty="0" err="1">
+              <a:ea typeface="Arial Unicode MS" pitchFamily="34" charset="-128"/>
+              <a:cs typeface="Arial Unicode MS" pitchFamily="34" charset="-128"/>
+            </a:endParaRPr>
+          </a:p>
+        </p:txBody>
+      </p:sp>
+      <p:cxnSp>
+        <p:nvCxnSpPr>
+          <p:cNvPr id="117" name="Straight Connector 116"/>
+          <p:cNvCxnSpPr/>
+          <p:nvPr/>
+        </p:nvCxnSpPr>
+        <p:spPr>
+          <a:xfrm flipH="1">
+            <a:off x="2283884" y="4471310"/>
+            <a:ext cx="12496" cy="1304391"/>
+          </a:xfrm>
+          <a:prstGeom prst="line">
+            <a:avLst/>
+          </a:prstGeom>
+          <a:ln w="6350">
+            <a:solidFill>
+              <a:schemeClr val="tx1"/>
+            </a:solidFill>
+            <a:prstDash val="dash"/>
+          </a:ln>
+        </p:spPr>
+        <p:style>
+          <a:lnRef idx="1">
+            <a:schemeClr val="accent1"/>
+          </a:lnRef>
+          <a:fillRef idx="0">
+            <a:schemeClr val="accent1"/>
+          </a:fillRef>
+          <a:effectRef idx="0">
+            <a:schemeClr val="accent1"/>
+          </a:effectRef>
+          <a:fontRef idx="minor">
+            <a:schemeClr val="tx1"/>
+          </a:fontRef>
+        </p:style>
+      </p:cxnSp>
+      <p:sp>
+        <p:nvSpPr>
+          <p:cNvPr id="118" name="Oval 117"/>
+          <p:cNvSpPr/>
+          <p:nvPr/>
+        </p:nvSpPr>
+        <p:spPr bwMode="gray">
+          <a:xfrm>
+            <a:off x="1345647" y="5031047"/>
+            <a:ext cx="468000" cy="432439"/>
+          </a:xfrm>
+          <a:prstGeom prst="ellipse">
+            <a:avLst/>
+          </a:prstGeom>
+          <a:ln>
+            <a:headEnd/>
+            <a:tailEnd/>
+          </a:ln>
+        </p:spPr>
+        <p:style>
+          <a:lnRef idx="2">
+            <a:schemeClr val="dk1"/>
+          </a:lnRef>
+          <a:fillRef idx="1">
+            <a:schemeClr val="lt1"/>
+          </a:fillRef>
+          <a:effectRef idx="0">
+            <a:schemeClr val="dk1"/>
+          </a:effectRef>
+          <a:fontRef idx="minor">
+            <a:schemeClr val="dk1"/>
+          </a:fontRef>
+        </p:style>
+        <p:txBody>
+          <a:bodyPr lIns="90000" tIns="72000" rIns="90000" bIns="72000" rtlCol="0" anchor="ctr"/>
+          <a:lstStyle/>
+          <a:p>
+            <a:pPr marR="0" algn="ctr" defTabSz="914400" eaLnBrk="1" fontAlgn="base" latinLnBrk="0" hangingPunct="1">
+              <a:lnSpc>
+                <a:spcPct val="100000"/>
+              </a:lnSpc>
+              <a:spcBef>
+                <a:spcPct val="50000"/>
+              </a:spcBef>
+              <a:spcAft>
+                <a:spcPct val="0"/>
+              </a:spcAft>
+              <a:buClr>
+                <a:srgbClr val="F0AB00"/>
+              </a:buClr>
+              <a:buSzPct val="80000"/>
+              <a:tabLst/>
+            </a:pPr>
+            <a:r>
+              <a:rPr lang="pt-BR" sz="800" kern="0" noProof="1">
+                <a:ea typeface="Arial Unicode MS" pitchFamily="34" charset="-128"/>
+                <a:cs typeface="Arial Unicode MS" pitchFamily="34" charset="-128"/>
+              </a:rPr>
+              <a:t>CF</a:t>
+            </a:r>
+            <a:endParaRPr kumimoji="0" lang="pt-BR" sz="800" b="0" i="0" u="none" strike="noStrike" kern="0" cap="none" spc="0" normalizeH="0" baseline="0" noProof="1">
+              <a:ln>
+                <a:noFill/>
+              </a:ln>
+              <a:effectLst/>
+              <a:uLnTx/>
+              <a:uFillTx/>
+              <a:ea typeface="Arial Unicode MS" pitchFamily="34" charset="-128"/>
+              <a:cs typeface="Arial Unicode MS" pitchFamily="34" charset="-128"/>
+            </a:endParaRPr>
+          </a:p>
+        </p:txBody>
+      </p:sp>
+      <p:sp>
+        <p:nvSpPr>
+          <p:cNvPr id="120" name="Oval 119"/>
+          <p:cNvSpPr/>
+          <p:nvPr/>
+        </p:nvSpPr>
+        <p:spPr bwMode="gray">
+          <a:xfrm>
+            <a:off x="2907248" y="4661328"/>
+            <a:ext cx="468000" cy="432439"/>
+          </a:xfrm>
+          <a:prstGeom prst="ellipse">
+            <a:avLst/>
+          </a:prstGeom>
+          <a:ln>
+            <a:headEnd/>
+            <a:tailEnd/>
+          </a:ln>
+        </p:spPr>
+        <p:style>
+          <a:lnRef idx="2">
+            <a:schemeClr val="dk1"/>
+          </a:lnRef>
+          <a:fillRef idx="1">
+            <a:schemeClr val="lt1"/>
+          </a:fillRef>
+          <a:effectRef idx="0">
+            <a:schemeClr val="dk1"/>
+          </a:effectRef>
+          <a:fontRef idx="minor">
+            <a:schemeClr val="dk1"/>
+          </a:fontRef>
+        </p:style>
+        <p:txBody>
+          <a:bodyPr lIns="90000" tIns="72000" rIns="90000" bIns="72000" rtlCol="0" anchor="ctr"/>
+          <a:lstStyle/>
+          <a:p>
+            <a:pPr marR="0" algn="ctr" defTabSz="914400" eaLnBrk="1" fontAlgn="base" latinLnBrk="0" hangingPunct="1">
+              <a:lnSpc>
+                <a:spcPct val="100000"/>
+              </a:lnSpc>
+              <a:spcBef>
+                <a:spcPct val="50000"/>
+              </a:spcBef>
+              <a:spcAft>
+                <a:spcPct val="0"/>
+              </a:spcAft>
+              <a:buClr>
+                <a:srgbClr val="F0AB00"/>
+              </a:buClr>
+              <a:buSzPct val="80000"/>
+              <a:tabLst/>
+            </a:pPr>
+            <a:r>
+              <a:rPr lang="pt-BR" sz="800" kern="0" noProof="1">
+                <a:ea typeface="Arial Unicode MS" pitchFamily="34" charset="-128"/>
+                <a:cs typeface="Arial Unicode MS" pitchFamily="34" charset="-128"/>
+              </a:rPr>
+              <a:t>CF</a:t>
+            </a:r>
+            <a:endParaRPr kumimoji="0" lang="pt-BR" sz="800" b="0" i="0" u="none" strike="noStrike" kern="0" cap="none" spc="0" normalizeH="0" baseline="0" noProof="1">
+              <a:ln>
+                <a:noFill/>
+              </a:ln>
+              <a:effectLst/>
+              <a:uLnTx/>
+              <a:uFillTx/>
+              <a:ea typeface="Arial Unicode MS" pitchFamily="34" charset="-128"/>
+              <a:cs typeface="Arial Unicode MS" pitchFamily="34" charset="-128"/>
+            </a:endParaRPr>
+          </a:p>
+        </p:txBody>
+      </p:sp>
+      <p:sp>
+        <p:nvSpPr>
+          <p:cNvPr id="121" name="Oval 120"/>
+          <p:cNvSpPr/>
+          <p:nvPr/>
+        </p:nvSpPr>
+        <p:spPr bwMode="gray">
+          <a:xfrm>
+            <a:off x="3414497" y="4666134"/>
+            <a:ext cx="468000" cy="422825"/>
+          </a:xfrm>
+          <a:prstGeom prst="ellipse">
+            <a:avLst/>
+          </a:prstGeom>
+          <a:ln>
+            <a:headEnd/>
+            <a:tailEnd/>
+          </a:ln>
+        </p:spPr>
+        <p:style>
+          <a:lnRef idx="2">
+            <a:schemeClr val="dk1"/>
+          </a:lnRef>
+          <a:fillRef idx="1">
+            <a:schemeClr val="lt1"/>
+          </a:fillRef>
+          <a:effectRef idx="0">
+            <a:schemeClr val="dk1"/>
+          </a:effectRef>
+          <a:fontRef idx="minor">
+            <a:schemeClr val="dk1"/>
+          </a:fontRef>
+        </p:style>
+        <p:txBody>
+          <a:bodyPr lIns="90000" tIns="72000" rIns="90000" bIns="72000" rtlCol="0" anchor="ctr"/>
+          <a:lstStyle/>
+          <a:p>
+            <a:pPr marR="0" algn="ctr" defTabSz="914400" eaLnBrk="1" fontAlgn="base" latinLnBrk="0" hangingPunct="1">
+              <a:lnSpc>
+                <a:spcPct val="100000"/>
+              </a:lnSpc>
+              <a:spcBef>
+                <a:spcPct val="50000"/>
+              </a:spcBef>
+              <a:spcAft>
+                <a:spcPct val="0"/>
+              </a:spcAft>
+              <a:buClr>
+                <a:srgbClr val="F0AB00"/>
+              </a:buClr>
+              <a:buSzPct val="80000"/>
+              <a:tabLst/>
+            </a:pPr>
+            <a:r>
+              <a:rPr lang="pt-BR" sz="800" kern="0" noProof="1">
+                <a:ea typeface="Arial Unicode MS" pitchFamily="34" charset="-128"/>
+                <a:cs typeface="Arial Unicode MS" pitchFamily="34" charset="-128"/>
+              </a:rPr>
+              <a:t>CF</a:t>
+            </a:r>
+            <a:endParaRPr kumimoji="0" lang="pt-BR" sz="800" b="0" i="0" u="none" strike="noStrike" kern="0" cap="none" spc="0" normalizeH="0" baseline="0" noProof="1">
+              <a:ln>
+                <a:noFill/>
+              </a:ln>
+              <a:effectLst/>
+              <a:uLnTx/>
+              <a:uFillTx/>
+              <a:ea typeface="Arial Unicode MS" pitchFamily="34" charset="-128"/>
+              <a:cs typeface="Arial Unicode MS" pitchFamily="34" charset="-128"/>
+            </a:endParaRPr>
+          </a:p>
+        </p:txBody>
+      </p:sp>
+      <p:sp>
+        <p:nvSpPr>
+          <p:cNvPr id="122" name="Oval 121"/>
+          <p:cNvSpPr/>
+          <p:nvPr/>
+        </p:nvSpPr>
+        <p:spPr bwMode="gray">
+          <a:xfrm>
+            <a:off x="2907248" y="5100087"/>
+            <a:ext cx="468000" cy="432439"/>
+          </a:xfrm>
+          <a:prstGeom prst="ellipse">
+            <a:avLst/>
+          </a:prstGeom>
+          <a:ln>
+            <a:headEnd/>
+            <a:tailEnd/>
+          </a:ln>
+        </p:spPr>
+        <p:style>
+          <a:lnRef idx="2">
+            <a:schemeClr val="dk1"/>
+          </a:lnRef>
+          <a:fillRef idx="1">
+            <a:schemeClr val="lt1"/>
+          </a:fillRef>
+          <a:effectRef idx="0">
+            <a:schemeClr val="dk1"/>
+          </a:effectRef>
+          <a:fontRef idx="minor">
+            <a:schemeClr val="dk1"/>
+          </a:fontRef>
+        </p:style>
+        <p:txBody>
+          <a:bodyPr lIns="90000" tIns="72000" rIns="90000" bIns="72000" rtlCol="0" anchor="ctr"/>
+          <a:lstStyle/>
+          <a:p>
+            <a:pPr marR="0" algn="ctr" defTabSz="914400" eaLnBrk="1" fontAlgn="base" latinLnBrk="0" hangingPunct="1">
+              <a:lnSpc>
+                <a:spcPct val="100000"/>
+              </a:lnSpc>
+              <a:spcBef>
+                <a:spcPct val="50000"/>
+              </a:spcBef>
+              <a:spcAft>
+                <a:spcPct val="0"/>
+              </a:spcAft>
+              <a:buClr>
+                <a:srgbClr val="F0AB00"/>
+              </a:buClr>
+              <a:buSzPct val="80000"/>
+              <a:tabLst/>
+            </a:pPr>
+            <a:r>
+              <a:rPr lang="pt-BR" sz="800" kern="0" noProof="1">
+                <a:ea typeface="Arial Unicode MS" pitchFamily="34" charset="-128"/>
+                <a:cs typeface="Arial Unicode MS" pitchFamily="34" charset="-128"/>
+              </a:rPr>
+              <a:t>CF</a:t>
+            </a:r>
+            <a:endParaRPr kumimoji="0" lang="pt-BR" sz="800" b="0" i="0" u="none" strike="noStrike" kern="0" cap="none" spc="0" normalizeH="0" baseline="0" noProof="1">
+              <a:ln>
+                <a:noFill/>
+              </a:ln>
+              <a:effectLst/>
+              <a:uLnTx/>
+              <a:uFillTx/>
+              <a:ea typeface="Arial Unicode MS" pitchFamily="34" charset="-128"/>
+              <a:cs typeface="Arial Unicode MS" pitchFamily="34" charset="-128"/>
+            </a:endParaRPr>
+          </a:p>
+        </p:txBody>
+      </p:sp>
+      <p:sp>
+        <p:nvSpPr>
+          <p:cNvPr id="123" name="Oval 122"/>
+          <p:cNvSpPr/>
+          <p:nvPr/>
+        </p:nvSpPr>
+        <p:spPr bwMode="gray">
+          <a:xfrm>
+            <a:off x="3426496" y="5114046"/>
+            <a:ext cx="468000" cy="432439"/>
+          </a:xfrm>
+          <a:prstGeom prst="ellipse">
+            <a:avLst/>
+          </a:prstGeom>
+          <a:ln>
+            <a:headEnd/>
+            <a:tailEnd/>
+          </a:ln>
+        </p:spPr>
+        <p:style>
+          <a:lnRef idx="2">
+            <a:schemeClr val="dk1"/>
+          </a:lnRef>
+          <a:fillRef idx="1">
+            <a:schemeClr val="lt1"/>
+          </a:fillRef>
+          <a:effectRef idx="0">
+            <a:schemeClr val="dk1"/>
+          </a:effectRef>
+          <a:fontRef idx="minor">
+            <a:schemeClr val="dk1"/>
+          </a:fontRef>
+        </p:style>
+        <p:txBody>
+          <a:bodyPr lIns="90000" tIns="72000" rIns="90000" bIns="72000" rtlCol="0" anchor="ctr"/>
+          <a:lstStyle/>
+          <a:p>
+            <a:pPr marR="0" algn="ctr" defTabSz="914400" eaLnBrk="1" fontAlgn="base" latinLnBrk="0" hangingPunct="1">
+              <a:lnSpc>
+                <a:spcPct val="100000"/>
+              </a:lnSpc>
+              <a:spcBef>
+                <a:spcPct val="50000"/>
+              </a:spcBef>
+              <a:spcAft>
+                <a:spcPct val="0"/>
+              </a:spcAft>
+              <a:buClr>
+                <a:srgbClr val="F0AB00"/>
+              </a:buClr>
+              <a:buSzPct val="80000"/>
+              <a:tabLst/>
+            </a:pPr>
+            <a:r>
+              <a:rPr lang="pt-BR" sz="800" kern="0" noProof="1">
+                <a:ea typeface="Arial Unicode MS" pitchFamily="34" charset="-128"/>
+                <a:cs typeface="Arial Unicode MS" pitchFamily="34" charset="-128"/>
+              </a:rPr>
+              <a:t>CF</a:t>
+            </a:r>
+            <a:endParaRPr kumimoji="0" lang="pt-BR" sz="800" b="0" i="0" u="none" strike="noStrike" kern="0" cap="none" spc="0" normalizeH="0" baseline="0" noProof="1">
+              <a:ln>
+                <a:noFill/>
+              </a:ln>
+              <a:effectLst/>
+              <a:uLnTx/>
+              <a:uFillTx/>
+              <a:ea typeface="Arial Unicode MS" pitchFamily="34" charset="-128"/>
+              <a:cs typeface="Arial Unicode MS" pitchFamily="34" charset="-128"/>
+            </a:endParaRPr>
+          </a:p>
+        </p:txBody>
+      </p:sp>
+      <p:sp>
+        <p:nvSpPr>
+          <p:cNvPr id="124" name="Rounded Rectangle 43"/>
+          <p:cNvSpPr/>
+          <p:nvPr/>
+        </p:nvSpPr>
+        <p:spPr bwMode="gray">
+          <a:xfrm>
+            <a:off x="7177602" y="4409110"/>
+            <a:ext cx="1086028" cy="1201306"/>
+          </a:xfrm>
+          <a:prstGeom prst="roundRect">
+            <a:avLst/>
+          </a:prstGeom>
+          <a:solidFill>
+            <a:schemeClr val="tx2">
+              <a:alpha val="40000"/>
+            </a:schemeClr>
+          </a:solidFill>
+          <a:ln w="6350" algn="ctr">
+            <a:noFill/>
+            <a:miter lim="800000"/>
+            <a:headEnd/>
+            <a:tailEnd/>
+          </a:ln>
+          <a:effectLst/>
+        </p:spPr>
+        <p:txBody>
+          <a:bodyPr lIns="90000" tIns="72000" rIns="90000" bIns="72000" rtlCol="0" anchor="ctr"/>
+          <a:lstStyle/>
+          <a:p>
+            <a:pPr marR="0" algn="ctr" defTabSz="914400" eaLnBrk="1" fontAlgn="base" latinLnBrk="0" hangingPunct="1">
+              <a:lnSpc>
+                <a:spcPct val="100000"/>
+              </a:lnSpc>
+              <a:spcBef>
+                <a:spcPct val="50000"/>
+              </a:spcBef>
+              <a:spcAft>
+                <a:spcPct val="0"/>
+              </a:spcAft>
+              <a:buClr>
+                <a:srgbClr val="F0AB00"/>
+              </a:buClr>
+              <a:buSzPct val="80000"/>
+              <a:tabLst/>
+            </a:pPr>
+            <a:endParaRPr kumimoji="0" lang="pt-BR" sz="1400" b="0" i="0" u="none" strike="noStrike" kern="0" cap="none" spc="0" normalizeH="0" baseline="0" noProof="1">
+              <a:ln>
+                <a:noFill/>
+              </a:ln>
+              <a:effectLst/>
+              <a:uLnTx/>
+              <a:uFillTx/>
+              <a:ea typeface="Arial Unicode MS" pitchFamily="34" charset="-128"/>
+              <a:cs typeface="Arial Unicode MS" pitchFamily="34" charset="-128"/>
+            </a:endParaRPr>
+          </a:p>
+          <a:p>
+            <a:pPr marR="0" algn="ctr" defTabSz="914400" eaLnBrk="1" fontAlgn="base" latinLnBrk="0" hangingPunct="1">
+              <a:lnSpc>
+                <a:spcPct val="100000"/>
+              </a:lnSpc>
+              <a:spcBef>
+                <a:spcPct val="50000"/>
+              </a:spcBef>
+              <a:spcAft>
+                <a:spcPct val="0"/>
+              </a:spcAft>
+              <a:buClr>
+                <a:srgbClr val="F0AB00"/>
+              </a:buClr>
+              <a:buSzPct val="80000"/>
+              <a:tabLst/>
+            </a:pPr>
+            <a:endParaRPr kumimoji="0" lang="pt-BR" sz="1400" b="0" i="0" u="none" strike="noStrike" kern="0" cap="none" spc="0" normalizeH="0" baseline="0" noProof="1">
+              <a:ln>
+                <a:noFill/>
+              </a:ln>
+              <a:effectLst/>
+              <a:uLnTx/>
+              <a:uFillTx/>
+              <a:ea typeface="Arial Unicode MS" pitchFamily="34" charset="-128"/>
+              <a:cs typeface="Arial Unicode MS" pitchFamily="34" charset="-128"/>
+            </a:endParaRPr>
+          </a:p>
+          <a:p>
+            <a:pPr marR="0" algn="ctr" defTabSz="914400" eaLnBrk="1" fontAlgn="base" latinLnBrk="0" hangingPunct="1">
+              <a:lnSpc>
+                <a:spcPct val="100000"/>
+              </a:lnSpc>
+              <a:spcBef>
+                <a:spcPct val="50000"/>
+              </a:spcBef>
+              <a:spcAft>
+                <a:spcPct val="0"/>
+              </a:spcAft>
+              <a:buClr>
+                <a:srgbClr val="F0AB00"/>
+              </a:buClr>
+              <a:buSzPct val="80000"/>
+              <a:tabLst/>
+            </a:pPr>
+            <a:endParaRPr lang="pt-BR" sz="2000" kern="0" noProof="1">
+              <a:ea typeface="Arial Unicode MS" pitchFamily="34" charset="-128"/>
+              <a:cs typeface="Arial Unicode MS" pitchFamily="34" charset="-128"/>
+            </a:endParaRPr>
+          </a:p>
+          <a:p>
+            <a:pPr marR="0" algn="ctr" defTabSz="914400" eaLnBrk="1" fontAlgn="base" latinLnBrk="0" hangingPunct="1">
+              <a:lnSpc>
+                <a:spcPct val="100000"/>
+              </a:lnSpc>
+              <a:spcBef>
+                <a:spcPct val="50000"/>
+              </a:spcBef>
+              <a:spcAft>
+                <a:spcPct val="0"/>
+              </a:spcAft>
+              <a:buClr>
+                <a:srgbClr val="F0AB00"/>
+              </a:buClr>
+              <a:buSzPct val="80000"/>
+              <a:tabLst/>
+            </a:pPr>
+            <a:endParaRPr lang="pt-BR" sz="1600" kern="0" noProof="1">
+              <a:ea typeface="Arial Unicode MS" pitchFamily="34" charset="-128"/>
+              <a:cs typeface="Arial Unicode MS" pitchFamily="34" charset="-128"/>
+            </a:endParaRPr>
+          </a:p>
+          <a:p>
+            <a:pPr marR="0" algn="ctr" defTabSz="914400" eaLnBrk="1" fontAlgn="base" latinLnBrk="0" hangingPunct="1">
+              <a:lnSpc>
+                <a:spcPct val="100000"/>
+              </a:lnSpc>
+              <a:spcBef>
+                <a:spcPct val="50000"/>
+              </a:spcBef>
+              <a:spcAft>
+                <a:spcPct val="0"/>
+              </a:spcAft>
+              <a:buClr>
+                <a:srgbClr val="F0AB00"/>
+              </a:buClr>
+              <a:buSzPct val="80000"/>
+              <a:tabLst/>
+            </a:pPr>
+            <a:r>
+              <a:rPr lang="pt-BR" sz="1400" kern="0" noProof="1">
+                <a:ea typeface="Arial Unicode MS" pitchFamily="34" charset="-128"/>
+                <a:cs typeface="Arial Unicode MS" pitchFamily="34" charset="-128"/>
+              </a:rPr>
+              <a:t>Nó 2</a:t>
+            </a:r>
+            <a:endParaRPr kumimoji="0" lang="pt-BR" sz="1400" b="0" i="0" u="none" strike="noStrike" kern="0" cap="none" spc="0" normalizeH="0" baseline="0" noProof="1">
+              <a:ln>
+                <a:noFill/>
+              </a:ln>
+              <a:effectLst/>
+              <a:uLnTx/>
+              <a:uFillTx/>
+              <a:ea typeface="Arial Unicode MS" pitchFamily="34" charset="-128"/>
+              <a:cs typeface="Arial Unicode MS" pitchFamily="34" charset="-128"/>
+            </a:endParaRPr>
+          </a:p>
+          <a:p>
+            <a:pPr marR="0" algn="ctr" defTabSz="914400" eaLnBrk="1" fontAlgn="base" latinLnBrk="0" hangingPunct="1">
+              <a:lnSpc>
+                <a:spcPct val="100000"/>
+              </a:lnSpc>
+              <a:spcBef>
+                <a:spcPct val="50000"/>
+              </a:spcBef>
+              <a:spcAft>
+                <a:spcPct val="0"/>
+              </a:spcAft>
+              <a:buClr>
+                <a:srgbClr val="F0AB00"/>
+              </a:buClr>
+              <a:buSzPct val="80000"/>
+              <a:tabLst/>
+            </a:pPr>
+            <a:endParaRPr lang="pt-BR" sz="2000" kern="0" noProof="1">
+              <a:ea typeface="Arial Unicode MS" pitchFamily="34" charset="-128"/>
+              <a:cs typeface="Arial Unicode MS" pitchFamily="34" charset="-128"/>
+            </a:endParaRPr>
+          </a:p>
+          <a:p>
+            <a:pPr marR="0" algn="ctr" defTabSz="914400" eaLnBrk="1" fontAlgn="base" latinLnBrk="0" hangingPunct="1">
+              <a:lnSpc>
+                <a:spcPct val="100000"/>
+              </a:lnSpc>
+              <a:spcBef>
+                <a:spcPct val="50000"/>
+              </a:spcBef>
+              <a:spcAft>
+                <a:spcPct val="0"/>
+              </a:spcAft>
+              <a:buClr>
+                <a:srgbClr val="F0AB00"/>
+              </a:buClr>
+              <a:buSzPct val="80000"/>
+              <a:tabLst/>
+            </a:pPr>
+            <a:endParaRPr kumimoji="0" lang="pt-BR" sz="2000" b="0" i="0" u="none" strike="noStrike" kern="0" cap="none" spc="0" normalizeH="0" baseline="0" noProof="1">
+              <a:ln>
+                <a:noFill/>
+              </a:ln>
+              <a:effectLst/>
+              <a:uLnTx/>
+              <a:uFillTx/>
+              <a:ea typeface="Arial Unicode MS" pitchFamily="34" charset="-128"/>
+              <a:cs typeface="Arial Unicode MS" pitchFamily="34" charset="-128"/>
+            </a:endParaRPr>
+          </a:p>
+          <a:p>
+            <a:pPr marR="0" algn="ctr" defTabSz="914400" eaLnBrk="1" fontAlgn="base" latinLnBrk="0" hangingPunct="1">
+              <a:lnSpc>
+                <a:spcPct val="100000"/>
+              </a:lnSpc>
+              <a:spcBef>
+                <a:spcPct val="50000"/>
+              </a:spcBef>
+              <a:spcAft>
+                <a:spcPct val="0"/>
+              </a:spcAft>
+              <a:buClr>
+                <a:srgbClr val="F0AB00"/>
+              </a:buClr>
+              <a:buSzPct val="80000"/>
+              <a:tabLst/>
+            </a:pPr>
+            <a:endParaRPr lang="pt-BR" sz="2000" kern="0" noProof="1">
+              <a:ea typeface="Arial Unicode MS" pitchFamily="34" charset="-128"/>
+              <a:cs typeface="Arial Unicode MS" pitchFamily="34" charset="-128"/>
+            </a:endParaRPr>
+          </a:p>
+          <a:p>
+            <a:pPr marR="0" algn="ctr" defTabSz="914400" eaLnBrk="1" fontAlgn="base" latinLnBrk="0" hangingPunct="1">
+              <a:lnSpc>
+                <a:spcPct val="100000"/>
+              </a:lnSpc>
+              <a:spcBef>
+                <a:spcPct val="50000"/>
+              </a:spcBef>
+              <a:spcAft>
+                <a:spcPct val="0"/>
+              </a:spcAft>
+              <a:buClr>
+                <a:srgbClr val="F0AB00"/>
+              </a:buClr>
+              <a:buSzPct val="80000"/>
+              <a:tabLst/>
+            </a:pPr>
+            <a:endParaRPr kumimoji="0" lang="pt-BR" sz="2000" b="0" i="0" u="none" strike="noStrike" kern="0" cap="none" spc="0" normalizeH="0" baseline="0" noProof="1">
+              <a:ln>
+                <a:noFill/>
+              </a:ln>
+              <a:effectLst/>
+              <a:uLnTx/>
+              <a:uFillTx/>
+              <a:ea typeface="Arial Unicode MS" pitchFamily="34" charset="-128"/>
+              <a:cs typeface="Arial Unicode MS" pitchFamily="34" charset="-128"/>
+            </a:endParaRPr>
+          </a:p>
+          <a:p>
+            <a:pPr marR="0" algn="ctr" defTabSz="914400" eaLnBrk="1" fontAlgn="base" latinLnBrk="0" hangingPunct="1">
+              <a:lnSpc>
+                <a:spcPct val="100000"/>
+              </a:lnSpc>
+              <a:spcBef>
+                <a:spcPct val="50000"/>
+              </a:spcBef>
+              <a:spcAft>
+                <a:spcPct val="0"/>
+              </a:spcAft>
+              <a:buClr>
+                <a:srgbClr val="F0AB00"/>
+              </a:buClr>
+              <a:buSzPct val="80000"/>
+              <a:tabLst/>
+            </a:pPr>
+            <a:endParaRPr kumimoji="0" lang="pt-BR" sz="2000" b="0" i="0" u="none" strike="noStrike" kern="0" cap="none" spc="0" normalizeH="0" baseline="0" noProof="1">
+              <a:ln>
+                <a:noFill/>
+              </a:ln>
+              <a:effectLst/>
+              <a:uLnTx/>
+              <a:uFillTx/>
+              <a:ea typeface="Arial Unicode MS" pitchFamily="34" charset="-128"/>
+              <a:cs typeface="Arial Unicode MS" pitchFamily="34" charset="-128"/>
+            </a:endParaRPr>
+          </a:p>
+        </p:txBody>
+      </p:sp>
+      <p:sp>
+        <p:nvSpPr>
+          <p:cNvPr id="125" name="Oval 124"/>
+          <p:cNvSpPr/>
+          <p:nvPr/>
+        </p:nvSpPr>
+        <p:spPr bwMode="gray">
+          <a:xfrm>
+            <a:off x="7242957" y="4692222"/>
+            <a:ext cx="468000" cy="432439"/>
+          </a:xfrm>
+          <a:prstGeom prst="ellipse">
+            <a:avLst/>
+          </a:prstGeom>
+          <a:ln>
+            <a:headEnd/>
+            <a:tailEnd/>
+          </a:ln>
+        </p:spPr>
+        <p:style>
+          <a:lnRef idx="2">
+            <a:schemeClr val="dk1"/>
+          </a:lnRef>
+          <a:fillRef idx="1">
+            <a:schemeClr val="lt1"/>
+          </a:fillRef>
+          <a:effectRef idx="0">
+            <a:schemeClr val="dk1"/>
+          </a:effectRef>
+          <a:fontRef idx="minor">
+            <a:schemeClr val="dk1"/>
+          </a:fontRef>
+        </p:style>
+        <p:txBody>
+          <a:bodyPr lIns="90000" tIns="72000" rIns="90000" bIns="72000" rtlCol="0" anchor="ctr"/>
+          <a:lstStyle/>
+          <a:p>
+            <a:pPr marR="0" algn="ctr" defTabSz="914400" eaLnBrk="1" fontAlgn="base" latinLnBrk="0" hangingPunct="1">
+              <a:lnSpc>
+                <a:spcPct val="100000"/>
+              </a:lnSpc>
+              <a:spcBef>
+                <a:spcPct val="50000"/>
+              </a:spcBef>
+              <a:spcAft>
+                <a:spcPct val="0"/>
+              </a:spcAft>
+              <a:buClr>
+                <a:srgbClr val="F0AB00"/>
+              </a:buClr>
+              <a:buSzPct val="80000"/>
+              <a:tabLst/>
+            </a:pPr>
+            <a:r>
+              <a:rPr lang="pt-BR" sz="800" kern="0" noProof="1">
+                <a:ea typeface="Arial Unicode MS" pitchFamily="34" charset="-128"/>
+                <a:cs typeface="Arial Unicode MS" pitchFamily="34" charset="-128"/>
+              </a:rPr>
+              <a:t>CF</a:t>
+            </a:r>
+            <a:endParaRPr kumimoji="0" lang="pt-BR" sz="800" b="0" i="0" u="none" strike="noStrike" kern="0" cap="none" spc="0" normalizeH="0" baseline="0" noProof="1">
+              <a:ln>
+                <a:noFill/>
+              </a:ln>
+              <a:effectLst/>
+              <a:uLnTx/>
+              <a:uFillTx/>
+              <a:ea typeface="Arial Unicode MS" pitchFamily="34" charset="-128"/>
+              <a:cs typeface="Arial Unicode MS" pitchFamily="34" charset="-128"/>
+            </a:endParaRPr>
+          </a:p>
+        </p:txBody>
+      </p:sp>
+      <p:sp>
+        <p:nvSpPr>
+          <p:cNvPr id="126" name="Oval 125"/>
+          <p:cNvSpPr/>
+          <p:nvPr/>
+        </p:nvSpPr>
+        <p:spPr bwMode="gray">
+          <a:xfrm>
+            <a:off x="7750206" y="4697028"/>
+            <a:ext cx="468000" cy="422825"/>
+          </a:xfrm>
+          <a:prstGeom prst="ellipse">
+            <a:avLst/>
+          </a:prstGeom>
+          <a:ln>
+            <a:headEnd/>
+            <a:tailEnd/>
+          </a:ln>
+        </p:spPr>
+        <p:style>
+          <a:lnRef idx="2">
+            <a:schemeClr val="dk1"/>
+          </a:lnRef>
+          <a:fillRef idx="1">
+            <a:schemeClr val="lt1"/>
+          </a:fillRef>
+          <a:effectRef idx="0">
+            <a:schemeClr val="dk1"/>
+          </a:effectRef>
+          <a:fontRef idx="minor">
+            <a:schemeClr val="dk1"/>
+          </a:fontRef>
+        </p:style>
+        <p:txBody>
+          <a:bodyPr lIns="90000" tIns="72000" rIns="90000" bIns="72000" rtlCol="0" anchor="ctr"/>
+          <a:lstStyle/>
+          <a:p>
+            <a:pPr marR="0" algn="ctr" defTabSz="914400" eaLnBrk="1" fontAlgn="base" latinLnBrk="0" hangingPunct="1">
+              <a:lnSpc>
+                <a:spcPct val="100000"/>
+              </a:lnSpc>
+              <a:spcBef>
+                <a:spcPct val="50000"/>
+              </a:spcBef>
+              <a:spcAft>
+                <a:spcPct val="0"/>
+              </a:spcAft>
+              <a:buClr>
+                <a:srgbClr val="F0AB00"/>
+              </a:buClr>
+              <a:buSzPct val="80000"/>
+              <a:tabLst/>
+            </a:pPr>
+            <a:r>
+              <a:rPr lang="pt-BR" sz="800" kern="0" noProof="1">
+                <a:ea typeface="Arial Unicode MS" pitchFamily="34" charset="-128"/>
+                <a:cs typeface="Arial Unicode MS" pitchFamily="34" charset="-128"/>
+              </a:rPr>
+              <a:t>CF</a:t>
+            </a:r>
+            <a:endParaRPr kumimoji="0" lang="pt-BR" sz="800" b="0" i="0" u="none" strike="noStrike" kern="0" cap="none" spc="0" normalizeH="0" baseline="0" noProof="1">
+              <a:ln>
+                <a:noFill/>
+              </a:ln>
+              <a:effectLst/>
+              <a:uLnTx/>
+              <a:uFillTx/>
+              <a:ea typeface="Arial Unicode MS" pitchFamily="34" charset="-128"/>
+              <a:cs typeface="Arial Unicode MS" pitchFamily="34" charset="-128"/>
+            </a:endParaRPr>
+          </a:p>
+        </p:txBody>
+      </p:sp>
+      <p:sp>
+        <p:nvSpPr>
+          <p:cNvPr id="127" name="Oval 126"/>
+          <p:cNvSpPr/>
+          <p:nvPr/>
+        </p:nvSpPr>
+        <p:spPr bwMode="gray">
+          <a:xfrm>
+            <a:off x="7242957" y="5130981"/>
+            <a:ext cx="468000" cy="432439"/>
+          </a:xfrm>
+          <a:prstGeom prst="ellipse">
+            <a:avLst/>
+          </a:prstGeom>
+          <a:ln>
+            <a:headEnd/>
+            <a:tailEnd/>
+          </a:ln>
+        </p:spPr>
+        <p:style>
+          <a:lnRef idx="2">
+            <a:schemeClr val="dk1"/>
+          </a:lnRef>
+          <a:fillRef idx="1">
+            <a:schemeClr val="lt1"/>
+          </a:fillRef>
+          <a:effectRef idx="0">
+            <a:schemeClr val="dk1"/>
+          </a:effectRef>
+          <a:fontRef idx="minor">
+            <a:schemeClr val="dk1"/>
+          </a:fontRef>
+        </p:style>
+        <p:txBody>
+          <a:bodyPr lIns="90000" tIns="72000" rIns="90000" bIns="72000" rtlCol="0" anchor="ctr"/>
+          <a:lstStyle/>
+          <a:p>
+            <a:pPr marR="0" algn="ctr" defTabSz="914400" eaLnBrk="1" fontAlgn="base" latinLnBrk="0" hangingPunct="1">
+              <a:lnSpc>
+                <a:spcPct val="100000"/>
+              </a:lnSpc>
+              <a:spcBef>
+                <a:spcPct val="50000"/>
+              </a:spcBef>
+              <a:spcAft>
+                <a:spcPct val="0"/>
+              </a:spcAft>
+              <a:buClr>
+                <a:srgbClr val="F0AB00"/>
+              </a:buClr>
+              <a:buSzPct val="80000"/>
+              <a:tabLst/>
+            </a:pPr>
+            <a:r>
+              <a:rPr lang="pt-BR" sz="800" kern="0" noProof="1">
+                <a:ea typeface="Arial Unicode MS" pitchFamily="34" charset="-128"/>
+                <a:cs typeface="Arial Unicode MS" pitchFamily="34" charset="-128"/>
+              </a:rPr>
+              <a:t>CF</a:t>
+            </a:r>
+            <a:endParaRPr kumimoji="0" lang="pt-BR" sz="800" b="0" i="0" u="none" strike="noStrike" kern="0" cap="none" spc="0" normalizeH="0" baseline="0" noProof="1">
+              <a:ln>
+                <a:noFill/>
+              </a:ln>
+              <a:effectLst/>
+              <a:uLnTx/>
+              <a:uFillTx/>
+              <a:ea typeface="Arial Unicode MS" pitchFamily="34" charset="-128"/>
+              <a:cs typeface="Arial Unicode MS" pitchFamily="34" charset="-128"/>
+            </a:endParaRPr>
+          </a:p>
+        </p:txBody>
+      </p:sp>
+      <p:sp>
+        <p:nvSpPr>
+          <p:cNvPr id="128" name="Oval 127"/>
+          <p:cNvSpPr/>
+          <p:nvPr/>
+        </p:nvSpPr>
+        <p:spPr bwMode="gray">
+          <a:xfrm>
+            <a:off x="7762205" y="5144940"/>
+            <a:ext cx="468000" cy="432439"/>
+          </a:xfrm>
+          <a:prstGeom prst="ellipse">
+            <a:avLst/>
+          </a:prstGeom>
+          <a:ln>
+            <a:headEnd/>
+            <a:tailEnd/>
+          </a:ln>
+        </p:spPr>
+        <p:style>
+          <a:lnRef idx="2">
+            <a:schemeClr val="dk1"/>
+          </a:lnRef>
+          <a:fillRef idx="1">
+            <a:schemeClr val="lt1"/>
+          </a:fillRef>
+          <a:effectRef idx="0">
+            <a:schemeClr val="dk1"/>
+          </a:effectRef>
+          <a:fontRef idx="minor">
+            <a:schemeClr val="dk1"/>
+          </a:fontRef>
+        </p:style>
+        <p:txBody>
+          <a:bodyPr lIns="90000" tIns="72000" rIns="90000" bIns="72000" rtlCol="0" anchor="ctr"/>
+          <a:lstStyle/>
+          <a:p>
+            <a:pPr marR="0" algn="ctr" defTabSz="914400" eaLnBrk="1" fontAlgn="base" latinLnBrk="0" hangingPunct="1">
+              <a:lnSpc>
+                <a:spcPct val="100000"/>
+              </a:lnSpc>
+              <a:spcBef>
+                <a:spcPct val="50000"/>
+              </a:spcBef>
+              <a:spcAft>
+                <a:spcPct val="0"/>
+              </a:spcAft>
+              <a:buClr>
+                <a:srgbClr val="F0AB00"/>
+              </a:buClr>
+              <a:buSzPct val="80000"/>
+              <a:tabLst/>
+            </a:pPr>
+            <a:r>
+              <a:rPr lang="pt-BR" sz="800" kern="0" noProof="1">
+                <a:ea typeface="Arial Unicode MS" pitchFamily="34" charset="-128"/>
+                <a:cs typeface="Arial Unicode MS" pitchFamily="34" charset="-128"/>
+              </a:rPr>
+              <a:t>CF</a:t>
+            </a:r>
+            <a:endParaRPr kumimoji="0" lang="pt-BR" sz="800" b="0" i="0" u="none" strike="noStrike" kern="0" cap="none" spc="0" normalizeH="0" baseline="0" noProof="1">
+              <a:ln>
+                <a:noFill/>
+              </a:ln>
+              <a:effectLst/>
+              <a:uLnTx/>
+              <a:uFillTx/>
+              <a:ea typeface="Arial Unicode MS" pitchFamily="34" charset="-128"/>
+              <a:cs typeface="Arial Unicode MS" pitchFamily="34" charset="-128"/>
+            </a:endParaRPr>
+          </a:p>
+        </p:txBody>
+      </p:sp>
+      <p:sp>
+        <p:nvSpPr>
+          <p:cNvPr id="107" name="TextBox 106"/>
+          <p:cNvSpPr txBox="1"/>
+          <p:nvPr/>
+        </p:nvSpPr>
+        <p:spPr>
+          <a:xfrm rot="16200000">
+            <a:off x="604332" y="1202674"/>
+            <a:ext cx="466474" cy="246221"/>
+          </a:xfrm>
+          <a:prstGeom prst="rect">
+            <a:avLst/>
+          </a:prstGeom>
+          <a:noFill/>
+        </p:spPr>
+        <p:txBody>
+          <a:bodyPr wrap="none" lIns="0" tIns="0" rIns="0" bIns="0" rtlCol="0">
+            <a:spAutoFit/>
+          </a:bodyPr>
+          <a:lstStyle/>
+          <a:p>
+            <a:pPr fontAlgn="base">
+              <a:spcBef>
+                <a:spcPts val="600"/>
+              </a:spcBef>
+              <a:spcAft>
+                <a:spcPct val="0"/>
+              </a:spcAft>
+              <a:buClr>
+                <a:srgbClr val="F0AB00"/>
+              </a:buClr>
+              <a:buSzPct val="80000"/>
+            </a:pPr>
+            <a:r>
+              <a:rPr lang="pt-BR" sz="1600" kern="0" dirty="0">
+                <a:ea typeface="Arial Unicode MS" pitchFamily="34" charset="-128"/>
+                <a:cs typeface="Arial Unicode MS" pitchFamily="34" charset="-128"/>
+              </a:rPr>
+              <a:t>Base</a:t>
+            </a:r>
+          </a:p>
+        </p:txBody>
+      </p:sp>
+      <p:sp>
+        <p:nvSpPr>
+          <p:cNvPr id="131" name="TextBox 130"/>
+          <p:cNvSpPr txBox="1"/>
+          <p:nvPr/>
+        </p:nvSpPr>
+        <p:spPr>
+          <a:xfrm rot="16200000">
+            <a:off x="272767" y="4789607"/>
+            <a:ext cx="1130713" cy="246221"/>
+          </a:xfrm>
+          <a:prstGeom prst="rect">
+            <a:avLst/>
+          </a:prstGeom>
+          <a:noFill/>
+        </p:spPr>
+        <p:txBody>
+          <a:bodyPr wrap="square" lIns="0" tIns="0" rIns="0" bIns="0" rtlCol="0">
+            <a:spAutoFit/>
+          </a:bodyPr>
+          <a:lstStyle/>
+          <a:p>
+            <a:pPr algn="ctr" fontAlgn="base">
+              <a:spcBef>
+                <a:spcPts val="600"/>
+              </a:spcBef>
+              <a:spcAft>
+                <a:spcPct val="0"/>
+              </a:spcAft>
+              <a:buClr>
+                <a:srgbClr val="F0AB00"/>
+              </a:buClr>
+              <a:buSzPct val="80000"/>
+            </a:pPr>
+            <a:r>
+              <a:rPr lang="pt-BR" sz="1600" kern="0" dirty="0">
+                <a:ea typeface="Arial Unicode MS" pitchFamily="34" charset="-128"/>
+                <a:cs typeface="Arial Unicode MS" pitchFamily="34" charset="-128"/>
+              </a:rPr>
+              <a:t>Flexível</a:t>
+            </a:r>
+          </a:p>
+        </p:txBody>
+      </p:sp>
+      <p:sp>
+        <p:nvSpPr>
+          <p:cNvPr id="132" name="TextBox 131"/>
+          <p:cNvSpPr txBox="1"/>
+          <p:nvPr/>
+        </p:nvSpPr>
+        <p:spPr>
+          <a:xfrm rot="16200000">
+            <a:off x="370850" y="2953621"/>
+            <a:ext cx="933437" cy="246221"/>
+          </a:xfrm>
+          <a:prstGeom prst="rect">
+            <a:avLst/>
+          </a:prstGeom>
+          <a:noFill/>
+        </p:spPr>
+        <p:txBody>
+          <a:bodyPr wrap="square" lIns="0" tIns="0" rIns="0" bIns="0" rtlCol="0">
+            <a:spAutoFit/>
+          </a:bodyPr>
+          <a:lstStyle/>
+          <a:p>
+            <a:pPr algn="ctr" fontAlgn="base">
+              <a:spcBef>
+                <a:spcPts val="600"/>
+              </a:spcBef>
+              <a:spcAft>
+                <a:spcPct val="0"/>
+              </a:spcAft>
+              <a:buClr>
+                <a:srgbClr val="F0AB00"/>
+              </a:buClr>
+              <a:buSzPct val="80000"/>
+            </a:pPr>
+            <a:r>
+              <a:rPr lang="pt-BR" sz="1600" kern="0" dirty="0">
+                <a:ea typeface="Arial Unicode MS" pitchFamily="34" charset="-128"/>
+                <a:cs typeface="Arial Unicode MS" pitchFamily="34" charset="-128"/>
+              </a:rPr>
+              <a:t>Rígido</a:t>
+            </a:r>
+          </a:p>
+        </p:txBody>
+      </p:sp>
+      <p:sp>
+        <p:nvSpPr>
+          <p:cNvPr id="136" name="Rectangle 135"/>
+          <p:cNvSpPr/>
+          <p:nvPr/>
+        </p:nvSpPr>
+        <p:spPr bwMode="gray">
+          <a:xfrm>
+            <a:off x="1421113" y="1461210"/>
+            <a:ext cx="364403" cy="300419"/>
+          </a:xfrm>
+          <a:prstGeom prst="rect">
+            <a:avLst/>
+          </a:prstGeom>
+          <a:ln>
+            <a:headEnd/>
+            <a:tailEnd/>
+          </a:ln>
+        </p:spPr>
+        <p:style>
+          <a:lnRef idx="2">
+            <a:schemeClr val="dk1"/>
+          </a:lnRef>
+          <a:fillRef idx="1">
+            <a:schemeClr val="lt1"/>
+          </a:fillRef>
+          <a:effectRef idx="0">
+            <a:schemeClr val="dk1"/>
+          </a:effectRef>
+          <a:fontRef idx="minor">
+            <a:schemeClr val="dk1"/>
+          </a:fontRef>
+        </p:style>
+        <p:txBody>
+          <a:bodyPr lIns="90000" tIns="72000" rIns="90000" bIns="72000" rtlCol="0" anchor="ctr"/>
+          <a:lstStyle/>
+          <a:p>
+            <a:pPr marR="0" algn="ctr" defTabSz="914400" eaLnBrk="1" fontAlgn="base" latinLnBrk="0" hangingPunct="1">
+              <a:lnSpc>
+                <a:spcPct val="100000"/>
+              </a:lnSpc>
+              <a:spcBef>
+                <a:spcPct val="50000"/>
+              </a:spcBef>
+              <a:spcAft>
+                <a:spcPct val="0"/>
+              </a:spcAft>
+              <a:buClr>
+                <a:srgbClr val="F0AB00"/>
+              </a:buClr>
+              <a:buSzPct val="80000"/>
+              <a:tabLst/>
+            </a:pPr>
+            <a:r>
+              <a:rPr kumimoji="0" lang="pt-BR" sz="2000" b="0" i="0" u="none" strike="noStrike" kern="0" cap="none" spc="0" normalizeH="0" baseline="0" noProof="0" dirty="0">
+                <a:ln>
+                  <a:noFill/>
+                </a:ln>
+                <a:effectLst/>
+                <a:uLnTx/>
+                <a:uFillTx/>
+                <a:ea typeface="Arial Unicode MS" pitchFamily="34" charset="-128"/>
+                <a:cs typeface="Arial Unicode MS" pitchFamily="34" charset="-128"/>
+              </a:rPr>
+              <a:t>V</a:t>
+            </a:r>
+          </a:p>
+        </p:txBody>
+      </p:sp>
+      <p:sp>
+        <p:nvSpPr>
+          <p:cNvPr id="147" name="Rectangle 146"/>
+          <p:cNvSpPr/>
+          <p:nvPr/>
+        </p:nvSpPr>
+        <p:spPr bwMode="gray">
+          <a:xfrm>
+            <a:off x="738106" y="6182486"/>
+            <a:ext cx="364403" cy="300419"/>
+          </a:xfrm>
+          <a:prstGeom prst="rect">
+            <a:avLst/>
+          </a:prstGeom>
+          <a:ln>
+            <a:headEnd/>
+            <a:tailEnd/>
+          </a:ln>
+        </p:spPr>
+        <p:style>
+          <a:lnRef idx="2">
+            <a:schemeClr val="dk1"/>
+          </a:lnRef>
+          <a:fillRef idx="1">
+            <a:schemeClr val="lt1"/>
+          </a:fillRef>
+          <a:effectRef idx="0">
+            <a:schemeClr val="dk1"/>
+          </a:effectRef>
+          <a:fontRef idx="minor">
+            <a:schemeClr val="dk1"/>
+          </a:fontRef>
+        </p:style>
+        <p:txBody>
+          <a:bodyPr lIns="90000" tIns="72000" rIns="90000" bIns="72000" rtlCol="0" anchor="ctr"/>
+          <a:lstStyle/>
+          <a:p>
+            <a:pPr marR="0" algn="ctr" defTabSz="914400" eaLnBrk="1" fontAlgn="base" latinLnBrk="0" hangingPunct="1">
+              <a:lnSpc>
+                <a:spcPct val="100000"/>
+              </a:lnSpc>
+              <a:spcBef>
+                <a:spcPct val="50000"/>
+              </a:spcBef>
+              <a:spcAft>
+                <a:spcPct val="0"/>
+              </a:spcAft>
+              <a:buClr>
+                <a:srgbClr val="F0AB00"/>
+              </a:buClr>
+              <a:buSzPct val="80000"/>
+              <a:tabLst/>
+            </a:pPr>
+            <a:r>
+              <a:rPr kumimoji="0" lang="pt-BR" sz="2000" b="0" i="0" u="none" strike="noStrike" kern="0" cap="none" spc="0" normalizeH="0" baseline="0" noProof="0" dirty="0">
+                <a:ln>
+                  <a:noFill/>
+                </a:ln>
+                <a:effectLst/>
+                <a:uLnTx/>
+                <a:uFillTx/>
+                <a:ea typeface="Arial Unicode MS" pitchFamily="34" charset="-128"/>
+                <a:cs typeface="Arial Unicode MS" pitchFamily="34" charset="-128"/>
+              </a:rPr>
+              <a:t>V</a:t>
+            </a:r>
+          </a:p>
+        </p:txBody>
+      </p:sp>
+      <p:sp>
+        <p:nvSpPr>
+          <p:cNvPr id="148" name="Oval 147"/>
+          <p:cNvSpPr/>
+          <p:nvPr/>
+        </p:nvSpPr>
+        <p:spPr bwMode="gray">
+          <a:xfrm>
+            <a:off x="2956626" y="6104934"/>
+            <a:ext cx="468000" cy="432439"/>
+          </a:xfrm>
+          <a:prstGeom prst="ellipse">
+            <a:avLst/>
+          </a:prstGeom>
+          <a:ln>
+            <a:headEnd/>
+            <a:tailEnd/>
+          </a:ln>
+        </p:spPr>
+        <p:style>
+          <a:lnRef idx="2">
+            <a:schemeClr val="dk1"/>
+          </a:lnRef>
+          <a:fillRef idx="1">
+            <a:schemeClr val="lt1"/>
+          </a:fillRef>
+          <a:effectRef idx="0">
+            <a:schemeClr val="dk1"/>
+          </a:effectRef>
+          <a:fontRef idx="minor">
+            <a:schemeClr val="dk1"/>
+          </a:fontRef>
+        </p:style>
+        <p:txBody>
+          <a:bodyPr lIns="90000" tIns="72000" rIns="90000" bIns="72000" rtlCol="0" anchor="ctr"/>
+          <a:lstStyle/>
+          <a:p>
+            <a:pPr marR="0" algn="ctr" defTabSz="914400" eaLnBrk="1" fontAlgn="base" latinLnBrk="0" hangingPunct="1">
+              <a:lnSpc>
+                <a:spcPct val="100000"/>
+              </a:lnSpc>
+              <a:spcBef>
+                <a:spcPct val="50000"/>
+              </a:spcBef>
+              <a:spcAft>
+                <a:spcPct val="0"/>
+              </a:spcAft>
+              <a:buClr>
+                <a:srgbClr val="F0AB00"/>
+              </a:buClr>
+              <a:buSzPct val="80000"/>
+              <a:tabLst/>
+            </a:pPr>
+            <a:r>
+              <a:rPr lang="pt-BR" sz="800" kern="0" noProof="1">
+                <a:ea typeface="Arial Unicode MS" pitchFamily="34" charset="-128"/>
+                <a:cs typeface="Arial Unicode MS" pitchFamily="34" charset="-128"/>
+              </a:rPr>
+              <a:t>CR</a:t>
+            </a:r>
+            <a:endParaRPr kumimoji="0" lang="pt-BR" sz="800" b="0" i="0" u="none" strike="noStrike" kern="0" cap="none" spc="0" normalizeH="0" baseline="0" noProof="1">
+              <a:ln>
+                <a:noFill/>
+              </a:ln>
+              <a:effectLst/>
+              <a:uLnTx/>
+              <a:uFillTx/>
+              <a:ea typeface="Arial Unicode MS" pitchFamily="34" charset="-128"/>
+              <a:cs typeface="Arial Unicode MS" pitchFamily="34" charset="-128"/>
+            </a:endParaRPr>
+          </a:p>
+        </p:txBody>
+      </p:sp>
+      <p:sp>
+        <p:nvSpPr>
+          <p:cNvPr id="149" name="Oval 148"/>
+          <p:cNvSpPr/>
+          <p:nvPr/>
+        </p:nvSpPr>
+        <p:spPr bwMode="gray">
+          <a:xfrm>
+            <a:off x="5319449" y="6116475"/>
+            <a:ext cx="468000" cy="432439"/>
+          </a:xfrm>
+          <a:prstGeom prst="ellipse">
+            <a:avLst/>
+          </a:prstGeom>
+          <a:ln>
+            <a:headEnd/>
+            <a:tailEnd/>
+          </a:ln>
+        </p:spPr>
+        <p:style>
+          <a:lnRef idx="2">
+            <a:schemeClr val="dk1"/>
+          </a:lnRef>
+          <a:fillRef idx="1">
+            <a:schemeClr val="lt1"/>
+          </a:fillRef>
+          <a:effectRef idx="0">
+            <a:schemeClr val="dk1"/>
+          </a:effectRef>
+          <a:fontRef idx="minor">
+            <a:schemeClr val="dk1"/>
+          </a:fontRef>
+        </p:style>
+        <p:txBody>
+          <a:bodyPr lIns="90000" tIns="72000" rIns="90000" bIns="72000" rtlCol="0" anchor="ctr"/>
+          <a:lstStyle/>
+          <a:p>
+            <a:pPr marR="0" algn="ctr" defTabSz="914400" eaLnBrk="1" fontAlgn="base" latinLnBrk="0" hangingPunct="1">
+              <a:lnSpc>
+                <a:spcPct val="100000"/>
+              </a:lnSpc>
+              <a:spcBef>
+                <a:spcPct val="50000"/>
+              </a:spcBef>
+              <a:spcAft>
+                <a:spcPct val="0"/>
+              </a:spcAft>
+              <a:buClr>
+                <a:srgbClr val="F0AB00"/>
+              </a:buClr>
+              <a:buSzPct val="80000"/>
+              <a:tabLst/>
+            </a:pPr>
+            <a:r>
+              <a:rPr lang="pt-BR" sz="800" kern="0" noProof="1">
+                <a:ea typeface="Arial Unicode MS" pitchFamily="34" charset="-128"/>
+                <a:cs typeface="Arial Unicode MS" pitchFamily="34" charset="-128"/>
+              </a:rPr>
+              <a:t>CF</a:t>
+            </a:r>
+            <a:endParaRPr kumimoji="0" lang="pt-BR" sz="800" b="0" i="0" u="none" strike="noStrike" kern="0" cap="none" spc="0" normalizeH="0" baseline="0" noProof="1">
+              <a:ln>
+                <a:noFill/>
+              </a:ln>
+              <a:effectLst/>
+              <a:uLnTx/>
+              <a:uFillTx/>
+              <a:ea typeface="Arial Unicode MS" pitchFamily="34" charset="-128"/>
+              <a:cs typeface="Arial Unicode MS" pitchFamily="34" charset="-128"/>
+            </a:endParaRPr>
+          </a:p>
+        </p:txBody>
+      </p:sp>
+      <p:sp>
+        <p:nvSpPr>
+          <p:cNvPr id="152" name="TextBox 151"/>
+          <p:cNvSpPr txBox="1"/>
+          <p:nvPr/>
+        </p:nvSpPr>
+        <p:spPr>
+          <a:xfrm>
+            <a:off x="2526562" y="2048333"/>
+            <a:ext cx="322204" cy="161583"/>
+          </a:xfrm>
+          <a:prstGeom prst="rect">
+            <a:avLst/>
+          </a:prstGeom>
+          <a:noFill/>
+        </p:spPr>
+        <p:txBody>
+          <a:bodyPr wrap="none" lIns="0" tIns="0" rIns="0" bIns="0" rtlCol="0">
+            <a:spAutoFit/>
+          </a:bodyPr>
+          <a:lstStyle/>
+          <a:p>
+            <a:pPr fontAlgn="base">
+              <a:spcBef>
+                <a:spcPts val="600"/>
+              </a:spcBef>
+              <a:spcAft>
+                <a:spcPct val="0"/>
+              </a:spcAft>
+              <a:buClr>
+                <a:srgbClr val="F0AB00"/>
+              </a:buClr>
+              <a:buSzPct val="80000"/>
+            </a:pPr>
+            <a:r>
+              <a:rPr lang="pt-BR" sz="1050" kern="0" noProof="1">
+                <a:ea typeface="Arial Unicode MS" pitchFamily="34" charset="-128"/>
+                <a:cs typeface="Arial Unicode MS" pitchFamily="34" charset="-128"/>
+              </a:rPr>
+              <a:t>Início</a:t>
+            </a:r>
+          </a:p>
+        </p:txBody>
+      </p:sp>
+      <p:sp>
+        <p:nvSpPr>
+          <p:cNvPr id="153" name="TextBox 152"/>
+          <p:cNvSpPr txBox="1"/>
+          <p:nvPr/>
+        </p:nvSpPr>
+        <p:spPr>
+          <a:xfrm>
+            <a:off x="2510466" y="3982098"/>
+            <a:ext cx="322204" cy="161583"/>
+          </a:xfrm>
+          <a:prstGeom prst="rect">
+            <a:avLst/>
+          </a:prstGeom>
+          <a:noFill/>
+        </p:spPr>
+        <p:txBody>
+          <a:bodyPr wrap="none" lIns="0" tIns="0" rIns="0" bIns="0" rtlCol="0">
+            <a:spAutoFit/>
+          </a:bodyPr>
+          <a:lstStyle/>
+          <a:p>
+            <a:pPr fontAlgn="base">
+              <a:spcBef>
+                <a:spcPts val="600"/>
+              </a:spcBef>
+              <a:spcAft>
+                <a:spcPct val="0"/>
+              </a:spcAft>
+              <a:buClr>
+                <a:srgbClr val="F0AB00"/>
+              </a:buClr>
+              <a:buSzPct val="80000"/>
+            </a:pPr>
+            <a:r>
+              <a:rPr lang="pt-BR" sz="1050" kern="0" noProof="1">
+                <a:ea typeface="Arial Unicode MS" pitchFamily="34" charset="-128"/>
+                <a:cs typeface="Arial Unicode MS" pitchFamily="34" charset="-128"/>
+              </a:rPr>
+              <a:t>Início</a:t>
+            </a:r>
+          </a:p>
+        </p:txBody>
+      </p:sp>
+      <p:sp>
+        <p:nvSpPr>
+          <p:cNvPr id="154" name="TextBox 153"/>
+          <p:cNvSpPr txBox="1"/>
+          <p:nvPr/>
+        </p:nvSpPr>
+        <p:spPr>
+          <a:xfrm>
+            <a:off x="2510466" y="5882712"/>
+            <a:ext cx="322204" cy="161583"/>
+          </a:xfrm>
+          <a:prstGeom prst="rect">
+            <a:avLst/>
+          </a:prstGeom>
+          <a:noFill/>
+        </p:spPr>
+        <p:txBody>
+          <a:bodyPr wrap="none" lIns="0" tIns="0" rIns="0" bIns="0" rtlCol="0">
+            <a:spAutoFit/>
+          </a:bodyPr>
+          <a:lstStyle/>
+          <a:p>
+            <a:pPr fontAlgn="base">
+              <a:spcBef>
+                <a:spcPts val="600"/>
+              </a:spcBef>
+              <a:spcAft>
+                <a:spcPct val="0"/>
+              </a:spcAft>
+              <a:buClr>
+                <a:srgbClr val="F0AB00"/>
+              </a:buClr>
+              <a:buSzPct val="80000"/>
+            </a:pPr>
+            <a:r>
+              <a:rPr lang="pt-BR" sz="1050" kern="0" noProof="1">
+                <a:ea typeface="Arial Unicode MS" pitchFamily="34" charset="-128"/>
+                <a:cs typeface="Arial Unicode MS" pitchFamily="34" charset="-128"/>
+              </a:rPr>
+              <a:t>Início</a:t>
+            </a:r>
+          </a:p>
+        </p:txBody>
+      </p:sp>
+      <p:sp>
+        <p:nvSpPr>
+          <p:cNvPr id="155" name="TextBox 154"/>
+          <p:cNvSpPr txBox="1"/>
+          <p:nvPr/>
+        </p:nvSpPr>
+        <p:spPr>
+          <a:xfrm>
+            <a:off x="5989092" y="2038009"/>
+            <a:ext cx="729367" cy="161583"/>
+          </a:xfrm>
+          <a:prstGeom prst="rect">
+            <a:avLst/>
+          </a:prstGeom>
+          <a:noFill/>
+        </p:spPr>
+        <p:txBody>
+          <a:bodyPr wrap="none" lIns="0" tIns="0" rIns="0" bIns="0" rtlCol="0">
+            <a:spAutoFit/>
+          </a:bodyPr>
+          <a:lstStyle/>
+          <a:p>
+            <a:pPr fontAlgn="base">
+              <a:spcBef>
+                <a:spcPts val="600"/>
+              </a:spcBef>
+              <a:spcAft>
+                <a:spcPct val="0"/>
+              </a:spcAft>
+              <a:buClr>
+                <a:srgbClr val="F0AB00"/>
+              </a:buClr>
+              <a:buSzPct val="80000"/>
+            </a:pPr>
+            <a:r>
+              <a:rPr lang="pt-BR" sz="1050" kern="0" noProof="1">
+                <a:ea typeface="Arial Unicode MS" pitchFamily="34" charset="-128"/>
+                <a:cs typeface="Arial Unicode MS" pitchFamily="34" charset="-128"/>
+              </a:rPr>
+              <a:t>Elasticidade</a:t>
+            </a:r>
+          </a:p>
+        </p:txBody>
+      </p:sp>
+      <p:sp>
+        <p:nvSpPr>
+          <p:cNvPr id="159" name="TextBox 158"/>
+          <p:cNvSpPr txBox="1"/>
+          <p:nvPr/>
+        </p:nvSpPr>
+        <p:spPr>
+          <a:xfrm>
+            <a:off x="6651948" y="5899829"/>
+            <a:ext cx="729367" cy="161583"/>
+          </a:xfrm>
+          <a:prstGeom prst="rect">
+            <a:avLst/>
+          </a:prstGeom>
+          <a:noFill/>
+        </p:spPr>
+        <p:txBody>
+          <a:bodyPr wrap="none" lIns="0" tIns="0" rIns="0" bIns="0" rtlCol="0">
+            <a:spAutoFit/>
+          </a:bodyPr>
+          <a:lstStyle/>
+          <a:p>
+            <a:pPr fontAlgn="base">
+              <a:spcBef>
+                <a:spcPts val="600"/>
+              </a:spcBef>
+              <a:spcAft>
+                <a:spcPct val="0"/>
+              </a:spcAft>
+              <a:buClr>
+                <a:srgbClr val="F0AB00"/>
+              </a:buClr>
+              <a:buSzPct val="80000"/>
+            </a:pPr>
+            <a:r>
+              <a:rPr lang="pt-BR" sz="1050" kern="0" noProof="1">
+                <a:ea typeface="Arial Unicode MS" pitchFamily="34" charset="-128"/>
+                <a:cs typeface="Arial Unicode MS" pitchFamily="34" charset="-128"/>
+              </a:rPr>
+              <a:t>Elasticidade</a:t>
+            </a:r>
+          </a:p>
+        </p:txBody>
+      </p:sp>
+      <p:sp>
+        <p:nvSpPr>
+          <p:cNvPr id="160" name="TextBox 159"/>
+          <p:cNvSpPr txBox="1"/>
+          <p:nvPr/>
+        </p:nvSpPr>
+        <p:spPr>
+          <a:xfrm>
+            <a:off x="7205665" y="3961650"/>
+            <a:ext cx="729367" cy="161583"/>
+          </a:xfrm>
+          <a:prstGeom prst="rect">
+            <a:avLst/>
+          </a:prstGeom>
+          <a:noFill/>
+        </p:spPr>
+        <p:txBody>
+          <a:bodyPr wrap="none" lIns="0" tIns="0" rIns="0" bIns="0" rtlCol="0">
+            <a:spAutoFit/>
+          </a:bodyPr>
+          <a:lstStyle/>
+          <a:p>
+            <a:pPr fontAlgn="base">
+              <a:spcBef>
+                <a:spcPts val="600"/>
+              </a:spcBef>
+              <a:spcAft>
+                <a:spcPct val="0"/>
+              </a:spcAft>
+              <a:buClr>
+                <a:srgbClr val="F0AB00"/>
+              </a:buClr>
+              <a:buSzPct val="80000"/>
+            </a:pPr>
+            <a:r>
+              <a:rPr lang="pt-BR" sz="1050" kern="0" noProof="1">
+                <a:ea typeface="Arial Unicode MS" pitchFamily="34" charset="-128"/>
+                <a:cs typeface="Arial Unicode MS" pitchFamily="34" charset="-128"/>
+              </a:rPr>
+              <a:t>Elasticidade</a:t>
+            </a:r>
+          </a:p>
+        </p:txBody>
+      </p:sp>
+      <p:sp>
+        <p:nvSpPr>
+          <p:cNvPr id="161" name="TextBox 160"/>
+          <p:cNvSpPr txBox="1"/>
+          <p:nvPr/>
+        </p:nvSpPr>
+        <p:spPr>
+          <a:xfrm>
+            <a:off x="8621156" y="1999237"/>
+            <a:ext cx="729367" cy="161583"/>
+          </a:xfrm>
+          <a:prstGeom prst="rect">
+            <a:avLst/>
+          </a:prstGeom>
+          <a:noFill/>
+        </p:spPr>
+        <p:txBody>
+          <a:bodyPr wrap="none" lIns="0" tIns="0" rIns="0" bIns="0" rtlCol="0">
+            <a:spAutoFit/>
+          </a:bodyPr>
+          <a:lstStyle/>
+          <a:p>
+            <a:pPr fontAlgn="base">
+              <a:spcBef>
+                <a:spcPts val="600"/>
+              </a:spcBef>
+              <a:spcAft>
+                <a:spcPct val="0"/>
+              </a:spcAft>
+              <a:buClr>
+                <a:srgbClr val="F0AB00"/>
+              </a:buClr>
+              <a:buSzPct val="80000"/>
+            </a:pPr>
+            <a:r>
+              <a:rPr lang="pt-BR" sz="1050" kern="0" noProof="1">
+                <a:ea typeface="Arial Unicode MS" pitchFamily="34" charset="-128"/>
+                <a:cs typeface="Arial Unicode MS" pitchFamily="34" charset="-128"/>
+              </a:rPr>
+              <a:t>Elasticidade</a:t>
+            </a:r>
+          </a:p>
+        </p:txBody>
+      </p:sp>
+      <p:sp>
+        <p:nvSpPr>
+          <p:cNvPr id="162" name="Oval 161"/>
+          <p:cNvSpPr/>
+          <p:nvPr/>
+        </p:nvSpPr>
+        <p:spPr bwMode="gray">
+          <a:xfrm>
+            <a:off x="10577319" y="1740541"/>
+            <a:ext cx="306053" cy="265453"/>
+          </a:xfrm>
+          <a:prstGeom prst="ellipse">
+            <a:avLst/>
+          </a:prstGeom>
+          <a:solidFill>
+            <a:schemeClr val="bg2">
+              <a:lumMod val="25000"/>
+            </a:schemeClr>
+          </a:solidFill>
+          <a:ln w="6350" algn="ctr">
+            <a:noFill/>
+            <a:miter lim="800000"/>
+            <a:headEnd/>
+            <a:tailEnd/>
+          </a:ln>
+        </p:spPr>
+        <p:txBody>
+          <a:bodyPr lIns="90000" tIns="72000" rIns="90000" bIns="72000" rtlCol="0" anchor="ctr"/>
+          <a:lstStyle/>
+          <a:p>
+            <a:pPr marR="0" algn="ctr" defTabSz="914400" eaLnBrk="1" fontAlgn="base" latinLnBrk="0" hangingPunct="1">
+              <a:lnSpc>
+                <a:spcPct val="100000"/>
+              </a:lnSpc>
+              <a:spcBef>
+                <a:spcPct val="50000"/>
+              </a:spcBef>
+              <a:spcAft>
+                <a:spcPct val="0"/>
+              </a:spcAft>
+              <a:buClr>
+                <a:srgbClr val="F0AB00"/>
+              </a:buClr>
+              <a:buSzPct val="80000"/>
+              <a:tabLst/>
+            </a:pPr>
+            <a:endParaRPr kumimoji="0" lang="pt-BR" sz="2000" b="0" i="0" u="none" strike="noStrike" kern="0" cap="none" spc="0" normalizeH="0" baseline="0" noProof="0" dirty="0" err="1">
+              <a:ln>
+                <a:noFill/>
+              </a:ln>
+              <a:effectLst/>
+              <a:uLnTx/>
+              <a:uFillTx/>
+              <a:ea typeface="Arial Unicode MS" pitchFamily="34" charset="-128"/>
+              <a:cs typeface="Arial Unicode MS" pitchFamily="34" charset="-128"/>
+            </a:endParaRPr>
+          </a:p>
+        </p:txBody>
+      </p:sp>
+      <p:sp>
+        <p:nvSpPr>
+          <p:cNvPr id="163" name="Oval 162"/>
+          <p:cNvSpPr/>
+          <p:nvPr/>
+        </p:nvSpPr>
+        <p:spPr bwMode="gray">
+          <a:xfrm>
+            <a:off x="9837729" y="3746937"/>
+            <a:ext cx="306053" cy="265453"/>
+          </a:xfrm>
+          <a:prstGeom prst="ellipse">
+            <a:avLst/>
+          </a:prstGeom>
+          <a:solidFill>
+            <a:schemeClr val="bg2">
+              <a:lumMod val="25000"/>
+            </a:schemeClr>
+          </a:solidFill>
+          <a:ln w="6350" algn="ctr">
+            <a:noFill/>
+            <a:miter lim="800000"/>
+            <a:headEnd/>
+            <a:tailEnd/>
+          </a:ln>
+        </p:spPr>
+        <p:txBody>
+          <a:bodyPr lIns="90000" tIns="72000" rIns="90000" bIns="72000" rtlCol="0" anchor="ctr"/>
+          <a:lstStyle/>
+          <a:p>
+            <a:pPr marR="0" algn="ctr" defTabSz="914400" eaLnBrk="1" fontAlgn="base" latinLnBrk="0" hangingPunct="1">
+              <a:lnSpc>
+                <a:spcPct val="100000"/>
+              </a:lnSpc>
+              <a:spcBef>
+                <a:spcPct val="50000"/>
+              </a:spcBef>
+              <a:spcAft>
+                <a:spcPct val="0"/>
+              </a:spcAft>
+              <a:buClr>
+                <a:srgbClr val="F0AB00"/>
+              </a:buClr>
+              <a:buSzPct val="80000"/>
+              <a:tabLst/>
+            </a:pPr>
+            <a:endParaRPr kumimoji="0" lang="pt-BR" sz="2000" b="0" i="0" u="none" strike="noStrike" kern="0" cap="none" spc="0" normalizeH="0" baseline="0" noProof="0" dirty="0" err="1">
+              <a:ln>
+                <a:noFill/>
+              </a:ln>
+              <a:effectLst/>
+              <a:uLnTx/>
+              <a:uFillTx/>
+              <a:ea typeface="Arial Unicode MS" pitchFamily="34" charset="-128"/>
+              <a:cs typeface="Arial Unicode MS" pitchFamily="34" charset="-128"/>
+            </a:endParaRPr>
+          </a:p>
+        </p:txBody>
+      </p:sp>
+      <p:sp>
+        <p:nvSpPr>
+          <p:cNvPr id="164" name="Oval 163"/>
+          <p:cNvSpPr/>
+          <p:nvPr/>
+        </p:nvSpPr>
+        <p:spPr bwMode="gray">
+          <a:xfrm>
+            <a:off x="9384927" y="5598390"/>
+            <a:ext cx="306053" cy="265453"/>
+          </a:xfrm>
+          <a:prstGeom prst="ellipse">
+            <a:avLst/>
+          </a:prstGeom>
+          <a:solidFill>
+            <a:schemeClr val="bg2">
+              <a:lumMod val="25000"/>
+            </a:schemeClr>
+          </a:solidFill>
+          <a:ln w="6350" algn="ctr">
+            <a:noFill/>
+            <a:miter lim="800000"/>
+            <a:headEnd/>
+            <a:tailEnd/>
+          </a:ln>
+        </p:spPr>
+        <p:txBody>
+          <a:bodyPr lIns="90000" tIns="72000" rIns="90000" bIns="72000" rtlCol="0" anchor="ctr"/>
+          <a:lstStyle/>
+          <a:p>
+            <a:pPr marR="0" algn="ctr" defTabSz="914400" eaLnBrk="1" fontAlgn="base" latinLnBrk="0" hangingPunct="1">
+              <a:lnSpc>
+                <a:spcPct val="100000"/>
+              </a:lnSpc>
+              <a:spcBef>
+                <a:spcPct val="50000"/>
+              </a:spcBef>
+              <a:spcAft>
+                <a:spcPct val="0"/>
+              </a:spcAft>
+              <a:buClr>
+                <a:srgbClr val="F0AB00"/>
+              </a:buClr>
+              <a:buSzPct val="80000"/>
+              <a:tabLst/>
+            </a:pPr>
+            <a:endParaRPr kumimoji="0" lang="pt-BR" sz="2000" b="0" i="0" u="none" strike="noStrike" kern="0" cap="none" spc="0" normalizeH="0" baseline="0" noProof="0" dirty="0" err="1">
+              <a:ln>
+                <a:noFill/>
+              </a:ln>
+              <a:effectLst/>
+              <a:uLnTx/>
+              <a:uFillTx/>
+              <a:ea typeface="Arial Unicode MS" pitchFamily="34" charset="-128"/>
+              <a:cs typeface="Arial Unicode MS" pitchFamily="34" charset="-128"/>
+            </a:endParaRPr>
+          </a:p>
+        </p:txBody>
+      </p:sp>
+      <p:sp>
+        <p:nvSpPr>
+          <p:cNvPr id="165" name="TextBox 164"/>
+          <p:cNvSpPr txBox="1"/>
+          <p:nvPr/>
+        </p:nvSpPr>
+        <p:spPr>
+          <a:xfrm>
+            <a:off x="10618135" y="2011709"/>
+            <a:ext cx="224420" cy="161583"/>
+          </a:xfrm>
+          <a:prstGeom prst="rect">
+            <a:avLst/>
+          </a:prstGeom>
+          <a:noFill/>
+        </p:spPr>
+        <p:txBody>
+          <a:bodyPr wrap="none" lIns="0" tIns="0" rIns="0" bIns="0" rtlCol="0">
+            <a:spAutoFit/>
+          </a:bodyPr>
+          <a:lstStyle/>
+          <a:p>
+            <a:pPr fontAlgn="base">
+              <a:spcBef>
+                <a:spcPts val="600"/>
+              </a:spcBef>
+              <a:spcAft>
+                <a:spcPct val="0"/>
+              </a:spcAft>
+              <a:buClr>
+                <a:srgbClr val="F0AB00"/>
+              </a:buClr>
+              <a:buSzPct val="80000"/>
+            </a:pPr>
+            <a:r>
+              <a:rPr lang="pt-BR" sz="1050" kern="0" noProof="1">
+                <a:ea typeface="Arial Unicode MS" pitchFamily="34" charset="-128"/>
+                <a:cs typeface="Arial Unicode MS" pitchFamily="34" charset="-128"/>
+              </a:rPr>
+              <a:t>Fim</a:t>
+            </a:r>
+          </a:p>
+        </p:txBody>
+      </p:sp>
+      <p:sp>
+        <p:nvSpPr>
+          <p:cNvPr id="166" name="TextBox 165"/>
+          <p:cNvSpPr txBox="1"/>
+          <p:nvPr/>
+        </p:nvSpPr>
+        <p:spPr>
+          <a:xfrm>
+            <a:off x="9878544" y="4011346"/>
+            <a:ext cx="224420" cy="161583"/>
+          </a:xfrm>
+          <a:prstGeom prst="rect">
+            <a:avLst/>
+          </a:prstGeom>
+          <a:noFill/>
+        </p:spPr>
+        <p:txBody>
+          <a:bodyPr wrap="none" lIns="0" tIns="0" rIns="0" bIns="0" rtlCol="0">
+            <a:spAutoFit/>
+          </a:bodyPr>
+          <a:lstStyle/>
+          <a:p>
+            <a:pPr fontAlgn="base">
+              <a:spcBef>
+                <a:spcPts val="600"/>
+              </a:spcBef>
+              <a:spcAft>
+                <a:spcPct val="0"/>
+              </a:spcAft>
+              <a:buClr>
+                <a:srgbClr val="F0AB00"/>
+              </a:buClr>
+              <a:buSzPct val="80000"/>
+            </a:pPr>
+            <a:r>
+              <a:rPr lang="pt-BR" sz="1050" kern="0" noProof="1">
+                <a:ea typeface="Arial Unicode MS" pitchFamily="34" charset="-128"/>
+                <a:cs typeface="Arial Unicode MS" pitchFamily="34" charset="-128"/>
+              </a:rPr>
+              <a:t>Fim</a:t>
+            </a:r>
+          </a:p>
+        </p:txBody>
+      </p:sp>
+      <p:sp>
+        <p:nvSpPr>
+          <p:cNvPr id="167" name="TextBox 166"/>
+          <p:cNvSpPr txBox="1"/>
+          <p:nvPr/>
+        </p:nvSpPr>
+        <p:spPr>
+          <a:xfrm>
+            <a:off x="9431107" y="5863843"/>
+            <a:ext cx="224420" cy="161583"/>
+          </a:xfrm>
+          <a:prstGeom prst="rect">
+            <a:avLst/>
+          </a:prstGeom>
+          <a:noFill/>
+        </p:spPr>
+        <p:txBody>
+          <a:bodyPr wrap="none" lIns="0" tIns="0" rIns="0" bIns="0" rtlCol="0">
+            <a:spAutoFit/>
+          </a:bodyPr>
+          <a:lstStyle/>
+          <a:p>
+            <a:pPr fontAlgn="base">
+              <a:spcBef>
+                <a:spcPts val="600"/>
+              </a:spcBef>
+              <a:spcAft>
+                <a:spcPct val="0"/>
+              </a:spcAft>
+              <a:buClr>
+                <a:srgbClr val="F0AB00"/>
+              </a:buClr>
+              <a:buSzPct val="80000"/>
+            </a:pPr>
+            <a:r>
+              <a:rPr lang="pt-BR" sz="1050" kern="0" noProof="1">
+                <a:ea typeface="Arial Unicode MS" pitchFamily="34" charset="-128"/>
+                <a:cs typeface="Arial Unicode MS" pitchFamily="34" charset="-128"/>
+              </a:rPr>
+              <a:t>Fim</a:t>
+            </a:r>
+          </a:p>
+        </p:txBody>
+      </p:sp>
+      <p:sp>
+        <p:nvSpPr>
+          <p:cNvPr id="168" name="TextBox 167"/>
+          <p:cNvSpPr txBox="1"/>
+          <p:nvPr/>
+        </p:nvSpPr>
+        <p:spPr>
+          <a:xfrm>
+            <a:off x="11118333" y="1637768"/>
+            <a:ext cx="419987" cy="161583"/>
+          </a:xfrm>
+          <a:prstGeom prst="rect">
+            <a:avLst/>
+          </a:prstGeom>
+          <a:noFill/>
+        </p:spPr>
+        <p:txBody>
+          <a:bodyPr wrap="none" lIns="0" tIns="0" rIns="0" bIns="0" rtlCol="0">
+            <a:spAutoFit/>
+          </a:bodyPr>
+          <a:lstStyle/>
+          <a:p>
+            <a:pPr fontAlgn="base">
+              <a:spcBef>
+                <a:spcPts val="600"/>
+              </a:spcBef>
+              <a:spcAft>
+                <a:spcPct val="0"/>
+              </a:spcAft>
+              <a:buClr>
+                <a:srgbClr val="F0AB00"/>
+              </a:buClr>
+              <a:buSzPct val="80000"/>
+            </a:pPr>
+            <a:r>
+              <a:rPr lang="pt-BR" sz="1050" kern="0" noProof="1">
+                <a:ea typeface="Arial Unicode MS" pitchFamily="34" charset="-128"/>
+                <a:cs typeface="Arial Unicode MS" pitchFamily="34" charset="-128"/>
+              </a:rPr>
+              <a:t>Tempo</a:t>
+            </a:r>
+          </a:p>
+        </p:txBody>
+      </p:sp>
+      <p:sp>
+        <p:nvSpPr>
+          <p:cNvPr id="169" name="TextBox 168"/>
+          <p:cNvSpPr txBox="1"/>
+          <p:nvPr/>
+        </p:nvSpPr>
+        <p:spPr>
+          <a:xfrm>
+            <a:off x="10227590" y="3638273"/>
+            <a:ext cx="419987" cy="161583"/>
+          </a:xfrm>
+          <a:prstGeom prst="rect">
+            <a:avLst/>
+          </a:prstGeom>
+          <a:noFill/>
+        </p:spPr>
+        <p:txBody>
+          <a:bodyPr wrap="none" lIns="0" tIns="0" rIns="0" bIns="0" rtlCol="0">
+            <a:spAutoFit/>
+          </a:bodyPr>
+          <a:lstStyle/>
+          <a:p>
+            <a:pPr fontAlgn="base">
+              <a:spcBef>
+                <a:spcPts val="600"/>
+              </a:spcBef>
+              <a:spcAft>
+                <a:spcPct val="0"/>
+              </a:spcAft>
+              <a:buClr>
+                <a:srgbClr val="F0AB00"/>
+              </a:buClr>
+              <a:buSzPct val="80000"/>
+            </a:pPr>
+            <a:r>
+              <a:rPr lang="pt-BR" sz="1050" kern="0" noProof="1">
+                <a:ea typeface="Arial Unicode MS" pitchFamily="34" charset="-128"/>
+                <a:cs typeface="Arial Unicode MS" pitchFamily="34" charset="-128"/>
+              </a:rPr>
+              <a:t>Tempo</a:t>
+            </a:r>
+          </a:p>
+        </p:txBody>
+      </p:sp>
+      <p:sp>
+        <p:nvSpPr>
+          <p:cNvPr id="170" name="TextBox 169"/>
+          <p:cNvSpPr txBox="1"/>
+          <p:nvPr/>
+        </p:nvSpPr>
+        <p:spPr>
+          <a:xfrm>
+            <a:off x="9837729" y="5511145"/>
+            <a:ext cx="419987" cy="161583"/>
+          </a:xfrm>
+          <a:prstGeom prst="rect">
+            <a:avLst/>
+          </a:prstGeom>
+          <a:noFill/>
+        </p:spPr>
+        <p:txBody>
+          <a:bodyPr wrap="none" lIns="0" tIns="0" rIns="0" bIns="0" rtlCol="0">
+            <a:spAutoFit/>
+          </a:bodyPr>
+          <a:lstStyle/>
+          <a:p>
+            <a:pPr fontAlgn="base">
+              <a:spcBef>
+                <a:spcPts val="600"/>
+              </a:spcBef>
+              <a:spcAft>
+                <a:spcPct val="0"/>
+              </a:spcAft>
+              <a:buClr>
+                <a:srgbClr val="F0AB00"/>
+              </a:buClr>
+              <a:buSzPct val="80000"/>
+            </a:pPr>
+            <a:r>
+              <a:rPr lang="pt-BR" sz="1050" kern="0" noProof="1">
+                <a:ea typeface="Arial Unicode MS" pitchFamily="34" charset="-128"/>
+                <a:cs typeface="Arial Unicode MS" pitchFamily="34" charset="-128"/>
+              </a:rPr>
+              <a:t>Tempo</a:t>
+            </a:r>
+          </a:p>
+        </p:txBody>
+      </p:sp>
+    </p:spTree>
+    <p:extLst>
+      <p:ext uri="{BB962C8B-B14F-4D97-AF65-F5344CB8AC3E}">
+        <p14:creationId xmlns:p14="http://schemas.microsoft.com/office/powerpoint/2010/main" val="1153787708"/>
+      </p:ext>
+    </p:extLst>
+  </p:cSld>
+  <p:clrMapOvr>
+    <a:masterClrMapping/>
+  </p:clrMapOvr>
+</p:sld>
+</file>
+
+<file path=ppt/slides/slide21.xml><?xml version="1.0" encoding="utf-8"?>
 <p:sld xmlns:a="http://schemas.openxmlformats.org/drawingml/2006/main" xmlns:r="http://schemas.openxmlformats.org/officeDocument/2006/relationships" xmlns:p="http://schemas.openxmlformats.org/presentationml/2006/main">
   <p:cSld>
     <p:spTree>
@@ -25407,7 +31337,7 @@
 </p:sld>
 </file>
 
-<file path=ppt/slides/slide21.xml><?xml version="1.0" encoding="utf-8"?>
+<file path=ppt/slides/slide22.xml><?xml version="1.0" encoding="utf-8"?>
 <p:sld xmlns:a="http://schemas.openxmlformats.org/drawingml/2006/main" xmlns:r="http://schemas.openxmlformats.org/officeDocument/2006/relationships" xmlns:p="http://schemas.openxmlformats.org/presentationml/2006/main">
   <p:cSld>
     <p:spTree>
@@ -25480,321 +31410,6 @@
 </p:sld>
 </file>
 
-<file path=ppt/slides/slide22.xml><?xml version="1.0" encoding="utf-8"?>
-<p:sld xmlns:a="http://schemas.openxmlformats.org/drawingml/2006/main" xmlns:r="http://schemas.openxmlformats.org/officeDocument/2006/relationships" xmlns:p="http://schemas.openxmlformats.org/presentationml/2006/main">
-  <p:cSld>
-    <p:spTree>
-      <p:nvGrpSpPr>
-        <p:cNvPr id="1" name=""/>
-        <p:cNvGrpSpPr/>
-        <p:nvPr/>
-      </p:nvGrpSpPr>
-      <p:grpSpPr>
-        <a:xfrm>
-          <a:off x="0" y="0"/>
-          <a:ext cx="0" cy="0"/>
-          <a:chOff x="0" y="0"/>
-          <a:chExt cx="0" cy="0"/>
-        </a:xfrm>
-      </p:grpSpPr>
-      <p:sp>
-        <p:nvSpPr>
-          <p:cNvPr id="24" name="Title 23"/>
-          <p:cNvSpPr>
-            <a:spLocks noGrp="1"/>
-          </p:cNvSpPr>
-          <p:nvPr>
-            <p:ph type="title"/>
-          </p:nvPr>
-        </p:nvSpPr>
-        <p:spPr/>
-        <p:txBody>
-          <a:bodyPr/>
-          <a:lstStyle/>
-          <a:p>
-            <a:r>
-              <a:rPr lang="en-US" dirty="0"/>
-              <a:t>Insert page title </a:t>
-            </a:r>
-            <a:endParaRPr lang="en-US" b="0" dirty="0"/>
-          </a:p>
-        </p:txBody>
-      </p:sp>
-      <p:sp>
-        <p:nvSpPr>
-          <p:cNvPr id="3" name="Text Placeholder 2"/>
-          <p:cNvSpPr>
-            <a:spLocks noGrp="1"/>
-          </p:cNvSpPr>
-          <p:nvPr>
-            <p:ph type="body" sz="quarter" idx="10"/>
-          </p:nvPr>
-        </p:nvSpPr>
-        <p:spPr/>
-        <p:txBody>
-          <a:bodyPr/>
-          <a:lstStyle/>
-          <a:p>
-            <a:r>
-              <a:rPr lang="en-US" dirty="0"/>
-              <a:t>Headline here</a:t>
-            </a:r>
-          </a:p>
-          <a:p>
-            <a:pPr lvl="1"/>
-            <a:r>
-              <a:rPr lang="en-US" dirty="0" err="1"/>
-              <a:t>Lorem</a:t>
-            </a:r>
-            <a:r>
-              <a:rPr lang="en-US" dirty="0"/>
-              <a:t> </a:t>
-            </a:r>
-            <a:r>
-              <a:rPr lang="en-US" dirty="0" err="1"/>
-              <a:t>ipsum</a:t>
-            </a:r>
-            <a:r>
-              <a:rPr lang="en-US" dirty="0"/>
-              <a:t> dolor sit </a:t>
-            </a:r>
-            <a:r>
-              <a:rPr lang="en-US" dirty="0" err="1"/>
-              <a:t>amet</a:t>
-            </a:r>
-            <a:r>
-              <a:rPr lang="en-US" dirty="0"/>
-              <a:t>, </a:t>
-            </a:r>
-            <a:r>
-              <a:rPr lang="en-US" dirty="0" err="1"/>
-              <a:t>consectetur</a:t>
-            </a:r>
-            <a:r>
-              <a:rPr lang="en-US" dirty="0"/>
-              <a:t> </a:t>
-            </a:r>
-            <a:r>
-              <a:rPr lang="en-US" dirty="0" err="1"/>
-              <a:t>adipiscing</a:t>
-            </a:r>
-            <a:r>
-              <a:rPr lang="en-US" dirty="0"/>
-              <a:t> </a:t>
-            </a:r>
-            <a:r>
-              <a:rPr lang="en-US" dirty="0" err="1"/>
-              <a:t>elit</a:t>
-            </a:r>
-            <a:r>
-              <a:rPr lang="en-US" dirty="0"/>
-              <a:t>. Maecenas </a:t>
-            </a:r>
-            <a:r>
-              <a:rPr lang="en-US" dirty="0" err="1"/>
-              <a:t>pellentesque</a:t>
-            </a:r>
-            <a:r>
-              <a:rPr lang="en-US" dirty="0"/>
-              <a:t> </a:t>
-            </a:r>
-            <a:r>
-              <a:rPr lang="en-US" dirty="0" err="1"/>
-              <a:t>laoreet</a:t>
-            </a:r>
-            <a:r>
-              <a:rPr lang="en-US" dirty="0"/>
-              <a:t> </a:t>
-            </a:r>
-            <a:r>
-              <a:rPr lang="en-US" dirty="0" err="1"/>
-              <a:t>urna</a:t>
-            </a:r>
-            <a:r>
-              <a:rPr lang="en-US" dirty="0"/>
-              <a:t> </a:t>
-            </a:r>
-            <a:r>
-              <a:rPr lang="en-US" dirty="0" err="1"/>
-              <a:t>molestie</a:t>
-            </a:r>
-            <a:r>
-              <a:rPr lang="en-US" dirty="0"/>
-              <a:t> </a:t>
-            </a:r>
-            <a:r>
-              <a:rPr lang="en-US" dirty="0" err="1"/>
-              <a:t>placerat</a:t>
-            </a:r>
-            <a:r>
-              <a:rPr lang="en-US" dirty="0"/>
-              <a:t> </a:t>
-            </a:r>
-            <a:r>
-              <a:rPr lang="en-US" dirty="0" err="1"/>
-              <a:t>ipsum</a:t>
-            </a:r>
-            <a:r>
-              <a:rPr lang="en-US" dirty="0"/>
-              <a:t>.</a:t>
-            </a:r>
-          </a:p>
-        </p:txBody>
-      </p:sp>
-      <p:sp>
-        <p:nvSpPr>
-          <p:cNvPr id="4" name="Text Placeholder 3"/>
-          <p:cNvSpPr>
-            <a:spLocks noGrp="1"/>
-          </p:cNvSpPr>
-          <p:nvPr>
-            <p:ph type="body" sz="quarter" idx="14"/>
-          </p:nvPr>
-        </p:nvSpPr>
-        <p:spPr/>
-        <p:txBody>
-          <a:bodyPr/>
-          <a:lstStyle/>
-          <a:p>
-            <a:r>
-              <a:rPr lang="en-US" dirty="0"/>
-              <a:t>Headline here</a:t>
-            </a:r>
-          </a:p>
-          <a:p>
-            <a:pPr lvl="1"/>
-            <a:r>
-              <a:rPr lang="en-US" dirty="0" err="1"/>
-              <a:t>Lorem</a:t>
-            </a:r>
-            <a:r>
-              <a:rPr lang="en-US" dirty="0"/>
-              <a:t> </a:t>
-            </a:r>
-            <a:r>
-              <a:rPr lang="en-US" dirty="0" err="1"/>
-              <a:t>ipsum</a:t>
-            </a:r>
-            <a:r>
-              <a:rPr lang="en-US" dirty="0"/>
-              <a:t> dolor sit </a:t>
-            </a:r>
-            <a:r>
-              <a:rPr lang="en-US" dirty="0" err="1"/>
-              <a:t>amet</a:t>
-            </a:r>
-            <a:r>
-              <a:rPr lang="en-US" dirty="0"/>
-              <a:t>, </a:t>
-            </a:r>
-            <a:r>
-              <a:rPr lang="en-US" dirty="0" err="1"/>
-              <a:t>consectetur</a:t>
-            </a:r>
-            <a:r>
-              <a:rPr lang="en-US" dirty="0"/>
-              <a:t> </a:t>
-            </a:r>
-            <a:r>
-              <a:rPr lang="en-US" dirty="0" err="1"/>
-              <a:t>adipiscing</a:t>
-            </a:r>
-            <a:r>
-              <a:rPr lang="en-US" dirty="0"/>
-              <a:t> </a:t>
-            </a:r>
-            <a:r>
-              <a:rPr lang="en-US" dirty="0" err="1"/>
-              <a:t>elit</a:t>
-            </a:r>
-            <a:r>
-              <a:rPr lang="en-US" dirty="0"/>
-              <a:t>. Maecenas </a:t>
-            </a:r>
-            <a:r>
-              <a:rPr lang="en-US" dirty="0" err="1"/>
-              <a:t>pellentesque</a:t>
-            </a:r>
-            <a:r>
-              <a:rPr lang="en-US" dirty="0"/>
-              <a:t> </a:t>
-            </a:r>
-            <a:r>
-              <a:rPr lang="en-US" dirty="0" err="1"/>
-              <a:t>laoreet</a:t>
-            </a:r>
-            <a:r>
-              <a:rPr lang="en-US" dirty="0"/>
-              <a:t> </a:t>
-            </a:r>
-            <a:r>
-              <a:rPr lang="en-US" dirty="0" err="1"/>
-              <a:t>urna</a:t>
-            </a:r>
-            <a:r>
-              <a:rPr lang="en-US" dirty="0"/>
-              <a:t> </a:t>
-            </a:r>
-            <a:r>
-              <a:rPr lang="en-US" dirty="0" err="1"/>
-              <a:t>molestie</a:t>
-            </a:r>
-            <a:r>
-              <a:rPr lang="en-US" dirty="0"/>
-              <a:t> </a:t>
-            </a:r>
-            <a:r>
-              <a:rPr lang="en-US" dirty="0" err="1"/>
-              <a:t>placerat</a:t>
-            </a:r>
-            <a:r>
-              <a:rPr lang="en-US" dirty="0"/>
-              <a:t> </a:t>
-            </a:r>
-            <a:r>
-              <a:rPr lang="en-US" dirty="0" err="1"/>
-              <a:t>ipsum</a:t>
-            </a:r>
-            <a:r>
-              <a:rPr lang="en-US" dirty="0"/>
-              <a:t>.</a:t>
-            </a:r>
-          </a:p>
-        </p:txBody>
-      </p:sp>
-      <p:sp>
-        <p:nvSpPr>
-          <p:cNvPr id="7" name="Picture Placeholder 6"/>
-          <p:cNvSpPr>
-            <a:spLocks noGrp="1"/>
-          </p:cNvSpPr>
-          <p:nvPr>
-            <p:ph type="pic" sz="quarter" idx="15"/>
-          </p:nvPr>
-        </p:nvSpPr>
-        <p:spPr/>
-      </p:sp>
-      <p:sp>
-        <p:nvSpPr>
-          <p:cNvPr id="9" name="Picture Placeholder 8"/>
-          <p:cNvSpPr>
-            <a:spLocks noGrp="1"/>
-          </p:cNvSpPr>
-          <p:nvPr>
-            <p:ph type="pic" sz="quarter" idx="16"/>
-          </p:nvPr>
-        </p:nvSpPr>
-        <p:spPr/>
-      </p:sp>
-    </p:spTree>
-  </p:cSld>
-  <p:clrMapOvr>
-    <a:masterClrMapping/>
-  </p:clrMapOvr>
-  <p:transition spd="med"/>
-</p:sld>
-</file>
-
 <file path=ppt/slides/slide23.xml><?xml version="1.0" encoding="utf-8"?>
 <p:sld xmlns:a="http://schemas.openxmlformats.org/drawingml/2006/main" xmlns:r="http://schemas.openxmlformats.org/officeDocument/2006/relationships" xmlns:p="http://schemas.openxmlformats.org/presentationml/2006/main">
   <p:cSld>
@@ -25814,6 +31429,321 @@
       </p:grpSpPr>
       <p:sp>
         <p:nvSpPr>
+          <p:cNvPr id="24" name="Title 23"/>
+          <p:cNvSpPr>
+            <a:spLocks noGrp="1"/>
+          </p:cNvSpPr>
+          <p:nvPr>
+            <p:ph type="title"/>
+          </p:nvPr>
+        </p:nvSpPr>
+        <p:spPr/>
+        <p:txBody>
+          <a:bodyPr/>
+          <a:lstStyle/>
+          <a:p>
+            <a:r>
+              <a:rPr lang="en-US" dirty="0"/>
+              <a:t>Insert page title </a:t>
+            </a:r>
+            <a:endParaRPr lang="en-US" b="0" dirty="0"/>
+          </a:p>
+        </p:txBody>
+      </p:sp>
+      <p:sp>
+        <p:nvSpPr>
+          <p:cNvPr id="3" name="Text Placeholder 2"/>
+          <p:cNvSpPr>
+            <a:spLocks noGrp="1"/>
+          </p:cNvSpPr>
+          <p:nvPr>
+            <p:ph type="body" sz="quarter" idx="10"/>
+          </p:nvPr>
+        </p:nvSpPr>
+        <p:spPr/>
+        <p:txBody>
+          <a:bodyPr/>
+          <a:lstStyle/>
+          <a:p>
+            <a:r>
+              <a:rPr lang="en-US" dirty="0"/>
+              <a:t>Headline here</a:t>
+            </a:r>
+          </a:p>
+          <a:p>
+            <a:pPr lvl="1"/>
+            <a:r>
+              <a:rPr lang="en-US" dirty="0" err="1"/>
+              <a:t>Lorem</a:t>
+            </a:r>
+            <a:r>
+              <a:rPr lang="en-US" dirty="0"/>
+              <a:t> </a:t>
+            </a:r>
+            <a:r>
+              <a:rPr lang="en-US" dirty="0" err="1"/>
+              <a:t>ipsum</a:t>
+            </a:r>
+            <a:r>
+              <a:rPr lang="en-US" dirty="0"/>
+              <a:t> dolor sit </a:t>
+            </a:r>
+            <a:r>
+              <a:rPr lang="en-US" dirty="0" err="1"/>
+              <a:t>amet</a:t>
+            </a:r>
+            <a:r>
+              <a:rPr lang="en-US" dirty="0"/>
+              <a:t>, </a:t>
+            </a:r>
+            <a:r>
+              <a:rPr lang="en-US" dirty="0" err="1"/>
+              <a:t>consectetur</a:t>
+            </a:r>
+            <a:r>
+              <a:rPr lang="en-US" dirty="0"/>
+              <a:t> </a:t>
+            </a:r>
+            <a:r>
+              <a:rPr lang="en-US" dirty="0" err="1"/>
+              <a:t>adipiscing</a:t>
+            </a:r>
+            <a:r>
+              <a:rPr lang="en-US" dirty="0"/>
+              <a:t> </a:t>
+            </a:r>
+            <a:r>
+              <a:rPr lang="en-US" dirty="0" err="1"/>
+              <a:t>elit</a:t>
+            </a:r>
+            <a:r>
+              <a:rPr lang="en-US" dirty="0"/>
+              <a:t>. Maecenas </a:t>
+            </a:r>
+            <a:r>
+              <a:rPr lang="en-US" dirty="0" err="1"/>
+              <a:t>pellentesque</a:t>
+            </a:r>
+            <a:r>
+              <a:rPr lang="en-US" dirty="0"/>
+              <a:t> </a:t>
+            </a:r>
+            <a:r>
+              <a:rPr lang="en-US" dirty="0" err="1"/>
+              <a:t>laoreet</a:t>
+            </a:r>
+            <a:r>
+              <a:rPr lang="en-US" dirty="0"/>
+              <a:t> </a:t>
+            </a:r>
+            <a:r>
+              <a:rPr lang="en-US" dirty="0" err="1"/>
+              <a:t>urna</a:t>
+            </a:r>
+            <a:r>
+              <a:rPr lang="en-US" dirty="0"/>
+              <a:t> </a:t>
+            </a:r>
+            <a:r>
+              <a:rPr lang="en-US" dirty="0" err="1"/>
+              <a:t>molestie</a:t>
+            </a:r>
+            <a:r>
+              <a:rPr lang="en-US" dirty="0"/>
+              <a:t> </a:t>
+            </a:r>
+            <a:r>
+              <a:rPr lang="en-US" dirty="0" err="1"/>
+              <a:t>placerat</a:t>
+            </a:r>
+            <a:r>
+              <a:rPr lang="en-US" dirty="0"/>
+              <a:t> </a:t>
+            </a:r>
+            <a:r>
+              <a:rPr lang="en-US" dirty="0" err="1"/>
+              <a:t>ipsum</a:t>
+            </a:r>
+            <a:r>
+              <a:rPr lang="en-US" dirty="0"/>
+              <a:t>.</a:t>
+            </a:r>
+          </a:p>
+        </p:txBody>
+      </p:sp>
+      <p:sp>
+        <p:nvSpPr>
+          <p:cNvPr id="4" name="Text Placeholder 3"/>
+          <p:cNvSpPr>
+            <a:spLocks noGrp="1"/>
+          </p:cNvSpPr>
+          <p:nvPr>
+            <p:ph type="body" sz="quarter" idx="14"/>
+          </p:nvPr>
+        </p:nvSpPr>
+        <p:spPr/>
+        <p:txBody>
+          <a:bodyPr/>
+          <a:lstStyle/>
+          <a:p>
+            <a:r>
+              <a:rPr lang="en-US" dirty="0"/>
+              <a:t>Headline here</a:t>
+            </a:r>
+          </a:p>
+          <a:p>
+            <a:pPr lvl="1"/>
+            <a:r>
+              <a:rPr lang="en-US" dirty="0" err="1"/>
+              <a:t>Lorem</a:t>
+            </a:r>
+            <a:r>
+              <a:rPr lang="en-US" dirty="0"/>
+              <a:t> </a:t>
+            </a:r>
+            <a:r>
+              <a:rPr lang="en-US" dirty="0" err="1"/>
+              <a:t>ipsum</a:t>
+            </a:r>
+            <a:r>
+              <a:rPr lang="en-US" dirty="0"/>
+              <a:t> dolor sit </a:t>
+            </a:r>
+            <a:r>
+              <a:rPr lang="en-US" dirty="0" err="1"/>
+              <a:t>amet</a:t>
+            </a:r>
+            <a:r>
+              <a:rPr lang="en-US" dirty="0"/>
+              <a:t>, </a:t>
+            </a:r>
+            <a:r>
+              <a:rPr lang="en-US" dirty="0" err="1"/>
+              <a:t>consectetur</a:t>
+            </a:r>
+            <a:r>
+              <a:rPr lang="en-US" dirty="0"/>
+              <a:t> </a:t>
+            </a:r>
+            <a:r>
+              <a:rPr lang="en-US" dirty="0" err="1"/>
+              <a:t>adipiscing</a:t>
+            </a:r>
+            <a:r>
+              <a:rPr lang="en-US" dirty="0"/>
+              <a:t> </a:t>
+            </a:r>
+            <a:r>
+              <a:rPr lang="en-US" dirty="0" err="1"/>
+              <a:t>elit</a:t>
+            </a:r>
+            <a:r>
+              <a:rPr lang="en-US" dirty="0"/>
+              <a:t>. Maecenas </a:t>
+            </a:r>
+            <a:r>
+              <a:rPr lang="en-US" dirty="0" err="1"/>
+              <a:t>pellentesque</a:t>
+            </a:r>
+            <a:r>
+              <a:rPr lang="en-US" dirty="0"/>
+              <a:t> </a:t>
+            </a:r>
+            <a:r>
+              <a:rPr lang="en-US" dirty="0" err="1"/>
+              <a:t>laoreet</a:t>
+            </a:r>
+            <a:r>
+              <a:rPr lang="en-US" dirty="0"/>
+              <a:t> </a:t>
+            </a:r>
+            <a:r>
+              <a:rPr lang="en-US" dirty="0" err="1"/>
+              <a:t>urna</a:t>
+            </a:r>
+            <a:r>
+              <a:rPr lang="en-US" dirty="0"/>
+              <a:t> </a:t>
+            </a:r>
+            <a:r>
+              <a:rPr lang="en-US" dirty="0" err="1"/>
+              <a:t>molestie</a:t>
+            </a:r>
+            <a:r>
+              <a:rPr lang="en-US" dirty="0"/>
+              <a:t> </a:t>
+            </a:r>
+            <a:r>
+              <a:rPr lang="en-US" dirty="0" err="1"/>
+              <a:t>placerat</a:t>
+            </a:r>
+            <a:r>
+              <a:rPr lang="en-US" dirty="0"/>
+              <a:t> </a:t>
+            </a:r>
+            <a:r>
+              <a:rPr lang="en-US" dirty="0" err="1"/>
+              <a:t>ipsum</a:t>
+            </a:r>
+            <a:r>
+              <a:rPr lang="en-US" dirty="0"/>
+              <a:t>.</a:t>
+            </a:r>
+          </a:p>
+        </p:txBody>
+      </p:sp>
+      <p:sp>
+        <p:nvSpPr>
+          <p:cNvPr id="7" name="Picture Placeholder 6"/>
+          <p:cNvSpPr>
+            <a:spLocks noGrp="1"/>
+          </p:cNvSpPr>
+          <p:nvPr>
+            <p:ph type="pic" sz="quarter" idx="15"/>
+          </p:nvPr>
+        </p:nvSpPr>
+        <p:spPr/>
+      </p:sp>
+      <p:sp>
+        <p:nvSpPr>
+          <p:cNvPr id="9" name="Picture Placeholder 8"/>
+          <p:cNvSpPr>
+            <a:spLocks noGrp="1"/>
+          </p:cNvSpPr>
+          <p:nvPr>
+            <p:ph type="pic" sz="quarter" idx="16"/>
+          </p:nvPr>
+        </p:nvSpPr>
+        <p:spPr/>
+      </p:sp>
+    </p:spTree>
+  </p:cSld>
+  <p:clrMapOvr>
+    <a:masterClrMapping/>
+  </p:clrMapOvr>
+  <p:transition spd="med"/>
+</p:sld>
+</file>
+
+<file path=ppt/slides/slide24.xml><?xml version="1.0" encoding="utf-8"?>
+<p:sld xmlns:a="http://schemas.openxmlformats.org/drawingml/2006/main" xmlns:r="http://schemas.openxmlformats.org/officeDocument/2006/relationships" xmlns:p="http://schemas.openxmlformats.org/presentationml/2006/main">
+  <p:cSld>
+    <p:spTree>
+      <p:nvGrpSpPr>
+        <p:cNvPr id="1" name=""/>
+        <p:cNvGrpSpPr/>
+        <p:nvPr/>
+      </p:nvGrpSpPr>
+      <p:grpSpPr>
+        <a:xfrm>
+          <a:off x="0" y="0"/>
+          <a:ext cx="0" cy="0"/>
+          <a:chOff x="0" y="0"/>
+          <a:chExt cx="0" cy="0"/>
+        </a:xfrm>
+      </p:grpSpPr>
+      <p:sp>
+        <p:nvSpPr>
           <p:cNvPr id="5" name="Title 4"/>
           <p:cNvSpPr>
             <a:spLocks noGrp="1"/>
@@ -25923,7 +31853,7 @@
 </p:sld>
 </file>
 
-<file path=ppt/slides/slide24.xml><?xml version="1.0" encoding="utf-8"?>
+<file path=ppt/slides/slide25.xml><?xml version="1.0" encoding="utf-8"?>
 <p:sld xmlns:a="http://schemas.openxmlformats.org/drawingml/2006/main" xmlns:r="http://schemas.openxmlformats.org/officeDocument/2006/relationships" xmlns:p="http://schemas.openxmlformats.org/presentationml/2006/main" show="0">
   <p:cSld>
     <p:spTree>
@@ -25949,7 +31879,7 @@
 </p:sld>
 </file>
 
-<file path=ppt/slides/slide25.xml><?xml version="1.0" encoding="utf-8"?>
+<file path=ppt/slides/slide26.xml><?xml version="1.0" encoding="utf-8"?>
 <p:sld xmlns:a="http://schemas.openxmlformats.org/drawingml/2006/main" xmlns:r="http://schemas.openxmlformats.org/officeDocument/2006/relationships" xmlns:p="http://schemas.openxmlformats.org/presentationml/2006/main" show="0">
   <p:cSld>
     <p:spTree>
@@ -25975,7 +31905,7 @@
 </p:sld>
 </file>
 
-<file path=ppt/slides/slide26.xml><?xml version="1.0" encoding="utf-8"?>
+<file path=ppt/slides/slide27.xml><?xml version="1.0" encoding="utf-8"?>
 <p:sld xmlns:a="http://schemas.openxmlformats.org/drawingml/2006/main" xmlns:r="http://schemas.openxmlformats.org/officeDocument/2006/relationships" xmlns:p="http://schemas.openxmlformats.org/presentationml/2006/main" show="0">
   <p:cSld>
     <p:spTree>
